--- a/DD2_Proyecto_Chen/doc/Diagrama_Bloques.pptx
+++ b/DD2_Proyecto_Chen/doc/Diagrama_Bloques.pptx
@@ -4,13 +4,20 @@
   <p:sldMasterIdLst>
     <p:sldMasterId id="2147483648" r:id="rId1"/>
   </p:sldMasterIdLst>
+  <p:notesMasterIdLst>
+    <p:notesMasterId r:id="rId9"/>
+  </p:notesMasterIdLst>
+  <p:handoutMasterIdLst>
+    <p:handoutMasterId r:id="rId10"/>
+  </p:handoutMasterIdLst>
   <p:sldIdLst>
     <p:sldId id="256" r:id="rId2"/>
-    <p:sldId id="257" r:id="rId3"/>
-    <p:sldId id="258" r:id="rId4"/>
-    <p:sldId id="259" r:id="rId5"/>
-    <p:sldId id="260" r:id="rId6"/>
-    <p:sldId id="261" r:id="rId7"/>
+    <p:sldId id="262" r:id="rId3"/>
+    <p:sldId id="257" r:id="rId4"/>
+    <p:sldId id="258" r:id="rId5"/>
+    <p:sldId id="259" r:id="rId6"/>
+    <p:sldId id="260" r:id="rId7"/>
+    <p:sldId id="261" r:id="rId8"/>
   </p:sldIdLst>
   <p:sldSz cx="12192000" cy="6858000"/>
   <p:notesSz cx="6858000" cy="9144000"/>
@@ -109,7 +116,562 @@
       </a:defRPr>
     </a:lvl9pPr>
   </p:defaultTextStyle>
+  <p:extLst>
+    <p:ext uri="{EFAFB233-063F-42B5-8137-9DF3F51BA10A}">
+      <p15:sldGuideLst xmlns:p15="http://schemas.microsoft.com/office/powerpoint/2012/main">
+        <p15:guide id="1" orient="horz" pos="2160" userDrawn="1">
+          <p15:clr>
+            <a:srgbClr val="A4A3A4"/>
+          </p15:clr>
+        </p15:guide>
+        <p15:guide id="2" pos="3840" userDrawn="1">
+          <p15:clr>
+            <a:srgbClr val="A4A3A4"/>
+          </p15:clr>
+        </p15:guide>
+      </p15:sldGuideLst>
+    </p:ext>
+  </p:extLst>
 </p:presentation>
+</file>
+
+<file path=ppt/handoutMasters/handoutMaster1.xml><?xml version="1.0" encoding="utf-8"?>
+<p:handoutMaster xmlns:a="http://schemas.openxmlformats.org/drawingml/2006/main" xmlns:r="http://schemas.openxmlformats.org/officeDocument/2006/relationships" xmlns:p="http://schemas.openxmlformats.org/presentationml/2006/main">
+  <p:cSld>
+    <p:bg>
+      <p:bgRef idx="1001">
+        <a:schemeClr val="bg1"/>
+      </p:bgRef>
+    </p:bg>
+    <p:spTree>
+      <p:nvGrpSpPr>
+        <p:cNvPr id="1" name=""/>
+        <p:cNvGrpSpPr/>
+        <p:nvPr/>
+      </p:nvGrpSpPr>
+      <p:grpSpPr>
+        <a:xfrm>
+          <a:off x="0" y="0"/>
+          <a:ext cx="0" cy="0"/>
+          <a:chOff x="0" y="0"/>
+          <a:chExt cx="0" cy="0"/>
+        </a:xfrm>
+      </p:grpSpPr>
+      <p:sp>
+        <p:nvSpPr>
+          <p:cNvPr id="2" name="Marcador de encabezado 1">
+            <a:extLst>
+              <a:ext uri="{FF2B5EF4-FFF2-40B4-BE49-F238E27FC236}">
+                <a16:creationId xmlns:a16="http://schemas.microsoft.com/office/drawing/2014/main" id="{657321D3-28E5-D4EB-E825-688485F2B9C7}"/>
+              </a:ext>
+            </a:extLst>
+          </p:cNvPr>
+          <p:cNvSpPr>
+            <a:spLocks noGrp="1"/>
+          </p:cNvSpPr>
+          <p:nvPr>
+            <p:ph type="hdr" sz="quarter"/>
+          </p:nvPr>
+        </p:nvSpPr>
+        <p:spPr>
+          <a:xfrm>
+            <a:off x="0" y="0"/>
+            <a:ext cx="2971800" cy="458788"/>
+          </a:xfrm>
+          <a:prstGeom prst="rect">
+            <a:avLst/>
+          </a:prstGeom>
+        </p:spPr>
+        <p:txBody>
+          <a:bodyPr vert="horz" lIns="91440" tIns="45720" rIns="91440" bIns="45720" rtlCol="0"/>
+          <a:lstStyle>
+            <a:lvl1pPr algn="l">
+              <a:defRPr sz="1200"/>
+            </a:lvl1pPr>
+          </a:lstStyle>
+          <a:p>
+            <a:endParaRPr lang="en-US"/>
+          </a:p>
+        </p:txBody>
+      </p:sp>
+      <p:sp>
+        <p:nvSpPr>
+          <p:cNvPr id="3" name="Marcador de fecha 2">
+            <a:extLst>
+              <a:ext uri="{FF2B5EF4-FFF2-40B4-BE49-F238E27FC236}">
+                <a16:creationId xmlns:a16="http://schemas.microsoft.com/office/drawing/2014/main" id="{1E73C20D-EF52-9368-5FD5-76C0F38806C1}"/>
+              </a:ext>
+            </a:extLst>
+          </p:cNvPr>
+          <p:cNvSpPr>
+            <a:spLocks noGrp="1"/>
+          </p:cNvSpPr>
+          <p:nvPr>
+            <p:ph type="dt" sz="quarter" idx="1"/>
+          </p:nvPr>
+        </p:nvSpPr>
+        <p:spPr>
+          <a:xfrm>
+            <a:off x="3884613" y="0"/>
+            <a:ext cx="2971800" cy="458788"/>
+          </a:xfrm>
+          <a:prstGeom prst="rect">
+            <a:avLst/>
+          </a:prstGeom>
+        </p:spPr>
+        <p:txBody>
+          <a:bodyPr vert="horz" lIns="91440" tIns="45720" rIns="91440" bIns="45720" rtlCol="0"/>
+          <a:lstStyle>
+            <a:lvl1pPr algn="r">
+              <a:defRPr sz="1200"/>
+            </a:lvl1pPr>
+          </a:lstStyle>
+          <a:p>
+            <a:fld id="{561C053D-3895-46B6-B520-A523C3E2EDC8}" type="datetimeFigureOut">
+              <a:rPr lang="en-US" smtClean="0"/>
+              <a:t>5/21/2022</a:t>
+            </a:fld>
+            <a:endParaRPr lang="en-US"/>
+          </a:p>
+        </p:txBody>
+      </p:sp>
+      <p:sp>
+        <p:nvSpPr>
+          <p:cNvPr id="4" name="Marcador de pie de página 3">
+            <a:extLst>
+              <a:ext uri="{FF2B5EF4-FFF2-40B4-BE49-F238E27FC236}">
+                <a16:creationId xmlns:a16="http://schemas.microsoft.com/office/drawing/2014/main" id="{2692D9C7-9E19-B769-8D97-38328A7543F9}"/>
+              </a:ext>
+            </a:extLst>
+          </p:cNvPr>
+          <p:cNvSpPr>
+            <a:spLocks noGrp="1"/>
+          </p:cNvSpPr>
+          <p:nvPr>
+            <p:ph type="ftr" sz="quarter" idx="2"/>
+          </p:nvPr>
+        </p:nvSpPr>
+        <p:spPr>
+          <a:xfrm>
+            <a:off x="0" y="8685213"/>
+            <a:ext cx="2971800" cy="458787"/>
+          </a:xfrm>
+          <a:prstGeom prst="rect">
+            <a:avLst/>
+          </a:prstGeom>
+        </p:spPr>
+        <p:txBody>
+          <a:bodyPr vert="horz" lIns="91440" tIns="45720" rIns="91440" bIns="45720" rtlCol="0" anchor="b"/>
+          <a:lstStyle>
+            <a:lvl1pPr algn="l">
+              <a:defRPr sz="1200"/>
+            </a:lvl1pPr>
+          </a:lstStyle>
+          <a:p>
+            <a:endParaRPr lang="en-US"/>
+          </a:p>
+        </p:txBody>
+      </p:sp>
+      <p:sp>
+        <p:nvSpPr>
+          <p:cNvPr id="5" name="Marcador de número de diapositiva 4">
+            <a:extLst>
+              <a:ext uri="{FF2B5EF4-FFF2-40B4-BE49-F238E27FC236}">
+                <a16:creationId xmlns:a16="http://schemas.microsoft.com/office/drawing/2014/main" id="{58F14DF5-930D-F82B-5E87-3259E347EFF3}"/>
+              </a:ext>
+            </a:extLst>
+          </p:cNvPr>
+          <p:cNvSpPr>
+            <a:spLocks noGrp="1"/>
+          </p:cNvSpPr>
+          <p:nvPr>
+            <p:ph type="sldNum" sz="quarter" idx="3"/>
+          </p:nvPr>
+        </p:nvSpPr>
+        <p:spPr>
+          <a:xfrm>
+            <a:off x="3884613" y="8685213"/>
+            <a:ext cx="2971800" cy="458787"/>
+          </a:xfrm>
+          <a:prstGeom prst="rect">
+            <a:avLst/>
+          </a:prstGeom>
+        </p:spPr>
+        <p:txBody>
+          <a:bodyPr vert="horz" lIns="91440" tIns="45720" rIns="91440" bIns="45720" rtlCol="0" anchor="b"/>
+          <a:lstStyle>
+            <a:lvl1pPr algn="r">
+              <a:defRPr sz="1200"/>
+            </a:lvl1pPr>
+          </a:lstStyle>
+          <a:p>
+            <a:fld id="{90DFA67F-2CF6-4817-91A4-C24B6FA227E1}" type="slidenum">
+              <a:rPr lang="en-US" smtClean="0"/>
+              <a:t>‹Nº›</a:t>
+            </a:fld>
+            <a:endParaRPr lang="en-US"/>
+          </a:p>
+        </p:txBody>
+      </p:sp>
+    </p:spTree>
+    <p:extLst>
+      <p:ext uri="{BB962C8B-B14F-4D97-AF65-F5344CB8AC3E}">
+        <p14:creationId xmlns:p14="http://schemas.microsoft.com/office/powerpoint/2010/main" val="3118867489"/>
+      </p:ext>
+    </p:extLst>
+  </p:cSld>
+  <p:clrMap bg1="lt1" tx1="dk1" bg2="lt2" tx2="dk2" accent1="accent1" accent2="accent2" accent3="accent3" accent4="accent4" accent5="accent5" accent6="accent6" hlink="hlink" folHlink="folHlink"/>
+</p:handoutMaster>
+</file>
+
+<file path=ppt/notesMasters/notesMaster1.xml><?xml version="1.0" encoding="utf-8"?>
+<p:notesMaster xmlns:a="http://schemas.openxmlformats.org/drawingml/2006/main" xmlns:r="http://schemas.openxmlformats.org/officeDocument/2006/relationships" xmlns:p="http://schemas.openxmlformats.org/presentationml/2006/main">
+  <p:cSld>
+    <p:bg>
+      <p:bgRef idx="1001">
+        <a:schemeClr val="bg1"/>
+      </p:bgRef>
+    </p:bg>
+    <p:spTree>
+      <p:nvGrpSpPr>
+        <p:cNvPr id="1" name=""/>
+        <p:cNvGrpSpPr/>
+        <p:nvPr/>
+      </p:nvGrpSpPr>
+      <p:grpSpPr>
+        <a:xfrm>
+          <a:off x="0" y="0"/>
+          <a:ext cx="0" cy="0"/>
+          <a:chOff x="0" y="0"/>
+          <a:chExt cx="0" cy="0"/>
+        </a:xfrm>
+      </p:grpSpPr>
+      <p:sp>
+        <p:nvSpPr>
+          <p:cNvPr id="2" name="Marcador de encabezado 1"/>
+          <p:cNvSpPr>
+            <a:spLocks noGrp="1"/>
+          </p:cNvSpPr>
+          <p:nvPr>
+            <p:ph type="hdr" sz="quarter"/>
+          </p:nvPr>
+        </p:nvSpPr>
+        <p:spPr>
+          <a:xfrm>
+            <a:off x="0" y="0"/>
+            <a:ext cx="2971800" cy="458788"/>
+          </a:xfrm>
+          <a:prstGeom prst="rect">
+            <a:avLst/>
+          </a:prstGeom>
+        </p:spPr>
+        <p:txBody>
+          <a:bodyPr vert="horz" lIns="91440" tIns="45720" rIns="91440" bIns="45720" rtlCol="0"/>
+          <a:lstStyle>
+            <a:lvl1pPr algn="l">
+              <a:defRPr sz="1200"/>
+            </a:lvl1pPr>
+          </a:lstStyle>
+          <a:p>
+            <a:endParaRPr lang="en-US"/>
+          </a:p>
+        </p:txBody>
+      </p:sp>
+      <p:sp>
+        <p:nvSpPr>
+          <p:cNvPr id="3" name="Marcador de fecha 2"/>
+          <p:cNvSpPr>
+            <a:spLocks noGrp="1"/>
+          </p:cNvSpPr>
+          <p:nvPr>
+            <p:ph type="dt" idx="1"/>
+          </p:nvPr>
+        </p:nvSpPr>
+        <p:spPr>
+          <a:xfrm>
+            <a:off x="3884613" y="0"/>
+            <a:ext cx="2971800" cy="458788"/>
+          </a:xfrm>
+          <a:prstGeom prst="rect">
+            <a:avLst/>
+          </a:prstGeom>
+        </p:spPr>
+        <p:txBody>
+          <a:bodyPr vert="horz" lIns="91440" tIns="45720" rIns="91440" bIns="45720" rtlCol="0"/>
+          <a:lstStyle>
+            <a:lvl1pPr algn="r">
+              <a:defRPr sz="1200"/>
+            </a:lvl1pPr>
+          </a:lstStyle>
+          <a:p>
+            <a:fld id="{5AFD6A60-411D-47C0-BC65-AC1EF5E87A25}" type="datetimeFigureOut">
+              <a:rPr lang="en-US" smtClean="0"/>
+              <a:t>5/21/2022</a:t>
+            </a:fld>
+            <a:endParaRPr lang="en-US"/>
+          </a:p>
+        </p:txBody>
+      </p:sp>
+      <p:sp>
+        <p:nvSpPr>
+          <p:cNvPr id="4" name="Marcador de imagen de diapositiva 3"/>
+          <p:cNvSpPr>
+            <a:spLocks noGrp="1" noRot="1" noChangeAspect="1"/>
+          </p:cNvSpPr>
+          <p:nvPr>
+            <p:ph type="sldImg" idx="2"/>
+          </p:nvPr>
+        </p:nvSpPr>
+        <p:spPr>
+          <a:xfrm>
+            <a:off x="685800" y="1143000"/>
+            <a:ext cx="5486400" cy="3086100"/>
+          </a:xfrm>
+          <a:prstGeom prst="rect">
+            <a:avLst/>
+          </a:prstGeom>
+          <a:noFill/>
+          <a:ln w="12700">
+            <a:solidFill>
+              <a:prstClr val="black"/>
+            </a:solidFill>
+          </a:ln>
+        </p:spPr>
+        <p:txBody>
+          <a:bodyPr vert="horz" lIns="91440" tIns="45720" rIns="91440" bIns="45720" rtlCol="0" anchor="ctr"/>
+          <a:lstStyle/>
+          <a:p>
+            <a:endParaRPr lang="en-US"/>
+          </a:p>
+        </p:txBody>
+      </p:sp>
+      <p:sp>
+        <p:nvSpPr>
+          <p:cNvPr id="5" name="Marcador de notas 4"/>
+          <p:cNvSpPr>
+            <a:spLocks noGrp="1"/>
+          </p:cNvSpPr>
+          <p:nvPr>
+            <p:ph type="body" sz="quarter" idx="3"/>
+          </p:nvPr>
+        </p:nvSpPr>
+        <p:spPr>
+          <a:xfrm>
+            <a:off x="685800" y="4400550"/>
+            <a:ext cx="5486400" cy="3600450"/>
+          </a:xfrm>
+          <a:prstGeom prst="rect">
+            <a:avLst/>
+          </a:prstGeom>
+        </p:spPr>
+        <p:txBody>
+          <a:bodyPr vert="horz" lIns="91440" tIns="45720" rIns="91440" bIns="45720" rtlCol="0"/>
+          <a:lstStyle/>
+          <a:p>
+            <a:pPr lvl="0"/>
+            <a:r>
+              <a:rPr lang="es-ES"/>
+              <a:t>Haga clic para modificar los estilos de texto del patrón</a:t>
+            </a:r>
+          </a:p>
+          <a:p>
+            <a:pPr lvl="1"/>
+            <a:r>
+              <a:rPr lang="es-ES"/>
+              <a:t>Segundo nivel</a:t>
+            </a:r>
+          </a:p>
+          <a:p>
+            <a:pPr lvl="2"/>
+            <a:r>
+              <a:rPr lang="es-ES"/>
+              <a:t>Tercer nivel</a:t>
+            </a:r>
+          </a:p>
+          <a:p>
+            <a:pPr lvl="3"/>
+            <a:r>
+              <a:rPr lang="es-ES"/>
+              <a:t>Cuarto nivel</a:t>
+            </a:r>
+          </a:p>
+          <a:p>
+            <a:pPr lvl="4"/>
+            <a:r>
+              <a:rPr lang="es-ES"/>
+              <a:t>Quinto nivel</a:t>
+            </a:r>
+            <a:endParaRPr lang="en-US"/>
+          </a:p>
+        </p:txBody>
+      </p:sp>
+      <p:sp>
+        <p:nvSpPr>
+          <p:cNvPr id="6" name="Marcador de pie de página 5"/>
+          <p:cNvSpPr>
+            <a:spLocks noGrp="1"/>
+          </p:cNvSpPr>
+          <p:nvPr>
+            <p:ph type="ftr" sz="quarter" idx="4"/>
+          </p:nvPr>
+        </p:nvSpPr>
+        <p:spPr>
+          <a:xfrm>
+            <a:off x="0" y="8685213"/>
+            <a:ext cx="2971800" cy="458787"/>
+          </a:xfrm>
+          <a:prstGeom prst="rect">
+            <a:avLst/>
+          </a:prstGeom>
+        </p:spPr>
+        <p:txBody>
+          <a:bodyPr vert="horz" lIns="91440" tIns="45720" rIns="91440" bIns="45720" rtlCol="0" anchor="b"/>
+          <a:lstStyle>
+            <a:lvl1pPr algn="l">
+              <a:defRPr sz="1200"/>
+            </a:lvl1pPr>
+          </a:lstStyle>
+          <a:p>
+            <a:endParaRPr lang="en-US"/>
+          </a:p>
+        </p:txBody>
+      </p:sp>
+      <p:sp>
+        <p:nvSpPr>
+          <p:cNvPr id="7" name="Marcador de número de diapositiva 6"/>
+          <p:cNvSpPr>
+            <a:spLocks noGrp="1"/>
+          </p:cNvSpPr>
+          <p:nvPr>
+            <p:ph type="sldNum" sz="quarter" idx="5"/>
+          </p:nvPr>
+        </p:nvSpPr>
+        <p:spPr>
+          <a:xfrm>
+            <a:off x="3884613" y="8685213"/>
+            <a:ext cx="2971800" cy="458787"/>
+          </a:xfrm>
+          <a:prstGeom prst="rect">
+            <a:avLst/>
+          </a:prstGeom>
+        </p:spPr>
+        <p:txBody>
+          <a:bodyPr vert="horz" lIns="91440" tIns="45720" rIns="91440" bIns="45720" rtlCol="0" anchor="b"/>
+          <a:lstStyle>
+            <a:lvl1pPr algn="r">
+              <a:defRPr sz="1200"/>
+            </a:lvl1pPr>
+          </a:lstStyle>
+          <a:p>
+            <a:fld id="{40B4D2DC-4D90-40D6-BD3D-C630EA6C5F6E}" type="slidenum">
+              <a:rPr lang="en-US" smtClean="0"/>
+              <a:t>‹Nº›</a:t>
+            </a:fld>
+            <a:endParaRPr lang="en-US"/>
+          </a:p>
+        </p:txBody>
+      </p:sp>
+    </p:spTree>
+    <p:extLst>
+      <p:ext uri="{BB962C8B-B14F-4D97-AF65-F5344CB8AC3E}">
+        <p14:creationId xmlns:p14="http://schemas.microsoft.com/office/powerpoint/2010/main" val="3547965903"/>
+      </p:ext>
+    </p:extLst>
+  </p:cSld>
+  <p:clrMap bg1="lt1" tx1="dk1" bg2="lt2" tx2="dk2" accent1="accent1" accent2="accent2" accent3="accent3" accent4="accent4" accent5="accent5" accent6="accent6" hlink="hlink" folHlink="folHlink"/>
+  <p:notesStyle>
+    <a:lvl1pPr marL="0" algn="l" defTabSz="914400" rtl="0" eaLnBrk="1" latinLnBrk="0" hangingPunct="1">
+      <a:defRPr sz="1200" kern="1200">
+        <a:solidFill>
+          <a:schemeClr val="tx1"/>
+        </a:solidFill>
+        <a:latin typeface="+mn-lt"/>
+        <a:ea typeface="+mn-ea"/>
+        <a:cs typeface="+mn-cs"/>
+      </a:defRPr>
+    </a:lvl1pPr>
+    <a:lvl2pPr marL="457200" algn="l" defTabSz="914400" rtl="0" eaLnBrk="1" latinLnBrk="0" hangingPunct="1">
+      <a:defRPr sz="1200" kern="1200">
+        <a:solidFill>
+          <a:schemeClr val="tx1"/>
+        </a:solidFill>
+        <a:latin typeface="+mn-lt"/>
+        <a:ea typeface="+mn-ea"/>
+        <a:cs typeface="+mn-cs"/>
+      </a:defRPr>
+    </a:lvl2pPr>
+    <a:lvl3pPr marL="914400" algn="l" defTabSz="914400" rtl="0" eaLnBrk="1" latinLnBrk="0" hangingPunct="1">
+      <a:defRPr sz="1200" kern="1200">
+        <a:solidFill>
+          <a:schemeClr val="tx1"/>
+        </a:solidFill>
+        <a:latin typeface="+mn-lt"/>
+        <a:ea typeface="+mn-ea"/>
+        <a:cs typeface="+mn-cs"/>
+      </a:defRPr>
+    </a:lvl3pPr>
+    <a:lvl4pPr marL="1371600" algn="l" defTabSz="914400" rtl="0" eaLnBrk="1" latinLnBrk="0" hangingPunct="1">
+      <a:defRPr sz="1200" kern="1200">
+        <a:solidFill>
+          <a:schemeClr val="tx1"/>
+        </a:solidFill>
+        <a:latin typeface="+mn-lt"/>
+        <a:ea typeface="+mn-ea"/>
+        <a:cs typeface="+mn-cs"/>
+      </a:defRPr>
+    </a:lvl4pPr>
+    <a:lvl5pPr marL="1828800" algn="l" defTabSz="914400" rtl="0" eaLnBrk="1" latinLnBrk="0" hangingPunct="1">
+      <a:defRPr sz="1200" kern="1200">
+        <a:solidFill>
+          <a:schemeClr val="tx1"/>
+        </a:solidFill>
+        <a:latin typeface="+mn-lt"/>
+        <a:ea typeface="+mn-ea"/>
+        <a:cs typeface="+mn-cs"/>
+      </a:defRPr>
+    </a:lvl5pPr>
+    <a:lvl6pPr marL="2286000" algn="l" defTabSz="914400" rtl="0" eaLnBrk="1" latinLnBrk="0" hangingPunct="1">
+      <a:defRPr sz="1200" kern="1200">
+        <a:solidFill>
+          <a:schemeClr val="tx1"/>
+        </a:solidFill>
+        <a:latin typeface="+mn-lt"/>
+        <a:ea typeface="+mn-ea"/>
+        <a:cs typeface="+mn-cs"/>
+      </a:defRPr>
+    </a:lvl6pPr>
+    <a:lvl7pPr marL="2743200" algn="l" defTabSz="914400" rtl="0" eaLnBrk="1" latinLnBrk="0" hangingPunct="1">
+      <a:defRPr sz="1200" kern="1200">
+        <a:solidFill>
+          <a:schemeClr val="tx1"/>
+        </a:solidFill>
+        <a:latin typeface="+mn-lt"/>
+        <a:ea typeface="+mn-ea"/>
+        <a:cs typeface="+mn-cs"/>
+      </a:defRPr>
+    </a:lvl7pPr>
+    <a:lvl8pPr marL="3200400" algn="l" defTabSz="914400" rtl="0" eaLnBrk="1" latinLnBrk="0" hangingPunct="1">
+      <a:defRPr sz="1200" kern="1200">
+        <a:solidFill>
+          <a:schemeClr val="tx1"/>
+        </a:solidFill>
+        <a:latin typeface="+mn-lt"/>
+        <a:ea typeface="+mn-ea"/>
+        <a:cs typeface="+mn-cs"/>
+      </a:defRPr>
+    </a:lvl8pPr>
+    <a:lvl9pPr marL="3657600" algn="l" defTabSz="914400" rtl="0" eaLnBrk="1" latinLnBrk="0" hangingPunct="1">
+      <a:defRPr sz="1200" kern="1200">
+        <a:solidFill>
+          <a:schemeClr val="tx1"/>
+        </a:solidFill>
+        <a:latin typeface="+mn-lt"/>
+        <a:ea typeface="+mn-ea"/>
+        <a:cs typeface="+mn-cs"/>
+      </a:defRPr>
+    </a:lvl9pPr>
+  </p:notesStyle>
+</p:notesMaster>
 </file>
 
 <file path=ppt/slideLayouts/slideLayout1.xml><?xml version="1.0" encoding="utf-8"?>
@@ -259,7 +821,7 @@
           <a:p>
             <a:fld id="{55702066-0113-4F40-AC2C-2FC40F98C312}" type="datetimeFigureOut">
               <a:rPr lang="es-ES" smtClean="0"/>
-              <a:t>18/05/2022</a:t>
+              <a:t>21/05/2022</a:t>
             </a:fld>
             <a:endParaRPr lang="es-ES"/>
           </a:p>
@@ -457,7 +1019,7 @@
           <a:p>
             <a:fld id="{55702066-0113-4F40-AC2C-2FC40F98C312}" type="datetimeFigureOut">
               <a:rPr lang="es-ES" smtClean="0"/>
-              <a:t>18/05/2022</a:t>
+              <a:t>21/05/2022</a:t>
             </a:fld>
             <a:endParaRPr lang="es-ES"/>
           </a:p>
@@ -665,7 +1227,7 @@
           <a:p>
             <a:fld id="{55702066-0113-4F40-AC2C-2FC40F98C312}" type="datetimeFigureOut">
               <a:rPr lang="es-ES" smtClean="0"/>
-              <a:t>18/05/2022</a:t>
+              <a:t>21/05/2022</a:t>
             </a:fld>
             <a:endParaRPr lang="es-ES"/>
           </a:p>
@@ -863,7 +1425,7 @@
           <a:p>
             <a:fld id="{55702066-0113-4F40-AC2C-2FC40F98C312}" type="datetimeFigureOut">
               <a:rPr lang="es-ES" smtClean="0"/>
-              <a:t>18/05/2022</a:t>
+              <a:t>21/05/2022</a:t>
             </a:fld>
             <a:endParaRPr lang="es-ES"/>
           </a:p>
@@ -1138,7 +1700,7 @@
           <a:p>
             <a:fld id="{55702066-0113-4F40-AC2C-2FC40F98C312}" type="datetimeFigureOut">
               <a:rPr lang="es-ES" smtClean="0"/>
-              <a:t>18/05/2022</a:t>
+              <a:t>21/05/2022</a:t>
             </a:fld>
             <a:endParaRPr lang="es-ES"/>
           </a:p>
@@ -1403,7 +1965,7 @@
           <a:p>
             <a:fld id="{55702066-0113-4F40-AC2C-2FC40F98C312}" type="datetimeFigureOut">
               <a:rPr lang="es-ES" smtClean="0"/>
-              <a:t>18/05/2022</a:t>
+              <a:t>21/05/2022</a:t>
             </a:fld>
             <a:endParaRPr lang="es-ES"/>
           </a:p>
@@ -1815,7 +2377,7 @@
           <a:p>
             <a:fld id="{55702066-0113-4F40-AC2C-2FC40F98C312}" type="datetimeFigureOut">
               <a:rPr lang="es-ES" smtClean="0"/>
-              <a:t>18/05/2022</a:t>
+              <a:t>21/05/2022</a:t>
             </a:fld>
             <a:endParaRPr lang="es-ES"/>
           </a:p>
@@ -1956,7 +2518,7 @@
           <a:p>
             <a:fld id="{55702066-0113-4F40-AC2C-2FC40F98C312}" type="datetimeFigureOut">
               <a:rPr lang="es-ES" smtClean="0"/>
-              <a:t>18/05/2022</a:t>
+              <a:t>21/05/2022</a:t>
             </a:fld>
             <a:endParaRPr lang="es-ES"/>
           </a:p>
@@ -2069,7 +2631,7 @@
           <a:p>
             <a:fld id="{55702066-0113-4F40-AC2C-2FC40F98C312}" type="datetimeFigureOut">
               <a:rPr lang="es-ES" smtClean="0"/>
-              <a:t>18/05/2022</a:t>
+              <a:t>21/05/2022</a:t>
             </a:fld>
             <a:endParaRPr lang="es-ES"/>
           </a:p>
@@ -2380,7 +2942,7 @@
           <a:p>
             <a:fld id="{55702066-0113-4F40-AC2C-2FC40F98C312}" type="datetimeFigureOut">
               <a:rPr lang="es-ES" smtClean="0"/>
-              <a:t>18/05/2022</a:t>
+              <a:t>21/05/2022</a:t>
             </a:fld>
             <a:endParaRPr lang="es-ES"/>
           </a:p>
@@ -2668,7 +3230,7 @@
           <a:p>
             <a:fld id="{55702066-0113-4F40-AC2C-2FC40F98C312}" type="datetimeFigureOut">
               <a:rPr lang="es-ES" smtClean="0"/>
-              <a:t>18/05/2022</a:t>
+              <a:t>21/05/2022</a:t>
             </a:fld>
             <a:endParaRPr lang="es-ES"/>
           </a:p>
@@ -2909,7 +3471,7 @@
           <a:p>
             <a:fld id="{55702066-0113-4F40-AC2C-2FC40F98C312}" type="datetimeFigureOut">
               <a:rPr lang="es-ES" smtClean="0"/>
-              <a:t>18/05/2022</a:t>
+              <a:t>21/05/2022</a:t>
             </a:fld>
             <a:endParaRPr lang="es-ES"/>
           </a:p>
@@ -3340,7 +3902,7 @@
         </p:nvSpPr>
         <p:spPr>
           <a:xfrm>
-            <a:off x="4296000" y="1629000"/>
+            <a:off x="1319120" y="1629000"/>
             <a:ext cx="3600000" cy="3600000"/>
           </a:xfrm>
           <a:prstGeom prst="rect">
@@ -3374,7 +3936,993 @@
           <a:lstStyle/>
           <a:p>
             <a:pPr algn="ctr"/>
-            <a:endParaRPr lang="es-ES"/>
+            <a:endParaRPr lang="es-ES" dirty="0"/>
+          </a:p>
+        </p:txBody>
+      </p:sp>
+      <p:sp>
+        <p:nvSpPr>
+          <p:cNvPr id="2" name="CuadroTexto 1">
+            <a:extLst>
+              <a:ext uri="{FF2B5EF4-FFF2-40B4-BE49-F238E27FC236}">
+                <a16:creationId xmlns:a16="http://schemas.microsoft.com/office/drawing/2014/main" id="{7DA29224-C8AA-DDBF-9424-6F6E725BD532}"/>
+              </a:ext>
+            </a:extLst>
+          </p:cNvPr>
+          <p:cNvSpPr txBox="1"/>
+          <p:nvPr/>
+        </p:nvSpPr>
+        <p:spPr>
+          <a:xfrm>
+            <a:off x="2660661" y="1105780"/>
+            <a:ext cx="916918" cy="523220"/>
+          </a:xfrm>
+          <a:prstGeom prst="rect">
+            <a:avLst/>
+          </a:prstGeom>
+          <a:noFill/>
+        </p:spPr>
+        <p:txBody>
+          <a:bodyPr wrap="none" rtlCol="0">
+            <a:spAutoFit/>
+          </a:bodyPr>
+          <a:lstStyle/>
+          <a:p>
+            <a:r>
+              <a:rPr lang="es-ES" sz="2800" dirty="0"/>
+              <a:t>Nivel</a:t>
+            </a:r>
+            <a:endParaRPr lang="en-US" dirty="0"/>
+          </a:p>
+        </p:txBody>
+      </p:sp>
+      <p:cxnSp>
+        <p:nvCxnSpPr>
+          <p:cNvPr id="5" name="Conector recto 4">
+            <a:extLst>
+              <a:ext uri="{FF2B5EF4-FFF2-40B4-BE49-F238E27FC236}">
+                <a16:creationId xmlns:a16="http://schemas.microsoft.com/office/drawing/2014/main" id="{EA4CEEFB-1AD0-1055-8311-7A10E513B0CF}"/>
+              </a:ext>
+            </a:extLst>
+          </p:cNvPr>
+          <p:cNvCxnSpPr>
+            <a:cxnSpLocks/>
+          </p:cNvCxnSpPr>
+          <p:nvPr/>
+        </p:nvCxnSpPr>
+        <p:spPr>
+          <a:xfrm>
+            <a:off x="4912375" y="2697468"/>
+            <a:ext cx="1695040" cy="0"/>
+          </a:xfrm>
+          <a:prstGeom prst="line">
+            <a:avLst/>
+          </a:prstGeom>
+          <a:ln w="28575"/>
+        </p:spPr>
+        <p:style>
+          <a:lnRef idx="1">
+            <a:schemeClr val="dk1"/>
+          </a:lnRef>
+          <a:fillRef idx="0">
+            <a:schemeClr val="dk1"/>
+          </a:fillRef>
+          <a:effectRef idx="0">
+            <a:schemeClr val="dk1"/>
+          </a:effectRef>
+          <a:fontRef idx="minor">
+            <a:schemeClr val="tx1"/>
+          </a:fontRef>
+        </p:style>
+      </p:cxnSp>
+      <p:cxnSp>
+        <p:nvCxnSpPr>
+          <p:cNvPr id="7" name="Conector recto 6">
+            <a:extLst>
+              <a:ext uri="{FF2B5EF4-FFF2-40B4-BE49-F238E27FC236}">
+                <a16:creationId xmlns:a16="http://schemas.microsoft.com/office/drawing/2014/main" id="{71DAF938-BC8A-1F7F-0951-08D5820D3E73}"/>
+              </a:ext>
+            </a:extLst>
+          </p:cNvPr>
+          <p:cNvCxnSpPr>
+            <a:cxnSpLocks/>
+          </p:cNvCxnSpPr>
+          <p:nvPr/>
+        </p:nvCxnSpPr>
+        <p:spPr>
+          <a:xfrm>
+            <a:off x="558800" y="2946268"/>
+            <a:ext cx="760320" cy="0"/>
+          </a:xfrm>
+          <a:prstGeom prst="line">
+            <a:avLst/>
+          </a:prstGeom>
+          <a:ln w="28575"/>
+        </p:spPr>
+        <p:style>
+          <a:lnRef idx="1">
+            <a:schemeClr val="dk1"/>
+          </a:lnRef>
+          <a:fillRef idx="0">
+            <a:schemeClr val="dk1"/>
+          </a:fillRef>
+          <a:effectRef idx="0">
+            <a:schemeClr val="dk1"/>
+          </a:effectRef>
+          <a:fontRef idx="minor">
+            <a:schemeClr val="tx1"/>
+          </a:fontRef>
+        </p:style>
+      </p:cxnSp>
+      <p:cxnSp>
+        <p:nvCxnSpPr>
+          <p:cNvPr id="8" name="Conector recto 7">
+            <a:extLst>
+              <a:ext uri="{FF2B5EF4-FFF2-40B4-BE49-F238E27FC236}">
+                <a16:creationId xmlns:a16="http://schemas.microsoft.com/office/drawing/2014/main" id="{10765BAE-0BBB-8A7E-9C41-0042199A3F99}"/>
+              </a:ext>
+            </a:extLst>
+          </p:cNvPr>
+          <p:cNvCxnSpPr>
+            <a:cxnSpLocks/>
+          </p:cNvCxnSpPr>
+          <p:nvPr/>
+        </p:nvCxnSpPr>
+        <p:spPr>
+          <a:xfrm>
+            <a:off x="4915761" y="3654200"/>
+            <a:ext cx="1695040" cy="0"/>
+          </a:xfrm>
+          <a:prstGeom prst="line">
+            <a:avLst/>
+          </a:prstGeom>
+          <a:ln w="28575"/>
+        </p:spPr>
+        <p:style>
+          <a:lnRef idx="1">
+            <a:schemeClr val="dk1"/>
+          </a:lnRef>
+          <a:fillRef idx="0">
+            <a:schemeClr val="dk1"/>
+          </a:fillRef>
+          <a:effectRef idx="0">
+            <a:schemeClr val="dk1"/>
+          </a:effectRef>
+          <a:fontRef idx="minor">
+            <a:schemeClr val="tx1"/>
+          </a:fontRef>
+        </p:style>
+      </p:cxnSp>
+      <p:cxnSp>
+        <p:nvCxnSpPr>
+          <p:cNvPr id="9" name="Conector recto 8">
+            <a:extLst>
+              <a:ext uri="{FF2B5EF4-FFF2-40B4-BE49-F238E27FC236}">
+                <a16:creationId xmlns:a16="http://schemas.microsoft.com/office/drawing/2014/main" id="{6840613F-04BE-4E85-13FC-1440EE6425E9}"/>
+              </a:ext>
+            </a:extLst>
+          </p:cNvPr>
+          <p:cNvCxnSpPr>
+            <a:cxnSpLocks/>
+          </p:cNvCxnSpPr>
+          <p:nvPr/>
+        </p:nvCxnSpPr>
+        <p:spPr>
+          <a:xfrm>
+            <a:off x="4905601" y="3175000"/>
+            <a:ext cx="1695040" cy="0"/>
+          </a:xfrm>
+          <a:prstGeom prst="line">
+            <a:avLst/>
+          </a:prstGeom>
+          <a:ln w="28575"/>
+        </p:spPr>
+        <p:style>
+          <a:lnRef idx="1">
+            <a:schemeClr val="dk1"/>
+          </a:lnRef>
+          <a:fillRef idx="0">
+            <a:schemeClr val="dk1"/>
+          </a:fillRef>
+          <a:effectRef idx="0">
+            <a:schemeClr val="dk1"/>
+          </a:effectRef>
+          <a:fontRef idx="minor">
+            <a:schemeClr val="tx1"/>
+          </a:fontRef>
+        </p:style>
+      </p:cxnSp>
+      <p:cxnSp>
+        <p:nvCxnSpPr>
+          <p:cNvPr id="14" name="Conector recto 13">
+            <a:extLst>
+              <a:ext uri="{FF2B5EF4-FFF2-40B4-BE49-F238E27FC236}">
+                <a16:creationId xmlns:a16="http://schemas.microsoft.com/office/drawing/2014/main" id="{2FACDADA-1821-2482-F1A9-71995D2763B0}"/>
+              </a:ext>
+            </a:extLst>
+          </p:cNvPr>
+          <p:cNvCxnSpPr>
+            <a:cxnSpLocks/>
+          </p:cNvCxnSpPr>
+          <p:nvPr/>
+        </p:nvCxnSpPr>
+        <p:spPr>
+          <a:xfrm>
+            <a:off x="4914068" y="2218268"/>
+            <a:ext cx="1695040" cy="0"/>
+          </a:xfrm>
+          <a:prstGeom prst="line">
+            <a:avLst/>
+          </a:prstGeom>
+          <a:ln w="28575"/>
+        </p:spPr>
+        <p:style>
+          <a:lnRef idx="1">
+            <a:schemeClr val="dk1"/>
+          </a:lnRef>
+          <a:fillRef idx="0">
+            <a:schemeClr val="dk1"/>
+          </a:fillRef>
+          <a:effectRef idx="0">
+            <a:schemeClr val="dk1"/>
+          </a:effectRef>
+          <a:fontRef idx="minor">
+            <a:schemeClr val="tx1"/>
+          </a:fontRef>
+        </p:style>
+      </p:cxnSp>
+      <p:cxnSp>
+        <p:nvCxnSpPr>
+          <p:cNvPr id="16" name="Conector recto 15">
+            <a:extLst>
+              <a:ext uri="{FF2B5EF4-FFF2-40B4-BE49-F238E27FC236}">
+                <a16:creationId xmlns:a16="http://schemas.microsoft.com/office/drawing/2014/main" id="{9A5F0A0D-4624-72FB-ED66-17D36BB0586C}"/>
+              </a:ext>
+            </a:extLst>
+          </p:cNvPr>
+          <p:cNvCxnSpPr>
+            <a:cxnSpLocks/>
+          </p:cNvCxnSpPr>
+          <p:nvPr/>
+        </p:nvCxnSpPr>
+        <p:spPr>
+          <a:xfrm>
+            <a:off x="4915761" y="4133400"/>
+            <a:ext cx="1695040" cy="0"/>
+          </a:xfrm>
+          <a:prstGeom prst="line">
+            <a:avLst/>
+          </a:prstGeom>
+          <a:ln w="28575"/>
+        </p:spPr>
+        <p:style>
+          <a:lnRef idx="1">
+            <a:schemeClr val="dk1"/>
+          </a:lnRef>
+          <a:fillRef idx="0">
+            <a:schemeClr val="dk1"/>
+          </a:fillRef>
+          <a:effectRef idx="0">
+            <a:schemeClr val="dk1"/>
+          </a:effectRef>
+          <a:fontRef idx="minor">
+            <a:schemeClr val="tx1"/>
+          </a:fontRef>
+        </p:style>
+      </p:cxnSp>
+      <p:cxnSp>
+        <p:nvCxnSpPr>
+          <p:cNvPr id="18" name="Conector recto 17">
+            <a:extLst>
+              <a:ext uri="{FF2B5EF4-FFF2-40B4-BE49-F238E27FC236}">
+                <a16:creationId xmlns:a16="http://schemas.microsoft.com/office/drawing/2014/main" id="{3654967B-F8A6-5FA9-5E4C-36B97701E122}"/>
+              </a:ext>
+            </a:extLst>
+          </p:cNvPr>
+          <p:cNvCxnSpPr>
+            <a:cxnSpLocks/>
+          </p:cNvCxnSpPr>
+          <p:nvPr/>
+        </p:nvCxnSpPr>
+        <p:spPr>
+          <a:xfrm>
+            <a:off x="4905601" y="4612600"/>
+            <a:ext cx="1695040" cy="0"/>
+          </a:xfrm>
+          <a:prstGeom prst="line">
+            <a:avLst/>
+          </a:prstGeom>
+          <a:ln w="28575"/>
+        </p:spPr>
+        <p:style>
+          <a:lnRef idx="1">
+            <a:schemeClr val="dk1"/>
+          </a:lnRef>
+          <a:fillRef idx="0">
+            <a:schemeClr val="dk1"/>
+          </a:fillRef>
+          <a:effectRef idx="0">
+            <a:schemeClr val="dk1"/>
+          </a:effectRef>
+          <a:fontRef idx="minor">
+            <a:schemeClr val="tx1"/>
+          </a:fontRef>
+        </p:style>
+      </p:cxnSp>
+      <p:sp>
+        <p:nvSpPr>
+          <p:cNvPr id="19" name="CuadroTexto 18">
+            <a:extLst>
+              <a:ext uri="{FF2B5EF4-FFF2-40B4-BE49-F238E27FC236}">
+                <a16:creationId xmlns:a16="http://schemas.microsoft.com/office/drawing/2014/main" id="{71C17250-57E4-B73A-FDB8-BEEC79CD11C7}"/>
+              </a:ext>
+            </a:extLst>
+          </p:cNvPr>
+          <p:cNvSpPr txBox="1"/>
+          <p:nvPr/>
+        </p:nvSpPr>
+        <p:spPr>
+          <a:xfrm>
+            <a:off x="4914068" y="1855868"/>
+            <a:ext cx="1684880" cy="369332"/>
+          </a:xfrm>
+          <a:prstGeom prst="rect">
+            <a:avLst/>
+          </a:prstGeom>
+          <a:noFill/>
+        </p:spPr>
+        <p:txBody>
+          <a:bodyPr wrap="square" rtlCol="0">
+            <a:spAutoFit/>
+          </a:bodyPr>
+          <a:lstStyle/>
+          <a:p>
+            <a:pPr algn="r"/>
+            <a:r>
+              <a:rPr lang="es-ES" dirty="0" err="1"/>
+              <a:t>nCS</a:t>
+            </a:r>
+            <a:endParaRPr lang="en-US" dirty="0"/>
+          </a:p>
+        </p:txBody>
+      </p:sp>
+      <p:sp>
+        <p:nvSpPr>
+          <p:cNvPr id="20" name="CuadroTexto 19">
+            <a:extLst>
+              <a:ext uri="{FF2B5EF4-FFF2-40B4-BE49-F238E27FC236}">
+                <a16:creationId xmlns:a16="http://schemas.microsoft.com/office/drawing/2014/main" id="{108016AB-A327-3869-6072-DA3A9EF73CF9}"/>
+              </a:ext>
+            </a:extLst>
+          </p:cNvPr>
+          <p:cNvSpPr txBox="1"/>
+          <p:nvPr/>
+        </p:nvSpPr>
+        <p:spPr>
+          <a:xfrm>
+            <a:off x="4924228" y="2328136"/>
+            <a:ext cx="1684880" cy="369332"/>
+          </a:xfrm>
+          <a:prstGeom prst="rect">
+            <a:avLst/>
+          </a:prstGeom>
+          <a:noFill/>
+        </p:spPr>
+        <p:txBody>
+          <a:bodyPr wrap="square" rtlCol="0">
+            <a:spAutoFit/>
+          </a:bodyPr>
+          <a:lstStyle/>
+          <a:p>
+            <a:pPr algn="r"/>
+            <a:r>
+              <a:rPr lang="es-ES" dirty="0"/>
+              <a:t>SDI</a:t>
+            </a:r>
+            <a:endParaRPr lang="en-US" dirty="0"/>
+          </a:p>
+        </p:txBody>
+      </p:sp>
+      <p:sp>
+        <p:nvSpPr>
+          <p:cNvPr id="21" name="CuadroTexto 20">
+            <a:extLst>
+              <a:ext uri="{FF2B5EF4-FFF2-40B4-BE49-F238E27FC236}">
+                <a16:creationId xmlns:a16="http://schemas.microsoft.com/office/drawing/2014/main" id="{6B03CC45-ED50-5E87-865E-B31BB0616F8A}"/>
+              </a:ext>
+            </a:extLst>
+          </p:cNvPr>
+          <p:cNvSpPr txBox="1"/>
+          <p:nvPr/>
+        </p:nvSpPr>
+        <p:spPr>
+          <a:xfrm>
+            <a:off x="-444473" y="2590602"/>
+            <a:ext cx="1684880" cy="369332"/>
+          </a:xfrm>
+          <a:prstGeom prst="rect">
+            <a:avLst/>
+          </a:prstGeom>
+          <a:noFill/>
+        </p:spPr>
+        <p:txBody>
+          <a:bodyPr wrap="square" rtlCol="0">
+            <a:spAutoFit/>
+          </a:bodyPr>
+          <a:lstStyle/>
+          <a:p>
+            <a:pPr algn="r"/>
+            <a:r>
+              <a:rPr lang="es-ES" dirty="0"/>
+              <a:t>SDO</a:t>
+            </a:r>
+            <a:endParaRPr lang="en-US" dirty="0"/>
+          </a:p>
+        </p:txBody>
+      </p:sp>
+      <p:sp>
+        <p:nvSpPr>
+          <p:cNvPr id="22" name="CuadroTexto 21">
+            <a:extLst>
+              <a:ext uri="{FF2B5EF4-FFF2-40B4-BE49-F238E27FC236}">
+                <a16:creationId xmlns:a16="http://schemas.microsoft.com/office/drawing/2014/main" id="{160CD832-5851-3B4F-BF80-CD3595A576C2}"/>
+              </a:ext>
+            </a:extLst>
+          </p:cNvPr>
+          <p:cNvSpPr txBox="1"/>
+          <p:nvPr/>
+        </p:nvSpPr>
+        <p:spPr>
+          <a:xfrm>
+            <a:off x="4924228" y="2805668"/>
+            <a:ext cx="1684880" cy="369332"/>
+          </a:xfrm>
+          <a:prstGeom prst="rect">
+            <a:avLst/>
+          </a:prstGeom>
+          <a:noFill/>
+        </p:spPr>
+        <p:txBody>
+          <a:bodyPr wrap="square" rtlCol="0">
+            <a:spAutoFit/>
+          </a:bodyPr>
+          <a:lstStyle/>
+          <a:p>
+            <a:pPr algn="r"/>
+            <a:r>
+              <a:rPr lang="es-ES" dirty="0"/>
+              <a:t>SPC</a:t>
+            </a:r>
+            <a:endParaRPr lang="en-US" dirty="0"/>
+          </a:p>
+        </p:txBody>
+      </p:sp>
+      <p:sp>
+        <p:nvSpPr>
+          <p:cNvPr id="23" name="CuadroTexto 22">
+            <a:extLst>
+              <a:ext uri="{FF2B5EF4-FFF2-40B4-BE49-F238E27FC236}">
+                <a16:creationId xmlns:a16="http://schemas.microsoft.com/office/drawing/2014/main" id="{38B88A25-CC2E-7934-8E81-048796957743}"/>
+              </a:ext>
+            </a:extLst>
+          </p:cNvPr>
+          <p:cNvSpPr txBox="1"/>
+          <p:nvPr/>
+        </p:nvSpPr>
+        <p:spPr>
+          <a:xfrm>
+            <a:off x="4924228" y="3291801"/>
+            <a:ext cx="1684880" cy="369332"/>
+          </a:xfrm>
+          <a:prstGeom prst="rect">
+            <a:avLst/>
+          </a:prstGeom>
+          <a:noFill/>
+        </p:spPr>
+        <p:txBody>
+          <a:bodyPr wrap="square" rtlCol="0">
+            <a:spAutoFit/>
+          </a:bodyPr>
+          <a:lstStyle/>
+          <a:p>
+            <a:pPr algn="r"/>
+            <a:r>
+              <a:rPr lang="es-ES" dirty="0" err="1"/>
+              <a:t>mux_disp</a:t>
+            </a:r>
+            <a:endParaRPr lang="en-US" dirty="0"/>
+          </a:p>
+        </p:txBody>
+      </p:sp>
+      <p:sp>
+        <p:nvSpPr>
+          <p:cNvPr id="24" name="CuadroTexto 23">
+            <a:extLst>
+              <a:ext uri="{FF2B5EF4-FFF2-40B4-BE49-F238E27FC236}">
+                <a16:creationId xmlns:a16="http://schemas.microsoft.com/office/drawing/2014/main" id="{8E1FF246-8613-343C-463F-356A82C9B634}"/>
+              </a:ext>
+            </a:extLst>
+          </p:cNvPr>
+          <p:cNvSpPr txBox="1"/>
+          <p:nvPr/>
+        </p:nvSpPr>
+        <p:spPr>
+          <a:xfrm>
+            <a:off x="4920841" y="3771000"/>
+            <a:ext cx="1684880" cy="369332"/>
+          </a:xfrm>
+          <a:prstGeom prst="rect">
+            <a:avLst/>
+          </a:prstGeom>
+          <a:noFill/>
+        </p:spPr>
+        <p:txBody>
+          <a:bodyPr wrap="square" rtlCol="0">
+            <a:spAutoFit/>
+          </a:bodyPr>
+          <a:lstStyle/>
+          <a:p>
+            <a:pPr algn="r"/>
+            <a:r>
+              <a:rPr lang="es-ES" dirty="0" err="1"/>
+              <a:t>disp</a:t>
+            </a:r>
+            <a:endParaRPr lang="en-US" dirty="0"/>
+          </a:p>
+        </p:txBody>
+      </p:sp>
+      <p:sp>
+        <p:nvSpPr>
+          <p:cNvPr id="25" name="CuadroTexto 24">
+            <a:extLst>
+              <a:ext uri="{FF2B5EF4-FFF2-40B4-BE49-F238E27FC236}">
+                <a16:creationId xmlns:a16="http://schemas.microsoft.com/office/drawing/2014/main" id="{C1C5D2C1-78F5-3AB0-A5A4-99386B3B8450}"/>
+              </a:ext>
+            </a:extLst>
+          </p:cNvPr>
+          <p:cNvSpPr txBox="1"/>
+          <p:nvPr/>
+        </p:nvSpPr>
+        <p:spPr>
+          <a:xfrm>
+            <a:off x="4924228" y="4236336"/>
+            <a:ext cx="1684880" cy="369332"/>
+          </a:xfrm>
+          <a:prstGeom prst="rect">
+            <a:avLst/>
+          </a:prstGeom>
+          <a:noFill/>
+        </p:spPr>
+        <p:txBody>
+          <a:bodyPr wrap="square" rtlCol="0">
+            <a:spAutoFit/>
+          </a:bodyPr>
+          <a:lstStyle/>
+          <a:p>
+            <a:pPr algn="r"/>
+            <a:r>
+              <a:rPr lang="es-ES" dirty="0"/>
+              <a:t>leds</a:t>
+            </a:r>
+            <a:endParaRPr lang="en-US" dirty="0"/>
+          </a:p>
+        </p:txBody>
+      </p:sp>
+      <p:sp>
+        <p:nvSpPr>
+          <p:cNvPr id="26" name="CuadroTexto 25">
+            <a:extLst>
+              <a:ext uri="{FF2B5EF4-FFF2-40B4-BE49-F238E27FC236}">
+                <a16:creationId xmlns:a16="http://schemas.microsoft.com/office/drawing/2014/main" id="{4CD7C552-73D9-46BA-6AB1-133F42600B67}"/>
+              </a:ext>
+            </a:extLst>
+          </p:cNvPr>
+          <p:cNvSpPr txBox="1"/>
+          <p:nvPr/>
+        </p:nvSpPr>
+        <p:spPr>
+          <a:xfrm>
+            <a:off x="3136054" y="2040534"/>
+            <a:ext cx="1684880" cy="369332"/>
+          </a:xfrm>
+          <a:prstGeom prst="rect">
+            <a:avLst/>
+          </a:prstGeom>
+          <a:noFill/>
+        </p:spPr>
+        <p:txBody>
+          <a:bodyPr wrap="square" rtlCol="0">
+            <a:spAutoFit/>
+          </a:bodyPr>
+          <a:lstStyle/>
+          <a:p>
+            <a:pPr algn="r"/>
+            <a:r>
+              <a:rPr lang="es-ES" dirty="0" err="1"/>
+              <a:t>nCS</a:t>
+            </a:r>
+            <a:endParaRPr lang="en-US" dirty="0"/>
+          </a:p>
+        </p:txBody>
+      </p:sp>
+      <p:sp>
+        <p:nvSpPr>
+          <p:cNvPr id="27" name="CuadroTexto 26">
+            <a:extLst>
+              <a:ext uri="{FF2B5EF4-FFF2-40B4-BE49-F238E27FC236}">
+                <a16:creationId xmlns:a16="http://schemas.microsoft.com/office/drawing/2014/main" id="{E2C1F5D6-6885-7102-D3E7-185AF58A4195}"/>
+              </a:ext>
+            </a:extLst>
+          </p:cNvPr>
+          <p:cNvSpPr txBox="1"/>
+          <p:nvPr/>
+        </p:nvSpPr>
+        <p:spPr>
+          <a:xfrm>
+            <a:off x="3146214" y="2512802"/>
+            <a:ext cx="1684880" cy="369332"/>
+          </a:xfrm>
+          <a:prstGeom prst="rect">
+            <a:avLst/>
+          </a:prstGeom>
+          <a:noFill/>
+        </p:spPr>
+        <p:txBody>
+          <a:bodyPr wrap="square" rtlCol="0">
+            <a:spAutoFit/>
+          </a:bodyPr>
+          <a:lstStyle/>
+          <a:p>
+            <a:pPr algn="r"/>
+            <a:r>
+              <a:rPr lang="es-ES" dirty="0"/>
+              <a:t>SDI</a:t>
+            </a:r>
+            <a:endParaRPr lang="en-US" dirty="0"/>
+          </a:p>
+        </p:txBody>
+      </p:sp>
+      <p:sp>
+        <p:nvSpPr>
+          <p:cNvPr id="28" name="CuadroTexto 27">
+            <a:extLst>
+              <a:ext uri="{FF2B5EF4-FFF2-40B4-BE49-F238E27FC236}">
+                <a16:creationId xmlns:a16="http://schemas.microsoft.com/office/drawing/2014/main" id="{AD21B7DD-C89E-174A-B276-373440ACD7F5}"/>
+              </a:ext>
+            </a:extLst>
+          </p:cNvPr>
+          <p:cNvSpPr txBox="1"/>
+          <p:nvPr/>
+        </p:nvSpPr>
+        <p:spPr>
+          <a:xfrm>
+            <a:off x="1319120" y="2734667"/>
+            <a:ext cx="1684880" cy="369332"/>
+          </a:xfrm>
+          <a:prstGeom prst="rect">
+            <a:avLst/>
+          </a:prstGeom>
+          <a:noFill/>
+        </p:spPr>
+        <p:txBody>
+          <a:bodyPr wrap="square" rtlCol="0">
+            <a:spAutoFit/>
+          </a:bodyPr>
+          <a:lstStyle/>
+          <a:p>
+            <a:r>
+              <a:rPr lang="es-ES" dirty="0"/>
+              <a:t>SDO</a:t>
+            </a:r>
+            <a:endParaRPr lang="en-US" dirty="0"/>
+          </a:p>
+        </p:txBody>
+      </p:sp>
+      <p:sp>
+        <p:nvSpPr>
+          <p:cNvPr id="29" name="CuadroTexto 28">
+            <a:extLst>
+              <a:ext uri="{FF2B5EF4-FFF2-40B4-BE49-F238E27FC236}">
+                <a16:creationId xmlns:a16="http://schemas.microsoft.com/office/drawing/2014/main" id="{17AED7C0-0414-B609-6C78-5632B2807930}"/>
+              </a:ext>
+            </a:extLst>
+          </p:cNvPr>
+          <p:cNvSpPr txBox="1"/>
+          <p:nvPr/>
+        </p:nvSpPr>
+        <p:spPr>
+          <a:xfrm>
+            <a:off x="3146214" y="2990334"/>
+            <a:ext cx="1684880" cy="369332"/>
+          </a:xfrm>
+          <a:prstGeom prst="rect">
+            <a:avLst/>
+          </a:prstGeom>
+          <a:noFill/>
+        </p:spPr>
+        <p:txBody>
+          <a:bodyPr wrap="square" rtlCol="0">
+            <a:spAutoFit/>
+          </a:bodyPr>
+          <a:lstStyle/>
+          <a:p>
+            <a:pPr algn="r"/>
+            <a:r>
+              <a:rPr lang="es-ES" dirty="0"/>
+              <a:t>SPC</a:t>
+            </a:r>
+            <a:endParaRPr lang="en-US" dirty="0"/>
+          </a:p>
+        </p:txBody>
+      </p:sp>
+      <p:sp>
+        <p:nvSpPr>
+          <p:cNvPr id="30" name="CuadroTexto 29">
+            <a:extLst>
+              <a:ext uri="{FF2B5EF4-FFF2-40B4-BE49-F238E27FC236}">
+                <a16:creationId xmlns:a16="http://schemas.microsoft.com/office/drawing/2014/main" id="{164198AB-7EA3-CEEC-6467-E6CB561A19AF}"/>
+              </a:ext>
+            </a:extLst>
+          </p:cNvPr>
+          <p:cNvSpPr txBox="1"/>
+          <p:nvPr/>
+        </p:nvSpPr>
+        <p:spPr>
+          <a:xfrm>
+            <a:off x="3146214" y="3476467"/>
+            <a:ext cx="1684880" cy="369332"/>
+          </a:xfrm>
+          <a:prstGeom prst="rect">
+            <a:avLst/>
+          </a:prstGeom>
+          <a:noFill/>
+        </p:spPr>
+        <p:txBody>
+          <a:bodyPr wrap="square" rtlCol="0">
+            <a:spAutoFit/>
+          </a:bodyPr>
+          <a:lstStyle/>
+          <a:p>
+            <a:pPr algn="r"/>
+            <a:r>
+              <a:rPr lang="es-ES" dirty="0" err="1"/>
+              <a:t>mux_disp</a:t>
+            </a:r>
+            <a:endParaRPr lang="en-US" dirty="0"/>
+          </a:p>
+        </p:txBody>
+      </p:sp>
+      <p:sp>
+        <p:nvSpPr>
+          <p:cNvPr id="31" name="CuadroTexto 30">
+            <a:extLst>
+              <a:ext uri="{FF2B5EF4-FFF2-40B4-BE49-F238E27FC236}">
+                <a16:creationId xmlns:a16="http://schemas.microsoft.com/office/drawing/2014/main" id="{7AF41ACE-A037-B4EB-C9AC-37D688FA12FF}"/>
+              </a:ext>
+            </a:extLst>
+          </p:cNvPr>
+          <p:cNvSpPr txBox="1"/>
+          <p:nvPr/>
+        </p:nvSpPr>
+        <p:spPr>
+          <a:xfrm>
+            <a:off x="3142827" y="3955666"/>
+            <a:ext cx="1684880" cy="369332"/>
+          </a:xfrm>
+          <a:prstGeom prst="rect">
+            <a:avLst/>
+          </a:prstGeom>
+          <a:noFill/>
+        </p:spPr>
+        <p:txBody>
+          <a:bodyPr wrap="square" rtlCol="0">
+            <a:spAutoFit/>
+          </a:bodyPr>
+          <a:lstStyle/>
+          <a:p>
+            <a:pPr algn="r"/>
+            <a:r>
+              <a:rPr lang="es-ES" dirty="0" err="1"/>
+              <a:t>disp</a:t>
+            </a:r>
+            <a:endParaRPr lang="en-US" dirty="0"/>
+          </a:p>
+        </p:txBody>
+      </p:sp>
+      <p:sp>
+        <p:nvSpPr>
+          <p:cNvPr id="32" name="CuadroTexto 31">
+            <a:extLst>
+              <a:ext uri="{FF2B5EF4-FFF2-40B4-BE49-F238E27FC236}">
+                <a16:creationId xmlns:a16="http://schemas.microsoft.com/office/drawing/2014/main" id="{24691759-B757-DB12-823C-1C4BB33B3CDC}"/>
+              </a:ext>
+            </a:extLst>
+          </p:cNvPr>
+          <p:cNvSpPr txBox="1"/>
+          <p:nvPr/>
+        </p:nvSpPr>
+        <p:spPr>
+          <a:xfrm>
+            <a:off x="3146214" y="4421002"/>
+            <a:ext cx="1684880" cy="369332"/>
+          </a:xfrm>
+          <a:prstGeom prst="rect">
+            <a:avLst/>
+          </a:prstGeom>
+          <a:noFill/>
+        </p:spPr>
+        <p:txBody>
+          <a:bodyPr wrap="square" rtlCol="0">
+            <a:spAutoFit/>
+          </a:bodyPr>
+          <a:lstStyle/>
+          <a:p>
+            <a:pPr algn="r"/>
+            <a:r>
+              <a:rPr lang="es-ES" dirty="0"/>
+              <a:t>leds</a:t>
+            </a:r>
+            <a:endParaRPr lang="en-US" dirty="0"/>
+          </a:p>
+        </p:txBody>
+      </p:sp>
+      <p:sp>
+        <p:nvSpPr>
+          <p:cNvPr id="33" name="Triángulo isósceles 32">
+            <a:extLst>
+              <a:ext uri="{FF2B5EF4-FFF2-40B4-BE49-F238E27FC236}">
+                <a16:creationId xmlns:a16="http://schemas.microsoft.com/office/drawing/2014/main" id="{A7A9BF8B-BD61-640A-E56D-1D2F08DC2860}"/>
+              </a:ext>
+            </a:extLst>
+          </p:cNvPr>
+          <p:cNvSpPr/>
+          <p:nvPr/>
+        </p:nvSpPr>
+        <p:spPr>
+          <a:xfrm rot="5400000">
+            <a:off x="1297953" y="4460465"/>
+            <a:ext cx="279400" cy="237066"/>
+          </a:xfrm>
+          <a:prstGeom prst="triangle">
+            <a:avLst/>
+          </a:prstGeom>
+          <a:ln w="28575"/>
+        </p:spPr>
+        <p:style>
+          <a:lnRef idx="2">
+            <a:schemeClr val="dk1"/>
+          </a:lnRef>
+          <a:fillRef idx="1">
+            <a:schemeClr val="lt1"/>
+          </a:fillRef>
+          <a:effectRef idx="0">
+            <a:schemeClr val="dk1"/>
+          </a:effectRef>
+          <a:fontRef idx="minor">
+            <a:schemeClr val="dk1"/>
+          </a:fontRef>
+        </p:style>
+        <p:txBody>
+          <a:bodyPr rtlCol="0" anchor="ctr"/>
+          <a:lstStyle/>
+          <a:p>
+            <a:pPr algn="ctr"/>
+            <a:endParaRPr lang="en-US"/>
+          </a:p>
+        </p:txBody>
+      </p:sp>
+      <p:cxnSp>
+        <p:nvCxnSpPr>
+          <p:cNvPr id="35" name="Conector recto 34">
+            <a:extLst>
+              <a:ext uri="{FF2B5EF4-FFF2-40B4-BE49-F238E27FC236}">
+                <a16:creationId xmlns:a16="http://schemas.microsoft.com/office/drawing/2014/main" id="{721638C2-EAD3-5A9B-F967-A1B25523B376}"/>
+              </a:ext>
+            </a:extLst>
+          </p:cNvPr>
+          <p:cNvCxnSpPr>
+            <a:stCxn id="4" idx="2"/>
+          </p:cNvCxnSpPr>
+          <p:nvPr/>
+        </p:nvCxnSpPr>
+        <p:spPr>
+          <a:xfrm>
+            <a:off x="3119120" y="5229000"/>
+            <a:ext cx="0" cy="528333"/>
+          </a:xfrm>
+          <a:prstGeom prst="line">
+            <a:avLst/>
+          </a:prstGeom>
+          <a:ln w="28575"/>
+        </p:spPr>
+        <p:style>
+          <a:lnRef idx="1">
+            <a:schemeClr val="dk1"/>
+          </a:lnRef>
+          <a:fillRef idx="0">
+            <a:schemeClr val="dk1"/>
+          </a:fillRef>
+          <a:effectRef idx="0">
+            <a:schemeClr val="dk1"/>
+          </a:effectRef>
+          <a:fontRef idx="minor">
+            <a:schemeClr val="tx1"/>
+          </a:fontRef>
+        </p:style>
+      </p:cxnSp>
+      <p:cxnSp>
+        <p:nvCxnSpPr>
+          <p:cNvPr id="36" name="Conector recto 35">
+            <a:extLst>
+              <a:ext uri="{FF2B5EF4-FFF2-40B4-BE49-F238E27FC236}">
+                <a16:creationId xmlns:a16="http://schemas.microsoft.com/office/drawing/2014/main" id="{4C559E6F-AA47-6331-2E92-D6BFE97C3FE5}"/>
+              </a:ext>
+            </a:extLst>
+          </p:cNvPr>
+          <p:cNvCxnSpPr>
+            <a:cxnSpLocks/>
+          </p:cNvCxnSpPr>
+          <p:nvPr/>
+        </p:nvCxnSpPr>
+        <p:spPr>
+          <a:xfrm flipH="1">
+            <a:off x="2480733" y="5757333"/>
+            <a:ext cx="638387" cy="0"/>
+          </a:xfrm>
+          <a:prstGeom prst="line">
+            <a:avLst/>
+          </a:prstGeom>
+          <a:ln w="28575"/>
+        </p:spPr>
+        <p:style>
+          <a:lnRef idx="1">
+            <a:schemeClr val="dk1"/>
+          </a:lnRef>
+          <a:fillRef idx="0">
+            <a:schemeClr val="dk1"/>
+          </a:fillRef>
+          <a:effectRef idx="0">
+            <a:schemeClr val="dk1"/>
+          </a:effectRef>
+          <a:fontRef idx="minor">
+            <a:schemeClr val="tx1"/>
+          </a:fontRef>
+        </p:style>
+      </p:cxnSp>
+      <p:sp>
+        <p:nvSpPr>
+          <p:cNvPr id="39" name="CuadroTexto 38">
+            <a:extLst>
+              <a:ext uri="{FF2B5EF4-FFF2-40B4-BE49-F238E27FC236}">
+                <a16:creationId xmlns:a16="http://schemas.microsoft.com/office/drawing/2014/main" id="{1E7D3BBA-1A58-80E3-350A-D4848D863D38}"/>
+              </a:ext>
+            </a:extLst>
+          </p:cNvPr>
+          <p:cNvSpPr txBox="1"/>
+          <p:nvPr/>
+        </p:nvSpPr>
+        <p:spPr>
+          <a:xfrm>
+            <a:off x="1319120" y="5468902"/>
+            <a:ext cx="1684880" cy="369332"/>
+          </a:xfrm>
+          <a:prstGeom prst="rect">
+            <a:avLst/>
+          </a:prstGeom>
+          <a:noFill/>
+        </p:spPr>
+        <p:txBody>
+          <a:bodyPr wrap="square" rtlCol="0">
+            <a:spAutoFit/>
+          </a:bodyPr>
+          <a:lstStyle/>
+          <a:p>
+            <a:pPr algn="r"/>
+            <a:r>
+              <a:rPr lang="es-ES" dirty="0" err="1"/>
+              <a:t>nRst</a:t>
+            </a:r>
+            <a:endParaRPr lang="en-US" dirty="0"/>
           </a:p>
         </p:txBody>
       </p:sp>
@@ -3410,10 +4958,578 @@
       </p:grpSpPr>
       <p:sp>
         <p:nvSpPr>
-          <p:cNvPr id="4" name="Rectángulo 3">
-            <a:extLst>
-              <a:ext uri="{FF2B5EF4-FFF2-40B4-BE49-F238E27FC236}">
-                <a16:creationId xmlns:a16="http://schemas.microsoft.com/office/drawing/2014/main" id="{EB4F9071-FF12-F329-7121-ED866C6992F4}"/>
+          <p:cNvPr id="51" name="CuadroTexto 50">
+            <a:extLst>
+              <a:ext uri="{FF2B5EF4-FFF2-40B4-BE49-F238E27FC236}">
+                <a16:creationId xmlns:a16="http://schemas.microsoft.com/office/drawing/2014/main" id="{10751D47-8EE3-0271-B163-ABBB8DD39674}"/>
+              </a:ext>
+            </a:extLst>
+          </p:cNvPr>
+          <p:cNvSpPr txBox="1"/>
+          <p:nvPr/>
+        </p:nvSpPr>
+        <p:spPr>
+          <a:xfrm>
+            <a:off x="7511267" y="3607119"/>
+            <a:ext cx="1196760" cy="369332"/>
+          </a:xfrm>
+          <a:prstGeom prst="rect">
+            <a:avLst/>
+          </a:prstGeom>
+          <a:noFill/>
+        </p:spPr>
+        <p:txBody>
+          <a:bodyPr wrap="square" rtlCol="0">
+            <a:spAutoFit/>
+          </a:bodyPr>
+          <a:lstStyle/>
+          <a:p>
+            <a:pPr algn="r"/>
+            <a:r>
+              <a:rPr lang="es-ES" dirty="0" err="1"/>
+              <a:t>ena_rd</a:t>
+            </a:r>
+            <a:endParaRPr lang="en-US" dirty="0"/>
+          </a:p>
+        </p:txBody>
+      </p:sp>
+      <p:sp>
+        <p:nvSpPr>
+          <p:cNvPr id="52" name="CuadroTexto 51">
+            <a:extLst>
+              <a:ext uri="{FF2B5EF4-FFF2-40B4-BE49-F238E27FC236}">
+                <a16:creationId xmlns:a16="http://schemas.microsoft.com/office/drawing/2014/main" id="{1E03A3A7-DB4C-E5D7-E4AD-ABB4A65F3524}"/>
+              </a:ext>
+            </a:extLst>
+          </p:cNvPr>
+          <p:cNvSpPr txBox="1"/>
+          <p:nvPr/>
+        </p:nvSpPr>
+        <p:spPr>
+          <a:xfrm>
+            <a:off x="7513672" y="3993036"/>
+            <a:ext cx="1196760" cy="369332"/>
+          </a:xfrm>
+          <a:prstGeom prst="rect">
+            <a:avLst/>
+          </a:prstGeom>
+          <a:noFill/>
+        </p:spPr>
+        <p:txBody>
+          <a:bodyPr wrap="square" rtlCol="0">
+            <a:spAutoFit/>
+          </a:bodyPr>
+          <a:lstStyle/>
+          <a:p>
+            <a:pPr algn="r"/>
+            <a:r>
+              <a:rPr lang="es-ES" dirty="0" err="1"/>
+              <a:t>dato_rd</a:t>
+            </a:r>
+            <a:endParaRPr lang="en-US" dirty="0"/>
+          </a:p>
+        </p:txBody>
+      </p:sp>
+      <p:grpSp>
+        <p:nvGrpSpPr>
+          <p:cNvPr id="6" name="Grupo 5">
+            <a:extLst>
+              <a:ext uri="{FF2B5EF4-FFF2-40B4-BE49-F238E27FC236}">
+                <a16:creationId xmlns:a16="http://schemas.microsoft.com/office/drawing/2014/main" id="{CFADF5AC-28CE-9E1D-A157-257177AEB458}"/>
+              </a:ext>
+            </a:extLst>
+          </p:cNvPr>
+          <p:cNvGrpSpPr/>
+          <p:nvPr/>
+        </p:nvGrpSpPr>
+        <p:grpSpPr>
+          <a:xfrm>
+            <a:off x="795866" y="1254817"/>
+            <a:ext cx="5336205" cy="3952468"/>
+            <a:chOff x="1319120" y="1105780"/>
+            <a:chExt cx="6487500" cy="4732454"/>
+          </a:xfrm>
+        </p:grpSpPr>
+        <p:sp>
+          <p:nvSpPr>
+            <p:cNvPr id="4" name="Rectángulo 3">
+              <a:extLst>
+                <a:ext uri="{FF2B5EF4-FFF2-40B4-BE49-F238E27FC236}">
+                  <a16:creationId xmlns:a16="http://schemas.microsoft.com/office/drawing/2014/main" id="{EB4F9071-FF12-F329-7121-ED866C6992F4}"/>
+                </a:ext>
+              </a:extLst>
+            </p:cNvPr>
+            <p:cNvSpPr/>
+            <p:nvPr/>
+          </p:nvSpPr>
+          <p:spPr>
+            <a:xfrm>
+              <a:off x="1319120" y="1629000"/>
+              <a:ext cx="3600000" cy="3600000"/>
+            </a:xfrm>
+            <a:prstGeom prst="rect">
+              <a:avLst/>
+            </a:prstGeom>
+            <a:noFill/>
+            <a:ln w="28575">
+              <a:solidFill>
+                <a:schemeClr val="tx1"/>
+              </a:solidFill>
+            </a:ln>
+          </p:spPr>
+          <p:style>
+            <a:lnRef idx="2">
+              <a:schemeClr val="accent1">
+                <a:shade val="50000"/>
+              </a:schemeClr>
+            </a:lnRef>
+            <a:fillRef idx="1">
+              <a:schemeClr val="accent1"/>
+            </a:fillRef>
+            <a:effectRef idx="0">
+              <a:schemeClr val="accent1"/>
+            </a:effectRef>
+            <a:fontRef idx="minor">
+              <a:schemeClr val="lt1"/>
+            </a:fontRef>
+          </p:style>
+          <p:txBody>
+            <a:bodyPr rtlCol="0" anchor="ctr"/>
+            <a:lstStyle/>
+            <a:p>
+              <a:pPr algn="ctr"/>
+              <a:endParaRPr lang="es-ES" dirty="0"/>
+            </a:p>
+          </p:txBody>
+        </p:sp>
+        <p:sp>
+          <p:nvSpPr>
+            <p:cNvPr id="2" name="CuadroTexto 1">
+              <a:extLst>
+                <a:ext uri="{FF2B5EF4-FFF2-40B4-BE49-F238E27FC236}">
+                  <a16:creationId xmlns:a16="http://schemas.microsoft.com/office/drawing/2014/main" id="{7DA29224-C8AA-DDBF-9424-6F6E725BD532}"/>
+                </a:ext>
+              </a:extLst>
+            </p:cNvPr>
+            <p:cNvSpPr txBox="1"/>
+            <p:nvPr/>
+          </p:nvSpPr>
+          <p:spPr>
+            <a:xfrm>
+              <a:off x="1319120" y="1105780"/>
+              <a:ext cx="3599999" cy="626473"/>
+            </a:xfrm>
+            <a:prstGeom prst="rect">
+              <a:avLst/>
+            </a:prstGeom>
+            <a:noFill/>
+          </p:spPr>
+          <p:txBody>
+            <a:bodyPr wrap="square" rtlCol="0">
+              <a:spAutoFit/>
+            </a:bodyPr>
+            <a:lstStyle/>
+            <a:p>
+              <a:pPr algn="ctr"/>
+              <a:r>
+                <a:rPr lang="es-ES" sz="2800" dirty="0"/>
+                <a:t>Controlador</a:t>
+              </a:r>
+              <a:endParaRPr lang="en-US" dirty="0"/>
+            </a:p>
+          </p:txBody>
+        </p:sp>
+        <p:cxnSp>
+          <p:nvCxnSpPr>
+            <p:cNvPr id="8" name="Conector recto 7">
+              <a:extLst>
+                <a:ext uri="{FF2B5EF4-FFF2-40B4-BE49-F238E27FC236}">
+                  <a16:creationId xmlns:a16="http://schemas.microsoft.com/office/drawing/2014/main" id="{10765BAE-0BBB-8A7E-9C41-0042199A3F99}"/>
+                </a:ext>
+              </a:extLst>
+            </p:cNvPr>
+            <p:cNvCxnSpPr>
+              <a:cxnSpLocks/>
+            </p:cNvCxnSpPr>
+            <p:nvPr/>
+          </p:nvCxnSpPr>
+          <p:spPr>
+            <a:xfrm>
+              <a:off x="4929280" y="3908200"/>
+              <a:ext cx="1433589" cy="0"/>
+            </a:xfrm>
+            <a:prstGeom prst="line">
+              <a:avLst/>
+            </a:prstGeom>
+            <a:ln w="28575"/>
+          </p:spPr>
+          <p:style>
+            <a:lnRef idx="1">
+              <a:schemeClr val="dk1"/>
+            </a:lnRef>
+            <a:fillRef idx="0">
+              <a:schemeClr val="dk1"/>
+            </a:fillRef>
+            <a:effectRef idx="0">
+              <a:schemeClr val="dk1"/>
+            </a:effectRef>
+            <a:fontRef idx="minor">
+              <a:schemeClr val="tx1"/>
+            </a:fontRef>
+          </p:style>
+        </p:cxnSp>
+        <p:cxnSp>
+          <p:nvCxnSpPr>
+            <p:cNvPr id="9" name="Conector recto 8">
+              <a:extLst>
+                <a:ext uri="{FF2B5EF4-FFF2-40B4-BE49-F238E27FC236}">
+                  <a16:creationId xmlns:a16="http://schemas.microsoft.com/office/drawing/2014/main" id="{6840613F-04BE-4E85-13FC-1440EE6425E9}"/>
+                </a:ext>
+              </a:extLst>
+            </p:cNvPr>
+            <p:cNvCxnSpPr>
+              <a:cxnSpLocks/>
+            </p:cNvCxnSpPr>
+            <p:nvPr/>
+          </p:nvCxnSpPr>
+          <p:spPr>
+            <a:xfrm>
+              <a:off x="4919120" y="3184925"/>
+              <a:ext cx="1443749" cy="0"/>
+            </a:xfrm>
+            <a:prstGeom prst="line">
+              <a:avLst/>
+            </a:prstGeom>
+            <a:ln w="28575"/>
+          </p:spPr>
+          <p:style>
+            <a:lnRef idx="1">
+              <a:schemeClr val="dk1"/>
+            </a:lnRef>
+            <a:fillRef idx="0">
+              <a:schemeClr val="dk1"/>
+            </a:fillRef>
+            <a:effectRef idx="0">
+              <a:schemeClr val="dk1"/>
+            </a:effectRef>
+            <a:fontRef idx="minor">
+              <a:schemeClr val="tx1"/>
+            </a:fontRef>
+          </p:style>
+        </p:cxnSp>
+        <p:sp>
+          <p:nvSpPr>
+            <p:cNvPr id="22" name="CuadroTexto 21">
+              <a:extLst>
+                <a:ext uri="{FF2B5EF4-FFF2-40B4-BE49-F238E27FC236}">
+                  <a16:creationId xmlns:a16="http://schemas.microsoft.com/office/drawing/2014/main" id="{160CD832-5851-3B4F-BF80-CD3595A576C2}"/>
+                </a:ext>
+              </a:extLst>
+            </p:cNvPr>
+            <p:cNvSpPr txBox="1"/>
+            <p:nvPr/>
+          </p:nvSpPr>
+          <p:spPr>
+            <a:xfrm>
+              <a:off x="6395340" y="2987909"/>
+              <a:ext cx="1074648" cy="442217"/>
+            </a:xfrm>
+            <a:prstGeom prst="rect">
+              <a:avLst/>
+            </a:prstGeom>
+            <a:noFill/>
+          </p:spPr>
+          <p:txBody>
+            <a:bodyPr wrap="square" rtlCol="0">
+              <a:spAutoFit/>
+            </a:bodyPr>
+            <a:lstStyle/>
+            <a:p>
+              <a:r>
+                <a:rPr lang="es-ES" dirty="0" err="1"/>
+                <a:t>ini_tx</a:t>
+              </a:r>
+              <a:endParaRPr lang="en-US" dirty="0"/>
+            </a:p>
+          </p:txBody>
+        </p:sp>
+        <p:sp>
+          <p:nvSpPr>
+            <p:cNvPr id="23" name="CuadroTexto 22">
+              <a:extLst>
+                <a:ext uri="{FF2B5EF4-FFF2-40B4-BE49-F238E27FC236}">
+                  <a16:creationId xmlns:a16="http://schemas.microsoft.com/office/drawing/2014/main" id="{38B88A25-CC2E-7934-8E81-048796957743}"/>
+                </a:ext>
+              </a:extLst>
+            </p:cNvPr>
+            <p:cNvSpPr txBox="1"/>
+            <p:nvPr/>
+          </p:nvSpPr>
+          <p:spPr>
+            <a:xfrm>
+              <a:off x="6360430" y="3647295"/>
+              <a:ext cx="1446190" cy="442217"/>
+            </a:xfrm>
+            <a:prstGeom prst="rect">
+              <a:avLst/>
+            </a:prstGeom>
+            <a:noFill/>
+          </p:spPr>
+          <p:txBody>
+            <a:bodyPr wrap="square" rtlCol="0">
+              <a:spAutoFit/>
+            </a:bodyPr>
+            <a:lstStyle/>
+            <a:p>
+              <a:r>
+                <a:rPr lang="es-ES" dirty="0" err="1"/>
+                <a:t>dato_cmd</a:t>
+              </a:r>
+              <a:endParaRPr lang="en-US" dirty="0"/>
+            </a:p>
+          </p:txBody>
+        </p:sp>
+        <p:sp>
+          <p:nvSpPr>
+            <p:cNvPr id="29" name="CuadroTexto 28">
+              <a:extLst>
+                <a:ext uri="{FF2B5EF4-FFF2-40B4-BE49-F238E27FC236}">
+                  <a16:creationId xmlns:a16="http://schemas.microsoft.com/office/drawing/2014/main" id="{17AED7C0-0414-B609-6C78-5632B2807930}"/>
+                </a:ext>
+              </a:extLst>
+            </p:cNvPr>
+            <p:cNvSpPr txBox="1"/>
+            <p:nvPr/>
+          </p:nvSpPr>
+          <p:spPr>
+            <a:xfrm>
+              <a:off x="3159733" y="3000259"/>
+              <a:ext cx="1684880" cy="369332"/>
+            </a:xfrm>
+            <a:prstGeom prst="rect">
+              <a:avLst/>
+            </a:prstGeom>
+            <a:noFill/>
+          </p:spPr>
+          <p:txBody>
+            <a:bodyPr wrap="square" rtlCol="0">
+              <a:spAutoFit/>
+            </a:bodyPr>
+            <a:lstStyle/>
+            <a:p>
+              <a:pPr algn="r"/>
+              <a:r>
+                <a:rPr lang="es-ES" dirty="0" err="1"/>
+                <a:t>ini_tx</a:t>
+              </a:r>
+              <a:endParaRPr lang="en-US" dirty="0"/>
+            </a:p>
+          </p:txBody>
+        </p:sp>
+        <p:sp>
+          <p:nvSpPr>
+            <p:cNvPr id="30" name="CuadroTexto 29">
+              <a:extLst>
+                <a:ext uri="{FF2B5EF4-FFF2-40B4-BE49-F238E27FC236}">
+                  <a16:creationId xmlns:a16="http://schemas.microsoft.com/office/drawing/2014/main" id="{164198AB-7EA3-CEEC-6467-E6CB561A19AF}"/>
+                </a:ext>
+              </a:extLst>
+            </p:cNvPr>
+            <p:cNvSpPr txBox="1"/>
+            <p:nvPr/>
+          </p:nvSpPr>
+          <p:spPr>
+            <a:xfrm>
+              <a:off x="3159733" y="3703999"/>
+              <a:ext cx="1684880" cy="369332"/>
+            </a:xfrm>
+            <a:prstGeom prst="rect">
+              <a:avLst/>
+            </a:prstGeom>
+            <a:noFill/>
+          </p:spPr>
+          <p:txBody>
+            <a:bodyPr wrap="square" rtlCol="0">
+              <a:spAutoFit/>
+            </a:bodyPr>
+            <a:lstStyle/>
+            <a:p>
+              <a:pPr algn="r"/>
+              <a:r>
+                <a:rPr lang="es-ES" dirty="0" err="1"/>
+                <a:t>dato_cmd</a:t>
+              </a:r>
+              <a:endParaRPr lang="en-US" dirty="0"/>
+            </a:p>
+          </p:txBody>
+        </p:sp>
+        <p:sp>
+          <p:nvSpPr>
+            <p:cNvPr id="33" name="Triángulo isósceles 32">
+              <a:extLst>
+                <a:ext uri="{FF2B5EF4-FFF2-40B4-BE49-F238E27FC236}">
+                  <a16:creationId xmlns:a16="http://schemas.microsoft.com/office/drawing/2014/main" id="{A7A9BF8B-BD61-640A-E56D-1D2F08DC2860}"/>
+                </a:ext>
+              </a:extLst>
+            </p:cNvPr>
+            <p:cNvSpPr/>
+            <p:nvPr/>
+          </p:nvSpPr>
+          <p:spPr>
+            <a:xfrm rot="5400000">
+              <a:off x="1297953" y="4460465"/>
+              <a:ext cx="279400" cy="237066"/>
+            </a:xfrm>
+            <a:prstGeom prst="triangle">
+              <a:avLst/>
+            </a:prstGeom>
+            <a:ln w="28575"/>
+          </p:spPr>
+          <p:style>
+            <a:lnRef idx="2">
+              <a:schemeClr val="dk1"/>
+            </a:lnRef>
+            <a:fillRef idx="1">
+              <a:schemeClr val="lt1"/>
+            </a:fillRef>
+            <a:effectRef idx="0">
+              <a:schemeClr val="dk1"/>
+            </a:effectRef>
+            <a:fontRef idx="minor">
+              <a:schemeClr val="dk1"/>
+            </a:fontRef>
+          </p:style>
+          <p:txBody>
+            <a:bodyPr rtlCol="0" anchor="ctr"/>
+            <a:lstStyle/>
+            <a:p>
+              <a:pPr algn="ctr"/>
+              <a:endParaRPr lang="en-US"/>
+            </a:p>
+          </p:txBody>
+        </p:sp>
+        <p:cxnSp>
+          <p:nvCxnSpPr>
+            <p:cNvPr id="35" name="Conector recto 34">
+              <a:extLst>
+                <a:ext uri="{FF2B5EF4-FFF2-40B4-BE49-F238E27FC236}">
+                  <a16:creationId xmlns:a16="http://schemas.microsoft.com/office/drawing/2014/main" id="{721638C2-EAD3-5A9B-F967-A1B25523B376}"/>
+                </a:ext>
+              </a:extLst>
+            </p:cNvPr>
+            <p:cNvCxnSpPr>
+              <a:stCxn id="4" idx="2"/>
+            </p:cNvCxnSpPr>
+            <p:nvPr/>
+          </p:nvCxnSpPr>
+          <p:spPr>
+            <a:xfrm>
+              <a:off x="3119120" y="5229000"/>
+              <a:ext cx="0" cy="528333"/>
+            </a:xfrm>
+            <a:prstGeom prst="line">
+              <a:avLst/>
+            </a:prstGeom>
+            <a:ln w="28575"/>
+          </p:spPr>
+          <p:style>
+            <a:lnRef idx="1">
+              <a:schemeClr val="dk1"/>
+            </a:lnRef>
+            <a:fillRef idx="0">
+              <a:schemeClr val="dk1"/>
+            </a:fillRef>
+            <a:effectRef idx="0">
+              <a:schemeClr val="dk1"/>
+            </a:effectRef>
+            <a:fontRef idx="minor">
+              <a:schemeClr val="tx1"/>
+            </a:fontRef>
+          </p:style>
+        </p:cxnSp>
+        <p:cxnSp>
+          <p:nvCxnSpPr>
+            <p:cNvPr id="36" name="Conector recto 35">
+              <a:extLst>
+                <a:ext uri="{FF2B5EF4-FFF2-40B4-BE49-F238E27FC236}">
+                  <a16:creationId xmlns:a16="http://schemas.microsoft.com/office/drawing/2014/main" id="{4C559E6F-AA47-6331-2E92-D6BFE97C3FE5}"/>
+                </a:ext>
+              </a:extLst>
+            </p:cNvPr>
+            <p:cNvCxnSpPr>
+              <a:cxnSpLocks/>
+            </p:cNvCxnSpPr>
+            <p:nvPr/>
+          </p:nvCxnSpPr>
+          <p:spPr>
+            <a:xfrm flipH="1">
+              <a:off x="2480733" y="5757333"/>
+              <a:ext cx="638387" cy="0"/>
+            </a:xfrm>
+            <a:prstGeom prst="line">
+              <a:avLst/>
+            </a:prstGeom>
+            <a:ln w="28575"/>
+          </p:spPr>
+          <p:style>
+            <a:lnRef idx="1">
+              <a:schemeClr val="dk1"/>
+            </a:lnRef>
+            <a:fillRef idx="0">
+              <a:schemeClr val="dk1"/>
+            </a:fillRef>
+            <a:effectRef idx="0">
+              <a:schemeClr val="dk1"/>
+            </a:effectRef>
+            <a:fontRef idx="minor">
+              <a:schemeClr val="tx1"/>
+            </a:fontRef>
+          </p:style>
+        </p:cxnSp>
+        <p:sp>
+          <p:nvSpPr>
+            <p:cNvPr id="39" name="CuadroTexto 38">
+              <a:extLst>
+                <a:ext uri="{FF2B5EF4-FFF2-40B4-BE49-F238E27FC236}">
+                  <a16:creationId xmlns:a16="http://schemas.microsoft.com/office/drawing/2014/main" id="{1E7D3BBA-1A58-80E3-350A-D4848D863D38}"/>
+                </a:ext>
+              </a:extLst>
+            </p:cNvPr>
+            <p:cNvSpPr txBox="1"/>
+            <p:nvPr/>
+          </p:nvSpPr>
+          <p:spPr>
+            <a:xfrm>
+              <a:off x="1319120" y="5468902"/>
+              <a:ext cx="1684880" cy="369332"/>
+            </a:xfrm>
+            <a:prstGeom prst="rect">
+              <a:avLst/>
+            </a:prstGeom>
+            <a:noFill/>
+          </p:spPr>
+          <p:txBody>
+            <a:bodyPr wrap="square" rtlCol="0">
+              <a:spAutoFit/>
+            </a:bodyPr>
+            <a:lstStyle/>
+            <a:p>
+              <a:pPr algn="r"/>
+              <a:r>
+                <a:rPr lang="es-ES" dirty="0" err="1"/>
+                <a:t>nRst</a:t>
+              </a:r>
+              <a:endParaRPr lang="en-US" dirty="0"/>
+            </a:p>
+          </p:txBody>
+        </p:sp>
+      </p:grpSp>
+      <p:sp>
+        <p:nvSpPr>
+          <p:cNvPr id="34" name="Rectángulo 33">
+            <a:extLst>
+              <a:ext uri="{FF2B5EF4-FFF2-40B4-BE49-F238E27FC236}">
+                <a16:creationId xmlns:a16="http://schemas.microsoft.com/office/drawing/2014/main" id="{425D4ABA-97AB-FDD4-58DD-DEA04849C4E5}"/>
               </a:ext>
             </a:extLst>
           </p:cNvPr>
@@ -3422,8 +5538,8 @@
         </p:nvSpPr>
         <p:spPr>
           <a:xfrm>
-            <a:off x="4296000" y="1629000"/>
-            <a:ext cx="3600000" cy="3600000"/>
+            <a:off x="4952891" y="1835358"/>
+            <a:ext cx="2557058" cy="2985589"/>
           </a:xfrm>
           <a:prstGeom prst="rect">
             <a:avLst/>
@@ -3456,14 +5572,1437 @@
           <a:lstStyle/>
           <a:p>
             <a:pPr algn="ctr"/>
-            <a:endParaRPr lang="es-ES"/>
+            <a:endParaRPr lang="es-ES" dirty="0"/>
+          </a:p>
+        </p:txBody>
+      </p:sp>
+      <p:sp>
+        <p:nvSpPr>
+          <p:cNvPr id="37" name="CuadroTexto 36">
+            <a:extLst>
+              <a:ext uri="{FF2B5EF4-FFF2-40B4-BE49-F238E27FC236}">
+                <a16:creationId xmlns:a16="http://schemas.microsoft.com/office/drawing/2014/main" id="{B816FD04-140A-C9B3-07D4-52FC33543936}"/>
+              </a:ext>
+            </a:extLst>
+          </p:cNvPr>
+          <p:cNvSpPr txBox="1"/>
+          <p:nvPr/>
+        </p:nvSpPr>
+        <p:spPr>
+          <a:xfrm>
+            <a:off x="4952891" y="1401436"/>
+            <a:ext cx="2557057" cy="523220"/>
+          </a:xfrm>
+          <a:prstGeom prst="rect">
+            <a:avLst/>
+          </a:prstGeom>
+          <a:noFill/>
+        </p:spPr>
+        <p:txBody>
+          <a:bodyPr wrap="square" rtlCol="0">
+            <a:spAutoFit/>
+          </a:bodyPr>
+          <a:lstStyle/>
+          <a:p>
+            <a:pPr algn="ctr"/>
+            <a:r>
+              <a:rPr lang="es-ES" sz="2800" dirty="0"/>
+              <a:t>Master</a:t>
+            </a:r>
+            <a:endParaRPr lang="en-US" dirty="0"/>
+          </a:p>
+        </p:txBody>
+      </p:sp>
+      <p:cxnSp>
+        <p:nvCxnSpPr>
+          <p:cNvPr id="38" name="Conector recto 37">
+            <a:extLst>
+              <a:ext uri="{FF2B5EF4-FFF2-40B4-BE49-F238E27FC236}">
+                <a16:creationId xmlns:a16="http://schemas.microsoft.com/office/drawing/2014/main" id="{AE49A3AA-9CC1-FEAD-E144-8BBA942F44F3}"/>
+              </a:ext>
+            </a:extLst>
+          </p:cNvPr>
+          <p:cNvCxnSpPr>
+            <a:cxnSpLocks/>
+          </p:cNvCxnSpPr>
+          <p:nvPr/>
+        </p:nvCxnSpPr>
+        <p:spPr>
+          <a:xfrm>
+            <a:off x="7504050" y="2708675"/>
+            <a:ext cx="1203977" cy="0"/>
+          </a:xfrm>
+          <a:prstGeom prst="line">
+            <a:avLst/>
+          </a:prstGeom>
+          <a:ln w="28575"/>
+        </p:spPr>
+        <p:style>
+          <a:lnRef idx="1">
+            <a:schemeClr val="dk1"/>
+          </a:lnRef>
+          <a:fillRef idx="0">
+            <a:schemeClr val="dk1"/>
+          </a:fillRef>
+          <a:effectRef idx="0">
+            <a:schemeClr val="dk1"/>
+          </a:effectRef>
+          <a:fontRef idx="minor">
+            <a:schemeClr val="tx1"/>
+          </a:fontRef>
+        </p:style>
+      </p:cxnSp>
+      <p:cxnSp>
+        <p:nvCxnSpPr>
+          <p:cNvPr id="41" name="Conector recto 40">
+            <a:extLst>
+              <a:ext uri="{FF2B5EF4-FFF2-40B4-BE49-F238E27FC236}">
+                <a16:creationId xmlns:a16="http://schemas.microsoft.com/office/drawing/2014/main" id="{FBA2FF65-FBFC-C3F1-6953-BA4C41DB0B1B}"/>
+              </a:ext>
+            </a:extLst>
+          </p:cNvPr>
+          <p:cNvCxnSpPr>
+            <a:cxnSpLocks/>
+          </p:cNvCxnSpPr>
+          <p:nvPr/>
+        </p:nvCxnSpPr>
+        <p:spPr>
+          <a:xfrm>
+            <a:off x="7507658" y="3510254"/>
+            <a:ext cx="1203976" cy="0"/>
+          </a:xfrm>
+          <a:prstGeom prst="line">
+            <a:avLst/>
+          </a:prstGeom>
+          <a:ln w="28575"/>
+        </p:spPr>
+        <p:style>
+          <a:lnRef idx="1">
+            <a:schemeClr val="dk1"/>
+          </a:lnRef>
+          <a:fillRef idx="0">
+            <a:schemeClr val="dk1"/>
+          </a:fillRef>
+          <a:effectRef idx="0">
+            <a:schemeClr val="dk1"/>
+          </a:effectRef>
+          <a:fontRef idx="minor">
+            <a:schemeClr val="tx1"/>
+          </a:fontRef>
+        </p:style>
+      </p:cxnSp>
+      <p:cxnSp>
+        <p:nvCxnSpPr>
+          <p:cNvPr id="42" name="Conector recto 41">
+            <a:extLst>
+              <a:ext uri="{FF2B5EF4-FFF2-40B4-BE49-F238E27FC236}">
+                <a16:creationId xmlns:a16="http://schemas.microsoft.com/office/drawing/2014/main" id="{130F0E3F-1A8B-2A06-27B1-B0D112533450}"/>
+              </a:ext>
+            </a:extLst>
+          </p:cNvPr>
+          <p:cNvCxnSpPr>
+            <a:cxnSpLocks/>
+          </p:cNvCxnSpPr>
+          <p:nvPr/>
+        </p:nvCxnSpPr>
+        <p:spPr>
+          <a:xfrm>
+            <a:off x="7500442" y="3112838"/>
+            <a:ext cx="1203976" cy="0"/>
+          </a:xfrm>
+          <a:prstGeom prst="line">
+            <a:avLst/>
+          </a:prstGeom>
+          <a:ln w="28575"/>
+        </p:spPr>
+        <p:style>
+          <a:lnRef idx="1">
+            <a:schemeClr val="dk1"/>
+          </a:lnRef>
+          <a:fillRef idx="0">
+            <a:schemeClr val="dk1"/>
+          </a:fillRef>
+          <a:effectRef idx="0">
+            <a:schemeClr val="dk1"/>
+          </a:effectRef>
+          <a:fontRef idx="minor">
+            <a:schemeClr val="tx1"/>
+          </a:fontRef>
+        </p:style>
+      </p:cxnSp>
+      <p:cxnSp>
+        <p:nvCxnSpPr>
+          <p:cNvPr id="43" name="Conector recto 42">
+            <a:extLst>
+              <a:ext uri="{FF2B5EF4-FFF2-40B4-BE49-F238E27FC236}">
+                <a16:creationId xmlns:a16="http://schemas.microsoft.com/office/drawing/2014/main" id="{617CBBE2-9C8A-C7AD-88A9-1665B763C253}"/>
+              </a:ext>
+            </a:extLst>
+          </p:cNvPr>
+          <p:cNvCxnSpPr>
+            <a:cxnSpLocks/>
+          </p:cNvCxnSpPr>
+          <p:nvPr/>
+        </p:nvCxnSpPr>
+        <p:spPr>
+          <a:xfrm>
+            <a:off x="7511266" y="2311260"/>
+            <a:ext cx="1203977" cy="0"/>
+          </a:xfrm>
+          <a:prstGeom prst="line">
+            <a:avLst/>
+          </a:prstGeom>
+          <a:ln w="28575"/>
+        </p:spPr>
+        <p:style>
+          <a:lnRef idx="1">
+            <a:schemeClr val="dk1"/>
+          </a:lnRef>
+          <a:fillRef idx="0">
+            <a:schemeClr val="dk1"/>
+          </a:fillRef>
+          <a:effectRef idx="0">
+            <a:schemeClr val="dk1"/>
+          </a:effectRef>
+          <a:fontRef idx="minor">
+            <a:schemeClr val="tx1"/>
+          </a:fontRef>
+        </p:style>
+      </p:cxnSp>
+      <p:cxnSp>
+        <p:nvCxnSpPr>
+          <p:cNvPr id="44" name="Conector recto 43">
+            <a:extLst>
+              <a:ext uri="{FF2B5EF4-FFF2-40B4-BE49-F238E27FC236}">
+                <a16:creationId xmlns:a16="http://schemas.microsoft.com/office/drawing/2014/main" id="{A29AF46E-18CD-E489-E528-0C71B0A6A73D}"/>
+              </a:ext>
+            </a:extLst>
+          </p:cNvPr>
+          <p:cNvCxnSpPr>
+            <a:cxnSpLocks/>
+          </p:cNvCxnSpPr>
+          <p:nvPr/>
+        </p:nvCxnSpPr>
+        <p:spPr>
+          <a:xfrm>
+            <a:off x="7507658" y="3907669"/>
+            <a:ext cx="1417942" cy="0"/>
+          </a:xfrm>
+          <a:prstGeom prst="line">
+            <a:avLst/>
+          </a:prstGeom>
+          <a:ln w="28575"/>
+        </p:spPr>
+        <p:style>
+          <a:lnRef idx="1">
+            <a:schemeClr val="dk1"/>
+          </a:lnRef>
+          <a:fillRef idx="0">
+            <a:schemeClr val="dk1"/>
+          </a:fillRef>
+          <a:effectRef idx="0">
+            <a:schemeClr val="dk1"/>
+          </a:effectRef>
+          <a:fontRef idx="minor">
+            <a:schemeClr val="tx1"/>
+          </a:fontRef>
+        </p:style>
+      </p:cxnSp>
+      <p:cxnSp>
+        <p:nvCxnSpPr>
+          <p:cNvPr id="45" name="Conector recto 44">
+            <a:extLst>
+              <a:ext uri="{FF2B5EF4-FFF2-40B4-BE49-F238E27FC236}">
+                <a16:creationId xmlns:a16="http://schemas.microsoft.com/office/drawing/2014/main" id="{80B227BE-EDC3-0A1D-018E-C92568EC393D}"/>
+              </a:ext>
+            </a:extLst>
+          </p:cNvPr>
+          <p:cNvCxnSpPr>
+            <a:cxnSpLocks/>
+          </p:cNvCxnSpPr>
+          <p:nvPr/>
+        </p:nvCxnSpPr>
+        <p:spPr>
+          <a:xfrm>
+            <a:off x="7500442" y="4305084"/>
+            <a:ext cx="1443068" cy="0"/>
+          </a:xfrm>
+          <a:prstGeom prst="line">
+            <a:avLst/>
+          </a:prstGeom>
+          <a:ln w="28575"/>
+        </p:spPr>
+        <p:style>
+          <a:lnRef idx="1">
+            <a:schemeClr val="dk1"/>
+          </a:lnRef>
+          <a:fillRef idx="0">
+            <a:schemeClr val="dk1"/>
+          </a:fillRef>
+          <a:effectRef idx="0">
+            <a:schemeClr val="dk1"/>
+          </a:effectRef>
+          <a:fontRef idx="minor">
+            <a:schemeClr val="tx1"/>
+          </a:fontRef>
+        </p:style>
+      </p:cxnSp>
+      <p:sp>
+        <p:nvSpPr>
+          <p:cNvPr id="46" name="CuadroTexto 45">
+            <a:extLst>
+              <a:ext uri="{FF2B5EF4-FFF2-40B4-BE49-F238E27FC236}">
+                <a16:creationId xmlns:a16="http://schemas.microsoft.com/office/drawing/2014/main" id="{014DD45A-573F-EE89-8957-8683A00AB75D}"/>
+              </a:ext>
+            </a:extLst>
+          </p:cNvPr>
+          <p:cNvSpPr txBox="1"/>
+          <p:nvPr/>
+        </p:nvSpPr>
+        <p:spPr>
+          <a:xfrm>
+            <a:off x="7511266" y="2010711"/>
+            <a:ext cx="1196760" cy="306298"/>
+          </a:xfrm>
+          <a:prstGeom prst="rect">
+            <a:avLst/>
+          </a:prstGeom>
+          <a:noFill/>
+        </p:spPr>
+        <p:txBody>
+          <a:bodyPr wrap="square" rtlCol="0">
+            <a:spAutoFit/>
+          </a:bodyPr>
+          <a:lstStyle/>
+          <a:p>
+            <a:pPr algn="r"/>
+            <a:r>
+              <a:rPr lang="es-ES" dirty="0" err="1"/>
+              <a:t>nCS</a:t>
+            </a:r>
+            <a:endParaRPr lang="en-US" dirty="0"/>
+          </a:p>
+        </p:txBody>
+      </p:sp>
+      <p:sp>
+        <p:nvSpPr>
+          <p:cNvPr id="47" name="CuadroTexto 46">
+            <a:extLst>
+              <a:ext uri="{FF2B5EF4-FFF2-40B4-BE49-F238E27FC236}">
+                <a16:creationId xmlns:a16="http://schemas.microsoft.com/office/drawing/2014/main" id="{C165A2CA-A564-DB20-53D1-B6A02A31E3C9}"/>
+              </a:ext>
+            </a:extLst>
+          </p:cNvPr>
+          <p:cNvSpPr txBox="1"/>
+          <p:nvPr/>
+        </p:nvSpPr>
+        <p:spPr>
+          <a:xfrm>
+            <a:off x="7518483" y="2402377"/>
+            <a:ext cx="1196760" cy="306298"/>
+          </a:xfrm>
+          <a:prstGeom prst="rect">
+            <a:avLst/>
+          </a:prstGeom>
+          <a:noFill/>
+        </p:spPr>
+        <p:txBody>
+          <a:bodyPr wrap="square" rtlCol="0">
+            <a:spAutoFit/>
+          </a:bodyPr>
+          <a:lstStyle/>
+          <a:p>
+            <a:pPr algn="r"/>
+            <a:r>
+              <a:rPr lang="es-ES" dirty="0"/>
+              <a:t>SDI</a:t>
+            </a:r>
+            <a:endParaRPr lang="en-US" dirty="0"/>
+          </a:p>
+        </p:txBody>
+      </p:sp>
+      <p:sp>
+        <p:nvSpPr>
+          <p:cNvPr id="49" name="CuadroTexto 48">
+            <a:extLst>
+              <a:ext uri="{FF2B5EF4-FFF2-40B4-BE49-F238E27FC236}">
+                <a16:creationId xmlns:a16="http://schemas.microsoft.com/office/drawing/2014/main" id="{28E5C29B-41AA-994E-F716-C8B8DB1321CB}"/>
+              </a:ext>
+            </a:extLst>
+          </p:cNvPr>
+          <p:cNvSpPr txBox="1"/>
+          <p:nvPr/>
+        </p:nvSpPr>
+        <p:spPr>
+          <a:xfrm>
+            <a:off x="7513672" y="2806540"/>
+            <a:ext cx="1196760" cy="306298"/>
+          </a:xfrm>
+          <a:prstGeom prst="rect">
+            <a:avLst/>
+          </a:prstGeom>
+          <a:noFill/>
+        </p:spPr>
+        <p:txBody>
+          <a:bodyPr wrap="square" rtlCol="0">
+            <a:spAutoFit/>
+          </a:bodyPr>
+          <a:lstStyle/>
+          <a:p>
+            <a:pPr algn="r"/>
+            <a:r>
+              <a:rPr lang="es-ES" dirty="0"/>
+              <a:t>SPC</a:t>
+            </a:r>
+            <a:endParaRPr lang="en-US" dirty="0"/>
+          </a:p>
+        </p:txBody>
+      </p:sp>
+      <p:sp>
+        <p:nvSpPr>
+          <p:cNvPr id="50" name="CuadroTexto 49">
+            <a:extLst>
+              <a:ext uri="{FF2B5EF4-FFF2-40B4-BE49-F238E27FC236}">
+                <a16:creationId xmlns:a16="http://schemas.microsoft.com/office/drawing/2014/main" id="{38485700-D95B-026C-3890-B3A0F1BD3DEE}"/>
+              </a:ext>
+            </a:extLst>
+          </p:cNvPr>
+          <p:cNvSpPr txBox="1"/>
+          <p:nvPr/>
+        </p:nvSpPr>
+        <p:spPr>
+          <a:xfrm>
+            <a:off x="7513673" y="3209705"/>
+            <a:ext cx="1196760" cy="369332"/>
+          </a:xfrm>
+          <a:prstGeom prst="rect">
+            <a:avLst/>
+          </a:prstGeom>
+          <a:noFill/>
+        </p:spPr>
+        <p:txBody>
+          <a:bodyPr wrap="square" rtlCol="0">
+            <a:spAutoFit/>
+          </a:bodyPr>
+          <a:lstStyle/>
+          <a:p>
+            <a:pPr algn="r"/>
+            <a:r>
+              <a:rPr lang="es-ES" dirty="0" err="1"/>
+              <a:t>fin_tx</a:t>
+            </a:r>
+            <a:endParaRPr lang="en-US" dirty="0"/>
+          </a:p>
+        </p:txBody>
+      </p:sp>
+      <p:sp>
+        <p:nvSpPr>
+          <p:cNvPr id="53" name="CuadroTexto 52">
+            <a:extLst>
+              <a:ext uri="{FF2B5EF4-FFF2-40B4-BE49-F238E27FC236}">
+                <a16:creationId xmlns:a16="http://schemas.microsoft.com/office/drawing/2014/main" id="{10C34D18-0B26-62FA-54AD-BE4A8E915BE4}"/>
+              </a:ext>
+            </a:extLst>
+          </p:cNvPr>
+          <p:cNvSpPr txBox="1"/>
+          <p:nvPr/>
+        </p:nvSpPr>
+        <p:spPr>
+          <a:xfrm>
+            <a:off x="6248354" y="2163860"/>
+            <a:ext cx="1196760" cy="306298"/>
+          </a:xfrm>
+          <a:prstGeom prst="rect">
+            <a:avLst/>
+          </a:prstGeom>
+          <a:noFill/>
+        </p:spPr>
+        <p:txBody>
+          <a:bodyPr wrap="square" rtlCol="0">
+            <a:spAutoFit/>
+          </a:bodyPr>
+          <a:lstStyle/>
+          <a:p>
+            <a:pPr algn="r"/>
+            <a:r>
+              <a:rPr lang="es-ES" dirty="0" err="1"/>
+              <a:t>nCS</a:t>
+            </a:r>
+            <a:endParaRPr lang="en-US" dirty="0"/>
+          </a:p>
+        </p:txBody>
+      </p:sp>
+      <p:sp>
+        <p:nvSpPr>
+          <p:cNvPr id="54" name="CuadroTexto 53">
+            <a:extLst>
+              <a:ext uri="{FF2B5EF4-FFF2-40B4-BE49-F238E27FC236}">
+                <a16:creationId xmlns:a16="http://schemas.microsoft.com/office/drawing/2014/main" id="{F42C6142-FB64-A189-A635-2CFF6CC98B6C}"/>
+              </a:ext>
+            </a:extLst>
+          </p:cNvPr>
+          <p:cNvSpPr txBox="1"/>
+          <p:nvPr/>
+        </p:nvSpPr>
+        <p:spPr>
+          <a:xfrm>
+            <a:off x="6255571" y="2555526"/>
+            <a:ext cx="1196760" cy="306298"/>
+          </a:xfrm>
+          <a:prstGeom prst="rect">
+            <a:avLst/>
+          </a:prstGeom>
+          <a:noFill/>
+        </p:spPr>
+        <p:txBody>
+          <a:bodyPr wrap="square" rtlCol="0">
+            <a:spAutoFit/>
+          </a:bodyPr>
+          <a:lstStyle/>
+          <a:p>
+            <a:pPr algn="r"/>
+            <a:r>
+              <a:rPr lang="es-ES" dirty="0"/>
+              <a:t>SDI</a:t>
+            </a:r>
+            <a:endParaRPr lang="en-US" dirty="0"/>
+          </a:p>
+        </p:txBody>
+      </p:sp>
+      <p:sp>
+        <p:nvSpPr>
+          <p:cNvPr id="55" name="CuadroTexto 54">
+            <a:extLst>
+              <a:ext uri="{FF2B5EF4-FFF2-40B4-BE49-F238E27FC236}">
+                <a16:creationId xmlns:a16="http://schemas.microsoft.com/office/drawing/2014/main" id="{061F81A0-5B28-33FA-B806-D3797BC0A6E4}"/>
+              </a:ext>
+            </a:extLst>
+          </p:cNvPr>
+          <p:cNvSpPr txBox="1"/>
+          <p:nvPr/>
+        </p:nvSpPr>
+        <p:spPr>
+          <a:xfrm>
+            <a:off x="4969720" y="2264327"/>
+            <a:ext cx="969410" cy="369332"/>
+          </a:xfrm>
+          <a:prstGeom prst="rect">
+            <a:avLst/>
+          </a:prstGeom>
+          <a:noFill/>
+        </p:spPr>
+        <p:txBody>
+          <a:bodyPr wrap="square" rtlCol="0">
+            <a:spAutoFit/>
+          </a:bodyPr>
+          <a:lstStyle/>
+          <a:p>
+            <a:r>
+              <a:rPr lang="es-ES" dirty="0"/>
+              <a:t>SDO</a:t>
+            </a:r>
+            <a:endParaRPr lang="en-US" dirty="0"/>
+          </a:p>
+        </p:txBody>
+      </p:sp>
+      <p:sp>
+        <p:nvSpPr>
+          <p:cNvPr id="56" name="CuadroTexto 55">
+            <a:extLst>
+              <a:ext uri="{FF2B5EF4-FFF2-40B4-BE49-F238E27FC236}">
+                <a16:creationId xmlns:a16="http://schemas.microsoft.com/office/drawing/2014/main" id="{3C408A09-AEFB-6BBA-2FC3-C252928F44CC}"/>
+              </a:ext>
+            </a:extLst>
+          </p:cNvPr>
+          <p:cNvSpPr txBox="1"/>
+          <p:nvPr/>
+        </p:nvSpPr>
+        <p:spPr>
+          <a:xfrm>
+            <a:off x="6250760" y="2959689"/>
+            <a:ext cx="1196760" cy="306298"/>
+          </a:xfrm>
+          <a:prstGeom prst="rect">
+            <a:avLst/>
+          </a:prstGeom>
+          <a:noFill/>
+        </p:spPr>
+        <p:txBody>
+          <a:bodyPr wrap="square" rtlCol="0">
+            <a:spAutoFit/>
+          </a:bodyPr>
+          <a:lstStyle/>
+          <a:p>
+            <a:pPr algn="r"/>
+            <a:r>
+              <a:rPr lang="es-ES" dirty="0"/>
+              <a:t>SPC</a:t>
+            </a:r>
+            <a:endParaRPr lang="en-US" dirty="0"/>
+          </a:p>
+        </p:txBody>
+      </p:sp>
+      <p:sp>
+        <p:nvSpPr>
+          <p:cNvPr id="57" name="CuadroTexto 56">
+            <a:extLst>
+              <a:ext uri="{FF2B5EF4-FFF2-40B4-BE49-F238E27FC236}">
+                <a16:creationId xmlns:a16="http://schemas.microsoft.com/office/drawing/2014/main" id="{80371F83-6D71-7C3D-2F86-83D235C7332D}"/>
+              </a:ext>
+            </a:extLst>
+          </p:cNvPr>
+          <p:cNvSpPr txBox="1"/>
+          <p:nvPr/>
+        </p:nvSpPr>
+        <p:spPr>
+          <a:xfrm>
+            <a:off x="6267750" y="3319339"/>
+            <a:ext cx="1196760" cy="369332"/>
+          </a:xfrm>
+          <a:prstGeom prst="rect">
+            <a:avLst/>
+          </a:prstGeom>
+          <a:noFill/>
+        </p:spPr>
+        <p:txBody>
+          <a:bodyPr wrap="square" rtlCol="0">
+            <a:spAutoFit/>
+          </a:bodyPr>
+          <a:lstStyle/>
+          <a:p>
+            <a:pPr algn="r"/>
+            <a:r>
+              <a:rPr lang="es-ES" dirty="0" err="1"/>
+              <a:t>fin_tx</a:t>
+            </a:r>
+            <a:endParaRPr lang="en-US" dirty="0"/>
+          </a:p>
+        </p:txBody>
+      </p:sp>
+      <p:sp>
+        <p:nvSpPr>
+          <p:cNvPr id="58" name="CuadroTexto 57">
+            <a:extLst>
+              <a:ext uri="{FF2B5EF4-FFF2-40B4-BE49-F238E27FC236}">
+                <a16:creationId xmlns:a16="http://schemas.microsoft.com/office/drawing/2014/main" id="{19A275B6-1414-04D5-EA61-6E397CBAC4EB}"/>
+              </a:ext>
+            </a:extLst>
+          </p:cNvPr>
+          <p:cNvSpPr txBox="1"/>
+          <p:nvPr/>
+        </p:nvSpPr>
+        <p:spPr>
+          <a:xfrm>
+            <a:off x="6248354" y="3760268"/>
+            <a:ext cx="1196760" cy="369332"/>
+          </a:xfrm>
+          <a:prstGeom prst="rect">
+            <a:avLst/>
+          </a:prstGeom>
+          <a:noFill/>
+        </p:spPr>
+        <p:txBody>
+          <a:bodyPr wrap="square" rtlCol="0">
+            <a:spAutoFit/>
+          </a:bodyPr>
+          <a:lstStyle/>
+          <a:p>
+            <a:pPr algn="r"/>
+            <a:r>
+              <a:rPr lang="es-ES" dirty="0" err="1"/>
+              <a:t>ena_rd</a:t>
+            </a:r>
+            <a:endParaRPr lang="en-US" dirty="0"/>
+          </a:p>
+        </p:txBody>
+      </p:sp>
+      <p:sp>
+        <p:nvSpPr>
+          <p:cNvPr id="59" name="CuadroTexto 58">
+            <a:extLst>
+              <a:ext uri="{FF2B5EF4-FFF2-40B4-BE49-F238E27FC236}">
+                <a16:creationId xmlns:a16="http://schemas.microsoft.com/office/drawing/2014/main" id="{3AFD5BD0-BEC9-67DE-C4F7-D2928FBE329F}"/>
+              </a:ext>
+            </a:extLst>
+          </p:cNvPr>
+          <p:cNvSpPr txBox="1"/>
+          <p:nvPr/>
+        </p:nvSpPr>
+        <p:spPr>
+          <a:xfrm>
+            <a:off x="6250760" y="4146186"/>
+            <a:ext cx="1196760" cy="369332"/>
+          </a:xfrm>
+          <a:prstGeom prst="rect">
+            <a:avLst/>
+          </a:prstGeom>
+          <a:noFill/>
+        </p:spPr>
+        <p:txBody>
+          <a:bodyPr wrap="square" rtlCol="0">
+            <a:spAutoFit/>
+          </a:bodyPr>
+          <a:lstStyle/>
+          <a:p>
+            <a:pPr algn="r"/>
+            <a:r>
+              <a:rPr lang="es-ES" dirty="0" err="1"/>
+              <a:t>dato_rd</a:t>
+            </a:r>
+            <a:endParaRPr lang="en-US" dirty="0"/>
+          </a:p>
+        </p:txBody>
+      </p:sp>
+      <p:sp>
+        <p:nvSpPr>
+          <p:cNvPr id="60" name="Triángulo isósceles 59">
+            <a:extLst>
+              <a:ext uri="{FF2B5EF4-FFF2-40B4-BE49-F238E27FC236}">
+                <a16:creationId xmlns:a16="http://schemas.microsoft.com/office/drawing/2014/main" id="{DBB61ED5-8C39-424D-12DD-B428D79033E2}"/>
+              </a:ext>
+            </a:extLst>
+          </p:cNvPr>
+          <p:cNvSpPr/>
+          <p:nvPr/>
+        </p:nvSpPr>
+        <p:spPr>
+          <a:xfrm rot="5400000">
+            <a:off x="4921227" y="4197687"/>
+            <a:ext cx="231715" cy="168387"/>
+          </a:xfrm>
+          <a:prstGeom prst="triangle">
+            <a:avLst/>
+          </a:prstGeom>
+          <a:ln w="28575"/>
+        </p:spPr>
+        <p:style>
+          <a:lnRef idx="2">
+            <a:schemeClr val="dk1"/>
+          </a:lnRef>
+          <a:fillRef idx="1">
+            <a:schemeClr val="lt1"/>
+          </a:fillRef>
+          <a:effectRef idx="0">
+            <a:schemeClr val="dk1"/>
+          </a:effectRef>
+          <a:fontRef idx="minor">
+            <a:schemeClr val="dk1"/>
+          </a:fontRef>
+        </p:style>
+        <p:txBody>
+          <a:bodyPr rtlCol="0" anchor="ctr"/>
+          <a:lstStyle/>
+          <a:p>
+            <a:pPr algn="ctr"/>
+            <a:endParaRPr lang="en-US"/>
+          </a:p>
+        </p:txBody>
+      </p:sp>
+      <p:cxnSp>
+        <p:nvCxnSpPr>
+          <p:cNvPr id="61" name="Conector recto 60">
+            <a:extLst>
+              <a:ext uri="{FF2B5EF4-FFF2-40B4-BE49-F238E27FC236}">
+                <a16:creationId xmlns:a16="http://schemas.microsoft.com/office/drawing/2014/main" id="{006E9E99-6376-9A11-0D1D-B5DAE8251E47}"/>
+              </a:ext>
+            </a:extLst>
+          </p:cNvPr>
+          <p:cNvCxnSpPr>
+            <a:cxnSpLocks/>
+          </p:cNvCxnSpPr>
+          <p:nvPr/>
+        </p:nvCxnSpPr>
+        <p:spPr>
+          <a:xfrm>
+            <a:off x="6213509" y="4835054"/>
+            <a:ext cx="0" cy="438163"/>
+          </a:xfrm>
+          <a:prstGeom prst="line">
+            <a:avLst/>
+          </a:prstGeom>
+          <a:ln w="28575"/>
+        </p:spPr>
+        <p:style>
+          <a:lnRef idx="1">
+            <a:schemeClr val="dk1"/>
+          </a:lnRef>
+          <a:fillRef idx="0">
+            <a:schemeClr val="dk1"/>
+          </a:fillRef>
+          <a:effectRef idx="0">
+            <a:schemeClr val="dk1"/>
+          </a:effectRef>
+          <a:fontRef idx="minor">
+            <a:schemeClr val="tx1"/>
+          </a:fontRef>
+        </p:style>
+      </p:cxnSp>
+      <p:cxnSp>
+        <p:nvCxnSpPr>
+          <p:cNvPr id="62" name="Conector recto 61">
+            <a:extLst>
+              <a:ext uri="{FF2B5EF4-FFF2-40B4-BE49-F238E27FC236}">
+                <a16:creationId xmlns:a16="http://schemas.microsoft.com/office/drawing/2014/main" id="{AF67739B-38F1-982C-0EE0-8873D84BC329}"/>
+              </a:ext>
+            </a:extLst>
+          </p:cNvPr>
+          <p:cNvCxnSpPr>
+            <a:cxnSpLocks/>
+          </p:cNvCxnSpPr>
+          <p:nvPr/>
+        </p:nvCxnSpPr>
+        <p:spPr>
+          <a:xfrm flipH="1">
+            <a:off x="5777978" y="5259109"/>
+            <a:ext cx="453442" cy="0"/>
+          </a:xfrm>
+          <a:prstGeom prst="line">
+            <a:avLst/>
+          </a:prstGeom>
+          <a:ln w="28575"/>
+        </p:spPr>
+        <p:style>
+          <a:lnRef idx="1">
+            <a:schemeClr val="dk1"/>
+          </a:lnRef>
+          <a:fillRef idx="0">
+            <a:schemeClr val="dk1"/>
+          </a:fillRef>
+          <a:effectRef idx="0">
+            <a:schemeClr val="dk1"/>
+          </a:effectRef>
+          <a:fontRef idx="minor">
+            <a:schemeClr val="tx1"/>
+          </a:fontRef>
+        </p:style>
+      </p:cxnSp>
+      <p:sp>
+        <p:nvSpPr>
+          <p:cNvPr id="63" name="CuadroTexto 62">
+            <a:extLst>
+              <a:ext uri="{FF2B5EF4-FFF2-40B4-BE49-F238E27FC236}">
+                <a16:creationId xmlns:a16="http://schemas.microsoft.com/office/drawing/2014/main" id="{9636529D-5B73-0F2E-FC83-C86C5D0F3A5E}"/>
+              </a:ext>
+            </a:extLst>
+          </p:cNvPr>
+          <p:cNvSpPr txBox="1"/>
+          <p:nvPr/>
+        </p:nvSpPr>
+        <p:spPr>
+          <a:xfrm>
+            <a:off x="4952890" y="4900987"/>
+            <a:ext cx="1196760" cy="306298"/>
+          </a:xfrm>
+          <a:prstGeom prst="rect">
+            <a:avLst/>
+          </a:prstGeom>
+          <a:noFill/>
+        </p:spPr>
+        <p:txBody>
+          <a:bodyPr wrap="square" rtlCol="0">
+            <a:spAutoFit/>
+          </a:bodyPr>
+          <a:lstStyle/>
+          <a:p>
+            <a:pPr algn="r"/>
+            <a:r>
+              <a:rPr lang="es-ES" dirty="0" err="1"/>
+              <a:t>nRst</a:t>
+            </a:r>
+            <a:endParaRPr lang="en-US" dirty="0"/>
+          </a:p>
+        </p:txBody>
+      </p:sp>
+      <p:cxnSp>
+        <p:nvCxnSpPr>
+          <p:cNvPr id="65" name="Conector recto 64">
+            <a:extLst>
+              <a:ext uri="{FF2B5EF4-FFF2-40B4-BE49-F238E27FC236}">
+                <a16:creationId xmlns:a16="http://schemas.microsoft.com/office/drawing/2014/main" id="{52662A85-EBBA-1655-2E87-58C9F2F74D66}"/>
+              </a:ext>
+            </a:extLst>
+          </p:cNvPr>
+          <p:cNvCxnSpPr>
+            <a:cxnSpLocks/>
+          </p:cNvCxnSpPr>
+          <p:nvPr/>
+        </p:nvCxnSpPr>
+        <p:spPr>
+          <a:xfrm>
+            <a:off x="4350765" y="2470158"/>
+            <a:ext cx="610597" cy="0"/>
+          </a:xfrm>
+          <a:prstGeom prst="line">
+            <a:avLst/>
+          </a:prstGeom>
+          <a:ln w="28575"/>
+        </p:spPr>
+        <p:style>
+          <a:lnRef idx="1">
+            <a:schemeClr val="dk1"/>
+          </a:lnRef>
+          <a:fillRef idx="0">
+            <a:schemeClr val="dk1"/>
+          </a:fillRef>
+          <a:effectRef idx="0">
+            <a:schemeClr val="dk1"/>
+          </a:effectRef>
+          <a:fontRef idx="minor">
+            <a:schemeClr val="tx1"/>
+          </a:fontRef>
+        </p:style>
+      </p:cxnSp>
+      <p:sp>
+        <p:nvSpPr>
+          <p:cNvPr id="67" name="CuadroTexto 66">
+            <a:extLst>
+              <a:ext uri="{FF2B5EF4-FFF2-40B4-BE49-F238E27FC236}">
+                <a16:creationId xmlns:a16="http://schemas.microsoft.com/office/drawing/2014/main" id="{4863F189-BFEC-FB57-A888-861A1819716C}"/>
+              </a:ext>
+            </a:extLst>
+          </p:cNvPr>
+          <p:cNvSpPr txBox="1"/>
+          <p:nvPr/>
+        </p:nvSpPr>
+        <p:spPr>
+          <a:xfrm>
+            <a:off x="0" y="2826740"/>
+            <a:ext cx="805090" cy="369332"/>
+          </a:xfrm>
+          <a:prstGeom prst="rect">
+            <a:avLst/>
+          </a:prstGeom>
+          <a:noFill/>
+        </p:spPr>
+        <p:txBody>
+          <a:bodyPr wrap="square" rtlCol="0">
+            <a:spAutoFit/>
+          </a:bodyPr>
+          <a:lstStyle/>
+          <a:p>
+            <a:pPr algn="r"/>
+            <a:r>
+              <a:rPr lang="es-ES" dirty="0" err="1"/>
+              <a:t>fin_tx</a:t>
+            </a:r>
+            <a:endParaRPr lang="en-US" dirty="0"/>
+          </a:p>
+        </p:txBody>
+      </p:sp>
+      <p:cxnSp>
+        <p:nvCxnSpPr>
+          <p:cNvPr id="68" name="Conector recto 67">
+            <a:extLst>
+              <a:ext uri="{FF2B5EF4-FFF2-40B4-BE49-F238E27FC236}">
+                <a16:creationId xmlns:a16="http://schemas.microsoft.com/office/drawing/2014/main" id="{E6ADA733-BD33-4310-B14F-8B32860DEE1D}"/>
+              </a:ext>
+            </a:extLst>
+          </p:cNvPr>
+          <p:cNvCxnSpPr>
+            <a:cxnSpLocks/>
+          </p:cNvCxnSpPr>
+          <p:nvPr/>
+        </p:nvCxnSpPr>
+        <p:spPr>
+          <a:xfrm>
+            <a:off x="176735" y="3150923"/>
+            <a:ext cx="610597" cy="0"/>
+          </a:xfrm>
+          <a:prstGeom prst="line">
+            <a:avLst/>
+          </a:prstGeom>
+          <a:ln w="28575"/>
+        </p:spPr>
+        <p:style>
+          <a:lnRef idx="1">
+            <a:schemeClr val="dk1"/>
+          </a:lnRef>
+          <a:fillRef idx="0">
+            <a:schemeClr val="dk1"/>
+          </a:fillRef>
+          <a:effectRef idx="0">
+            <a:schemeClr val="dk1"/>
+          </a:effectRef>
+          <a:fontRef idx="minor">
+            <a:schemeClr val="tx1"/>
+          </a:fontRef>
+        </p:style>
+      </p:cxnSp>
+      <p:sp>
+        <p:nvSpPr>
+          <p:cNvPr id="69" name="CuadroTexto 68">
+            <a:extLst>
+              <a:ext uri="{FF2B5EF4-FFF2-40B4-BE49-F238E27FC236}">
+                <a16:creationId xmlns:a16="http://schemas.microsoft.com/office/drawing/2014/main" id="{A4BC6B29-B145-65D2-6158-2C4332C40289}"/>
+              </a:ext>
+            </a:extLst>
+          </p:cNvPr>
+          <p:cNvSpPr txBox="1"/>
+          <p:nvPr/>
+        </p:nvSpPr>
+        <p:spPr>
+          <a:xfrm>
+            <a:off x="767547" y="2962939"/>
+            <a:ext cx="805090" cy="369332"/>
+          </a:xfrm>
+          <a:prstGeom prst="rect">
+            <a:avLst/>
+          </a:prstGeom>
+          <a:noFill/>
+        </p:spPr>
+        <p:txBody>
+          <a:bodyPr wrap="square" rtlCol="0">
+            <a:spAutoFit/>
+          </a:bodyPr>
+          <a:lstStyle/>
+          <a:p>
+            <a:pPr algn="r"/>
+            <a:r>
+              <a:rPr lang="es-ES" dirty="0" err="1"/>
+              <a:t>fin_tx</a:t>
+            </a:r>
+            <a:endParaRPr lang="en-US" dirty="0"/>
+          </a:p>
+        </p:txBody>
+      </p:sp>
+      <p:sp>
+        <p:nvSpPr>
+          <p:cNvPr id="84" name="Rectángulo 83">
+            <a:extLst>
+              <a:ext uri="{FF2B5EF4-FFF2-40B4-BE49-F238E27FC236}">
+                <a16:creationId xmlns:a16="http://schemas.microsoft.com/office/drawing/2014/main" id="{A2C5EAEC-CF09-8270-297C-40FEDEEA6F28}"/>
+              </a:ext>
+            </a:extLst>
+          </p:cNvPr>
+          <p:cNvSpPr/>
+          <p:nvPr/>
+        </p:nvSpPr>
+        <p:spPr>
+          <a:xfrm>
+            <a:off x="8943511" y="3653129"/>
+            <a:ext cx="2557058" cy="2726071"/>
+          </a:xfrm>
+          <a:prstGeom prst="rect">
+            <a:avLst/>
+          </a:prstGeom>
+          <a:noFill/>
+          <a:ln w="28575">
+            <a:solidFill>
+              <a:schemeClr val="tx1"/>
+            </a:solidFill>
+          </a:ln>
+        </p:spPr>
+        <p:style>
+          <a:lnRef idx="2">
+            <a:schemeClr val="accent1">
+              <a:shade val="50000"/>
+            </a:schemeClr>
+          </a:lnRef>
+          <a:fillRef idx="1">
+            <a:schemeClr val="accent1"/>
+          </a:fillRef>
+          <a:effectRef idx="0">
+            <a:schemeClr val="accent1"/>
+          </a:effectRef>
+          <a:fontRef idx="minor">
+            <a:schemeClr val="lt1"/>
+          </a:fontRef>
+        </p:style>
+        <p:txBody>
+          <a:bodyPr rtlCol="0" anchor="ctr"/>
+          <a:lstStyle/>
+          <a:p>
+            <a:pPr algn="ctr"/>
+            <a:endParaRPr lang="es-ES" dirty="0"/>
+          </a:p>
+        </p:txBody>
+      </p:sp>
+      <p:sp>
+        <p:nvSpPr>
+          <p:cNvPr id="85" name="CuadroTexto 84">
+            <a:extLst>
+              <a:ext uri="{FF2B5EF4-FFF2-40B4-BE49-F238E27FC236}">
+                <a16:creationId xmlns:a16="http://schemas.microsoft.com/office/drawing/2014/main" id="{1748D8A7-F7D9-980E-DC24-95E8BE55D167}"/>
+              </a:ext>
+            </a:extLst>
+          </p:cNvPr>
+          <p:cNvSpPr txBox="1"/>
+          <p:nvPr/>
+        </p:nvSpPr>
+        <p:spPr>
+          <a:xfrm>
+            <a:off x="8925600" y="3129909"/>
+            <a:ext cx="2557057" cy="523220"/>
+          </a:xfrm>
+          <a:prstGeom prst="rect">
+            <a:avLst/>
+          </a:prstGeom>
+          <a:noFill/>
+        </p:spPr>
+        <p:txBody>
+          <a:bodyPr wrap="square" rtlCol="0">
+            <a:spAutoFit/>
+          </a:bodyPr>
+          <a:lstStyle/>
+          <a:p>
+            <a:pPr algn="ctr"/>
+            <a:r>
+              <a:rPr lang="es-ES" sz="2800" dirty="0"/>
+              <a:t>offset</a:t>
+            </a:r>
+            <a:endParaRPr lang="en-US" dirty="0"/>
+          </a:p>
+        </p:txBody>
+      </p:sp>
+      <p:sp>
+        <p:nvSpPr>
+          <p:cNvPr id="90" name="CuadroTexto 89">
+            <a:extLst>
+              <a:ext uri="{FF2B5EF4-FFF2-40B4-BE49-F238E27FC236}">
+                <a16:creationId xmlns:a16="http://schemas.microsoft.com/office/drawing/2014/main" id="{F8F953DC-5B92-E8C6-E4E5-ECCBCA5BF060}"/>
+              </a:ext>
+            </a:extLst>
+          </p:cNvPr>
+          <p:cNvSpPr txBox="1"/>
+          <p:nvPr/>
+        </p:nvSpPr>
+        <p:spPr>
+          <a:xfrm>
+            <a:off x="10086726" y="4446370"/>
+            <a:ext cx="1351470" cy="369332"/>
+          </a:xfrm>
+          <a:prstGeom prst="rect">
+            <a:avLst/>
+          </a:prstGeom>
+          <a:noFill/>
+        </p:spPr>
+        <p:txBody>
+          <a:bodyPr wrap="square" rtlCol="0">
+            <a:spAutoFit/>
+          </a:bodyPr>
+          <a:lstStyle/>
+          <a:p>
+            <a:pPr algn="r"/>
+            <a:r>
+              <a:rPr lang="es-ES" dirty="0" err="1"/>
+              <a:t>X_out_bias</a:t>
+            </a:r>
+            <a:endParaRPr lang="en-US" dirty="0"/>
+          </a:p>
+        </p:txBody>
+      </p:sp>
+      <p:sp>
+        <p:nvSpPr>
+          <p:cNvPr id="91" name="CuadroTexto 90">
+            <a:extLst>
+              <a:ext uri="{FF2B5EF4-FFF2-40B4-BE49-F238E27FC236}">
+                <a16:creationId xmlns:a16="http://schemas.microsoft.com/office/drawing/2014/main" id="{5FB1736F-111F-2949-A214-9460FFFD55F3}"/>
+              </a:ext>
+            </a:extLst>
+          </p:cNvPr>
+          <p:cNvSpPr txBox="1"/>
+          <p:nvPr/>
+        </p:nvSpPr>
+        <p:spPr>
+          <a:xfrm>
+            <a:off x="10067330" y="4887299"/>
+            <a:ext cx="1351470" cy="369332"/>
+          </a:xfrm>
+          <a:prstGeom prst="rect">
+            <a:avLst/>
+          </a:prstGeom>
+          <a:noFill/>
+        </p:spPr>
+        <p:txBody>
+          <a:bodyPr wrap="square" rtlCol="0">
+            <a:spAutoFit/>
+          </a:bodyPr>
+          <a:lstStyle/>
+          <a:p>
+            <a:pPr algn="r"/>
+            <a:r>
+              <a:rPr lang="es-ES" dirty="0" err="1"/>
+              <a:t>Y_out_bias</a:t>
+            </a:r>
+            <a:endParaRPr lang="en-US" dirty="0"/>
+          </a:p>
+        </p:txBody>
+      </p:sp>
+      <p:sp>
+        <p:nvSpPr>
+          <p:cNvPr id="92" name="CuadroTexto 91">
+            <a:extLst>
+              <a:ext uri="{FF2B5EF4-FFF2-40B4-BE49-F238E27FC236}">
+                <a16:creationId xmlns:a16="http://schemas.microsoft.com/office/drawing/2014/main" id="{8F41039B-B8F3-37CD-9094-46798B9512FF}"/>
+              </a:ext>
+            </a:extLst>
+          </p:cNvPr>
+          <p:cNvSpPr txBox="1"/>
+          <p:nvPr/>
+        </p:nvSpPr>
+        <p:spPr>
+          <a:xfrm>
+            <a:off x="9482667" y="5273217"/>
+            <a:ext cx="1938539" cy="369332"/>
+          </a:xfrm>
+          <a:prstGeom prst="rect">
+            <a:avLst/>
+          </a:prstGeom>
+          <a:noFill/>
+        </p:spPr>
+        <p:txBody>
+          <a:bodyPr wrap="square" rtlCol="0">
+            <a:spAutoFit/>
+          </a:bodyPr>
+          <a:lstStyle/>
+          <a:p>
+            <a:pPr algn="r"/>
+            <a:r>
+              <a:rPr lang="es-ES" dirty="0" err="1"/>
+              <a:t>muestra_bias_rdy</a:t>
+            </a:r>
+            <a:endParaRPr lang="en-US" dirty="0"/>
+          </a:p>
+        </p:txBody>
+      </p:sp>
+      <p:sp>
+        <p:nvSpPr>
+          <p:cNvPr id="93" name="Triángulo isósceles 92">
+            <a:extLst>
+              <a:ext uri="{FF2B5EF4-FFF2-40B4-BE49-F238E27FC236}">
+                <a16:creationId xmlns:a16="http://schemas.microsoft.com/office/drawing/2014/main" id="{33136A6F-3967-6B21-7447-659014E6235B}"/>
+              </a:ext>
+            </a:extLst>
+          </p:cNvPr>
+          <p:cNvSpPr/>
+          <p:nvPr/>
+        </p:nvSpPr>
+        <p:spPr>
+          <a:xfrm rot="5400000">
+            <a:off x="8911846" y="5836478"/>
+            <a:ext cx="231715" cy="168387"/>
+          </a:xfrm>
+          <a:prstGeom prst="triangle">
+            <a:avLst/>
+          </a:prstGeom>
+          <a:ln w="28575"/>
+        </p:spPr>
+        <p:style>
+          <a:lnRef idx="2">
+            <a:schemeClr val="dk1"/>
+          </a:lnRef>
+          <a:fillRef idx="1">
+            <a:schemeClr val="lt1"/>
+          </a:fillRef>
+          <a:effectRef idx="0">
+            <a:schemeClr val="dk1"/>
+          </a:effectRef>
+          <a:fontRef idx="minor">
+            <a:schemeClr val="dk1"/>
+          </a:fontRef>
+        </p:style>
+        <p:txBody>
+          <a:bodyPr rtlCol="0" anchor="ctr"/>
+          <a:lstStyle/>
+          <a:p>
+            <a:pPr algn="ctr"/>
+            <a:endParaRPr lang="en-US"/>
+          </a:p>
+        </p:txBody>
+      </p:sp>
+      <p:cxnSp>
+        <p:nvCxnSpPr>
+          <p:cNvPr id="94" name="Conector recto 93">
+            <a:extLst>
+              <a:ext uri="{FF2B5EF4-FFF2-40B4-BE49-F238E27FC236}">
+                <a16:creationId xmlns:a16="http://schemas.microsoft.com/office/drawing/2014/main" id="{CA3114BC-0DAB-9A29-C0AF-A79D23A6A389}"/>
+              </a:ext>
+            </a:extLst>
+          </p:cNvPr>
+          <p:cNvCxnSpPr>
+            <a:cxnSpLocks/>
+          </p:cNvCxnSpPr>
+          <p:nvPr/>
+        </p:nvCxnSpPr>
+        <p:spPr>
+          <a:xfrm>
+            <a:off x="10204129" y="6393307"/>
+            <a:ext cx="0" cy="438163"/>
+          </a:xfrm>
+          <a:prstGeom prst="line">
+            <a:avLst/>
+          </a:prstGeom>
+          <a:ln w="28575"/>
+        </p:spPr>
+        <p:style>
+          <a:lnRef idx="1">
+            <a:schemeClr val="dk1"/>
+          </a:lnRef>
+          <a:fillRef idx="0">
+            <a:schemeClr val="dk1"/>
+          </a:fillRef>
+          <a:effectRef idx="0">
+            <a:schemeClr val="dk1"/>
+          </a:effectRef>
+          <a:fontRef idx="minor">
+            <a:schemeClr val="tx1"/>
+          </a:fontRef>
+        </p:style>
+      </p:cxnSp>
+      <p:cxnSp>
+        <p:nvCxnSpPr>
+          <p:cNvPr id="95" name="Conector recto 94">
+            <a:extLst>
+              <a:ext uri="{FF2B5EF4-FFF2-40B4-BE49-F238E27FC236}">
+                <a16:creationId xmlns:a16="http://schemas.microsoft.com/office/drawing/2014/main" id="{BE70F1BF-EA5B-1D61-AFF3-F2459587D9A1}"/>
+              </a:ext>
+            </a:extLst>
+          </p:cNvPr>
+          <p:cNvCxnSpPr>
+            <a:cxnSpLocks/>
+          </p:cNvCxnSpPr>
+          <p:nvPr/>
+        </p:nvCxnSpPr>
+        <p:spPr>
+          <a:xfrm flipH="1">
+            <a:off x="9768598" y="6817362"/>
+            <a:ext cx="453442" cy="0"/>
+          </a:xfrm>
+          <a:prstGeom prst="line">
+            <a:avLst/>
+          </a:prstGeom>
+          <a:ln w="28575"/>
+        </p:spPr>
+        <p:style>
+          <a:lnRef idx="1">
+            <a:schemeClr val="dk1"/>
+          </a:lnRef>
+          <a:fillRef idx="0">
+            <a:schemeClr val="dk1"/>
+          </a:fillRef>
+          <a:effectRef idx="0">
+            <a:schemeClr val="dk1"/>
+          </a:effectRef>
+          <a:fontRef idx="minor">
+            <a:schemeClr val="tx1"/>
+          </a:fontRef>
+        </p:style>
+      </p:cxnSp>
+      <p:sp>
+        <p:nvSpPr>
+          <p:cNvPr id="96" name="CuadroTexto 95">
+            <a:extLst>
+              <a:ext uri="{FF2B5EF4-FFF2-40B4-BE49-F238E27FC236}">
+                <a16:creationId xmlns:a16="http://schemas.microsoft.com/office/drawing/2014/main" id="{92688529-98BC-FC95-7693-1C9D9F253E55}"/>
+              </a:ext>
+            </a:extLst>
+          </p:cNvPr>
+          <p:cNvSpPr txBox="1"/>
+          <p:nvPr/>
+        </p:nvSpPr>
+        <p:spPr>
+          <a:xfrm>
+            <a:off x="8943510" y="6459240"/>
+            <a:ext cx="1196760" cy="306298"/>
+          </a:xfrm>
+          <a:prstGeom prst="rect">
+            <a:avLst/>
+          </a:prstGeom>
+          <a:noFill/>
+        </p:spPr>
+        <p:txBody>
+          <a:bodyPr wrap="square" rtlCol="0">
+            <a:spAutoFit/>
+          </a:bodyPr>
+          <a:lstStyle/>
+          <a:p>
+            <a:pPr algn="r"/>
+            <a:r>
+              <a:rPr lang="es-ES" dirty="0" err="1"/>
+              <a:t>nRst</a:t>
+            </a:r>
+            <a:endParaRPr lang="en-US" dirty="0"/>
+          </a:p>
+        </p:txBody>
+      </p:sp>
+      <p:sp>
+        <p:nvSpPr>
+          <p:cNvPr id="100" name="CuadroTexto 99">
+            <a:extLst>
+              <a:ext uri="{FF2B5EF4-FFF2-40B4-BE49-F238E27FC236}">
+                <a16:creationId xmlns:a16="http://schemas.microsoft.com/office/drawing/2014/main" id="{77F8BFC5-E000-3FC8-1F70-52A86F9BA59D}"/>
+              </a:ext>
+            </a:extLst>
+          </p:cNvPr>
+          <p:cNvSpPr txBox="1"/>
+          <p:nvPr/>
+        </p:nvSpPr>
+        <p:spPr>
+          <a:xfrm>
+            <a:off x="8637026" y="3768241"/>
+            <a:ext cx="1196760" cy="369332"/>
+          </a:xfrm>
+          <a:prstGeom prst="rect">
+            <a:avLst/>
+          </a:prstGeom>
+          <a:noFill/>
+        </p:spPr>
+        <p:txBody>
+          <a:bodyPr wrap="square" rtlCol="0">
+            <a:spAutoFit/>
+          </a:bodyPr>
+          <a:lstStyle/>
+          <a:p>
+            <a:pPr algn="r"/>
+            <a:r>
+              <a:rPr lang="es-ES" dirty="0" err="1"/>
+              <a:t>ena_rd</a:t>
+            </a:r>
+            <a:endParaRPr lang="en-US" dirty="0"/>
+          </a:p>
+        </p:txBody>
+      </p:sp>
+      <p:sp>
+        <p:nvSpPr>
+          <p:cNvPr id="101" name="CuadroTexto 100">
+            <a:extLst>
+              <a:ext uri="{FF2B5EF4-FFF2-40B4-BE49-F238E27FC236}">
+                <a16:creationId xmlns:a16="http://schemas.microsoft.com/office/drawing/2014/main" id="{B06BDDEB-B5D3-21C1-79DF-FBCB0E782665}"/>
+              </a:ext>
+            </a:extLst>
+          </p:cNvPr>
+          <p:cNvSpPr txBox="1"/>
+          <p:nvPr/>
+        </p:nvSpPr>
+        <p:spPr>
+          <a:xfrm>
+            <a:off x="8639431" y="4154158"/>
+            <a:ext cx="1196760" cy="369332"/>
+          </a:xfrm>
+          <a:prstGeom prst="rect">
+            <a:avLst/>
+          </a:prstGeom>
+          <a:noFill/>
+        </p:spPr>
+        <p:txBody>
+          <a:bodyPr wrap="square" rtlCol="0">
+            <a:spAutoFit/>
+          </a:bodyPr>
+          <a:lstStyle/>
+          <a:p>
+            <a:pPr algn="r"/>
+            <a:r>
+              <a:rPr lang="es-ES" dirty="0" err="1"/>
+              <a:t>dato_rd</a:t>
+            </a:r>
+            <a:endParaRPr lang="en-US" dirty="0"/>
           </a:p>
         </p:txBody>
       </p:sp>
     </p:spTree>
     <p:extLst>
       <p:ext uri="{BB962C8B-B14F-4D97-AF65-F5344CB8AC3E}">
-        <p14:creationId xmlns:p14="http://schemas.microsoft.com/office/powerpoint/2010/main" val="1945450998"/>
+        <p14:creationId xmlns:p14="http://schemas.microsoft.com/office/powerpoint/2010/main" val="1569823855"/>
       </p:ext>
     </p:extLst>
   </p:cSld>
@@ -3545,7 +7084,7 @@
     </p:spTree>
     <p:extLst>
       <p:ext uri="{BB962C8B-B14F-4D97-AF65-F5344CB8AC3E}">
-        <p14:creationId xmlns:p14="http://schemas.microsoft.com/office/powerpoint/2010/main" val="906751862"/>
+        <p14:creationId xmlns:p14="http://schemas.microsoft.com/office/powerpoint/2010/main" val="1945450998"/>
       </p:ext>
     </p:extLst>
   </p:cSld>
@@ -3627,7 +7166,7 @@
     </p:spTree>
     <p:extLst>
       <p:ext uri="{BB962C8B-B14F-4D97-AF65-F5344CB8AC3E}">
-        <p14:creationId xmlns:p14="http://schemas.microsoft.com/office/powerpoint/2010/main" val="2311842528"/>
+        <p14:creationId xmlns:p14="http://schemas.microsoft.com/office/powerpoint/2010/main" val="906751862"/>
       </p:ext>
     </p:extLst>
   </p:cSld>
@@ -3709,6 +7248,88 @@
     </p:spTree>
     <p:extLst>
       <p:ext uri="{BB962C8B-B14F-4D97-AF65-F5344CB8AC3E}">
+        <p14:creationId xmlns:p14="http://schemas.microsoft.com/office/powerpoint/2010/main" val="2311842528"/>
+      </p:ext>
+    </p:extLst>
+  </p:cSld>
+  <p:clrMapOvr>
+    <a:masterClrMapping/>
+  </p:clrMapOvr>
+</p:sld>
+</file>
+
+<file path=ppt/slides/slide6.xml><?xml version="1.0" encoding="utf-8"?>
+<p:sld xmlns:a="http://schemas.openxmlformats.org/drawingml/2006/main" xmlns:r="http://schemas.openxmlformats.org/officeDocument/2006/relationships" xmlns:p="http://schemas.openxmlformats.org/presentationml/2006/main">
+  <p:cSld>
+    <p:spTree>
+      <p:nvGrpSpPr>
+        <p:cNvPr id="1" name=""/>
+        <p:cNvGrpSpPr/>
+        <p:nvPr/>
+      </p:nvGrpSpPr>
+      <p:grpSpPr>
+        <a:xfrm>
+          <a:off x="0" y="0"/>
+          <a:ext cx="0" cy="0"/>
+          <a:chOff x="0" y="0"/>
+          <a:chExt cx="0" cy="0"/>
+        </a:xfrm>
+      </p:grpSpPr>
+      <p:sp>
+        <p:nvSpPr>
+          <p:cNvPr id="4" name="Rectángulo 3">
+            <a:extLst>
+              <a:ext uri="{FF2B5EF4-FFF2-40B4-BE49-F238E27FC236}">
+                <a16:creationId xmlns:a16="http://schemas.microsoft.com/office/drawing/2014/main" id="{EB4F9071-FF12-F329-7121-ED866C6992F4}"/>
+              </a:ext>
+            </a:extLst>
+          </p:cNvPr>
+          <p:cNvSpPr/>
+          <p:nvPr/>
+        </p:nvSpPr>
+        <p:spPr>
+          <a:xfrm>
+            <a:off x="4296000" y="1629000"/>
+            <a:ext cx="3600000" cy="3600000"/>
+          </a:xfrm>
+          <a:prstGeom prst="rect">
+            <a:avLst/>
+          </a:prstGeom>
+          <a:noFill/>
+          <a:ln w="28575">
+            <a:solidFill>
+              <a:schemeClr val="tx1"/>
+            </a:solidFill>
+          </a:ln>
+        </p:spPr>
+        <p:style>
+          <a:lnRef idx="2">
+            <a:schemeClr val="accent1">
+              <a:shade val="50000"/>
+            </a:schemeClr>
+          </a:lnRef>
+          <a:fillRef idx="1">
+            <a:schemeClr val="accent1"/>
+          </a:fillRef>
+          <a:effectRef idx="0">
+            <a:schemeClr val="accent1"/>
+          </a:effectRef>
+          <a:fontRef idx="minor">
+            <a:schemeClr val="lt1"/>
+          </a:fontRef>
+        </p:style>
+        <p:txBody>
+          <a:bodyPr rtlCol="0" anchor="ctr"/>
+          <a:lstStyle/>
+          <a:p>
+            <a:pPr algn="ctr"/>
+            <a:endParaRPr lang="es-ES"/>
+          </a:p>
+        </p:txBody>
+      </p:sp>
+    </p:spTree>
+    <p:extLst>
+      <p:ext uri="{BB962C8B-B14F-4D97-AF65-F5344CB8AC3E}">
         <p14:creationId xmlns:p14="http://schemas.microsoft.com/office/powerpoint/2010/main" val="1686611897"/>
       </p:ext>
     </p:extLst>
@@ -3719,7 +7340,7 @@
 </p:sld>
 </file>
 
-<file path=ppt/slides/slide6.xml><?xml version="1.0" encoding="utf-8"?>
+<file path=ppt/slides/slide7.xml><?xml version="1.0" encoding="utf-8"?>
 <p:sld xmlns:a="http://schemas.openxmlformats.org/drawingml/2006/main" xmlns:r="http://schemas.openxmlformats.org/officeDocument/2006/relationships" xmlns:p="http://schemas.openxmlformats.org/presentationml/2006/main">
   <p:cSld>
     <p:spTree>
@@ -4094,4 +7715,594 @@
     </a:ext>
   </a:extLst>
 </a:theme>
+</file>
+
+<file path=ppt/theme/theme2.xml><?xml version="1.0" encoding="utf-8"?>
+<a:theme xmlns:a="http://schemas.openxmlformats.org/drawingml/2006/main" name="Tema de Office">
+  <a:themeElements>
+    <a:clrScheme name="Office">
+      <a:dk1>
+        <a:sysClr val="windowText" lastClr="000000"/>
+      </a:dk1>
+      <a:lt1>
+        <a:sysClr val="window" lastClr="FFFFFF"/>
+      </a:lt1>
+      <a:dk2>
+        <a:srgbClr val="44546A"/>
+      </a:dk2>
+      <a:lt2>
+        <a:srgbClr val="E7E6E6"/>
+      </a:lt2>
+      <a:accent1>
+        <a:srgbClr val="4472C4"/>
+      </a:accent1>
+      <a:accent2>
+        <a:srgbClr val="ED7D31"/>
+      </a:accent2>
+      <a:accent3>
+        <a:srgbClr val="A5A5A5"/>
+      </a:accent3>
+      <a:accent4>
+        <a:srgbClr val="FFC000"/>
+      </a:accent4>
+      <a:accent5>
+        <a:srgbClr val="5B9BD5"/>
+      </a:accent5>
+      <a:accent6>
+        <a:srgbClr val="70AD47"/>
+      </a:accent6>
+      <a:hlink>
+        <a:srgbClr val="0563C1"/>
+      </a:hlink>
+      <a:folHlink>
+        <a:srgbClr val="954F72"/>
+      </a:folHlink>
+    </a:clrScheme>
+    <a:fontScheme name="Office">
+      <a:majorFont>
+        <a:latin typeface="Calibri Light" panose="020F0302020204030204"/>
+        <a:ea typeface=""/>
+        <a:cs typeface=""/>
+        <a:font script="Jpan" typeface="游ゴシック Light"/>
+        <a:font script="Hang" typeface="맑은 고딕"/>
+        <a:font script="Hans" typeface="等线 Light"/>
+        <a:font script="Hant" typeface="新細明體"/>
+        <a:font script="Arab" typeface="Times New Roman"/>
+        <a:font script="Hebr" typeface="Times New Roman"/>
+        <a:font script="Thai" typeface="Angsana New"/>
+        <a:font script="Ethi" typeface="Nyala"/>
+        <a:font script="Beng" typeface="Vrinda"/>
+        <a:font script="Gujr" typeface="Shruti"/>
+        <a:font script="Khmr" typeface="MoolBoran"/>
+        <a:font script="Knda" typeface="Tunga"/>
+        <a:font script="Guru" typeface="Raavi"/>
+        <a:font script="Cans" typeface="Euphemia"/>
+        <a:font script="Cher" typeface="Plantagenet Cherokee"/>
+        <a:font script="Yiii" typeface="Microsoft Yi Baiti"/>
+        <a:font script="Tibt" typeface="Microsoft Himalaya"/>
+        <a:font script="Thaa" typeface="MV Boli"/>
+        <a:font script="Deva" typeface="Mangal"/>
+        <a:font script="Telu" typeface="Gautami"/>
+        <a:font script="Taml" typeface="Latha"/>
+        <a:font script="Syrc" typeface="Estrangelo Edessa"/>
+        <a:font script="Orya" typeface="Kalinga"/>
+        <a:font script="Mlym" typeface="Kartika"/>
+        <a:font script="Laoo" typeface="DokChampa"/>
+        <a:font script="Sinh" typeface="Iskoola Pota"/>
+        <a:font script="Mong" typeface="Mongolian Baiti"/>
+        <a:font script="Viet" typeface="Times New Roman"/>
+        <a:font script="Uigh" typeface="Microsoft Uighur"/>
+        <a:font script="Geor" typeface="Sylfaen"/>
+        <a:font script="Armn" typeface="Arial"/>
+        <a:font script="Bugi" typeface="Leelawadee UI"/>
+        <a:font script="Bopo" typeface="Microsoft JhengHei"/>
+        <a:font script="Java" typeface="Javanese Text"/>
+        <a:font script="Lisu" typeface="Segoe UI"/>
+        <a:font script="Mymr" typeface="Myanmar Text"/>
+        <a:font script="Nkoo" typeface="Ebrima"/>
+        <a:font script="Olck" typeface="Nirmala UI"/>
+        <a:font script="Osma" typeface="Ebrima"/>
+        <a:font script="Phag" typeface="Phagspa"/>
+        <a:font script="Syrn" typeface="Estrangelo Edessa"/>
+        <a:font script="Syrj" typeface="Estrangelo Edessa"/>
+        <a:font script="Syre" typeface="Estrangelo Edessa"/>
+        <a:font script="Sora" typeface="Nirmala UI"/>
+        <a:font script="Tale" typeface="Microsoft Tai Le"/>
+        <a:font script="Talu" typeface="Microsoft New Tai Lue"/>
+        <a:font script="Tfng" typeface="Ebrima"/>
+      </a:majorFont>
+      <a:minorFont>
+        <a:latin typeface="Calibri" panose="020F0502020204030204"/>
+        <a:ea typeface=""/>
+        <a:cs typeface=""/>
+        <a:font script="Jpan" typeface="游ゴシック"/>
+        <a:font script="Hang" typeface="맑은 고딕"/>
+        <a:font script="Hans" typeface="等线"/>
+        <a:font script="Hant" typeface="新細明體"/>
+        <a:font script="Arab" typeface="Arial"/>
+        <a:font script="Hebr" typeface="Arial"/>
+        <a:font script="Thai" typeface="Cordia New"/>
+        <a:font script="Ethi" typeface="Nyala"/>
+        <a:font script="Beng" typeface="Vrinda"/>
+        <a:font script="Gujr" typeface="Shruti"/>
+        <a:font script="Khmr" typeface="DaunPenh"/>
+        <a:font script="Knda" typeface="Tunga"/>
+        <a:font script="Guru" typeface="Raavi"/>
+        <a:font script="Cans" typeface="Euphemia"/>
+        <a:font script="Cher" typeface="Plantagenet Cherokee"/>
+        <a:font script="Yiii" typeface="Microsoft Yi Baiti"/>
+        <a:font script="Tibt" typeface="Microsoft Himalaya"/>
+        <a:font script="Thaa" typeface="MV Boli"/>
+        <a:font script="Deva" typeface="Mangal"/>
+        <a:font script="Telu" typeface="Gautami"/>
+        <a:font script="Taml" typeface="Latha"/>
+        <a:font script="Syrc" typeface="Estrangelo Edessa"/>
+        <a:font script="Orya" typeface="Kalinga"/>
+        <a:font script="Mlym" typeface="Kartika"/>
+        <a:font script="Laoo" typeface="DokChampa"/>
+        <a:font script="Sinh" typeface="Iskoola Pota"/>
+        <a:font script="Mong" typeface="Mongolian Baiti"/>
+        <a:font script="Viet" typeface="Arial"/>
+        <a:font script="Uigh" typeface="Microsoft Uighur"/>
+        <a:font script="Geor" typeface="Sylfaen"/>
+        <a:font script="Armn" typeface="Arial"/>
+        <a:font script="Bugi" typeface="Leelawadee UI"/>
+        <a:font script="Bopo" typeface="Microsoft JhengHei"/>
+        <a:font script="Java" typeface="Javanese Text"/>
+        <a:font script="Lisu" typeface="Segoe UI"/>
+        <a:font script="Mymr" typeface="Myanmar Text"/>
+        <a:font script="Nkoo" typeface="Ebrima"/>
+        <a:font script="Olck" typeface="Nirmala UI"/>
+        <a:font script="Osma" typeface="Ebrima"/>
+        <a:font script="Phag" typeface="Phagspa"/>
+        <a:font script="Syrn" typeface="Estrangelo Edessa"/>
+        <a:font script="Syrj" typeface="Estrangelo Edessa"/>
+        <a:font script="Syre" typeface="Estrangelo Edessa"/>
+        <a:font script="Sora" typeface="Nirmala UI"/>
+        <a:font script="Tale" typeface="Microsoft Tai Le"/>
+        <a:font script="Talu" typeface="Microsoft New Tai Lue"/>
+        <a:font script="Tfng" typeface="Ebrima"/>
+      </a:minorFont>
+    </a:fontScheme>
+    <a:fmtScheme name="Office">
+      <a:fillStyleLst>
+        <a:solidFill>
+          <a:schemeClr val="phClr"/>
+        </a:solidFill>
+        <a:gradFill rotWithShape="1">
+          <a:gsLst>
+            <a:gs pos="0">
+              <a:schemeClr val="phClr">
+                <a:lumMod val="110000"/>
+                <a:satMod val="105000"/>
+                <a:tint val="67000"/>
+              </a:schemeClr>
+            </a:gs>
+            <a:gs pos="50000">
+              <a:schemeClr val="phClr">
+                <a:lumMod val="105000"/>
+                <a:satMod val="103000"/>
+                <a:tint val="73000"/>
+              </a:schemeClr>
+            </a:gs>
+            <a:gs pos="100000">
+              <a:schemeClr val="phClr">
+                <a:lumMod val="105000"/>
+                <a:satMod val="109000"/>
+                <a:tint val="81000"/>
+              </a:schemeClr>
+            </a:gs>
+          </a:gsLst>
+          <a:lin ang="5400000" scaled="0"/>
+        </a:gradFill>
+        <a:gradFill rotWithShape="1">
+          <a:gsLst>
+            <a:gs pos="0">
+              <a:schemeClr val="phClr">
+                <a:satMod val="103000"/>
+                <a:lumMod val="102000"/>
+                <a:tint val="94000"/>
+              </a:schemeClr>
+            </a:gs>
+            <a:gs pos="50000">
+              <a:schemeClr val="phClr">
+                <a:satMod val="110000"/>
+                <a:lumMod val="100000"/>
+                <a:shade val="100000"/>
+              </a:schemeClr>
+            </a:gs>
+            <a:gs pos="100000">
+              <a:schemeClr val="phClr">
+                <a:lumMod val="99000"/>
+                <a:satMod val="120000"/>
+                <a:shade val="78000"/>
+              </a:schemeClr>
+            </a:gs>
+          </a:gsLst>
+          <a:lin ang="5400000" scaled="0"/>
+        </a:gradFill>
+      </a:fillStyleLst>
+      <a:lnStyleLst>
+        <a:ln w="6350" cap="flat" cmpd="sng" algn="ctr">
+          <a:solidFill>
+            <a:schemeClr val="phClr"/>
+          </a:solidFill>
+          <a:prstDash val="solid"/>
+          <a:miter lim="800000"/>
+        </a:ln>
+        <a:ln w="12700" cap="flat" cmpd="sng" algn="ctr">
+          <a:solidFill>
+            <a:schemeClr val="phClr"/>
+          </a:solidFill>
+          <a:prstDash val="solid"/>
+          <a:miter lim="800000"/>
+        </a:ln>
+        <a:ln w="19050" cap="flat" cmpd="sng" algn="ctr">
+          <a:solidFill>
+            <a:schemeClr val="phClr"/>
+          </a:solidFill>
+          <a:prstDash val="solid"/>
+          <a:miter lim="800000"/>
+        </a:ln>
+      </a:lnStyleLst>
+      <a:effectStyleLst>
+        <a:effectStyle>
+          <a:effectLst/>
+        </a:effectStyle>
+        <a:effectStyle>
+          <a:effectLst/>
+        </a:effectStyle>
+        <a:effectStyle>
+          <a:effectLst>
+            <a:outerShdw blurRad="57150" dist="19050" dir="5400000" algn="ctr" rotWithShape="0">
+              <a:srgbClr val="000000">
+                <a:alpha val="63000"/>
+              </a:srgbClr>
+            </a:outerShdw>
+          </a:effectLst>
+        </a:effectStyle>
+      </a:effectStyleLst>
+      <a:bgFillStyleLst>
+        <a:solidFill>
+          <a:schemeClr val="phClr"/>
+        </a:solidFill>
+        <a:solidFill>
+          <a:schemeClr val="phClr">
+            <a:tint val="95000"/>
+            <a:satMod val="170000"/>
+          </a:schemeClr>
+        </a:solidFill>
+        <a:gradFill rotWithShape="1">
+          <a:gsLst>
+            <a:gs pos="0">
+              <a:schemeClr val="phClr">
+                <a:tint val="93000"/>
+                <a:satMod val="150000"/>
+                <a:shade val="98000"/>
+                <a:lumMod val="102000"/>
+              </a:schemeClr>
+            </a:gs>
+            <a:gs pos="50000">
+              <a:schemeClr val="phClr">
+                <a:tint val="98000"/>
+                <a:satMod val="130000"/>
+                <a:shade val="90000"/>
+                <a:lumMod val="103000"/>
+              </a:schemeClr>
+            </a:gs>
+            <a:gs pos="100000">
+              <a:schemeClr val="phClr">
+                <a:shade val="63000"/>
+                <a:satMod val="120000"/>
+              </a:schemeClr>
+            </a:gs>
+          </a:gsLst>
+          <a:lin ang="5400000" scaled="0"/>
+        </a:gradFill>
+      </a:bgFillStyleLst>
+    </a:fmtScheme>
+  </a:themeElements>
+  <a:objectDefaults/>
+  <a:extraClrSchemeLst/>
+  <a:extLst>
+    <a:ext uri="{05A4C25C-085E-4340-85A3-A5531E510DB2}">
+      <thm15:themeFamily xmlns:thm15="http://schemas.microsoft.com/office/thememl/2012/main" name="Office Theme" id="{62F939B6-93AF-4DB8-9C6B-D6C7DFDC589F}" vid="{4A3C46E8-61CC-4603-A589-7422A47A8E4A}"/>
+    </a:ext>
+  </a:extLst>
+</a:theme>
+</file>
+
+<file path=ppt/theme/theme3.xml><?xml version="1.0" encoding="utf-8"?>
+<a:theme xmlns:a="http://schemas.openxmlformats.org/drawingml/2006/main" name="Tema de Office">
+  <a:themeElements>
+    <a:clrScheme name="Office">
+      <a:dk1>
+        <a:sysClr val="windowText" lastClr="000000"/>
+      </a:dk1>
+      <a:lt1>
+        <a:sysClr val="window" lastClr="FFFFFF"/>
+      </a:lt1>
+      <a:dk2>
+        <a:srgbClr val="44546A"/>
+      </a:dk2>
+      <a:lt2>
+        <a:srgbClr val="E7E6E6"/>
+      </a:lt2>
+      <a:accent1>
+        <a:srgbClr val="4472C4"/>
+      </a:accent1>
+      <a:accent2>
+        <a:srgbClr val="ED7D31"/>
+      </a:accent2>
+      <a:accent3>
+        <a:srgbClr val="A5A5A5"/>
+      </a:accent3>
+      <a:accent4>
+        <a:srgbClr val="FFC000"/>
+      </a:accent4>
+      <a:accent5>
+        <a:srgbClr val="5B9BD5"/>
+      </a:accent5>
+      <a:accent6>
+        <a:srgbClr val="70AD47"/>
+      </a:accent6>
+      <a:hlink>
+        <a:srgbClr val="0563C1"/>
+      </a:hlink>
+      <a:folHlink>
+        <a:srgbClr val="954F72"/>
+      </a:folHlink>
+    </a:clrScheme>
+    <a:fontScheme name="Office">
+      <a:majorFont>
+        <a:latin typeface="Calibri Light" panose="020F0302020204030204"/>
+        <a:ea typeface=""/>
+        <a:cs typeface=""/>
+        <a:font script="Jpan" typeface="游ゴシック Light"/>
+        <a:font script="Hang" typeface="맑은 고딕"/>
+        <a:font script="Hans" typeface="等线 Light"/>
+        <a:font script="Hant" typeface="新細明體"/>
+        <a:font script="Arab" typeface="Times New Roman"/>
+        <a:font script="Hebr" typeface="Times New Roman"/>
+        <a:font script="Thai" typeface="Angsana New"/>
+        <a:font script="Ethi" typeface="Nyala"/>
+        <a:font script="Beng" typeface="Vrinda"/>
+        <a:font script="Gujr" typeface="Shruti"/>
+        <a:font script="Khmr" typeface="MoolBoran"/>
+        <a:font script="Knda" typeface="Tunga"/>
+        <a:font script="Guru" typeface="Raavi"/>
+        <a:font script="Cans" typeface="Euphemia"/>
+        <a:font script="Cher" typeface="Plantagenet Cherokee"/>
+        <a:font script="Yiii" typeface="Microsoft Yi Baiti"/>
+        <a:font script="Tibt" typeface="Microsoft Himalaya"/>
+        <a:font script="Thaa" typeface="MV Boli"/>
+        <a:font script="Deva" typeface="Mangal"/>
+        <a:font script="Telu" typeface="Gautami"/>
+        <a:font script="Taml" typeface="Latha"/>
+        <a:font script="Syrc" typeface="Estrangelo Edessa"/>
+        <a:font script="Orya" typeface="Kalinga"/>
+        <a:font script="Mlym" typeface="Kartika"/>
+        <a:font script="Laoo" typeface="DokChampa"/>
+        <a:font script="Sinh" typeface="Iskoola Pota"/>
+        <a:font script="Mong" typeface="Mongolian Baiti"/>
+        <a:font script="Viet" typeface="Times New Roman"/>
+        <a:font script="Uigh" typeface="Microsoft Uighur"/>
+        <a:font script="Geor" typeface="Sylfaen"/>
+        <a:font script="Armn" typeface="Arial"/>
+        <a:font script="Bugi" typeface="Leelawadee UI"/>
+        <a:font script="Bopo" typeface="Microsoft JhengHei"/>
+        <a:font script="Java" typeface="Javanese Text"/>
+        <a:font script="Lisu" typeface="Segoe UI"/>
+        <a:font script="Mymr" typeface="Myanmar Text"/>
+        <a:font script="Nkoo" typeface="Ebrima"/>
+        <a:font script="Olck" typeface="Nirmala UI"/>
+        <a:font script="Osma" typeface="Ebrima"/>
+        <a:font script="Phag" typeface="Phagspa"/>
+        <a:font script="Syrn" typeface="Estrangelo Edessa"/>
+        <a:font script="Syrj" typeface="Estrangelo Edessa"/>
+        <a:font script="Syre" typeface="Estrangelo Edessa"/>
+        <a:font script="Sora" typeface="Nirmala UI"/>
+        <a:font script="Tale" typeface="Microsoft Tai Le"/>
+        <a:font script="Talu" typeface="Microsoft New Tai Lue"/>
+        <a:font script="Tfng" typeface="Ebrima"/>
+      </a:majorFont>
+      <a:minorFont>
+        <a:latin typeface="Calibri" panose="020F0502020204030204"/>
+        <a:ea typeface=""/>
+        <a:cs typeface=""/>
+        <a:font script="Jpan" typeface="游ゴシック"/>
+        <a:font script="Hang" typeface="맑은 고딕"/>
+        <a:font script="Hans" typeface="等线"/>
+        <a:font script="Hant" typeface="新細明體"/>
+        <a:font script="Arab" typeface="Arial"/>
+        <a:font script="Hebr" typeface="Arial"/>
+        <a:font script="Thai" typeface="Cordia New"/>
+        <a:font script="Ethi" typeface="Nyala"/>
+        <a:font script="Beng" typeface="Vrinda"/>
+        <a:font script="Gujr" typeface="Shruti"/>
+        <a:font script="Khmr" typeface="DaunPenh"/>
+        <a:font script="Knda" typeface="Tunga"/>
+        <a:font script="Guru" typeface="Raavi"/>
+        <a:font script="Cans" typeface="Euphemia"/>
+        <a:font script="Cher" typeface="Plantagenet Cherokee"/>
+        <a:font script="Yiii" typeface="Microsoft Yi Baiti"/>
+        <a:font script="Tibt" typeface="Microsoft Himalaya"/>
+        <a:font script="Thaa" typeface="MV Boli"/>
+        <a:font script="Deva" typeface="Mangal"/>
+        <a:font script="Telu" typeface="Gautami"/>
+        <a:font script="Taml" typeface="Latha"/>
+        <a:font script="Syrc" typeface="Estrangelo Edessa"/>
+        <a:font script="Orya" typeface="Kalinga"/>
+        <a:font script="Mlym" typeface="Kartika"/>
+        <a:font script="Laoo" typeface="DokChampa"/>
+        <a:font script="Sinh" typeface="Iskoola Pota"/>
+        <a:font script="Mong" typeface="Mongolian Baiti"/>
+        <a:font script="Viet" typeface="Arial"/>
+        <a:font script="Uigh" typeface="Microsoft Uighur"/>
+        <a:font script="Geor" typeface="Sylfaen"/>
+        <a:font script="Armn" typeface="Arial"/>
+        <a:font script="Bugi" typeface="Leelawadee UI"/>
+        <a:font script="Bopo" typeface="Microsoft JhengHei"/>
+        <a:font script="Java" typeface="Javanese Text"/>
+        <a:font script="Lisu" typeface="Segoe UI"/>
+        <a:font script="Mymr" typeface="Myanmar Text"/>
+        <a:font script="Nkoo" typeface="Ebrima"/>
+        <a:font script="Olck" typeface="Nirmala UI"/>
+        <a:font script="Osma" typeface="Ebrima"/>
+        <a:font script="Phag" typeface="Phagspa"/>
+        <a:font script="Syrn" typeface="Estrangelo Edessa"/>
+        <a:font script="Syrj" typeface="Estrangelo Edessa"/>
+        <a:font script="Syre" typeface="Estrangelo Edessa"/>
+        <a:font script="Sora" typeface="Nirmala UI"/>
+        <a:font script="Tale" typeface="Microsoft Tai Le"/>
+        <a:font script="Talu" typeface="Microsoft New Tai Lue"/>
+        <a:font script="Tfng" typeface="Ebrima"/>
+      </a:minorFont>
+    </a:fontScheme>
+    <a:fmtScheme name="Office">
+      <a:fillStyleLst>
+        <a:solidFill>
+          <a:schemeClr val="phClr"/>
+        </a:solidFill>
+        <a:gradFill rotWithShape="1">
+          <a:gsLst>
+            <a:gs pos="0">
+              <a:schemeClr val="phClr">
+                <a:lumMod val="110000"/>
+                <a:satMod val="105000"/>
+                <a:tint val="67000"/>
+              </a:schemeClr>
+            </a:gs>
+            <a:gs pos="50000">
+              <a:schemeClr val="phClr">
+                <a:lumMod val="105000"/>
+                <a:satMod val="103000"/>
+                <a:tint val="73000"/>
+              </a:schemeClr>
+            </a:gs>
+            <a:gs pos="100000">
+              <a:schemeClr val="phClr">
+                <a:lumMod val="105000"/>
+                <a:satMod val="109000"/>
+                <a:tint val="81000"/>
+              </a:schemeClr>
+            </a:gs>
+          </a:gsLst>
+          <a:lin ang="5400000" scaled="0"/>
+        </a:gradFill>
+        <a:gradFill rotWithShape="1">
+          <a:gsLst>
+            <a:gs pos="0">
+              <a:schemeClr val="phClr">
+                <a:satMod val="103000"/>
+                <a:lumMod val="102000"/>
+                <a:tint val="94000"/>
+              </a:schemeClr>
+            </a:gs>
+            <a:gs pos="50000">
+              <a:schemeClr val="phClr">
+                <a:satMod val="110000"/>
+                <a:lumMod val="100000"/>
+                <a:shade val="100000"/>
+              </a:schemeClr>
+            </a:gs>
+            <a:gs pos="100000">
+              <a:schemeClr val="phClr">
+                <a:lumMod val="99000"/>
+                <a:satMod val="120000"/>
+                <a:shade val="78000"/>
+              </a:schemeClr>
+            </a:gs>
+          </a:gsLst>
+          <a:lin ang="5400000" scaled="0"/>
+        </a:gradFill>
+      </a:fillStyleLst>
+      <a:lnStyleLst>
+        <a:ln w="6350" cap="flat" cmpd="sng" algn="ctr">
+          <a:solidFill>
+            <a:schemeClr val="phClr"/>
+          </a:solidFill>
+          <a:prstDash val="solid"/>
+          <a:miter lim="800000"/>
+        </a:ln>
+        <a:ln w="12700" cap="flat" cmpd="sng" algn="ctr">
+          <a:solidFill>
+            <a:schemeClr val="phClr"/>
+          </a:solidFill>
+          <a:prstDash val="solid"/>
+          <a:miter lim="800000"/>
+        </a:ln>
+        <a:ln w="19050" cap="flat" cmpd="sng" algn="ctr">
+          <a:solidFill>
+            <a:schemeClr val="phClr"/>
+          </a:solidFill>
+          <a:prstDash val="solid"/>
+          <a:miter lim="800000"/>
+        </a:ln>
+      </a:lnStyleLst>
+      <a:effectStyleLst>
+        <a:effectStyle>
+          <a:effectLst/>
+        </a:effectStyle>
+        <a:effectStyle>
+          <a:effectLst/>
+        </a:effectStyle>
+        <a:effectStyle>
+          <a:effectLst>
+            <a:outerShdw blurRad="57150" dist="19050" dir="5400000" algn="ctr" rotWithShape="0">
+              <a:srgbClr val="000000">
+                <a:alpha val="63000"/>
+              </a:srgbClr>
+            </a:outerShdw>
+          </a:effectLst>
+        </a:effectStyle>
+      </a:effectStyleLst>
+      <a:bgFillStyleLst>
+        <a:solidFill>
+          <a:schemeClr val="phClr"/>
+        </a:solidFill>
+        <a:solidFill>
+          <a:schemeClr val="phClr">
+            <a:tint val="95000"/>
+            <a:satMod val="170000"/>
+          </a:schemeClr>
+        </a:solidFill>
+        <a:gradFill rotWithShape="1">
+          <a:gsLst>
+            <a:gs pos="0">
+              <a:schemeClr val="phClr">
+                <a:tint val="93000"/>
+                <a:satMod val="150000"/>
+                <a:shade val="98000"/>
+                <a:lumMod val="102000"/>
+              </a:schemeClr>
+            </a:gs>
+            <a:gs pos="50000">
+              <a:schemeClr val="phClr">
+                <a:tint val="98000"/>
+                <a:satMod val="130000"/>
+                <a:shade val="90000"/>
+                <a:lumMod val="103000"/>
+              </a:schemeClr>
+            </a:gs>
+            <a:gs pos="100000">
+              <a:schemeClr val="phClr">
+                <a:shade val="63000"/>
+                <a:satMod val="120000"/>
+              </a:schemeClr>
+            </a:gs>
+          </a:gsLst>
+          <a:lin ang="5400000" scaled="0"/>
+        </a:gradFill>
+      </a:bgFillStyleLst>
+    </a:fmtScheme>
+  </a:themeElements>
+  <a:objectDefaults/>
+  <a:extraClrSchemeLst/>
+  <a:extLst>
+    <a:ext uri="{05A4C25C-085E-4340-85A3-A5531E510DB2}">
+      <thm15:themeFamily xmlns:thm15="http://schemas.microsoft.com/office/thememl/2012/main" name="Office Theme" id="{62F939B6-93AF-4DB8-9C6B-D6C7DFDC589F}" vid="{4A3C46E8-61CC-4603-A589-7422A47A8E4A}"/>
+    </a:ext>
+  </a:extLst>
+</a:theme>
 </file>
--- a/DD2_Proyecto_Chen/doc/Diagrama_Bloques.pptx
+++ b/DD2_Proyecto_Chen/doc/Diagrama_Bloques.pptx
@@ -5,19 +5,16 @@
     <p:sldMasterId id="2147483648" r:id="rId1"/>
   </p:sldMasterIdLst>
   <p:notesMasterIdLst>
-    <p:notesMasterId r:id="rId9"/>
+    <p:notesMasterId r:id="rId6"/>
   </p:notesMasterIdLst>
   <p:handoutMasterIdLst>
-    <p:handoutMasterId r:id="rId10"/>
+    <p:handoutMasterId r:id="rId7"/>
   </p:handoutMasterIdLst>
   <p:sldIdLst>
-    <p:sldId id="256" r:id="rId2"/>
-    <p:sldId id="262" r:id="rId3"/>
-    <p:sldId id="257" r:id="rId4"/>
-    <p:sldId id="258" r:id="rId5"/>
-    <p:sldId id="259" r:id="rId6"/>
-    <p:sldId id="260" r:id="rId7"/>
-    <p:sldId id="261" r:id="rId8"/>
+    <p:sldId id="257" r:id="rId2"/>
+    <p:sldId id="258" r:id="rId3"/>
+    <p:sldId id="259" r:id="rId4"/>
+    <p:sldId id="256" r:id="rId5"/>
   </p:sldIdLst>
   <p:sldSz cx="12192000" cy="6858000"/>
   <p:notesSz cx="6858000" cy="9144000"/>
@@ -131,6 +128,9 @@
         </p15:guide>
       </p15:sldGuideLst>
     </p:ext>
+    <p:ext uri="{2D200454-40CA-4A62-9FC3-DE9A4176ACB9}">
+      <p15:notesGuideLst xmlns:p15="http://schemas.microsoft.com/office/powerpoint/2012/main"/>
+    </p:ext>
   </p:extLst>
 </p:presentation>
 </file>
@@ -190,7 +190,7 @@
             </a:lvl1pPr>
           </a:lstStyle>
           <a:p>
-            <a:endParaRPr lang="en-US"/>
+            <a:endParaRPr lang="en-US" dirty="0"/>
           </a:p>
         </p:txBody>
       </p:sp>
@@ -229,9 +229,9 @@
           <a:p>
             <a:fld id="{561C053D-3895-46B6-B520-A523C3E2EDC8}" type="datetimeFigureOut">
               <a:rPr lang="en-US" smtClean="0"/>
-              <a:t>5/21/2022</a:t>
+              <a:t>5/22/2022</a:t>
             </a:fld>
-            <a:endParaRPr lang="en-US"/>
+            <a:endParaRPr lang="en-US" dirty="0"/>
           </a:p>
         </p:txBody>
       </p:sp>
@@ -268,7 +268,7 @@
             </a:lvl1pPr>
           </a:lstStyle>
           <a:p>
-            <a:endParaRPr lang="en-US"/>
+            <a:endParaRPr lang="en-US" dirty="0"/>
           </a:p>
         </p:txBody>
       </p:sp>
@@ -309,7 +309,7 @@
               <a:rPr lang="en-US" smtClean="0"/>
               <a:t>‹Nº›</a:t>
             </a:fld>
-            <a:endParaRPr lang="en-US"/>
+            <a:endParaRPr lang="en-US" dirty="0"/>
           </a:p>
         </p:txBody>
       </p:sp>
@@ -373,7 +373,7 @@
             </a:lvl1pPr>
           </a:lstStyle>
           <a:p>
-            <a:endParaRPr lang="en-US"/>
+            <a:endParaRPr lang="en-US" dirty="0"/>
           </a:p>
         </p:txBody>
       </p:sp>
@@ -406,9 +406,9 @@
           <a:p>
             <a:fld id="{5AFD6A60-411D-47C0-BC65-AC1EF5E87A25}" type="datetimeFigureOut">
               <a:rPr lang="en-US" smtClean="0"/>
-              <a:t>5/21/2022</a:t>
+              <a:t>5/22/2022</a:t>
             </a:fld>
-            <a:endParaRPr lang="en-US"/>
+            <a:endParaRPr lang="en-US" dirty="0"/>
           </a:p>
         </p:txBody>
       </p:sp>
@@ -441,7 +441,7 @@
           <a:bodyPr vert="horz" lIns="91440" tIns="45720" rIns="91440" bIns="45720" rtlCol="0" anchor="ctr"/>
           <a:lstStyle/>
           <a:p>
-            <a:endParaRPr lang="en-US"/>
+            <a:endParaRPr lang="en-US" dirty="0"/>
           </a:p>
         </p:txBody>
       </p:sp>
@@ -532,7 +532,7 @@
             </a:lvl1pPr>
           </a:lstStyle>
           <a:p>
-            <a:endParaRPr lang="en-US"/>
+            <a:endParaRPr lang="en-US" dirty="0"/>
           </a:p>
         </p:txBody>
       </p:sp>
@@ -567,7 +567,7 @@
               <a:rPr lang="en-US" smtClean="0"/>
               <a:t>‹Nº›</a:t>
             </a:fld>
-            <a:endParaRPr lang="en-US"/>
+            <a:endParaRPr lang="en-US" dirty="0"/>
           </a:p>
         </p:txBody>
       </p:sp>
@@ -821,9 +821,9 @@
           <a:p>
             <a:fld id="{55702066-0113-4F40-AC2C-2FC40F98C312}" type="datetimeFigureOut">
               <a:rPr lang="es-ES" smtClean="0"/>
-              <a:t>21/05/2022</a:t>
+              <a:t>22/05/2022</a:t>
             </a:fld>
-            <a:endParaRPr lang="es-ES"/>
+            <a:endParaRPr lang="es-ES" dirty="0"/>
           </a:p>
         </p:txBody>
       </p:sp>
@@ -848,7 +848,7 @@
           <a:bodyPr/>
           <a:lstStyle/>
           <a:p>
-            <a:endParaRPr lang="es-ES"/>
+            <a:endParaRPr lang="es-ES" dirty="0"/>
           </a:p>
         </p:txBody>
       </p:sp>
@@ -877,7 +877,7 @@
               <a:rPr lang="es-ES" smtClean="0"/>
               <a:t>‹Nº›</a:t>
             </a:fld>
-            <a:endParaRPr lang="es-ES"/>
+            <a:endParaRPr lang="es-ES" dirty="0"/>
           </a:p>
         </p:txBody>
       </p:sp>
@@ -1019,9 +1019,9 @@
           <a:p>
             <a:fld id="{55702066-0113-4F40-AC2C-2FC40F98C312}" type="datetimeFigureOut">
               <a:rPr lang="es-ES" smtClean="0"/>
-              <a:t>21/05/2022</a:t>
+              <a:t>22/05/2022</a:t>
             </a:fld>
-            <a:endParaRPr lang="es-ES"/>
+            <a:endParaRPr lang="es-ES" dirty="0"/>
           </a:p>
         </p:txBody>
       </p:sp>
@@ -1046,7 +1046,7 @@
           <a:bodyPr/>
           <a:lstStyle/>
           <a:p>
-            <a:endParaRPr lang="es-ES"/>
+            <a:endParaRPr lang="es-ES" dirty="0"/>
           </a:p>
         </p:txBody>
       </p:sp>
@@ -1075,7 +1075,7 @@
               <a:rPr lang="es-ES" smtClean="0"/>
               <a:t>‹Nº›</a:t>
             </a:fld>
-            <a:endParaRPr lang="es-ES"/>
+            <a:endParaRPr lang="es-ES" dirty="0"/>
           </a:p>
         </p:txBody>
       </p:sp>
@@ -1227,9 +1227,9 @@
           <a:p>
             <a:fld id="{55702066-0113-4F40-AC2C-2FC40F98C312}" type="datetimeFigureOut">
               <a:rPr lang="es-ES" smtClean="0"/>
-              <a:t>21/05/2022</a:t>
+              <a:t>22/05/2022</a:t>
             </a:fld>
-            <a:endParaRPr lang="es-ES"/>
+            <a:endParaRPr lang="es-ES" dirty="0"/>
           </a:p>
         </p:txBody>
       </p:sp>
@@ -1254,7 +1254,7 @@
           <a:bodyPr/>
           <a:lstStyle/>
           <a:p>
-            <a:endParaRPr lang="es-ES"/>
+            <a:endParaRPr lang="es-ES" dirty="0"/>
           </a:p>
         </p:txBody>
       </p:sp>
@@ -1283,7 +1283,7 @@
               <a:rPr lang="es-ES" smtClean="0"/>
               <a:t>‹Nº›</a:t>
             </a:fld>
-            <a:endParaRPr lang="es-ES"/>
+            <a:endParaRPr lang="es-ES" dirty="0"/>
           </a:p>
         </p:txBody>
       </p:sp>
@@ -1425,9 +1425,9 @@
           <a:p>
             <a:fld id="{55702066-0113-4F40-AC2C-2FC40F98C312}" type="datetimeFigureOut">
               <a:rPr lang="es-ES" smtClean="0"/>
-              <a:t>21/05/2022</a:t>
+              <a:t>22/05/2022</a:t>
             </a:fld>
-            <a:endParaRPr lang="es-ES"/>
+            <a:endParaRPr lang="es-ES" dirty="0"/>
           </a:p>
         </p:txBody>
       </p:sp>
@@ -1452,7 +1452,7 @@
           <a:bodyPr/>
           <a:lstStyle/>
           <a:p>
-            <a:endParaRPr lang="es-ES"/>
+            <a:endParaRPr lang="es-ES" dirty="0"/>
           </a:p>
         </p:txBody>
       </p:sp>
@@ -1481,7 +1481,7 @@
               <a:rPr lang="es-ES" smtClean="0"/>
               <a:t>‹Nº›</a:t>
             </a:fld>
-            <a:endParaRPr lang="es-ES"/>
+            <a:endParaRPr lang="es-ES" dirty="0"/>
           </a:p>
         </p:txBody>
       </p:sp>
@@ -1700,9 +1700,9 @@
           <a:p>
             <a:fld id="{55702066-0113-4F40-AC2C-2FC40F98C312}" type="datetimeFigureOut">
               <a:rPr lang="es-ES" smtClean="0"/>
-              <a:t>21/05/2022</a:t>
+              <a:t>22/05/2022</a:t>
             </a:fld>
-            <a:endParaRPr lang="es-ES"/>
+            <a:endParaRPr lang="es-ES" dirty="0"/>
           </a:p>
         </p:txBody>
       </p:sp>
@@ -1727,7 +1727,7 @@
           <a:bodyPr/>
           <a:lstStyle/>
           <a:p>
-            <a:endParaRPr lang="es-ES"/>
+            <a:endParaRPr lang="es-ES" dirty="0"/>
           </a:p>
         </p:txBody>
       </p:sp>
@@ -1756,7 +1756,7 @@
               <a:rPr lang="es-ES" smtClean="0"/>
               <a:t>‹Nº›</a:t>
             </a:fld>
-            <a:endParaRPr lang="es-ES"/>
+            <a:endParaRPr lang="es-ES" dirty="0"/>
           </a:p>
         </p:txBody>
       </p:sp>
@@ -1965,9 +1965,9 @@
           <a:p>
             <a:fld id="{55702066-0113-4F40-AC2C-2FC40F98C312}" type="datetimeFigureOut">
               <a:rPr lang="es-ES" smtClean="0"/>
-              <a:t>21/05/2022</a:t>
+              <a:t>22/05/2022</a:t>
             </a:fld>
-            <a:endParaRPr lang="es-ES"/>
+            <a:endParaRPr lang="es-ES" dirty="0"/>
           </a:p>
         </p:txBody>
       </p:sp>
@@ -1992,7 +1992,7 @@
           <a:bodyPr/>
           <a:lstStyle/>
           <a:p>
-            <a:endParaRPr lang="es-ES"/>
+            <a:endParaRPr lang="es-ES" dirty="0"/>
           </a:p>
         </p:txBody>
       </p:sp>
@@ -2021,7 +2021,7 @@
               <a:rPr lang="es-ES" smtClean="0"/>
               <a:t>‹Nº›</a:t>
             </a:fld>
-            <a:endParaRPr lang="es-ES"/>
+            <a:endParaRPr lang="es-ES" dirty="0"/>
           </a:p>
         </p:txBody>
       </p:sp>
@@ -2377,9 +2377,9 @@
           <a:p>
             <a:fld id="{55702066-0113-4F40-AC2C-2FC40F98C312}" type="datetimeFigureOut">
               <a:rPr lang="es-ES" smtClean="0"/>
-              <a:t>21/05/2022</a:t>
+              <a:t>22/05/2022</a:t>
             </a:fld>
-            <a:endParaRPr lang="es-ES"/>
+            <a:endParaRPr lang="es-ES" dirty="0"/>
           </a:p>
         </p:txBody>
       </p:sp>
@@ -2404,7 +2404,7 @@
           <a:bodyPr/>
           <a:lstStyle/>
           <a:p>
-            <a:endParaRPr lang="es-ES"/>
+            <a:endParaRPr lang="es-ES" dirty="0"/>
           </a:p>
         </p:txBody>
       </p:sp>
@@ -2433,7 +2433,7 @@
               <a:rPr lang="es-ES" smtClean="0"/>
               <a:t>‹Nº›</a:t>
             </a:fld>
-            <a:endParaRPr lang="es-ES"/>
+            <a:endParaRPr lang="es-ES" dirty="0"/>
           </a:p>
         </p:txBody>
       </p:sp>
@@ -2518,9 +2518,9 @@
           <a:p>
             <a:fld id="{55702066-0113-4F40-AC2C-2FC40F98C312}" type="datetimeFigureOut">
               <a:rPr lang="es-ES" smtClean="0"/>
-              <a:t>21/05/2022</a:t>
+              <a:t>22/05/2022</a:t>
             </a:fld>
-            <a:endParaRPr lang="es-ES"/>
+            <a:endParaRPr lang="es-ES" dirty="0"/>
           </a:p>
         </p:txBody>
       </p:sp>
@@ -2545,7 +2545,7 @@
           <a:bodyPr/>
           <a:lstStyle/>
           <a:p>
-            <a:endParaRPr lang="es-ES"/>
+            <a:endParaRPr lang="es-ES" dirty="0"/>
           </a:p>
         </p:txBody>
       </p:sp>
@@ -2574,7 +2574,7 @@
               <a:rPr lang="es-ES" smtClean="0"/>
               <a:t>‹Nº›</a:t>
             </a:fld>
-            <a:endParaRPr lang="es-ES"/>
+            <a:endParaRPr lang="es-ES" dirty="0"/>
           </a:p>
         </p:txBody>
       </p:sp>
@@ -2631,9 +2631,9 @@
           <a:p>
             <a:fld id="{55702066-0113-4F40-AC2C-2FC40F98C312}" type="datetimeFigureOut">
               <a:rPr lang="es-ES" smtClean="0"/>
-              <a:t>21/05/2022</a:t>
+              <a:t>22/05/2022</a:t>
             </a:fld>
-            <a:endParaRPr lang="es-ES"/>
+            <a:endParaRPr lang="es-ES" dirty="0"/>
           </a:p>
         </p:txBody>
       </p:sp>
@@ -2658,7 +2658,7 @@
           <a:bodyPr/>
           <a:lstStyle/>
           <a:p>
-            <a:endParaRPr lang="es-ES"/>
+            <a:endParaRPr lang="es-ES" dirty="0"/>
           </a:p>
         </p:txBody>
       </p:sp>
@@ -2687,7 +2687,7 @@
               <a:rPr lang="es-ES" smtClean="0"/>
               <a:t>‹Nº›</a:t>
             </a:fld>
-            <a:endParaRPr lang="es-ES"/>
+            <a:endParaRPr lang="es-ES" dirty="0"/>
           </a:p>
         </p:txBody>
       </p:sp>
@@ -2942,9 +2942,9 @@
           <a:p>
             <a:fld id="{55702066-0113-4F40-AC2C-2FC40F98C312}" type="datetimeFigureOut">
               <a:rPr lang="es-ES" smtClean="0"/>
-              <a:t>21/05/2022</a:t>
+              <a:t>22/05/2022</a:t>
             </a:fld>
-            <a:endParaRPr lang="es-ES"/>
+            <a:endParaRPr lang="es-ES" dirty="0"/>
           </a:p>
         </p:txBody>
       </p:sp>
@@ -2969,7 +2969,7 @@
           <a:bodyPr/>
           <a:lstStyle/>
           <a:p>
-            <a:endParaRPr lang="es-ES"/>
+            <a:endParaRPr lang="es-ES" dirty="0"/>
           </a:p>
         </p:txBody>
       </p:sp>
@@ -2998,7 +2998,7 @@
               <a:rPr lang="es-ES" smtClean="0"/>
               <a:t>‹Nº›</a:t>
             </a:fld>
-            <a:endParaRPr lang="es-ES"/>
+            <a:endParaRPr lang="es-ES" dirty="0"/>
           </a:p>
         </p:txBody>
       </p:sp>
@@ -3132,7 +3132,7 @@
             </a:lvl9pPr>
           </a:lstStyle>
           <a:p>
-            <a:endParaRPr lang="es-ES"/>
+            <a:endParaRPr lang="es-ES" dirty="0"/>
           </a:p>
         </p:txBody>
       </p:sp>
@@ -3230,9 +3230,9 @@
           <a:p>
             <a:fld id="{55702066-0113-4F40-AC2C-2FC40F98C312}" type="datetimeFigureOut">
               <a:rPr lang="es-ES" smtClean="0"/>
-              <a:t>21/05/2022</a:t>
+              <a:t>22/05/2022</a:t>
             </a:fld>
-            <a:endParaRPr lang="es-ES"/>
+            <a:endParaRPr lang="es-ES" dirty="0"/>
           </a:p>
         </p:txBody>
       </p:sp>
@@ -3257,7 +3257,7 @@
           <a:bodyPr/>
           <a:lstStyle/>
           <a:p>
-            <a:endParaRPr lang="es-ES"/>
+            <a:endParaRPr lang="es-ES" dirty="0"/>
           </a:p>
         </p:txBody>
       </p:sp>
@@ -3286,7 +3286,7 @@
               <a:rPr lang="es-ES" smtClean="0"/>
               <a:t>‹Nº›</a:t>
             </a:fld>
-            <a:endParaRPr lang="es-ES"/>
+            <a:endParaRPr lang="es-ES" dirty="0"/>
           </a:p>
         </p:txBody>
       </p:sp>
@@ -3471,9 +3471,9 @@
           <a:p>
             <a:fld id="{55702066-0113-4F40-AC2C-2FC40F98C312}" type="datetimeFigureOut">
               <a:rPr lang="es-ES" smtClean="0"/>
-              <a:t>21/05/2022</a:t>
+              <a:t>22/05/2022</a:t>
             </a:fld>
-            <a:endParaRPr lang="es-ES"/>
+            <a:endParaRPr lang="es-ES" dirty="0"/>
           </a:p>
         </p:txBody>
       </p:sp>
@@ -3516,7 +3516,7 @@
             </a:lvl1pPr>
           </a:lstStyle>
           <a:p>
-            <a:endParaRPr lang="es-ES"/>
+            <a:endParaRPr lang="es-ES" dirty="0"/>
           </a:p>
         </p:txBody>
       </p:sp>
@@ -3563,7 +3563,7 @@
               <a:rPr lang="es-ES" smtClean="0"/>
               <a:t>‹Nº›</a:t>
             </a:fld>
-            <a:endParaRPr lang="es-ES"/>
+            <a:endParaRPr lang="es-ES" dirty="0"/>
           </a:p>
         </p:txBody>
       </p:sp>
@@ -3890,62 +3890,10 @@
       </p:grpSpPr>
       <p:sp>
         <p:nvSpPr>
-          <p:cNvPr id="4" name="Rectángulo 3">
-            <a:extLst>
-              <a:ext uri="{FF2B5EF4-FFF2-40B4-BE49-F238E27FC236}">
-                <a16:creationId xmlns:a16="http://schemas.microsoft.com/office/drawing/2014/main" id="{EB4F9071-FF12-F329-7121-ED866C6992F4}"/>
-              </a:ext>
-            </a:extLst>
-          </p:cNvPr>
-          <p:cNvSpPr/>
-          <p:nvPr/>
-        </p:nvSpPr>
-        <p:spPr>
-          <a:xfrm>
-            <a:off x="1319120" y="1629000"/>
-            <a:ext cx="3600000" cy="3600000"/>
-          </a:xfrm>
-          <a:prstGeom prst="rect">
-            <a:avLst/>
-          </a:prstGeom>
-          <a:noFill/>
-          <a:ln w="28575">
-            <a:solidFill>
-              <a:schemeClr val="tx1"/>
-            </a:solidFill>
-          </a:ln>
-        </p:spPr>
-        <p:style>
-          <a:lnRef idx="2">
-            <a:schemeClr val="accent1">
-              <a:shade val="50000"/>
-            </a:schemeClr>
-          </a:lnRef>
-          <a:fillRef idx="1">
-            <a:schemeClr val="accent1"/>
-          </a:fillRef>
-          <a:effectRef idx="0">
-            <a:schemeClr val="accent1"/>
-          </a:effectRef>
-          <a:fontRef idx="minor">
-            <a:schemeClr val="lt1"/>
-          </a:fontRef>
-        </p:style>
-        <p:txBody>
-          <a:bodyPr rtlCol="0" anchor="ctr"/>
-          <a:lstStyle/>
-          <a:p>
-            <a:pPr algn="ctr"/>
-            <a:endParaRPr lang="es-ES" dirty="0"/>
-          </a:p>
-        </p:txBody>
-      </p:sp>
-      <p:sp>
-        <p:nvSpPr>
-          <p:cNvPr id="2" name="CuadroTexto 1">
-            <a:extLst>
-              <a:ext uri="{FF2B5EF4-FFF2-40B4-BE49-F238E27FC236}">
-                <a16:creationId xmlns:a16="http://schemas.microsoft.com/office/drawing/2014/main" id="{7DA29224-C8AA-DDBF-9424-6F6E725BD532}"/>
+          <p:cNvPr id="54" name="CuadroTexto 53">
+            <a:extLst>
+              <a:ext uri="{FF2B5EF4-FFF2-40B4-BE49-F238E27FC236}">
+                <a16:creationId xmlns:a16="http://schemas.microsoft.com/office/drawing/2014/main" id="{A21B832D-87C0-6038-416F-5827039C0EFD}"/>
               </a:ext>
             </a:extLst>
           </p:cNvPr>
@@ -3954,317 +3902,8 @@
         </p:nvSpPr>
         <p:spPr>
           <a:xfrm>
-            <a:off x="2660661" y="1105780"/>
-            <a:ext cx="916918" cy="523220"/>
-          </a:xfrm>
-          <a:prstGeom prst="rect">
-            <a:avLst/>
-          </a:prstGeom>
-          <a:noFill/>
-        </p:spPr>
-        <p:txBody>
-          <a:bodyPr wrap="none" rtlCol="0">
-            <a:spAutoFit/>
-          </a:bodyPr>
-          <a:lstStyle/>
-          <a:p>
-            <a:r>
-              <a:rPr lang="es-ES" sz="2800" dirty="0"/>
-              <a:t>Nivel</a:t>
-            </a:r>
-            <a:endParaRPr lang="en-US" dirty="0"/>
-          </a:p>
-        </p:txBody>
-      </p:sp>
-      <p:cxnSp>
-        <p:nvCxnSpPr>
-          <p:cNvPr id="5" name="Conector recto 4">
-            <a:extLst>
-              <a:ext uri="{FF2B5EF4-FFF2-40B4-BE49-F238E27FC236}">
-                <a16:creationId xmlns:a16="http://schemas.microsoft.com/office/drawing/2014/main" id="{EA4CEEFB-1AD0-1055-8311-7A10E513B0CF}"/>
-              </a:ext>
-            </a:extLst>
-          </p:cNvPr>
-          <p:cNvCxnSpPr>
-            <a:cxnSpLocks/>
-          </p:cNvCxnSpPr>
-          <p:nvPr/>
-        </p:nvCxnSpPr>
-        <p:spPr>
-          <a:xfrm>
-            <a:off x="4912375" y="2697468"/>
-            <a:ext cx="1695040" cy="0"/>
-          </a:xfrm>
-          <a:prstGeom prst="line">
-            <a:avLst/>
-          </a:prstGeom>
-          <a:ln w="28575"/>
-        </p:spPr>
-        <p:style>
-          <a:lnRef idx="1">
-            <a:schemeClr val="dk1"/>
-          </a:lnRef>
-          <a:fillRef idx="0">
-            <a:schemeClr val="dk1"/>
-          </a:fillRef>
-          <a:effectRef idx="0">
-            <a:schemeClr val="dk1"/>
-          </a:effectRef>
-          <a:fontRef idx="minor">
-            <a:schemeClr val="tx1"/>
-          </a:fontRef>
-        </p:style>
-      </p:cxnSp>
-      <p:cxnSp>
-        <p:nvCxnSpPr>
-          <p:cNvPr id="7" name="Conector recto 6">
-            <a:extLst>
-              <a:ext uri="{FF2B5EF4-FFF2-40B4-BE49-F238E27FC236}">
-                <a16:creationId xmlns:a16="http://schemas.microsoft.com/office/drawing/2014/main" id="{71DAF938-BC8A-1F7F-0951-08D5820D3E73}"/>
-              </a:ext>
-            </a:extLst>
-          </p:cNvPr>
-          <p:cNvCxnSpPr>
-            <a:cxnSpLocks/>
-          </p:cNvCxnSpPr>
-          <p:nvPr/>
-        </p:nvCxnSpPr>
-        <p:spPr>
-          <a:xfrm>
-            <a:off x="558800" y="2946268"/>
-            <a:ext cx="760320" cy="0"/>
-          </a:xfrm>
-          <a:prstGeom prst="line">
-            <a:avLst/>
-          </a:prstGeom>
-          <a:ln w="28575"/>
-        </p:spPr>
-        <p:style>
-          <a:lnRef idx="1">
-            <a:schemeClr val="dk1"/>
-          </a:lnRef>
-          <a:fillRef idx="0">
-            <a:schemeClr val="dk1"/>
-          </a:fillRef>
-          <a:effectRef idx="0">
-            <a:schemeClr val="dk1"/>
-          </a:effectRef>
-          <a:fontRef idx="minor">
-            <a:schemeClr val="tx1"/>
-          </a:fontRef>
-        </p:style>
-      </p:cxnSp>
-      <p:cxnSp>
-        <p:nvCxnSpPr>
-          <p:cNvPr id="8" name="Conector recto 7">
-            <a:extLst>
-              <a:ext uri="{FF2B5EF4-FFF2-40B4-BE49-F238E27FC236}">
-                <a16:creationId xmlns:a16="http://schemas.microsoft.com/office/drawing/2014/main" id="{10765BAE-0BBB-8A7E-9C41-0042199A3F99}"/>
-              </a:ext>
-            </a:extLst>
-          </p:cNvPr>
-          <p:cNvCxnSpPr>
-            <a:cxnSpLocks/>
-          </p:cNvCxnSpPr>
-          <p:nvPr/>
-        </p:nvCxnSpPr>
-        <p:spPr>
-          <a:xfrm>
-            <a:off x="4915761" y="3654200"/>
-            <a:ext cx="1695040" cy="0"/>
-          </a:xfrm>
-          <a:prstGeom prst="line">
-            <a:avLst/>
-          </a:prstGeom>
-          <a:ln w="28575"/>
-        </p:spPr>
-        <p:style>
-          <a:lnRef idx="1">
-            <a:schemeClr val="dk1"/>
-          </a:lnRef>
-          <a:fillRef idx="0">
-            <a:schemeClr val="dk1"/>
-          </a:fillRef>
-          <a:effectRef idx="0">
-            <a:schemeClr val="dk1"/>
-          </a:effectRef>
-          <a:fontRef idx="minor">
-            <a:schemeClr val="tx1"/>
-          </a:fontRef>
-        </p:style>
-      </p:cxnSp>
-      <p:cxnSp>
-        <p:nvCxnSpPr>
-          <p:cNvPr id="9" name="Conector recto 8">
-            <a:extLst>
-              <a:ext uri="{FF2B5EF4-FFF2-40B4-BE49-F238E27FC236}">
-                <a16:creationId xmlns:a16="http://schemas.microsoft.com/office/drawing/2014/main" id="{6840613F-04BE-4E85-13FC-1440EE6425E9}"/>
-              </a:ext>
-            </a:extLst>
-          </p:cNvPr>
-          <p:cNvCxnSpPr>
-            <a:cxnSpLocks/>
-          </p:cNvCxnSpPr>
-          <p:nvPr/>
-        </p:nvCxnSpPr>
-        <p:spPr>
-          <a:xfrm>
-            <a:off x="4905601" y="3175000"/>
-            <a:ext cx="1695040" cy="0"/>
-          </a:xfrm>
-          <a:prstGeom prst="line">
-            <a:avLst/>
-          </a:prstGeom>
-          <a:ln w="28575"/>
-        </p:spPr>
-        <p:style>
-          <a:lnRef idx="1">
-            <a:schemeClr val="dk1"/>
-          </a:lnRef>
-          <a:fillRef idx="0">
-            <a:schemeClr val="dk1"/>
-          </a:fillRef>
-          <a:effectRef idx="0">
-            <a:schemeClr val="dk1"/>
-          </a:effectRef>
-          <a:fontRef idx="minor">
-            <a:schemeClr val="tx1"/>
-          </a:fontRef>
-        </p:style>
-      </p:cxnSp>
-      <p:cxnSp>
-        <p:nvCxnSpPr>
-          <p:cNvPr id="14" name="Conector recto 13">
-            <a:extLst>
-              <a:ext uri="{FF2B5EF4-FFF2-40B4-BE49-F238E27FC236}">
-                <a16:creationId xmlns:a16="http://schemas.microsoft.com/office/drawing/2014/main" id="{2FACDADA-1821-2482-F1A9-71995D2763B0}"/>
-              </a:ext>
-            </a:extLst>
-          </p:cNvPr>
-          <p:cNvCxnSpPr>
-            <a:cxnSpLocks/>
-          </p:cNvCxnSpPr>
-          <p:nvPr/>
-        </p:nvCxnSpPr>
-        <p:spPr>
-          <a:xfrm>
-            <a:off x="4914068" y="2218268"/>
-            <a:ext cx="1695040" cy="0"/>
-          </a:xfrm>
-          <a:prstGeom prst="line">
-            <a:avLst/>
-          </a:prstGeom>
-          <a:ln w="28575"/>
-        </p:spPr>
-        <p:style>
-          <a:lnRef idx="1">
-            <a:schemeClr val="dk1"/>
-          </a:lnRef>
-          <a:fillRef idx="0">
-            <a:schemeClr val="dk1"/>
-          </a:fillRef>
-          <a:effectRef idx="0">
-            <a:schemeClr val="dk1"/>
-          </a:effectRef>
-          <a:fontRef idx="minor">
-            <a:schemeClr val="tx1"/>
-          </a:fontRef>
-        </p:style>
-      </p:cxnSp>
-      <p:cxnSp>
-        <p:nvCxnSpPr>
-          <p:cNvPr id="16" name="Conector recto 15">
-            <a:extLst>
-              <a:ext uri="{FF2B5EF4-FFF2-40B4-BE49-F238E27FC236}">
-                <a16:creationId xmlns:a16="http://schemas.microsoft.com/office/drawing/2014/main" id="{9A5F0A0D-4624-72FB-ED66-17D36BB0586C}"/>
-              </a:ext>
-            </a:extLst>
-          </p:cNvPr>
-          <p:cNvCxnSpPr>
-            <a:cxnSpLocks/>
-          </p:cNvCxnSpPr>
-          <p:nvPr/>
-        </p:nvCxnSpPr>
-        <p:spPr>
-          <a:xfrm>
-            <a:off x="4915761" y="4133400"/>
-            <a:ext cx="1695040" cy="0"/>
-          </a:xfrm>
-          <a:prstGeom prst="line">
-            <a:avLst/>
-          </a:prstGeom>
-          <a:ln w="28575"/>
-        </p:spPr>
-        <p:style>
-          <a:lnRef idx="1">
-            <a:schemeClr val="dk1"/>
-          </a:lnRef>
-          <a:fillRef idx="0">
-            <a:schemeClr val="dk1"/>
-          </a:fillRef>
-          <a:effectRef idx="0">
-            <a:schemeClr val="dk1"/>
-          </a:effectRef>
-          <a:fontRef idx="minor">
-            <a:schemeClr val="tx1"/>
-          </a:fontRef>
-        </p:style>
-      </p:cxnSp>
-      <p:cxnSp>
-        <p:nvCxnSpPr>
-          <p:cNvPr id="18" name="Conector recto 17">
-            <a:extLst>
-              <a:ext uri="{FF2B5EF4-FFF2-40B4-BE49-F238E27FC236}">
-                <a16:creationId xmlns:a16="http://schemas.microsoft.com/office/drawing/2014/main" id="{3654967B-F8A6-5FA9-5E4C-36B97701E122}"/>
-              </a:ext>
-            </a:extLst>
-          </p:cNvPr>
-          <p:cNvCxnSpPr>
-            <a:cxnSpLocks/>
-          </p:cNvCxnSpPr>
-          <p:nvPr/>
-        </p:nvCxnSpPr>
-        <p:spPr>
-          <a:xfrm>
-            <a:off x="4905601" y="4612600"/>
-            <a:ext cx="1695040" cy="0"/>
-          </a:xfrm>
-          <a:prstGeom prst="line">
-            <a:avLst/>
-          </a:prstGeom>
-          <a:ln w="28575"/>
-        </p:spPr>
-        <p:style>
-          <a:lnRef idx="1">
-            <a:schemeClr val="dk1"/>
-          </a:lnRef>
-          <a:fillRef idx="0">
-            <a:schemeClr val="dk1"/>
-          </a:fillRef>
-          <a:effectRef idx="0">
-            <a:schemeClr val="dk1"/>
-          </a:effectRef>
-          <a:fontRef idx="minor">
-            <a:schemeClr val="tx1"/>
-          </a:fontRef>
-        </p:style>
-      </p:cxnSp>
-      <p:sp>
-        <p:nvSpPr>
-          <p:cNvPr id="19" name="CuadroTexto 18">
-            <a:extLst>
-              <a:ext uri="{FF2B5EF4-FFF2-40B4-BE49-F238E27FC236}">
-                <a16:creationId xmlns:a16="http://schemas.microsoft.com/office/drawing/2014/main" id="{71C17250-57E4-B73A-FDB8-BEEC79CD11C7}"/>
-              </a:ext>
-            </a:extLst>
-          </p:cNvPr>
-          <p:cNvSpPr txBox="1"/>
-          <p:nvPr/>
-        </p:nvSpPr>
-        <p:spPr>
-          <a:xfrm>
-            <a:off x="4914068" y="1855868"/>
-            <a:ext cx="1684880" cy="369332"/>
+            <a:off x="7380638" y="3042340"/>
+            <a:ext cx="1196760" cy="369332"/>
           </a:xfrm>
           <a:prstGeom prst="rect">
             <a:avLst/>
@@ -4279,8 +3918,8 @@
           <a:p>
             <a:pPr algn="r"/>
             <a:r>
-              <a:rPr lang="es-ES" dirty="0" err="1"/>
-              <a:t>nCS</a:t>
+              <a:rPr lang="es-ES" dirty="0"/>
+              <a:t>ena_rd</a:t>
             </a:r>
             <a:endParaRPr lang="en-US" dirty="0"/>
           </a:p>
@@ -4288,10 +3927,10 @@
       </p:sp>
       <p:sp>
         <p:nvSpPr>
-          <p:cNvPr id="20" name="CuadroTexto 19">
-            <a:extLst>
-              <a:ext uri="{FF2B5EF4-FFF2-40B4-BE49-F238E27FC236}">
-                <a16:creationId xmlns:a16="http://schemas.microsoft.com/office/drawing/2014/main" id="{108016AB-A327-3869-6072-DA3A9EF73CF9}"/>
+          <p:cNvPr id="55" name="CuadroTexto 54">
+            <a:extLst>
+              <a:ext uri="{FF2B5EF4-FFF2-40B4-BE49-F238E27FC236}">
+                <a16:creationId xmlns:a16="http://schemas.microsoft.com/office/drawing/2014/main" id="{EFE5F63E-4FB6-DBF9-6753-66D0F2B32B6B}"/>
               </a:ext>
             </a:extLst>
           </p:cNvPr>
@@ -4300,8 +3939,8 @@
         </p:nvSpPr>
         <p:spPr>
           <a:xfrm>
-            <a:off x="4924228" y="2328136"/>
-            <a:ext cx="1684880" cy="369332"/>
+            <a:off x="7383043" y="3428257"/>
+            <a:ext cx="1196760" cy="369332"/>
           </a:xfrm>
           <a:prstGeom prst="rect">
             <a:avLst/>
@@ -4317,713 +3956,6 @@
             <a:pPr algn="r"/>
             <a:r>
               <a:rPr lang="es-ES" dirty="0"/>
-              <a:t>SDI</a:t>
-            </a:r>
-            <a:endParaRPr lang="en-US" dirty="0"/>
-          </a:p>
-        </p:txBody>
-      </p:sp>
-      <p:sp>
-        <p:nvSpPr>
-          <p:cNvPr id="21" name="CuadroTexto 20">
-            <a:extLst>
-              <a:ext uri="{FF2B5EF4-FFF2-40B4-BE49-F238E27FC236}">
-                <a16:creationId xmlns:a16="http://schemas.microsoft.com/office/drawing/2014/main" id="{6B03CC45-ED50-5E87-865E-B31BB0616F8A}"/>
-              </a:ext>
-            </a:extLst>
-          </p:cNvPr>
-          <p:cNvSpPr txBox="1"/>
-          <p:nvPr/>
-        </p:nvSpPr>
-        <p:spPr>
-          <a:xfrm>
-            <a:off x="-444473" y="2590602"/>
-            <a:ext cx="1684880" cy="369332"/>
-          </a:xfrm>
-          <a:prstGeom prst="rect">
-            <a:avLst/>
-          </a:prstGeom>
-          <a:noFill/>
-        </p:spPr>
-        <p:txBody>
-          <a:bodyPr wrap="square" rtlCol="0">
-            <a:spAutoFit/>
-          </a:bodyPr>
-          <a:lstStyle/>
-          <a:p>
-            <a:pPr algn="r"/>
-            <a:r>
-              <a:rPr lang="es-ES" dirty="0"/>
-              <a:t>SDO</a:t>
-            </a:r>
-            <a:endParaRPr lang="en-US" dirty="0"/>
-          </a:p>
-        </p:txBody>
-      </p:sp>
-      <p:sp>
-        <p:nvSpPr>
-          <p:cNvPr id="22" name="CuadroTexto 21">
-            <a:extLst>
-              <a:ext uri="{FF2B5EF4-FFF2-40B4-BE49-F238E27FC236}">
-                <a16:creationId xmlns:a16="http://schemas.microsoft.com/office/drawing/2014/main" id="{160CD832-5851-3B4F-BF80-CD3595A576C2}"/>
-              </a:ext>
-            </a:extLst>
-          </p:cNvPr>
-          <p:cNvSpPr txBox="1"/>
-          <p:nvPr/>
-        </p:nvSpPr>
-        <p:spPr>
-          <a:xfrm>
-            <a:off x="4924228" y="2805668"/>
-            <a:ext cx="1684880" cy="369332"/>
-          </a:xfrm>
-          <a:prstGeom prst="rect">
-            <a:avLst/>
-          </a:prstGeom>
-          <a:noFill/>
-        </p:spPr>
-        <p:txBody>
-          <a:bodyPr wrap="square" rtlCol="0">
-            <a:spAutoFit/>
-          </a:bodyPr>
-          <a:lstStyle/>
-          <a:p>
-            <a:pPr algn="r"/>
-            <a:r>
-              <a:rPr lang="es-ES" dirty="0"/>
-              <a:t>SPC</a:t>
-            </a:r>
-            <a:endParaRPr lang="en-US" dirty="0"/>
-          </a:p>
-        </p:txBody>
-      </p:sp>
-      <p:sp>
-        <p:nvSpPr>
-          <p:cNvPr id="23" name="CuadroTexto 22">
-            <a:extLst>
-              <a:ext uri="{FF2B5EF4-FFF2-40B4-BE49-F238E27FC236}">
-                <a16:creationId xmlns:a16="http://schemas.microsoft.com/office/drawing/2014/main" id="{38B88A25-CC2E-7934-8E81-048796957743}"/>
-              </a:ext>
-            </a:extLst>
-          </p:cNvPr>
-          <p:cNvSpPr txBox="1"/>
-          <p:nvPr/>
-        </p:nvSpPr>
-        <p:spPr>
-          <a:xfrm>
-            <a:off x="4924228" y="3291801"/>
-            <a:ext cx="1684880" cy="369332"/>
-          </a:xfrm>
-          <a:prstGeom prst="rect">
-            <a:avLst/>
-          </a:prstGeom>
-          <a:noFill/>
-        </p:spPr>
-        <p:txBody>
-          <a:bodyPr wrap="square" rtlCol="0">
-            <a:spAutoFit/>
-          </a:bodyPr>
-          <a:lstStyle/>
-          <a:p>
-            <a:pPr algn="r"/>
-            <a:r>
-              <a:rPr lang="es-ES" dirty="0" err="1"/>
-              <a:t>mux_disp</a:t>
-            </a:r>
-            <a:endParaRPr lang="en-US" dirty="0"/>
-          </a:p>
-        </p:txBody>
-      </p:sp>
-      <p:sp>
-        <p:nvSpPr>
-          <p:cNvPr id="24" name="CuadroTexto 23">
-            <a:extLst>
-              <a:ext uri="{FF2B5EF4-FFF2-40B4-BE49-F238E27FC236}">
-                <a16:creationId xmlns:a16="http://schemas.microsoft.com/office/drawing/2014/main" id="{8E1FF246-8613-343C-463F-356A82C9B634}"/>
-              </a:ext>
-            </a:extLst>
-          </p:cNvPr>
-          <p:cNvSpPr txBox="1"/>
-          <p:nvPr/>
-        </p:nvSpPr>
-        <p:spPr>
-          <a:xfrm>
-            <a:off x="4920841" y="3771000"/>
-            <a:ext cx="1684880" cy="369332"/>
-          </a:xfrm>
-          <a:prstGeom prst="rect">
-            <a:avLst/>
-          </a:prstGeom>
-          <a:noFill/>
-        </p:spPr>
-        <p:txBody>
-          <a:bodyPr wrap="square" rtlCol="0">
-            <a:spAutoFit/>
-          </a:bodyPr>
-          <a:lstStyle/>
-          <a:p>
-            <a:pPr algn="r"/>
-            <a:r>
-              <a:rPr lang="es-ES" dirty="0" err="1"/>
-              <a:t>disp</a:t>
-            </a:r>
-            <a:endParaRPr lang="en-US" dirty="0"/>
-          </a:p>
-        </p:txBody>
-      </p:sp>
-      <p:sp>
-        <p:nvSpPr>
-          <p:cNvPr id="25" name="CuadroTexto 24">
-            <a:extLst>
-              <a:ext uri="{FF2B5EF4-FFF2-40B4-BE49-F238E27FC236}">
-                <a16:creationId xmlns:a16="http://schemas.microsoft.com/office/drawing/2014/main" id="{C1C5D2C1-78F5-3AB0-A5A4-99386B3B8450}"/>
-              </a:ext>
-            </a:extLst>
-          </p:cNvPr>
-          <p:cNvSpPr txBox="1"/>
-          <p:nvPr/>
-        </p:nvSpPr>
-        <p:spPr>
-          <a:xfrm>
-            <a:off x="4924228" y="4236336"/>
-            <a:ext cx="1684880" cy="369332"/>
-          </a:xfrm>
-          <a:prstGeom prst="rect">
-            <a:avLst/>
-          </a:prstGeom>
-          <a:noFill/>
-        </p:spPr>
-        <p:txBody>
-          <a:bodyPr wrap="square" rtlCol="0">
-            <a:spAutoFit/>
-          </a:bodyPr>
-          <a:lstStyle/>
-          <a:p>
-            <a:pPr algn="r"/>
-            <a:r>
-              <a:rPr lang="es-ES" dirty="0"/>
-              <a:t>leds</a:t>
-            </a:r>
-            <a:endParaRPr lang="en-US" dirty="0"/>
-          </a:p>
-        </p:txBody>
-      </p:sp>
-      <p:sp>
-        <p:nvSpPr>
-          <p:cNvPr id="26" name="CuadroTexto 25">
-            <a:extLst>
-              <a:ext uri="{FF2B5EF4-FFF2-40B4-BE49-F238E27FC236}">
-                <a16:creationId xmlns:a16="http://schemas.microsoft.com/office/drawing/2014/main" id="{4CD7C552-73D9-46BA-6AB1-133F42600B67}"/>
-              </a:ext>
-            </a:extLst>
-          </p:cNvPr>
-          <p:cNvSpPr txBox="1"/>
-          <p:nvPr/>
-        </p:nvSpPr>
-        <p:spPr>
-          <a:xfrm>
-            <a:off x="3136054" y="2040534"/>
-            <a:ext cx="1684880" cy="369332"/>
-          </a:xfrm>
-          <a:prstGeom prst="rect">
-            <a:avLst/>
-          </a:prstGeom>
-          <a:noFill/>
-        </p:spPr>
-        <p:txBody>
-          <a:bodyPr wrap="square" rtlCol="0">
-            <a:spAutoFit/>
-          </a:bodyPr>
-          <a:lstStyle/>
-          <a:p>
-            <a:pPr algn="r"/>
-            <a:r>
-              <a:rPr lang="es-ES" dirty="0" err="1"/>
-              <a:t>nCS</a:t>
-            </a:r>
-            <a:endParaRPr lang="en-US" dirty="0"/>
-          </a:p>
-        </p:txBody>
-      </p:sp>
-      <p:sp>
-        <p:nvSpPr>
-          <p:cNvPr id="27" name="CuadroTexto 26">
-            <a:extLst>
-              <a:ext uri="{FF2B5EF4-FFF2-40B4-BE49-F238E27FC236}">
-                <a16:creationId xmlns:a16="http://schemas.microsoft.com/office/drawing/2014/main" id="{E2C1F5D6-6885-7102-D3E7-185AF58A4195}"/>
-              </a:ext>
-            </a:extLst>
-          </p:cNvPr>
-          <p:cNvSpPr txBox="1"/>
-          <p:nvPr/>
-        </p:nvSpPr>
-        <p:spPr>
-          <a:xfrm>
-            <a:off x="3146214" y="2512802"/>
-            <a:ext cx="1684880" cy="369332"/>
-          </a:xfrm>
-          <a:prstGeom prst="rect">
-            <a:avLst/>
-          </a:prstGeom>
-          <a:noFill/>
-        </p:spPr>
-        <p:txBody>
-          <a:bodyPr wrap="square" rtlCol="0">
-            <a:spAutoFit/>
-          </a:bodyPr>
-          <a:lstStyle/>
-          <a:p>
-            <a:pPr algn="r"/>
-            <a:r>
-              <a:rPr lang="es-ES" dirty="0"/>
-              <a:t>SDI</a:t>
-            </a:r>
-            <a:endParaRPr lang="en-US" dirty="0"/>
-          </a:p>
-        </p:txBody>
-      </p:sp>
-      <p:sp>
-        <p:nvSpPr>
-          <p:cNvPr id="28" name="CuadroTexto 27">
-            <a:extLst>
-              <a:ext uri="{FF2B5EF4-FFF2-40B4-BE49-F238E27FC236}">
-                <a16:creationId xmlns:a16="http://schemas.microsoft.com/office/drawing/2014/main" id="{AD21B7DD-C89E-174A-B276-373440ACD7F5}"/>
-              </a:ext>
-            </a:extLst>
-          </p:cNvPr>
-          <p:cNvSpPr txBox="1"/>
-          <p:nvPr/>
-        </p:nvSpPr>
-        <p:spPr>
-          <a:xfrm>
-            <a:off x="1319120" y="2734667"/>
-            <a:ext cx="1684880" cy="369332"/>
-          </a:xfrm>
-          <a:prstGeom prst="rect">
-            <a:avLst/>
-          </a:prstGeom>
-          <a:noFill/>
-        </p:spPr>
-        <p:txBody>
-          <a:bodyPr wrap="square" rtlCol="0">
-            <a:spAutoFit/>
-          </a:bodyPr>
-          <a:lstStyle/>
-          <a:p>
-            <a:r>
-              <a:rPr lang="es-ES" dirty="0"/>
-              <a:t>SDO</a:t>
-            </a:r>
-            <a:endParaRPr lang="en-US" dirty="0"/>
-          </a:p>
-        </p:txBody>
-      </p:sp>
-      <p:sp>
-        <p:nvSpPr>
-          <p:cNvPr id="29" name="CuadroTexto 28">
-            <a:extLst>
-              <a:ext uri="{FF2B5EF4-FFF2-40B4-BE49-F238E27FC236}">
-                <a16:creationId xmlns:a16="http://schemas.microsoft.com/office/drawing/2014/main" id="{17AED7C0-0414-B609-6C78-5632B2807930}"/>
-              </a:ext>
-            </a:extLst>
-          </p:cNvPr>
-          <p:cNvSpPr txBox="1"/>
-          <p:nvPr/>
-        </p:nvSpPr>
-        <p:spPr>
-          <a:xfrm>
-            <a:off x="3146214" y="2990334"/>
-            <a:ext cx="1684880" cy="369332"/>
-          </a:xfrm>
-          <a:prstGeom prst="rect">
-            <a:avLst/>
-          </a:prstGeom>
-          <a:noFill/>
-        </p:spPr>
-        <p:txBody>
-          <a:bodyPr wrap="square" rtlCol="0">
-            <a:spAutoFit/>
-          </a:bodyPr>
-          <a:lstStyle/>
-          <a:p>
-            <a:pPr algn="r"/>
-            <a:r>
-              <a:rPr lang="es-ES" dirty="0"/>
-              <a:t>SPC</a:t>
-            </a:r>
-            <a:endParaRPr lang="en-US" dirty="0"/>
-          </a:p>
-        </p:txBody>
-      </p:sp>
-      <p:sp>
-        <p:nvSpPr>
-          <p:cNvPr id="30" name="CuadroTexto 29">
-            <a:extLst>
-              <a:ext uri="{FF2B5EF4-FFF2-40B4-BE49-F238E27FC236}">
-                <a16:creationId xmlns:a16="http://schemas.microsoft.com/office/drawing/2014/main" id="{164198AB-7EA3-CEEC-6467-E6CB561A19AF}"/>
-              </a:ext>
-            </a:extLst>
-          </p:cNvPr>
-          <p:cNvSpPr txBox="1"/>
-          <p:nvPr/>
-        </p:nvSpPr>
-        <p:spPr>
-          <a:xfrm>
-            <a:off x="3146214" y="3476467"/>
-            <a:ext cx="1684880" cy="369332"/>
-          </a:xfrm>
-          <a:prstGeom prst="rect">
-            <a:avLst/>
-          </a:prstGeom>
-          <a:noFill/>
-        </p:spPr>
-        <p:txBody>
-          <a:bodyPr wrap="square" rtlCol="0">
-            <a:spAutoFit/>
-          </a:bodyPr>
-          <a:lstStyle/>
-          <a:p>
-            <a:pPr algn="r"/>
-            <a:r>
-              <a:rPr lang="es-ES" dirty="0" err="1"/>
-              <a:t>mux_disp</a:t>
-            </a:r>
-            <a:endParaRPr lang="en-US" dirty="0"/>
-          </a:p>
-        </p:txBody>
-      </p:sp>
-      <p:sp>
-        <p:nvSpPr>
-          <p:cNvPr id="31" name="CuadroTexto 30">
-            <a:extLst>
-              <a:ext uri="{FF2B5EF4-FFF2-40B4-BE49-F238E27FC236}">
-                <a16:creationId xmlns:a16="http://schemas.microsoft.com/office/drawing/2014/main" id="{7AF41ACE-A037-B4EB-C9AC-37D688FA12FF}"/>
-              </a:ext>
-            </a:extLst>
-          </p:cNvPr>
-          <p:cNvSpPr txBox="1"/>
-          <p:nvPr/>
-        </p:nvSpPr>
-        <p:spPr>
-          <a:xfrm>
-            <a:off x="3142827" y="3955666"/>
-            <a:ext cx="1684880" cy="369332"/>
-          </a:xfrm>
-          <a:prstGeom prst="rect">
-            <a:avLst/>
-          </a:prstGeom>
-          <a:noFill/>
-        </p:spPr>
-        <p:txBody>
-          <a:bodyPr wrap="square" rtlCol="0">
-            <a:spAutoFit/>
-          </a:bodyPr>
-          <a:lstStyle/>
-          <a:p>
-            <a:pPr algn="r"/>
-            <a:r>
-              <a:rPr lang="es-ES" dirty="0" err="1"/>
-              <a:t>disp</a:t>
-            </a:r>
-            <a:endParaRPr lang="en-US" dirty="0"/>
-          </a:p>
-        </p:txBody>
-      </p:sp>
-      <p:sp>
-        <p:nvSpPr>
-          <p:cNvPr id="32" name="CuadroTexto 31">
-            <a:extLst>
-              <a:ext uri="{FF2B5EF4-FFF2-40B4-BE49-F238E27FC236}">
-                <a16:creationId xmlns:a16="http://schemas.microsoft.com/office/drawing/2014/main" id="{24691759-B757-DB12-823C-1C4BB33B3CDC}"/>
-              </a:ext>
-            </a:extLst>
-          </p:cNvPr>
-          <p:cNvSpPr txBox="1"/>
-          <p:nvPr/>
-        </p:nvSpPr>
-        <p:spPr>
-          <a:xfrm>
-            <a:off x="3146214" y="4421002"/>
-            <a:ext cx="1684880" cy="369332"/>
-          </a:xfrm>
-          <a:prstGeom prst="rect">
-            <a:avLst/>
-          </a:prstGeom>
-          <a:noFill/>
-        </p:spPr>
-        <p:txBody>
-          <a:bodyPr wrap="square" rtlCol="0">
-            <a:spAutoFit/>
-          </a:bodyPr>
-          <a:lstStyle/>
-          <a:p>
-            <a:pPr algn="r"/>
-            <a:r>
-              <a:rPr lang="es-ES" dirty="0"/>
-              <a:t>leds</a:t>
-            </a:r>
-            <a:endParaRPr lang="en-US" dirty="0"/>
-          </a:p>
-        </p:txBody>
-      </p:sp>
-      <p:sp>
-        <p:nvSpPr>
-          <p:cNvPr id="33" name="Triángulo isósceles 32">
-            <a:extLst>
-              <a:ext uri="{FF2B5EF4-FFF2-40B4-BE49-F238E27FC236}">
-                <a16:creationId xmlns:a16="http://schemas.microsoft.com/office/drawing/2014/main" id="{A7A9BF8B-BD61-640A-E56D-1D2F08DC2860}"/>
-              </a:ext>
-            </a:extLst>
-          </p:cNvPr>
-          <p:cNvSpPr/>
-          <p:nvPr/>
-        </p:nvSpPr>
-        <p:spPr>
-          <a:xfrm rot="5400000">
-            <a:off x="1297953" y="4460465"/>
-            <a:ext cx="279400" cy="237066"/>
-          </a:xfrm>
-          <a:prstGeom prst="triangle">
-            <a:avLst/>
-          </a:prstGeom>
-          <a:ln w="28575"/>
-        </p:spPr>
-        <p:style>
-          <a:lnRef idx="2">
-            <a:schemeClr val="dk1"/>
-          </a:lnRef>
-          <a:fillRef idx="1">
-            <a:schemeClr val="lt1"/>
-          </a:fillRef>
-          <a:effectRef idx="0">
-            <a:schemeClr val="dk1"/>
-          </a:effectRef>
-          <a:fontRef idx="minor">
-            <a:schemeClr val="dk1"/>
-          </a:fontRef>
-        </p:style>
-        <p:txBody>
-          <a:bodyPr rtlCol="0" anchor="ctr"/>
-          <a:lstStyle/>
-          <a:p>
-            <a:pPr algn="ctr"/>
-            <a:endParaRPr lang="en-US"/>
-          </a:p>
-        </p:txBody>
-      </p:sp>
-      <p:cxnSp>
-        <p:nvCxnSpPr>
-          <p:cNvPr id="35" name="Conector recto 34">
-            <a:extLst>
-              <a:ext uri="{FF2B5EF4-FFF2-40B4-BE49-F238E27FC236}">
-                <a16:creationId xmlns:a16="http://schemas.microsoft.com/office/drawing/2014/main" id="{721638C2-EAD3-5A9B-F967-A1B25523B376}"/>
-              </a:ext>
-            </a:extLst>
-          </p:cNvPr>
-          <p:cNvCxnSpPr>
-            <a:stCxn id="4" idx="2"/>
-          </p:cNvCxnSpPr>
-          <p:nvPr/>
-        </p:nvCxnSpPr>
-        <p:spPr>
-          <a:xfrm>
-            <a:off x="3119120" y="5229000"/>
-            <a:ext cx="0" cy="528333"/>
-          </a:xfrm>
-          <a:prstGeom prst="line">
-            <a:avLst/>
-          </a:prstGeom>
-          <a:ln w="28575"/>
-        </p:spPr>
-        <p:style>
-          <a:lnRef idx="1">
-            <a:schemeClr val="dk1"/>
-          </a:lnRef>
-          <a:fillRef idx="0">
-            <a:schemeClr val="dk1"/>
-          </a:fillRef>
-          <a:effectRef idx="0">
-            <a:schemeClr val="dk1"/>
-          </a:effectRef>
-          <a:fontRef idx="minor">
-            <a:schemeClr val="tx1"/>
-          </a:fontRef>
-        </p:style>
-      </p:cxnSp>
-      <p:cxnSp>
-        <p:nvCxnSpPr>
-          <p:cNvPr id="36" name="Conector recto 35">
-            <a:extLst>
-              <a:ext uri="{FF2B5EF4-FFF2-40B4-BE49-F238E27FC236}">
-                <a16:creationId xmlns:a16="http://schemas.microsoft.com/office/drawing/2014/main" id="{4C559E6F-AA47-6331-2E92-D6BFE97C3FE5}"/>
-              </a:ext>
-            </a:extLst>
-          </p:cNvPr>
-          <p:cNvCxnSpPr>
-            <a:cxnSpLocks/>
-          </p:cNvCxnSpPr>
-          <p:nvPr/>
-        </p:nvCxnSpPr>
-        <p:spPr>
-          <a:xfrm flipH="1">
-            <a:off x="2480733" y="5757333"/>
-            <a:ext cx="638387" cy="0"/>
-          </a:xfrm>
-          <a:prstGeom prst="line">
-            <a:avLst/>
-          </a:prstGeom>
-          <a:ln w="28575"/>
-        </p:spPr>
-        <p:style>
-          <a:lnRef idx="1">
-            <a:schemeClr val="dk1"/>
-          </a:lnRef>
-          <a:fillRef idx="0">
-            <a:schemeClr val="dk1"/>
-          </a:fillRef>
-          <a:effectRef idx="0">
-            <a:schemeClr val="dk1"/>
-          </a:effectRef>
-          <a:fontRef idx="minor">
-            <a:schemeClr val="tx1"/>
-          </a:fontRef>
-        </p:style>
-      </p:cxnSp>
-      <p:sp>
-        <p:nvSpPr>
-          <p:cNvPr id="39" name="CuadroTexto 38">
-            <a:extLst>
-              <a:ext uri="{FF2B5EF4-FFF2-40B4-BE49-F238E27FC236}">
-                <a16:creationId xmlns:a16="http://schemas.microsoft.com/office/drawing/2014/main" id="{1E7D3BBA-1A58-80E3-350A-D4848D863D38}"/>
-              </a:ext>
-            </a:extLst>
-          </p:cNvPr>
-          <p:cNvSpPr txBox="1"/>
-          <p:nvPr/>
-        </p:nvSpPr>
-        <p:spPr>
-          <a:xfrm>
-            <a:off x="1319120" y="5468902"/>
-            <a:ext cx="1684880" cy="369332"/>
-          </a:xfrm>
-          <a:prstGeom prst="rect">
-            <a:avLst/>
-          </a:prstGeom>
-          <a:noFill/>
-        </p:spPr>
-        <p:txBody>
-          <a:bodyPr wrap="square" rtlCol="0">
-            <a:spAutoFit/>
-          </a:bodyPr>
-          <a:lstStyle/>
-          <a:p>
-            <a:pPr algn="r"/>
-            <a:r>
-              <a:rPr lang="es-ES" dirty="0" err="1"/>
-              <a:t>nRst</a:t>
-            </a:r>
-            <a:endParaRPr lang="en-US" dirty="0"/>
-          </a:p>
-        </p:txBody>
-      </p:sp>
-    </p:spTree>
-    <p:extLst>
-      <p:ext uri="{BB962C8B-B14F-4D97-AF65-F5344CB8AC3E}">
-        <p14:creationId xmlns:p14="http://schemas.microsoft.com/office/powerpoint/2010/main" val="1487909969"/>
-      </p:ext>
-    </p:extLst>
-  </p:cSld>
-  <p:clrMapOvr>
-    <a:masterClrMapping/>
-  </p:clrMapOvr>
-</p:sld>
-</file>
-
-<file path=ppt/slides/slide2.xml><?xml version="1.0" encoding="utf-8"?>
-<p:sld xmlns:a="http://schemas.openxmlformats.org/drawingml/2006/main" xmlns:r="http://schemas.openxmlformats.org/officeDocument/2006/relationships" xmlns:p="http://schemas.openxmlformats.org/presentationml/2006/main">
-  <p:cSld>
-    <p:spTree>
-      <p:nvGrpSpPr>
-        <p:cNvPr id="1" name=""/>
-        <p:cNvGrpSpPr/>
-        <p:nvPr/>
-      </p:nvGrpSpPr>
-      <p:grpSpPr>
-        <a:xfrm>
-          <a:off x="0" y="0"/>
-          <a:ext cx="0" cy="0"/>
-          <a:chOff x="0" y="0"/>
-          <a:chExt cx="0" cy="0"/>
-        </a:xfrm>
-      </p:grpSpPr>
-      <p:sp>
-        <p:nvSpPr>
-          <p:cNvPr id="51" name="CuadroTexto 50">
-            <a:extLst>
-              <a:ext uri="{FF2B5EF4-FFF2-40B4-BE49-F238E27FC236}">
-                <a16:creationId xmlns:a16="http://schemas.microsoft.com/office/drawing/2014/main" id="{10751D47-8EE3-0271-B163-ABBB8DD39674}"/>
-              </a:ext>
-            </a:extLst>
-          </p:cNvPr>
-          <p:cNvSpPr txBox="1"/>
-          <p:nvPr/>
-        </p:nvSpPr>
-        <p:spPr>
-          <a:xfrm>
-            <a:off x="7511267" y="3607119"/>
-            <a:ext cx="1196760" cy="369332"/>
-          </a:xfrm>
-          <a:prstGeom prst="rect">
-            <a:avLst/>
-          </a:prstGeom>
-          <a:noFill/>
-        </p:spPr>
-        <p:txBody>
-          <a:bodyPr wrap="square" rtlCol="0">
-            <a:spAutoFit/>
-          </a:bodyPr>
-          <a:lstStyle/>
-          <a:p>
-            <a:pPr algn="r"/>
-            <a:r>
-              <a:rPr lang="es-ES" dirty="0" err="1"/>
-              <a:t>ena_rd</a:t>
-            </a:r>
-            <a:endParaRPr lang="en-US" dirty="0"/>
-          </a:p>
-        </p:txBody>
-      </p:sp>
-      <p:sp>
-        <p:nvSpPr>
-          <p:cNvPr id="52" name="CuadroTexto 51">
-            <a:extLst>
-              <a:ext uri="{FF2B5EF4-FFF2-40B4-BE49-F238E27FC236}">
-                <a16:creationId xmlns:a16="http://schemas.microsoft.com/office/drawing/2014/main" id="{1E03A3A7-DB4C-E5D7-E4AD-ABB4A65F3524}"/>
-              </a:ext>
-            </a:extLst>
-          </p:cNvPr>
-          <p:cNvSpPr txBox="1"/>
-          <p:nvPr/>
-        </p:nvSpPr>
-        <p:spPr>
-          <a:xfrm>
-            <a:off x="7513672" y="3993036"/>
-            <a:ext cx="1196760" cy="369332"/>
-          </a:xfrm>
-          <a:prstGeom prst="rect">
-            <a:avLst/>
-          </a:prstGeom>
-          <a:noFill/>
-        </p:spPr>
-        <p:txBody>
-          <a:bodyPr wrap="square" rtlCol="0">
-            <a:spAutoFit/>
-          </a:bodyPr>
-          <a:lstStyle/>
-          <a:p>
-            <a:pPr algn="r"/>
-            <a:r>
-              <a:rPr lang="es-ES" dirty="0" err="1"/>
               <a:t>dato_rd</a:t>
             </a:r>
             <a:endParaRPr lang="en-US" dirty="0"/>
@@ -5032,10 +3964,10 @@
       </p:sp>
       <p:grpSp>
         <p:nvGrpSpPr>
-          <p:cNvPr id="6" name="Grupo 5">
-            <a:extLst>
-              <a:ext uri="{FF2B5EF4-FFF2-40B4-BE49-F238E27FC236}">
-                <a16:creationId xmlns:a16="http://schemas.microsoft.com/office/drawing/2014/main" id="{CFADF5AC-28CE-9E1D-A157-257177AEB458}"/>
+          <p:cNvPr id="56" name="Grupo 55">
+            <a:extLst>
+              <a:ext uri="{FF2B5EF4-FFF2-40B4-BE49-F238E27FC236}">
+                <a16:creationId xmlns:a16="http://schemas.microsoft.com/office/drawing/2014/main" id="{F5F74346-100C-A2F6-8BF1-927999AABEF3}"/>
               </a:ext>
             </a:extLst>
           </p:cNvPr>
@@ -5044,18 +3976,18 @@
         </p:nvGrpSpPr>
         <p:grpSpPr>
           <a:xfrm>
-            <a:off x="795866" y="1254817"/>
-            <a:ext cx="5336205" cy="3952468"/>
-            <a:chOff x="1319120" y="1105780"/>
-            <a:chExt cx="6487500" cy="4732454"/>
+            <a:off x="665237" y="649419"/>
+            <a:ext cx="5336205" cy="3993087"/>
+            <a:chOff x="1319120" y="1057145"/>
+            <a:chExt cx="6487500" cy="4781089"/>
           </a:xfrm>
         </p:grpSpPr>
         <p:sp>
           <p:nvSpPr>
-            <p:cNvPr id="4" name="Rectángulo 3">
+            <p:cNvPr id="57" name="Rectángulo 56">
               <a:extLst>
                 <a:ext uri="{FF2B5EF4-FFF2-40B4-BE49-F238E27FC236}">
-                  <a16:creationId xmlns:a16="http://schemas.microsoft.com/office/drawing/2014/main" id="{EB4F9071-FF12-F329-7121-ED866C6992F4}"/>
+                  <a16:creationId xmlns:a16="http://schemas.microsoft.com/office/drawing/2014/main" id="{7281A84A-0DEC-F8F0-7D76-1BCF3238C950}"/>
                 </a:ext>
               </a:extLst>
             </p:cNvPr>
@@ -5104,10 +4036,10 @@
         </p:sp>
         <p:sp>
           <p:nvSpPr>
-            <p:cNvPr id="2" name="CuadroTexto 1">
+            <p:cNvPr id="58" name="CuadroTexto 57">
               <a:extLst>
                 <a:ext uri="{FF2B5EF4-FFF2-40B4-BE49-F238E27FC236}">
-                  <a16:creationId xmlns:a16="http://schemas.microsoft.com/office/drawing/2014/main" id="{7DA29224-C8AA-DDBF-9424-6F6E725BD532}"/>
+                  <a16:creationId xmlns:a16="http://schemas.microsoft.com/office/drawing/2014/main" id="{C68208C1-1C55-0185-4670-51BE288FA159}"/>
                 </a:ext>
               </a:extLst>
             </p:cNvPr>
@@ -5116,7 +4048,7 @@
           </p:nvSpPr>
           <p:spPr>
             <a:xfrm>
-              <a:off x="1319120" y="1105780"/>
+              <a:off x="1395298" y="1057145"/>
               <a:ext cx="3599999" cy="626473"/>
             </a:xfrm>
             <a:prstGeom prst="rect">
@@ -5133,7 +4065,7 @@
               <a:pPr algn="ctr"/>
               <a:r>
                 <a:rPr lang="es-ES" sz="2800" dirty="0"/>
-                <a:t>Controlador</a:t>
+                <a:t>controlador_spi</a:t>
               </a:r>
               <a:endParaRPr lang="en-US" dirty="0"/>
             </a:p>
@@ -5141,10 +4073,10 @@
         </p:sp>
         <p:cxnSp>
           <p:nvCxnSpPr>
-            <p:cNvPr id="8" name="Conector recto 7">
+            <p:cNvPr id="59" name="Conector recto 58">
               <a:extLst>
                 <a:ext uri="{FF2B5EF4-FFF2-40B4-BE49-F238E27FC236}">
-                  <a16:creationId xmlns:a16="http://schemas.microsoft.com/office/drawing/2014/main" id="{10765BAE-0BBB-8A7E-9C41-0042199A3F99}"/>
+                  <a16:creationId xmlns:a16="http://schemas.microsoft.com/office/drawing/2014/main" id="{27B8EBBA-B2FA-7D50-AAE0-97F003539DC4}"/>
                 </a:ext>
               </a:extLst>
             </p:cNvPr>
@@ -5180,10 +4112,10 @@
         </p:cxnSp>
         <p:cxnSp>
           <p:nvCxnSpPr>
-            <p:cNvPr id="9" name="Conector recto 8">
+            <p:cNvPr id="60" name="Conector recto 59">
               <a:extLst>
                 <a:ext uri="{FF2B5EF4-FFF2-40B4-BE49-F238E27FC236}">
-                  <a16:creationId xmlns:a16="http://schemas.microsoft.com/office/drawing/2014/main" id="{6840613F-04BE-4E85-13FC-1440EE6425E9}"/>
+                  <a16:creationId xmlns:a16="http://schemas.microsoft.com/office/drawing/2014/main" id="{1FCEF253-83D0-583A-0C66-B5BCDA4B7A28}"/>
                 </a:ext>
               </a:extLst>
             </p:cNvPr>
@@ -5219,10 +4151,10 @@
         </p:cxnSp>
         <p:sp>
           <p:nvSpPr>
-            <p:cNvPr id="22" name="CuadroTexto 21">
+            <p:cNvPr id="61" name="CuadroTexto 60">
               <a:extLst>
                 <a:ext uri="{FF2B5EF4-FFF2-40B4-BE49-F238E27FC236}">
-                  <a16:creationId xmlns:a16="http://schemas.microsoft.com/office/drawing/2014/main" id="{160CD832-5851-3B4F-BF80-CD3595A576C2}"/>
+                  <a16:creationId xmlns:a16="http://schemas.microsoft.com/office/drawing/2014/main" id="{318072B7-21C0-5BDD-8B5C-B94B4CC7B668}"/>
                 </a:ext>
               </a:extLst>
             </p:cNvPr>
@@ -5246,7 +4178,7 @@
             <a:lstStyle/>
             <a:p>
               <a:r>
-                <a:rPr lang="es-ES" dirty="0" err="1"/>
+                <a:rPr lang="es-ES" dirty="0"/>
                 <a:t>ini_tx</a:t>
               </a:r>
               <a:endParaRPr lang="en-US" dirty="0"/>
@@ -5255,10 +4187,10 @@
         </p:sp>
         <p:sp>
           <p:nvSpPr>
-            <p:cNvPr id="23" name="CuadroTexto 22">
+            <p:cNvPr id="62" name="CuadroTexto 61">
               <a:extLst>
                 <a:ext uri="{FF2B5EF4-FFF2-40B4-BE49-F238E27FC236}">
-                  <a16:creationId xmlns:a16="http://schemas.microsoft.com/office/drawing/2014/main" id="{38B88A25-CC2E-7934-8E81-048796957743}"/>
+                  <a16:creationId xmlns:a16="http://schemas.microsoft.com/office/drawing/2014/main" id="{70617758-D71D-8074-292C-1BF759F6B5E6}"/>
                 </a:ext>
               </a:extLst>
             </p:cNvPr>
@@ -5282,7 +4214,7 @@
             <a:lstStyle/>
             <a:p>
               <a:r>
-                <a:rPr lang="es-ES" dirty="0" err="1"/>
+                <a:rPr lang="es-ES" dirty="0"/>
                 <a:t>dato_cmd</a:t>
               </a:r>
               <a:endParaRPr lang="en-US" dirty="0"/>
@@ -5291,10 +4223,10 @@
         </p:sp>
         <p:sp>
           <p:nvSpPr>
-            <p:cNvPr id="29" name="CuadroTexto 28">
+            <p:cNvPr id="63" name="CuadroTexto 62">
               <a:extLst>
                 <a:ext uri="{FF2B5EF4-FFF2-40B4-BE49-F238E27FC236}">
-                  <a16:creationId xmlns:a16="http://schemas.microsoft.com/office/drawing/2014/main" id="{17AED7C0-0414-B609-6C78-5632B2807930}"/>
+                  <a16:creationId xmlns:a16="http://schemas.microsoft.com/office/drawing/2014/main" id="{220CDC9D-AE92-C7DD-3B9D-FBD21BE06E1F}"/>
                 </a:ext>
               </a:extLst>
             </p:cNvPr>
@@ -5319,7 +4251,7 @@
             <a:p>
               <a:pPr algn="r"/>
               <a:r>
-                <a:rPr lang="es-ES" dirty="0" err="1"/>
+                <a:rPr lang="es-ES" dirty="0"/>
                 <a:t>ini_tx</a:t>
               </a:r>
               <a:endParaRPr lang="en-US" dirty="0"/>
@@ -5328,10 +4260,10 @@
         </p:sp>
         <p:sp>
           <p:nvSpPr>
-            <p:cNvPr id="30" name="CuadroTexto 29">
+            <p:cNvPr id="64" name="CuadroTexto 63">
               <a:extLst>
                 <a:ext uri="{FF2B5EF4-FFF2-40B4-BE49-F238E27FC236}">
-                  <a16:creationId xmlns:a16="http://schemas.microsoft.com/office/drawing/2014/main" id="{164198AB-7EA3-CEEC-6467-E6CB561A19AF}"/>
+                  <a16:creationId xmlns:a16="http://schemas.microsoft.com/office/drawing/2014/main" id="{4CFF7D50-C110-AE16-0E00-5D1F694BDC3F}"/>
                 </a:ext>
               </a:extLst>
             </p:cNvPr>
@@ -5356,7 +4288,7 @@
             <a:p>
               <a:pPr algn="r"/>
               <a:r>
-                <a:rPr lang="es-ES" dirty="0" err="1"/>
+                <a:rPr lang="es-ES" dirty="0"/>
                 <a:t>dato_cmd</a:t>
               </a:r>
               <a:endParaRPr lang="en-US" dirty="0"/>
@@ -5365,10 +4297,10 @@
         </p:sp>
         <p:sp>
           <p:nvSpPr>
-            <p:cNvPr id="33" name="Triángulo isósceles 32">
+            <p:cNvPr id="65" name="Triángulo isósceles 64">
               <a:extLst>
                 <a:ext uri="{FF2B5EF4-FFF2-40B4-BE49-F238E27FC236}">
-                  <a16:creationId xmlns:a16="http://schemas.microsoft.com/office/drawing/2014/main" id="{A7A9BF8B-BD61-640A-E56D-1D2F08DC2860}"/>
+                  <a16:creationId xmlns:a16="http://schemas.microsoft.com/office/drawing/2014/main" id="{AF6A89AA-70EC-18DC-0F8F-001BCB4E507A}"/>
                 </a:ext>
               </a:extLst>
             </p:cNvPr>
@@ -5404,21 +4336,21 @@
             <a:lstStyle/>
             <a:p>
               <a:pPr algn="ctr"/>
-              <a:endParaRPr lang="en-US"/>
+              <a:endParaRPr lang="en-US" dirty="0"/>
             </a:p>
           </p:txBody>
         </p:sp>
         <p:cxnSp>
           <p:nvCxnSpPr>
-            <p:cNvPr id="35" name="Conector recto 34">
+            <p:cNvPr id="66" name="Conector recto 65">
               <a:extLst>
                 <a:ext uri="{FF2B5EF4-FFF2-40B4-BE49-F238E27FC236}">
-                  <a16:creationId xmlns:a16="http://schemas.microsoft.com/office/drawing/2014/main" id="{721638C2-EAD3-5A9B-F967-A1B25523B376}"/>
+                  <a16:creationId xmlns:a16="http://schemas.microsoft.com/office/drawing/2014/main" id="{9FE1A5BA-DBE2-BD7B-DE93-9CCF617F35C5}"/>
                 </a:ext>
               </a:extLst>
             </p:cNvPr>
             <p:cNvCxnSpPr>
-              <a:stCxn id="4" idx="2"/>
+              <a:stCxn id="57" idx="2"/>
             </p:cNvCxnSpPr>
             <p:nvPr/>
           </p:nvCxnSpPr>
@@ -5449,10 +4381,10 @@
         </p:cxnSp>
         <p:cxnSp>
           <p:nvCxnSpPr>
-            <p:cNvPr id="36" name="Conector recto 35">
+            <p:cNvPr id="67" name="Conector recto 66">
               <a:extLst>
                 <a:ext uri="{FF2B5EF4-FFF2-40B4-BE49-F238E27FC236}">
-                  <a16:creationId xmlns:a16="http://schemas.microsoft.com/office/drawing/2014/main" id="{4C559E6F-AA47-6331-2E92-D6BFE97C3FE5}"/>
+                  <a16:creationId xmlns:a16="http://schemas.microsoft.com/office/drawing/2014/main" id="{2C359797-93BD-8B45-8C00-4FA45CB1C849}"/>
                 </a:ext>
               </a:extLst>
             </p:cNvPr>
@@ -5488,10 +4420,10 @@
         </p:cxnSp>
         <p:sp>
           <p:nvSpPr>
-            <p:cNvPr id="39" name="CuadroTexto 38">
+            <p:cNvPr id="68" name="CuadroTexto 67">
               <a:extLst>
                 <a:ext uri="{FF2B5EF4-FFF2-40B4-BE49-F238E27FC236}">
-                  <a16:creationId xmlns:a16="http://schemas.microsoft.com/office/drawing/2014/main" id="{1E7D3BBA-1A58-80E3-350A-D4848D863D38}"/>
+                  <a16:creationId xmlns:a16="http://schemas.microsoft.com/office/drawing/2014/main" id="{22C9E342-1838-BC15-A3F1-53C6D55100B9}"/>
                 </a:ext>
               </a:extLst>
             </p:cNvPr>
@@ -5516,7 +4448,7 @@
             <a:p>
               <a:pPr algn="r"/>
               <a:r>
-                <a:rPr lang="es-ES" dirty="0" err="1"/>
+                <a:rPr lang="es-ES" dirty="0"/>
                 <a:t>nRst</a:t>
               </a:r>
               <a:endParaRPr lang="en-US" dirty="0"/>
@@ -5526,10 +4458,10 @@
       </p:grpSp>
       <p:sp>
         <p:nvSpPr>
-          <p:cNvPr id="34" name="Rectángulo 33">
-            <a:extLst>
-              <a:ext uri="{FF2B5EF4-FFF2-40B4-BE49-F238E27FC236}">
-                <a16:creationId xmlns:a16="http://schemas.microsoft.com/office/drawing/2014/main" id="{425D4ABA-97AB-FDD4-58DD-DEA04849C4E5}"/>
+          <p:cNvPr id="69" name="Rectángulo 68">
+            <a:extLst>
+              <a:ext uri="{FF2B5EF4-FFF2-40B4-BE49-F238E27FC236}">
+                <a16:creationId xmlns:a16="http://schemas.microsoft.com/office/drawing/2014/main" id="{CB635BCD-F968-953D-6968-2BEFE5BF980B}"/>
               </a:ext>
             </a:extLst>
           </p:cNvPr>
@@ -5538,7 +4470,7 @@
         </p:nvSpPr>
         <p:spPr>
           <a:xfrm>
-            <a:off x="4952891" y="1835358"/>
+            <a:off x="4822262" y="1270579"/>
             <a:ext cx="2557058" cy="2985589"/>
           </a:xfrm>
           <a:prstGeom prst="rect">
@@ -5578,10 +4510,10 @@
       </p:sp>
       <p:sp>
         <p:nvSpPr>
-          <p:cNvPr id="37" name="CuadroTexto 36">
-            <a:extLst>
-              <a:ext uri="{FF2B5EF4-FFF2-40B4-BE49-F238E27FC236}">
-                <a16:creationId xmlns:a16="http://schemas.microsoft.com/office/drawing/2014/main" id="{B816FD04-140A-C9B3-07D4-52FC33543936}"/>
+          <p:cNvPr id="70" name="CuadroTexto 69">
+            <a:extLst>
+              <a:ext uri="{FF2B5EF4-FFF2-40B4-BE49-F238E27FC236}">
+                <a16:creationId xmlns:a16="http://schemas.microsoft.com/office/drawing/2014/main" id="{055C77ED-8955-BE79-3EEE-E708714B8A3C}"/>
               </a:ext>
             </a:extLst>
           </p:cNvPr>
@@ -5590,7 +4522,7 @@
         </p:nvSpPr>
         <p:spPr>
           <a:xfrm>
-            <a:off x="4952891" y="1401436"/>
+            <a:off x="4822262" y="762364"/>
             <a:ext cx="2557057" cy="523220"/>
           </a:xfrm>
           <a:prstGeom prst="rect">
@@ -5607,7 +4539,7 @@
             <a:pPr algn="ctr"/>
             <a:r>
               <a:rPr lang="es-ES" sz="2800" dirty="0"/>
-              <a:t>Master</a:t>
+              <a:t>master_spi</a:t>
             </a:r>
             <a:endParaRPr lang="en-US" dirty="0"/>
           </a:p>
@@ -5615,10 +4547,10 @@
       </p:sp>
       <p:cxnSp>
         <p:nvCxnSpPr>
-          <p:cNvPr id="38" name="Conector recto 37">
-            <a:extLst>
-              <a:ext uri="{FF2B5EF4-FFF2-40B4-BE49-F238E27FC236}">
-                <a16:creationId xmlns:a16="http://schemas.microsoft.com/office/drawing/2014/main" id="{AE49A3AA-9CC1-FEAD-E144-8BBA942F44F3}"/>
+          <p:cNvPr id="71" name="Conector recto 70">
+            <a:extLst>
+              <a:ext uri="{FF2B5EF4-FFF2-40B4-BE49-F238E27FC236}">
+                <a16:creationId xmlns:a16="http://schemas.microsoft.com/office/drawing/2014/main" id="{8AA6D210-A61D-7BC2-9EA1-AA2E5494E504}"/>
               </a:ext>
             </a:extLst>
           </p:cNvPr>
@@ -5629,7 +4561,7 @@
         </p:nvCxnSpPr>
         <p:spPr>
           <a:xfrm>
-            <a:off x="7504050" y="2708675"/>
+            <a:off x="7373421" y="2143896"/>
             <a:ext cx="1203977" cy="0"/>
           </a:xfrm>
           <a:prstGeom prst="line">
@@ -5654,10 +4586,10 @@
       </p:cxnSp>
       <p:cxnSp>
         <p:nvCxnSpPr>
-          <p:cNvPr id="41" name="Conector recto 40">
-            <a:extLst>
-              <a:ext uri="{FF2B5EF4-FFF2-40B4-BE49-F238E27FC236}">
-                <a16:creationId xmlns:a16="http://schemas.microsoft.com/office/drawing/2014/main" id="{FBA2FF65-FBFC-C3F1-6953-BA4C41DB0B1B}"/>
+          <p:cNvPr id="72" name="Conector recto 71">
+            <a:extLst>
+              <a:ext uri="{FF2B5EF4-FFF2-40B4-BE49-F238E27FC236}">
+                <a16:creationId xmlns:a16="http://schemas.microsoft.com/office/drawing/2014/main" id="{CC5C52BC-E5A4-B81C-6884-34B933F1EFEE}"/>
               </a:ext>
             </a:extLst>
           </p:cNvPr>
@@ -5668,7 +4600,7 @@
         </p:nvCxnSpPr>
         <p:spPr>
           <a:xfrm>
-            <a:off x="7507658" y="3510254"/>
+            <a:off x="7377029" y="2945475"/>
             <a:ext cx="1203976" cy="0"/>
           </a:xfrm>
           <a:prstGeom prst="line">
@@ -5693,10 +4625,10 @@
       </p:cxnSp>
       <p:cxnSp>
         <p:nvCxnSpPr>
-          <p:cNvPr id="42" name="Conector recto 41">
-            <a:extLst>
-              <a:ext uri="{FF2B5EF4-FFF2-40B4-BE49-F238E27FC236}">
-                <a16:creationId xmlns:a16="http://schemas.microsoft.com/office/drawing/2014/main" id="{130F0E3F-1A8B-2A06-27B1-B0D112533450}"/>
+          <p:cNvPr id="73" name="Conector recto 72">
+            <a:extLst>
+              <a:ext uri="{FF2B5EF4-FFF2-40B4-BE49-F238E27FC236}">
+                <a16:creationId xmlns:a16="http://schemas.microsoft.com/office/drawing/2014/main" id="{F535D96A-15D8-7801-D965-E84E7C4B9353}"/>
               </a:ext>
             </a:extLst>
           </p:cNvPr>
@@ -5707,7 +4639,7 @@
         </p:nvCxnSpPr>
         <p:spPr>
           <a:xfrm>
-            <a:off x="7500442" y="3112838"/>
+            <a:off x="7369813" y="2548059"/>
             <a:ext cx="1203976" cy="0"/>
           </a:xfrm>
           <a:prstGeom prst="line">
@@ -5732,10 +4664,10 @@
       </p:cxnSp>
       <p:cxnSp>
         <p:nvCxnSpPr>
-          <p:cNvPr id="43" name="Conector recto 42">
-            <a:extLst>
-              <a:ext uri="{FF2B5EF4-FFF2-40B4-BE49-F238E27FC236}">
-                <a16:creationId xmlns:a16="http://schemas.microsoft.com/office/drawing/2014/main" id="{617CBBE2-9C8A-C7AD-88A9-1665B763C253}"/>
+          <p:cNvPr id="74" name="Conector recto 73">
+            <a:extLst>
+              <a:ext uri="{FF2B5EF4-FFF2-40B4-BE49-F238E27FC236}">
+                <a16:creationId xmlns:a16="http://schemas.microsoft.com/office/drawing/2014/main" id="{5A124C63-1308-8060-0BC8-7437021492FB}"/>
               </a:ext>
             </a:extLst>
           </p:cNvPr>
@@ -5746,7 +4678,7 @@
         </p:nvCxnSpPr>
         <p:spPr>
           <a:xfrm>
-            <a:off x="7511266" y="2311260"/>
+            <a:off x="7380637" y="1746481"/>
             <a:ext cx="1203977" cy="0"/>
           </a:xfrm>
           <a:prstGeom prst="line">
@@ -5771,10 +4703,10 @@
       </p:cxnSp>
       <p:cxnSp>
         <p:nvCxnSpPr>
-          <p:cNvPr id="44" name="Conector recto 43">
-            <a:extLst>
-              <a:ext uri="{FF2B5EF4-FFF2-40B4-BE49-F238E27FC236}">
-                <a16:creationId xmlns:a16="http://schemas.microsoft.com/office/drawing/2014/main" id="{A29AF46E-18CD-E489-E528-0C71B0A6A73D}"/>
+          <p:cNvPr id="75" name="Conector recto 74">
+            <a:extLst>
+              <a:ext uri="{FF2B5EF4-FFF2-40B4-BE49-F238E27FC236}">
+                <a16:creationId xmlns:a16="http://schemas.microsoft.com/office/drawing/2014/main" id="{3158A46C-6468-1476-062A-F0CADC96D659}"/>
               </a:ext>
             </a:extLst>
           </p:cNvPr>
@@ -5785,7 +4717,7 @@
         </p:nvCxnSpPr>
         <p:spPr>
           <a:xfrm>
-            <a:off x="7507658" y="3907669"/>
+            <a:off x="7377029" y="3342890"/>
             <a:ext cx="1417942" cy="0"/>
           </a:xfrm>
           <a:prstGeom prst="line">
@@ -5810,10 +4742,10 @@
       </p:cxnSp>
       <p:cxnSp>
         <p:nvCxnSpPr>
-          <p:cNvPr id="45" name="Conector recto 44">
-            <a:extLst>
-              <a:ext uri="{FF2B5EF4-FFF2-40B4-BE49-F238E27FC236}">
-                <a16:creationId xmlns:a16="http://schemas.microsoft.com/office/drawing/2014/main" id="{80B227BE-EDC3-0A1D-018E-C92568EC393D}"/>
+          <p:cNvPr id="76" name="Conector recto 75">
+            <a:extLst>
+              <a:ext uri="{FF2B5EF4-FFF2-40B4-BE49-F238E27FC236}">
+                <a16:creationId xmlns:a16="http://schemas.microsoft.com/office/drawing/2014/main" id="{5BB27A99-40C3-7B2A-CA68-FEB21C1BC6AE}"/>
               </a:ext>
             </a:extLst>
           </p:cNvPr>
@@ -5824,7 +4756,7 @@
         </p:nvCxnSpPr>
         <p:spPr>
           <a:xfrm>
-            <a:off x="7500442" y="4305084"/>
+            <a:off x="7369813" y="3740305"/>
             <a:ext cx="1443068" cy="0"/>
           </a:xfrm>
           <a:prstGeom prst="line">
@@ -5849,10 +4781,10 @@
       </p:cxnSp>
       <p:sp>
         <p:nvSpPr>
-          <p:cNvPr id="46" name="CuadroTexto 45">
-            <a:extLst>
-              <a:ext uri="{FF2B5EF4-FFF2-40B4-BE49-F238E27FC236}">
-                <a16:creationId xmlns:a16="http://schemas.microsoft.com/office/drawing/2014/main" id="{014DD45A-573F-EE89-8957-8683A00AB75D}"/>
+          <p:cNvPr id="77" name="CuadroTexto 76">
+            <a:extLst>
+              <a:ext uri="{FF2B5EF4-FFF2-40B4-BE49-F238E27FC236}">
+                <a16:creationId xmlns:a16="http://schemas.microsoft.com/office/drawing/2014/main" id="{7B59ED00-6B6E-A311-1F71-BF4C895A7924}"/>
               </a:ext>
             </a:extLst>
           </p:cNvPr>
@@ -5861,7 +4793,7 @@
         </p:nvSpPr>
         <p:spPr>
           <a:xfrm>
-            <a:off x="7511266" y="2010711"/>
+            <a:off x="7380637" y="1445932"/>
             <a:ext cx="1196760" cy="306298"/>
           </a:xfrm>
           <a:prstGeom prst="rect">
@@ -5877,7 +4809,7 @@
           <a:p>
             <a:pPr algn="r"/>
             <a:r>
-              <a:rPr lang="es-ES" dirty="0" err="1"/>
+              <a:rPr lang="es-ES" dirty="0"/>
               <a:t>nCS</a:t>
             </a:r>
             <a:endParaRPr lang="en-US" dirty="0"/>
@@ -5886,10 +4818,10 @@
       </p:sp>
       <p:sp>
         <p:nvSpPr>
-          <p:cNvPr id="47" name="CuadroTexto 46">
-            <a:extLst>
-              <a:ext uri="{FF2B5EF4-FFF2-40B4-BE49-F238E27FC236}">
-                <a16:creationId xmlns:a16="http://schemas.microsoft.com/office/drawing/2014/main" id="{C165A2CA-A564-DB20-53D1-B6A02A31E3C9}"/>
+          <p:cNvPr id="78" name="CuadroTexto 77">
+            <a:extLst>
+              <a:ext uri="{FF2B5EF4-FFF2-40B4-BE49-F238E27FC236}">
+                <a16:creationId xmlns:a16="http://schemas.microsoft.com/office/drawing/2014/main" id="{E74722D0-3DCC-4FEF-EF00-AE23A84DB7F8}"/>
               </a:ext>
             </a:extLst>
           </p:cNvPr>
@@ -5898,7 +4830,7 @@
         </p:nvSpPr>
         <p:spPr>
           <a:xfrm>
-            <a:off x="7518483" y="2402377"/>
+            <a:off x="7387854" y="1837598"/>
             <a:ext cx="1196760" cy="306298"/>
           </a:xfrm>
           <a:prstGeom prst="rect">
@@ -5923,10 +4855,10 @@
       </p:sp>
       <p:sp>
         <p:nvSpPr>
-          <p:cNvPr id="49" name="CuadroTexto 48">
-            <a:extLst>
-              <a:ext uri="{FF2B5EF4-FFF2-40B4-BE49-F238E27FC236}">
-                <a16:creationId xmlns:a16="http://schemas.microsoft.com/office/drawing/2014/main" id="{28E5C29B-41AA-994E-F716-C8B8DB1321CB}"/>
+          <p:cNvPr id="79" name="CuadroTexto 78">
+            <a:extLst>
+              <a:ext uri="{FF2B5EF4-FFF2-40B4-BE49-F238E27FC236}">
+                <a16:creationId xmlns:a16="http://schemas.microsoft.com/office/drawing/2014/main" id="{201609F1-C8B0-CCAD-9AFB-46D1083EFCB9}"/>
               </a:ext>
             </a:extLst>
           </p:cNvPr>
@@ -5935,7 +4867,7 @@
         </p:nvSpPr>
         <p:spPr>
           <a:xfrm>
-            <a:off x="7513672" y="2806540"/>
+            <a:off x="7383043" y="2241761"/>
             <a:ext cx="1196760" cy="306298"/>
           </a:xfrm>
           <a:prstGeom prst="rect">
@@ -5960,10 +4892,10 @@
       </p:sp>
       <p:sp>
         <p:nvSpPr>
-          <p:cNvPr id="50" name="CuadroTexto 49">
-            <a:extLst>
-              <a:ext uri="{FF2B5EF4-FFF2-40B4-BE49-F238E27FC236}">
-                <a16:creationId xmlns:a16="http://schemas.microsoft.com/office/drawing/2014/main" id="{38485700-D95B-026C-3890-B3A0F1BD3DEE}"/>
+          <p:cNvPr id="80" name="CuadroTexto 79">
+            <a:extLst>
+              <a:ext uri="{FF2B5EF4-FFF2-40B4-BE49-F238E27FC236}">
+                <a16:creationId xmlns:a16="http://schemas.microsoft.com/office/drawing/2014/main" id="{8C25A9D2-A7EE-594E-11FD-3E3422CD9CD3}"/>
               </a:ext>
             </a:extLst>
           </p:cNvPr>
@@ -5972,7 +4904,7 @@
         </p:nvSpPr>
         <p:spPr>
           <a:xfrm>
-            <a:off x="7513673" y="3209705"/>
+            <a:off x="7383044" y="2626264"/>
             <a:ext cx="1196760" cy="369332"/>
           </a:xfrm>
           <a:prstGeom prst="rect">
@@ -5988,7 +4920,7 @@
           <a:p>
             <a:pPr algn="r"/>
             <a:r>
-              <a:rPr lang="es-ES" dirty="0" err="1"/>
+              <a:rPr lang="es-ES" dirty="0"/>
               <a:t>fin_tx</a:t>
             </a:r>
             <a:endParaRPr lang="en-US" dirty="0"/>
@@ -5997,10 +4929,10 @@
       </p:sp>
       <p:sp>
         <p:nvSpPr>
-          <p:cNvPr id="53" name="CuadroTexto 52">
-            <a:extLst>
-              <a:ext uri="{FF2B5EF4-FFF2-40B4-BE49-F238E27FC236}">
-                <a16:creationId xmlns:a16="http://schemas.microsoft.com/office/drawing/2014/main" id="{10C34D18-0B26-62FA-54AD-BE4A8E915BE4}"/>
+          <p:cNvPr id="81" name="CuadroTexto 80">
+            <a:extLst>
+              <a:ext uri="{FF2B5EF4-FFF2-40B4-BE49-F238E27FC236}">
+                <a16:creationId xmlns:a16="http://schemas.microsoft.com/office/drawing/2014/main" id="{767D3B88-529E-CB1C-BA40-12CA8E22D34E}"/>
               </a:ext>
             </a:extLst>
           </p:cNvPr>
@@ -6009,7 +4941,7 @@
         </p:nvSpPr>
         <p:spPr>
           <a:xfrm>
-            <a:off x="6248354" y="2163860"/>
+            <a:off x="6117725" y="1599081"/>
             <a:ext cx="1196760" cy="306298"/>
           </a:xfrm>
           <a:prstGeom prst="rect">
@@ -6025,7 +4957,7 @@
           <a:p>
             <a:pPr algn="r"/>
             <a:r>
-              <a:rPr lang="es-ES" dirty="0" err="1"/>
+              <a:rPr lang="es-ES" dirty="0"/>
               <a:t>nCS</a:t>
             </a:r>
             <a:endParaRPr lang="en-US" dirty="0"/>
@@ -6034,10 +4966,10 @@
       </p:sp>
       <p:sp>
         <p:nvSpPr>
-          <p:cNvPr id="54" name="CuadroTexto 53">
-            <a:extLst>
-              <a:ext uri="{FF2B5EF4-FFF2-40B4-BE49-F238E27FC236}">
-                <a16:creationId xmlns:a16="http://schemas.microsoft.com/office/drawing/2014/main" id="{F42C6142-FB64-A189-A635-2CFF6CC98B6C}"/>
+          <p:cNvPr id="82" name="CuadroTexto 81">
+            <a:extLst>
+              <a:ext uri="{FF2B5EF4-FFF2-40B4-BE49-F238E27FC236}">
+                <a16:creationId xmlns:a16="http://schemas.microsoft.com/office/drawing/2014/main" id="{86A0B321-351E-210F-1933-BE3D334F4EBA}"/>
               </a:ext>
             </a:extLst>
           </p:cNvPr>
@@ -6046,7 +4978,7 @@
         </p:nvSpPr>
         <p:spPr>
           <a:xfrm>
-            <a:off x="6255571" y="2555526"/>
+            <a:off x="6124942" y="1990747"/>
             <a:ext cx="1196760" cy="306298"/>
           </a:xfrm>
           <a:prstGeom prst="rect">
@@ -6071,10 +5003,10 @@
       </p:sp>
       <p:sp>
         <p:nvSpPr>
-          <p:cNvPr id="55" name="CuadroTexto 54">
-            <a:extLst>
-              <a:ext uri="{FF2B5EF4-FFF2-40B4-BE49-F238E27FC236}">
-                <a16:creationId xmlns:a16="http://schemas.microsoft.com/office/drawing/2014/main" id="{061F81A0-5B28-33FA-B806-D3797BC0A6E4}"/>
+          <p:cNvPr id="83" name="CuadroTexto 82">
+            <a:extLst>
+              <a:ext uri="{FF2B5EF4-FFF2-40B4-BE49-F238E27FC236}">
+                <a16:creationId xmlns:a16="http://schemas.microsoft.com/office/drawing/2014/main" id="{DD84E07A-D436-64B4-4990-C70184FAFF4B}"/>
               </a:ext>
             </a:extLst>
           </p:cNvPr>
@@ -6083,7 +5015,7 @@
         </p:nvSpPr>
         <p:spPr>
           <a:xfrm>
-            <a:off x="4969720" y="2264327"/>
+            <a:off x="4839091" y="1699548"/>
             <a:ext cx="969410" cy="369332"/>
           </a:xfrm>
           <a:prstGeom prst="rect">
@@ -6107,10 +5039,10 @@
       </p:sp>
       <p:sp>
         <p:nvSpPr>
-          <p:cNvPr id="56" name="CuadroTexto 55">
-            <a:extLst>
-              <a:ext uri="{FF2B5EF4-FFF2-40B4-BE49-F238E27FC236}">
-                <a16:creationId xmlns:a16="http://schemas.microsoft.com/office/drawing/2014/main" id="{3C408A09-AEFB-6BBA-2FC3-C252928F44CC}"/>
+          <p:cNvPr id="84" name="CuadroTexto 83">
+            <a:extLst>
+              <a:ext uri="{FF2B5EF4-FFF2-40B4-BE49-F238E27FC236}">
+                <a16:creationId xmlns:a16="http://schemas.microsoft.com/office/drawing/2014/main" id="{57339963-B741-329C-BB8B-647C1F2AEFF3}"/>
               </a:ext>
             </a:extLst>
           </p:cNvPr>
@@ -6119,7 +5051,7 @@
         </p:nvSpPr>
         <p:spPr>
           <a:xfrm>
-            <a:off x="6250760" y="2959689"/>
+            <a:off x="6120131" y="2394910"/>
             <a:ext cx="1196760" cy="306298"/>
           </a:xfrm>
           <a:prstGeom prst="rect">
@@ -6144,10 +5076,10 @@
       </p:sp>
       <p:sp>
         <p:nvSpPr>
-          <p:cNvPr id="57" name="CuadroTexto 56">
-            <a:extLst>
-              <a:ext uri="{FF2B5EF4-FFF2-40B4-BE49-F238E27FC236}">
-                <a16:creationId xmlns:a16="http://schemas.microsoft.com/office/drawing/2014/main" id="{80371F83-6D71-7C3D-2F86-83D235C7332D}"/>
+          <p:cNvPr id="85" name="CuadroTexto 84">
+            <a:extLst>
+              <a:ext uri="{FF2B5EF4-FFF2-40B4-BE49-F238E27FC236}">
+                <a16:creationId xmlns:a16="http://schemas.microsoft.com/office/drawing/2014/main" id="{4A245F23-7088-B972-720D-D814D9A9F127}"/>
               </a:ext>
             </a:extLst>
           </p:cNvPr>
@@ -6156,7 +5088,7 @@
         </p:nvSpPr>
         <p:spPr>
           <a:xfrm>
-            <a:off x="6267750" y="3319339"/>
+            <a:off x="6137121" y="2754560"/>
             <a:ext cx="1196760" cy="369332"/>
           </a:xfrm>
           <a:prstGeom prst="rect">
@@ -6172,7 +5104,7 @@
           <a:p>
             <a:pPr algn="r"/>
             <a:r>
-              <a:rPr lang="es-ES" dirty="0" err="1"/>
+              <a:rPr lang="es-ES" dirty="0"/>
               <a:t>fin_tx</a:t>
             </a:r>
             <a:endParaRPr lang="en-US" dirty="0"/>
@@ -6181,10 +5113,10 @@
       </p:sp>
       <p:sp>
         <p:nvSpPr>
-          <p:cNvPr id="58" name="CuadroTexto 57">
-            <a:extLst>
-              <a:ext uri="{FF2B5EF4-FFF2-40B4-BE49-F238E27FC236}">
-                <a16:creationId xmlns:a16="http://schemas.microsoft.com/office/drawing/2014/main" id="{19A275B6-1414-04D5-EA61-6E397CBAC4EB}"/>
+          <p:cNvPr id="86" name="CuadroTexto 85">
+            <a:extLst>
+              <a:ext uri="{FF2B5EF4-FFF2-40B4-BE49-F238E27FC236}">
+                <a16:creationId xmlns:a16="http://schemas.microsoft.com/office/drawing/2014/main" id="{6BFF0D0C-B417-BE6E-A4C3-0D9EF466A8CA}"/>
               </a:ext>
             </a:extLst>
           </p:cNvPr>
@@ -6193,7 +5125,7 @@
         </p:nvSpPr>
         <p:spPr>
           <a:xfrm>
-            <a:off x="6248354" y="3760268"/>
+            <a:off x="6117725" y="3195489"/>
             <a:ext cx="1196760" cy="369332"/>
           </a:xfrm>
           <a:prstGeom prst="rect">
@@ -6209,7 +5141,7 @@
           <a:p>
             <a:pPr algn="r"/>
             <a:r>
-              <a:rPr lang="es-ES" dirty="0" err="1"/>
+              <a:rPr lang="es-ES" dirty="0"/>
               <a:t>ena_rd</a:t>
             </a:r>
             <a:endParaRPr lang="en-US" dirty="0"/>
@@ -6218,10 +5150,10 @@
       </p:sp>
       <p:sp>
         <p:nvSpPr>
-          <p:cNvPr id="59" name="CuadroTexto 58">
-            <a:extLst>
-              <a:ext uri="{FF2B5EF4-FFF2-40B4-BE49-F238E27FC236}">
-                <a16:creationId xmlns:a16="http://schemas.microsoft.com/office/drawing/2014/main" id="{3AFD5BD0-BEC9-67DE-C4F7-D2928FBE329F}"/>
+          <p:cNvPr id="87" name="CuadroTexto 86">
+            <a:extLst>
+              <a:ext uri="{FF2B5EF4-FFF2-40B4-BE49-F238E27FC236}">
+                <a16:creationId xmlns:a16="http://schemas.microsoft.com/office/drawing/2014/main" id="{341BE315-83EC-7B8E-5598-C243C75D87CF}"/>
               </a:ext>
             </a:extLst>
           </p:cNvPr>
@@ -6230,7 +5162,7 @@
         </p:nvSpPr>
         <p:spPr>
           <a:xfrm>
-            <a:off x="6250760" y="4146186"/>
+            <a:off x="6120131" y="3581407"/>
             <a:ext cx="1196760" cy="369332"/>
           </a:xfrm>
           <a:prstGeom prst="rect">
@@ -6246,7 +5178,7 @@
           <a:p>
             <a:pPr algn="r"/>
             <a:r>
-              <a:rPr lang="es-ES" dirty="0" err="1"/>
+              <a:rPr lang="es-ES" dirty="0"/>
               <a:t>dato_rd</a:t>
             </a:r>
             <a:endParaRPr lang="en-US" dirty="0"/>
@@ -6255,10 +5187,10 @@
       </p:sp>
       <p:sp>
         <p:nvSpPr>
-          <p:cNvPr id="60" name="Triángulo isósceles 59">
-            <a:extLst>
-              <a:ext uri="{FF2B5EF4-FFF2-40B4-BE49-F238E27FC236}">
-                <a16:creationId xmlns:a16="http://schemas.microsoft.com/office/drawing/2014/main" id="{DBB61ED5-8C39-424D-12DD-B428D79033E2}"/>
+          <p:cNvPr id="88" name="Triángulo isósceles 87">
+            <a:extLst>
+              <a:ext uri="{FF2B5EF4-FFF2-40B4-BE49-F238E27FC236}">
+                <a16:creationId xmlns:a16="http://schemas.microsoft.com/office/drawing/2014/main" id="{69384D0D-FD0E-727D-6339-2B087888040E}"/>
               </a:ext>
             </a:extLst>
           </p:cNvPr>
@@ -6267,7 +5199,7 @@
         </p:nvSpPr>
         <p:spPr>
           <a:xfrm rot="5400000">
-            <a:off x="4921227" y="4197687"/>
+            <a:off x="4790598" y="3632908"/>
             <a:ext cx="231715" cy="168387"/>
           </a:xfrm>
           <a:prstGeom prst="triangle">
@@ -6294,16 +5226,16 @@
           <a:lstStyle/>
           <a:p>
             <a:pPr algn="ctr"/>
-            <a:endParaRPr lang="en-US"/>
+            <a:endParaRPr lang="en-US" dirty="0"/>
           </a:p>
         </p:txBody>
       </p:sp>
       <p:cxnSp>
         <p:nvCxnSpPr>
-          <p:cNvPr id="61" name="Conector recto 60">
-            <a:extLst>
-              <a:ext uri="{FF2B5EF4-FFF2-40B4-BE49-F238E27FC236}">
-                <a16:creationId xmlns:a16="http://schemas.microsoft.com/office/drawing/2014/main" id="{006E9E99-6376-9A11-0D1D-B5DAE8251E47}"/>
+          <p:cNvPr id="89" name="Conector recto 88">
+            <a:extLst>
+              <a:ext uri="{FF2B5EF4-FFF2-40B4-BE49-F238E27FC236}">
+                <a16:creationId xmlns:a16="http://schemas.microsoft.com/office/drawing/2014/main" id="{B53E0FC0-7CC0-83D1-18FE-EB2F3C9B1867}"/>
               </a:ext>
             </a:extLst>
           </p:cNvPr>
@@ -6314,7 +5246,7 @@
         </p:nvCxnSpPr>
         <p:spPr>
           <a:xfrm>
-            <a:off x="6213509" y="4835054"/>
+            <a:off x="6082880" y="4270275"/>
             <a:ext cx="0" cy="438163"/>
           </a:xfrm>
           <a:prstGeom prst="line">
@@ -6339,10 +5271,10 @@
       </p:cxnSp>
       <p:cxnSp>
         <p:nvCxnSpPr>
-          <p:cNvPr id="62" name="Conector recto 61">
-            <a:extLst>
-              <a:ext uri="{FF2B5EF4-FFF2-40B4-BE49-F238E27FC236}">
-                <a16:creationId xmlns:a16="http://schemas.microsoft.com/office/drawing/2014/main" id="{AF67739B-38F1-982C-0EE0-8873D84BC329}"/>
+          <p:cNvPr id="90" name="Conector recto 89">
+            <a:extLst>
+              <a:ext uri="{FF2B5EF4-FFF2-40B4-BE49-F238E27FC236}">
+                <a16:creationId xmlns:a16="http://schemas.microsoft.com/office/drawing/2014/main" id="{1487EC8B-561F-6706-FEF7-605EB9D6926F}"/>
               </a:ext>
             </a:extLst>
           </p:cNvPr>
@@ -6353,7 +5285,7 @@
         </p:nvCxnSpPr>
         <p:spPr>
           <a:xfrm flipH="1">
-            <a:off x="5777978" y="5259109"/>
+            <a:off x="5647349" y="4694330"/>
             <a:ext cx="453442" cy="0"/>
           </a:xfrm>
           <a:prstGeom prst="line">
@@ -6378,10 +5310,10 @@
       </p:cxnSp>
       <p:sp>
         <p:nvSpPr>
-          <p:cNvPr id="63" name="CuadroTexto 62">
-            <a:extLst>
-              <a:ext uri="{FF2B5EF4-FFF2-40B4-BE49-F238E27FC236}">
-                <a16:creationId xmlns:a16="http://schemas.microsoft.com/office/drawing/2014/main" id="{9636529D-5B73-0F2E-FC83-C86C5D0F3A5E}"/>
+          <p:cNvPr id="91" name="CuadroTexto 90">
+            <a:extLst>
+              <a:ext uri="{FF2B5EF4-FFF2-40B4-BE49-F238E27FC236}">
+                <a16:creationId xmlns:a16="http://schemas.microsoft.com/office/drawing/2014/main" id="{9C486C1F-4758-4C52-949E-BCD1F2B83D1F}"/>
               </a:ext>
             </a:extLst>
           </p:cNvPr>
@@ -6390,7 +5322,7 @@
         </p:nvSpPr>
         <p:spPr>
           <a:xfrm>
-            <a:off x="4952890" y="4900987"/>
+            <a:off x="4822261" y="4336208"/>
             <a:ext cx="1196760" cy="306298"/>
           </a:xfrm>
           <a:prstGeom prst="rect">
@@ -6406,7 +5338,7 @@
           <a:p>
             <a:pPr algn="r"/>
             <a:r>
-              <a:rPr lang="es-ES" dirty="0" err="1"/>
+              <a:rPr lang="es-ES" dirty="0"/>
               <a:t>nRst</a:t>
             </a:r>
             <a:endParaRPr lang="en-US" dirty="0"/>
@@ -6415,10 +5347,10 @@
       </p:sp>
       <p:cxnSp>
         <p:nvCxnSpPr>
-          <p:cNvPr id="65" name="Conector recto 64">
-            <a:extLst>
-              <a:ext uri="{FF2B5EF4-FFF2-40B4-BE49-F238E27FC236}">
-                <a16:creationId xmlns:a16="http://schemas.microsoft.com/office/drawing/2014/main" id="{52662A85-EBBA-1655-2E87-58C9F2F74D66}"/>
+          <p:cNvPr id="92" name="Conector recto 91">
+            <a:extLst>
+              <a:ext uri="{FF2B5EF4-FFF2-40B4-BE49-F238E27FC236}">
+                <a16:creationId xmlns:a16="http://schemas.microsoft.com/office/drawing/2014/main" id="{DC6EDAD9-1BD7-7AC1-0EEA-550AA08131DB}"/>
               </a:ext>
             </a:extLst>
           </p:cNvPr>
@@ -6429,7 +5361,7 @@
         </p:nvCxnSpPr>
         <p:spPr>
           <a:xfrm>
-            <a:off x="4350765" y="2470158"/>
+            <a:off x="4220136" y="1905379"/>
             <a:ext cx="610597" cy="0"/>
           </a:xfrm>
           <a:prstGeom prst="line">
@@ -6452,49 +5384,12 @@
           </a:fontRef>
         </p:style>
       </p:cxnSp>
-      <p:sp>
-        <p:nvSpPr>
-          <p:cNvPr id="67" name="CuadroTexto 66">
-            <a:extLst>
-              <a:ext uri="{FF2B5EF4-FFF2-40B4-BE49-F238E27FC236}">
-                <a16:creationId xmlns:a16="http://schemas.microsoft.com/office/drawing/2014/main" id="{4863F189-BFEC-FB57-A888-861A1819716C}"/>
-              </a:ext>
-            </a:extLst>
-          </p:cNvPr>
-          <p:cNvSpPr txBox="1"/>
-          <p:nvPr/>
-        </p:nvSpPr>
-        <p:spPr>
-          <a:xfrm>
-            <a:off x="0" y="2826740"/>
-            <a:ext cx="805090" cy="369332"/>
-          </a:xfrm>
-          <a:prstGeom prst="rect">
-            <a:avLst/>
-          </a:prstGeom>
-          <a:noFill/>
-        </p:spPr>
-        <p:txBody>
-          <a:bodyPr wrap="square" rtlCol="0">
-            <a:spAutoFit/>
-          </a:bodyPr>
-          <a:lstStyle/>
-          <a:p>
-            <a:pPr algn="r"/>
-            <a:r>
-              <a:rPr lang="es-ES" dirty="0" err="1"/>
-              <a:t>fin_tx</a:t>
-            </a:r>
-            <a:endParaRPr lang="en-US" dirty="0"/>
-          </a:p>
-        </p:txBody>
-      </p:sp>
       <p:cxnSp>
         <p:nvCxnSpPr>
-          <p:cNvPr id="68" name="Conector recto 67">
-            <a:extLst>
-              <a:ext uri="{FF2B5EF4-FFF2-40B4-BE49-F238E27FC236}">
-                <a16:creationId xmlns:a16="http://schemas.microsoft.com/office/drawing/2014/main" id="{E6ADA733-BD33-4310-B14F-8B32860DEE1D}"/>
+          <p:cNvPr id="94" name="Conector recto 93">
+            <a:extLst>
+              <a:ext uri="{FF2B5EF4-FFF2-40B4-BE49-F238E27FC236}">
+                <a16:creationId xmlns:a16="http://schemas.microsoft.com/office/drawing/2014/main" id="{63C694EB-79F8-E931-5E66-15D0BBF0FEDD}"/>
               </a:ext>
             </a:extLst>
           </p:cNvPr>
@@ -6505,7 +5400,7 @@
         </p:nvCxnSpPr>
         <p:spPr>
           <a:xfrm>
-            <a:off x="176735" y="3150923"/>
+            <a:off x="46106" y="2586144"/>
             <a:ext cx="610597" cy="0"/>
           </a:xfrm>
           <a:prstGeom prst="line">
@@ -6530,10 +5425,10 @@
       </p:cxnSp>
       <p:sp>
         <p:nvSpPr>
-          <p:cNvPr id="69" name="CuadroTexto 68">
-            <a:extLst>
-              <a:ext uri="{FF2B5EF4-FFF2-40B4-BE49-F238E27FC236}">
-                <a16:creationId xmlns:a16="http://schemas.microsoft.com/office/drawing/2014/main" id="{A4BC6B29-B145-65D2-6158-2C4332C40289}"/>
+          <p:cNvPr id="95" name="CuadroTexto 94">
+            <a:extLst>
+              <a:ext uri="{FF2B5EF4-FFF2-40B4-BE49-F238E27FC236}">
+                <a16:creationId xmlns:a16="http://schemas.microsoft.com/office/drawing/2014/main" id="{948CE196-9A66-23CE-21FD-705A2B230FC8}"/>
               </a:ext>
             </a:extLst>
           </p:cNvPr>
@@ -6542,7 +5437,7 @@
         </p:nvSpPr>
         <p:spPr>
           <a:xfrm>
-            <a:off x="767547" y="2962939"/>
+            <a:off x="617133" y="2379535"/>
             <a:ext cx="805090" cy="369332"/>
           </a:xfrm>
           <a:prstGeom prst="rect">
@@ -6558,7 +5453,7 @@
           <a:p>
             <a:pPr algn="r"/>
             <a:r>
-              <a:rPr lang="es-ES" dirty="0" err="1"/>
+              <a:rPr lang="es-ES" dirty="0"/>
               <a:t>fin_tx</a:t>
             </a:r>
             <a:endParaRPr lang="en-US" dirty="0"/>
@@ -6567,10 +5462,10 @@
       </p:sp>
       <p:sp>
         <p:nvSpPr>
-          <p:cNvPr id="84" name="Rectángulo 83">
-            <a:extLst>
-              <a:ext uri="{FF2B5EF4-FFF2-40B4-BE49-F238E27FC236}">
-                <a16:creationId xmlns:a16="http://schemas.microsoft.com/office/drawing/2014/main" id="{A2C5EAEC-CF09-8270-297C-40FEDEEA6F28}"/>
+          <p:cNvPr id="96" name="Rectángulo 95">
+            <a:extLst>
+              <a:ext uri="{FF2B5EF4-FFF2-40B4-BE49-F238E27FC236}">
+                <a16:creationId xmlns:a16="http://schemas.microsoft.com/office/drawing/2014/main" id="{EFE95A5B-F23B-FCCE-79AD-4865CC7A0F29}"/>
               </a:ext>
             </a:extLst>
           </p:cNvPr>
@@ -6579,7 +5474,7 @@
         </p:nvSpPr>
         <p:spPr>
           <a:xfrm>
-            <a:off x="8943511" y="3653129"/>
+            <a:off x="8812882" y="3088350"/>
             <a:ext cx="2557058" cy="2726071"/>
           </a:xfrm>
           <a:prstGeom prst="rect">
@@ -6619,10 +5514,10 @@
       </p:sp>
       <p:sp>
         <p:nvSpPr>
-          <p:cNvPr id="85" name="CuadroTexto 84">
-            <a:extLst>
-              <a:ext uri="{FF2B5EF4-FFF2-40B4-BE49-F238E27FC236}">
-                <a16:creationId xmlns:a16="http://schemas.microsoft.com/office/drawing/2014/main" id="{1748D8A7-F7D9-980E-DC24-95E8BE55D167}"/>
+          <p:cNvPr id="97" name="CuadroTexto 96">
+            <a:extLst>
+              <a:ext uri="{FF2B5EF4-FFF2-40B4-BE49-F238E27FC236}">
+                <a16:creationId xmlns:a16="http://schemas.microsoft.com/office/drawing/2014/main" id="{EA7D9788-06E3-A426-50AE-1EC3AEBEF873}"/>
               </a:ext>
             </a:extLst>
           </p:cNvPr>
@@ -6631,7 +5526,7 @@
         </p:nvSpPr>
         <p:spPr>
           <a:xfrm>
-            <a:off x="8925600" y="3129909"/>
+            <a:off x="8794971" y="2565130"/>
             <a:ext cx="2557057" cy="523220"/>
           </a:xfrm>
           <a:prstGeom prst="rect">
@@ -6648,7 +5543,7 @@
             <a:pPr algn="ctr"/>
             <a:r>
               <a:rPr lang="es-ES" sz="2800" dirty="0"/>
-              <a:t>offset</a:t>
+              <a:t>calc_offset</a:t>
             </a:r>
             <a:endParaRPr lang="en-US" dirty="0"/>
           </a:p>
@@ -6656,10 +5551,10 @@
       </p:sp>
       <p:sp>
         <p:nvSpPr>
-          <p:cNvPr id="90" name="CuadroTexto 89">
-            <a:extLst>
-              <a:ext uri="{FF2B5EF4-FFF2-40B4-BE49-F238E27FC236}">
-                <a16:creationId xmlns:a16="http://schemas.microsoft.com/office/drawing/2014/main" id="{F8F953DC-5B92-E8C6-E4E5-ECCBCA5BF060}"/>
+          <p:cNvPr id="98" name="CuadroTexto 97">
+            <a:extLst>
+              <a:ext uri="{FF2B5EF4-FFF2-40B4-BE49-F238E27FC236}">
+                <a16:creationId xmlns:a16="http://schemas.microsoft.com/office/drawing/2014/main" id="{0D2AF719-AED6-A782-FC70-A4E5B11080C9}"/>
               </a:ext>
             </a:extLst>
           </p:cNvPr>
@@ -6668,7 +5563,7 @@
         </p:nvSpPr>
         <p:spPr>
           <a:xfrm>
-            <a:off x="10086726" y="4446370"/>
+            <a:off x="9956097" y="3881591"/>
             <a:ext cx="1351470" cy="369332"/>
           </a:xfrm>
           <a:prstGeom prst="rect">
@@ -6684,7 +5579,7 @@
           <a:p>
             <a:pPr algn="r"/>
             <a:r>
-              <a:rPr lang="es-ES" dirty="0" err="1"/>
+              <a:rPr lang="es-ES" dirty="0"/>
               <a:t>X_out_bias</a:t>
             </a:r>
             <a:endParaRPr lang="en-US" dirty="0"/>
@@ -6693,10 +5588,10 @@
       </p:sp>
       <p:sp>
         <p:nvSpPr>
-          <p:cNvPr id="91" name="CuadroTexto 90">
-            <a:extLst>
-              <a:ext uri="{FF2B5EF4-FFF2-40B4-BE49-F238E27FC236}">
-                <a16:creationId xmlns:a16="http://schemas.microsoft.com/office/drawing/2014/main" id="{5FB1736F-111F-2949-A214-9460FFFD55F3}"/>
+          <p:cNvPr id="99" name="CuadroTexto 98">
+            <a:extLst>
+              <a:ext uri="{FF2B5EF4-FFF2-40B4-BE49-F238E27FC236}">
+                <a16:creationId xmlns:a16="http://schemas.microsoft.com/office/drawing/2014/main" id="{D09D8537-F323-D7C8-27B4-FB79B77BE653}"/>
               </a:ext>
             </a:extLst>
           </p:cNvPr>
@@ -6705,7 +5600,7 @@
         </p:nvSpPr>
         <p:spPr>
           <a:xfrm>
-            <a:off x="10067330" y="4887299"/>
+            <a:off x="9936701" y="4322520"/>
             <a:ext cx="1351470" cy="369332"/>
           </a:xfrm>
           <a:prstGeom prst="rect">
@@ -6721,7 +5616,7 @@
           <a:p>
             <a:pPr algn="r"/>
             <a:r>
-              <a:rPr lang="es-ES" dirty="0" err="1"/>
+              <a:rPr lang="es-ES" dirty="0"/>
               <a:t>Y_out_bias</a:t>
             </a:r>
             <a:endParaRPr lang="en-US" dirty="0"/>
@@ -6730,10 +5625,10 @@
       </p:sp>
       <p:sp>
         <p:nvSpPr>
-          <p:cNvPr id="92" name="CuadroTexto 91">
-            <a:extLst>
-              <a:ext uri="{FF2B5EF4-FFF2-40B4-BE49-F238E27FC236}">
-                <a16:creationId xmlns:a16="http://schemas.microsoft.com/office/drawing/2014/main" id="{8F41039B-B8F3-37CD-9094-46798B9512FF}"/>
+          <p:cNvPr id="100" name="CuadroTexto 99">
+            <a:extLst>
+              <a:ext uri="{FF2B5EF4-FFF2-40B4-BE49-F238E27FC236}">
+                <a16:creationId xmlns:a16="http://schemas.microsoft.com/office/drawing/2014/main" id="{187D6AC7-824F-F192-C9AD-7DE460264BC5}"/>
               </a:ext>
             </a:extLst>
           </p:cNvPr>
@@ -6742,7 +5637,7 @@
         </p:nvSpPr>
         <p:spPr>
           <a:xfrm>
-            <a:off x="9482667" y="5273217"/>
+            <a:off x="9352038" y="4708438"/>
             <a:ext cx="1938539" cy="369332"/>
           </a:xfrm>
           <a:prstGeom prst="rect">
@@ -6758,7 +5653,7 @@
           <a:p>
             <a:pPr algn="r"/>
             <a:r>
-              <a:rPr lang="es-ES" dirty="0" err="1"/>
+              <a:rPr lang="es-ES" dirty="0"/>
               <a:t>muestra_bias_rdy</a:t>
             </a:r>
             <a:endParaRPr lang="en-US" dirty="0"/>
@@ -6767,10 +5662,10 @@
       </p:sp>
       <p:sp>
         <p:nvSpPr>
-          <p:cNvPr id="93" name="Triángulo isósceles 92">
-            <a:extLst>
-              <a:ext uri="{FF2B5EF4-FFF2-40B4-BE49-F238E27FC236}">
-                <a16:creationId xmlns:a16="http://schemas.microsoft.com/office/drawing/2014/main" id="{33136A6F-3967-6B21-7447-659014E6235B}"/>
+          <p:cNvPr id="101" name="Triángulo isósceles 100">
+            <a:extLst>
+              <a:ext uri="{FF2B5EF4-FFF2-40B4-BE49-F238E27FC236}">
+                <a16:creationId xmlns:a16="http://schemas.microsoft.com/office/drawing/2014/main" id="{503EBA4F-CC53-CF10-A9C1-C8BCCCEFE9A9}"/>
               </a:ext>
             </a:extLst>
           </p:cNvPr>
@@ -6779,7 +5674,7 @@
         </p:nvSpPr>
         <p:spPr>
           <a:xfrm rot="5400000">
-            <a:off x="8911846" y="5836478"/>
+            <a:off x="8781217" y="5271699"/>
             <a:ext cx="231715" cy="168387"/>
           </a:xfrm>
           <a:prstGeom prst="triangle">
@@ -6806,16 +5701,16 @@
           <a:lstStyle/>
           <a:p>
             <a:pPr algn="ctr"/>
-            <a:endParaRPr lang="en-US"/>
+            <a:endParaRPr lang="en-US" dirty="0"/>
           </a:p>
         </p:txBody>
       </p:sp>
       <p:cxnSp>
         <p:nvCxnSpPr>
-          <p:cNvPr id="94" name="Conector recto 93">
-            <a:extLst>
-              <a:ext uri="{FF2B5EF4-FFF2-40B4-BE49-F238E27FC236}">
-                <a16:creationId xmlns:a16="http://schemas.microsoft.com/office/drawing/2014/main" id="{CA3114BC-0DAB-9A29-C0AF-A79D23A6A389}"/>
+          <p:cNvPr id="102" name="Conector recto 101">
+            <a:extLst>
+              <a:ext uri="{FF2B5EF4-FFF2-40B4-BE49-F238E27FC236}">
+                <a16:creationId xmlns:a16="http://schemas.microsoft.com/office/drawing/2014/main" id="{D59DA2BD-E902-AB5C-70DC-F66F87E7BEE3}"/>
               </a:ext>
             </a:extLst>
           </p:cNvPr>
@@ -6826,7 +5721,7 @@
         </p:nvCxnSpPr>
         <p:spPr>
           <a:xfrm>
-            <a:off x="10204129" y="6393307"/>
+            <a:off x="10073500" y="5828528"/>
             <a:ext cx="0" cy="438163"/>
           </a:xfrm>
           <a:prstGeom prst="line">
@@ -6851,10 +5746,10 @@
       </p:cxnSp>
       <p:cxnSp>
         <p:nvCxnSpPr>
-          <p:cNvPr id="95" name="Conector recto 94">
-            <a:extLst>
-              <a:ext uri="{FF2B5EF4-FFF2-40B4-BE49-F238E27FC236}">
-                <a16:creationId xmlns:a16="http://schemas.microsoft.com/office/drawing/2014/main" id="{BE70F1BF-EA5B-1D61-AFF3-F2459587D9A1}"/>
+          <p:cNvPr id="103" name="Conector recto 102">
+            <a:extLst>
+              <a:ext uri="{FF2B5EF4-FFF2-40B4-BE49-F238E27FC236}">
+                <a16:creationId xmlns:a16="http://schemas.microsoft.com/office/drawing/2014/main" id="{1EB5F87A-BA45-F8C5-02A6-6218E1CC0FEA}"/>
               </a:ext>
             </a:extLst>
           </p:cNvPr>
@@ -6865,7 +5760,7 @@
         </p:nvCxnSpPr>
         <p:spPr>
           <a:xfrm flipH="1">
-            <a:off x="9768598" y="6817362"/>
+            <a:off x="9637969" y="6252583"/>
             <a:ext cx="453442" cy="0"/>
           </a:xfrm>
           <a:prstGeom prst="line">
@@ -6890,10 +5785,10 @@
       </p:cxnSp>
       <p:sp>
         <p:nvSpPr>
-          <p:cNvPr id="96" name="CuadroTexto 95">
-            <a:extLst>
-              <a:ext uri="{FF2B5EF4-FFF2-40B4-BE49-F238E27FC236}">
-                <a16:creationId xmlns:a16="http://schemas.microsoft.com/office/drawing/2014/main" id="{92688529-98BC-FC95-7693-1C9D9F253E55}"/>
+          <p:cNvPr id="104" name="CuadroTexto 103">
+            <a:extLst>
+              <a:ext uri="{FF2B5EF4-FFF2-40B4-BE49-F238E27FC236}">
+                <a16:creationId xmlns:a16="http://schemas.microsoft.com/office/drawing/2014/main" id="{9A0407B4-4F33-AD06-2C5E-0F94109B73E4}"/>
               </a:ext>
             </a:extLst>
           </p:cNvPr>
@@ -6902,7 +5797,7 @@
         </p:nvSpPr>
         <p:spPr>
           <a:xfrm>
-            <a:off x="8943510" y="6459240"/>
+            <a:off x="8812881" y="5894461"/>
             <a:ext cx="1196760" cy="306298"/>
           </a:xfrm>
           <a:prstGeom prst="rect">
@@ -6918,7 +5813,7 @@
           <a:p>
             <a:pPr algn="r"/>
             <a:r>
-              <a:rPr lang="es-ES" dirty="0" err="1"/>
+              <a:rPr lang="es-ES" dirty="0"/>
               <a:t>nRst</a:t>
             </a:r>
             <a:endParaRPr lang="en-US" dirty="0"/>
@@ -6927,10 +5822,10 @@
       </p:sp>
       <p:sp>
         <p:nvSpPr>
-          <p:cNvPr id="100" name="CuadroTexto 99">
-            <a:extLst>
-              <a:ext uri="{FF2B5EF4-FFF2-40B4-BE49-F238E27FC236}">
-                <a16:creationId xmlns:a16="http://schemas.microsoft.com/office/drawing/2014/main" id="{77F8BFC5-E000-3FC8-1F70-52A86F9BA59D}"/>
+          <p:cNvPr id="105" name="CuadroTexto 104">
+            <a:extLst>
+              <a:ext uri="{FF2B5EF4-FFF2-40B4-BE49-F238E27FC236}">
+                <a16:creationId xmlns:a16="http://schemas.microsoft.com/office/drawing/2014/main" id="{E2438427-F267-2E56-1FE8-5F74971CDA57}"/>
               </a:ext>
             </a:extLst>
           </p:cNvPr>
@@ -6939,7 +5834,7 @@
         </p:nvSpPr>
         <p:spPr>
           <a:xfrm>
-            <a:off x="8637026" y="3768241"/>
+            <a:off x="8506397" y="3203462"/>
             <a:ext cx="1196760" cy="369332"/>
           </a:xfrm>
           <a:prstGeom prst="rect">
@@ -6955,7 +5850,7 @@
           <a:p>
             <a:pPr algn="r"/>
             <a:r>
-              <a:rPr lang="es-ES" dirty="0" err="1"/>
+              <a:rPr lang="es-ES" dirty="0"/>
               <a:t>ena_rd</a:t>
             </a:r>
             <a:endParaRPr lang="en-US" dirty="0"/>
@@ -6964,10 +5859,10 @@
       </p:sp>
       <p:sp>
         <p:nvSpPr>
-          <p:cNvPr id="101" name="CuadroTexto 100">
-            <a:extLst>
-              <a:ext uri="{FF2B5EF4-FFF2-40B4-BE49-F238E27FC236}">
-                <a16:creationId xmlns:a16="http://schemas.microsoft.com/office/drawing/2014/main" id="{B06BDDEB-B5D3-21C1-79DF-FBCB0E782665}"/>
+          <p:cNvPr id="106" name="CuadroTexto 105">
+            <a:extLst>
+              <a:ext uri="{FF2B5EF4-FFF2-40B4-BE49-F238E27FC236}">
+                <a16:creationId xmlns:a16="http://schemas.microsoft.com/office/drawing/2014/main" id="{17A1EAF4-51C9-6CD7-427D-A3CFBA038B84}"/>
               </a:ext>
             </a:extLst>
           </p:cNvPr>
@@ -6976,7 +5871,7 @@
         </p:nvSpPr>
         <p:spPr>
           <a:xfrm>
-            <a:off x="8639431" y="4154158"/>
+            <a:off x="8508802" y="3589379"/>
             <a:ext cx="1196760" cy="369332"/>
           </a:xfrm>
           <a:prstGeom prst="rect">
@@ -6992,17 +5887,1605 @@
           <a:p>
             <a:pPr algn="r"/>
             <a:r>
-              <a:rPr lang="es-ES" dirty="0" err="1"/>
+              <a:rPr lang="es-ES" dirty="0"/>
               <a:t>dato_rd</a:t>
             </a:r>
             <a:endParaRPr lang="en-US" dirty="0"/>
           </a:p>
         </p:txBody>
       </p:sp>
+      <p:cxnSp>
+        <p:nvCxnSpPr>
+          <p:cNvPr id="93" name="Conector recto 92">
+            <a:extLst>
+              <a:ext uri="{FF2B5EF4-FFF2-40B4-BE49-F238E27FC236}">
+                <a16:creationId xmlns:a16="http://schemas.microsoft.com/office/drawing/2014/main" id="{63059F72-1B4A-276B-F052-B4D47355F932}"/>
+              </a:ext>
+            </a:extLst>
+          </p:cNvPr>
+          <p:cNvCxnSpPr>
+            <a:cxnSpLocks/>
+          </p:cNvCxnSpPr>
+          <p:nvPr/>
+        </p:nvCxnSpPr>
+        <p:spPr>
+          <a:xfrm>
+            <a:off x="11369940" y="4101036"/>
+            <a:ext cx="610597" cy="0"/>
+          </a:xfrm>
+          <a:prstGeom prst="line">
+            <a:avLst/>
+          </a:prstGeom>
+          <a:ln w="28575"/>
+        </p:spPr>
+        <p:style>
+          <a:lnRef idx="1">
+            <a:schemeClr val="dk1"/>
+          </a:lnRef>
+          <a:fillRef idx="0">
+            <a:schemeClr val="dk1"/>
+          </a:fillRef>
+          <a:effectRef idx="0">
+            <a:schemeClr val="dk1"/>
+          </a:effectRef>
+          <a:fontRef idx="minor">
+            <a:schemeClr val="tx1"/>
+          </a:fontRef>
+        </p:style>
+      </p:cxnSp>
+      <p:cxnSp>
+        <p:nvCxnSpPr>
+          <p:cNvPr id="107" name="Conector recto 106">
+            <a:extLst>
+              <a:ext uri="{FF2B5EF4-FFF2-40B4-BE49-F238E27FC236}">
+                <a16:creationId xmlns:a16="http://schemas.microsoft.com/office/drawing/2014/main" id="{4A74224B-36EE-3B36-3911-398D28DE7F5D}"/>
+              </a:ext>
+            </a:extLst>
+          </p:cNvPr>
+          <p:cNvCxnSpPr>
+            <a:cxnSpLocks/>
+          </p:cNvCxnSpPr>
+          <p:nvPr/>
+        </p:nvCxnSpPr>
+        <p:spPr>
+          <a:xfrm>
+            <a:off x="11369940" y="4574939"/>
+            <a:ext cx="610597" cy="0"/>
+          </a:xfrm>
+          <a:prstGeom prst="line">
+            <a:avLst/>
+          </a:prstGeom>
+          <a:ln w="28575"/>
+        </p:spPr>
+        <p:style>
+          <a:lnRef idx="1">
+            <a:schemeClr val="dk1"/>
+          </a:lnRef>
+          <a:fillRef idx="0">
+            <a:schemeClr val="dk1"/>
+          </a:fillRef>
+          <a:effectRef idx="0">
+            <a:schemeClr val="dk1"/>
+          </a:effectRef>
+          <a:fontRef idx="minor">
+            <a:schemeClr val="tx1"/>
+          </a:fontRef>
+        </p:style>
+      </p:cxnSp>
+      <p:cxnSp>
+        <p:nvCxnSpPr>
+          <p:cNvPr id="108" name="Conector recto 107">
+            <a:extLst>
+              <a:ext uri="{FF2B5EF4-FFF2-40B4-BE49-F238E27FC236}">
+                <a16:creationId xmlns:a16="http://schemas.microsoft.com/office/drawing/2014/main" id="{632DC13A-0096-2665-6137-3BC30121AA3D}"/>
+              </a:ext>
+            </a:extLst>
+          </p:cNvPr>
+          <p:cNvCxnSpPr>
+            <a:cxnSpLocks/>
+          </p:cNvCxnSpPr>
+          <p:nvPr/>
+        </p:nvCxnSpPr>
+        <p:spPr>
+          <a:xfrm>
+            <a:off x="11369940" y="5077770"/>
+            <a:ext cx="610597" cy="0"/>
+          </a:xfrm>
+          <a:prstGeom prst="line">
+            <a:avLst/>
+          </a:prstGeom>
+          <a:ln w="28575"/>
+        </p:spPr>
+        <p:style>
+          <a:lnRef idx="1">
+            <a:schemeClr val="dk1"/>
+          </a:lnRef>
+          <a:fillRef idx="0">
+            <a:schemeClr val="dk1"/>
+          </a:fillRef>
+          <a:effectRef idx="0">
+            <a:schemeClr val="dk1"/>
+          </a:effectRef>
+          <a:fontRef idx="minor">
+            <a:schemeClr val="tx1"/>
+          </a:fontRef>
+        </p:style>
+      </p:cxnSp>
+      <p:sp>
+        <p:nvSpPr>
+          <p:cNvPr id="109" name="CuadroTexto 108">
+            <a:extLst>
+              <a:ext uri="{FF2B5EF4-FFF2-40B4-BE49-F238E27FC236}">
+                <a16:creationId xmlns:a16="http://schemas.microsoft.com/office/drawing/2014/main" id="{BB8D2519-9F2C-EE48-F430-1566DA4583D2}"/>
+              </a:ext>
+            </a:extLst>
+          </p:cNvPr>
+          <p:cNvSpPr txBox="1"/>
+          <p:nvPr/>
+        </p:nvSpPr>
+        <p:spPr>
+          <a:xfrm>
+            <a:off x="71469" y="1741818"/>
+            <a:ext cx="1684880" cy="369332"/>
+          </a:xfrm>
+          <a:prstGeom prst="rect">
+            <a:avLst/>
+          </a:prstGeom>
+          <a:noFill/>
+        </p:spPr>
+        <p:txBody>
+          <a:bodyPr wrap="square" rtlCol="0">
+            <a:spAutoFit/>
+          </a:bodyPr>
+          <a:lstStyle/>
+          <a:p>
+            <a:pPr algn="r"/>
+            <a:r>
+              <a:rPr lang="es-ES" dirty="0"/>
+              <a:t>ena_5ms</a:t>
+            </a:r>
+            <a:endParaRPr lang="en-US" dirty="0"/>
+          </a:p>
+        </p:txBody>
+      </p:sp>
+      <p:cxnSp>
+        <p:nvCxnSpPr>
+          <p:cNvPr id="110" name="Conector recto 109">
+            <a:extLst>
+              <a:ext uri="{FF2B5EF4-FFF2-40B4-BE49-F238E27FC236}">
+                <a16:creationId xmlns:a16="http://schemas.microsoft.com/office/drawing/2014/main" id="{622444C1-59A6-69F6-FEA3-FC97B917E7CE}"/>
+              </a:ext>
+            </a:extLst>
+          </p:cNvPr>
+          <p:cNvCxnSpPr>
+            <a:cxnSpLocks/>
+          </p:cNvCxnSpPr>
+          <p:nvPr/>
+        </p:nvCxnSpPr>
+        <p:spPr>
+          <a:xfrm>
+            <a:off x="71469" y="1940591"/>
+            <a:ext cx="610597" cy="0"/>
+          </a:xfrm>
+          <a:prstGeom prst="line">
+            <a:avLst/>
+          </a:prstGeom>
+          <a:ln w="28575"/>
+        </p:spPr>
+        <p:style>
+          <a:lnRef idx="1">
+            <a:schemeClr val="dk1"/>
+          </a:lnRef>
+          <a:fillRef idx="0">
+            <a:schemeClr val="dk1"/>
+          </a:fillRef>
+          <a:effectRef idx="0">
+            <a:schemeClr val="dk1"/>
+          </a:effectRef>
+          <a:fontRef idx="minor">
+            <a:schemeClr val="tx1"/>
+          </a:fontRef>
+        </p:style>
+      </p:cxnSp>
     </p:spTree>
     <p:extLst>
       <p:ext uri="{BB962C8B-B14F-4D97-AF65-F5344CB8AC3E}">
-        <p14:creationId xmlns:p14="http://schemas.microsoft.com/office/powerpoint/2010/main" val="1569823855"/>
+        <p14:creationId xmlns:p14="http://schemas.microsoft.com/office/powerpoint/2010/main" val="1945450998"/>
+      </p:ext>
+    </p:extLst>
+  </p:cSld>
+  <p:clrMapOvr>
+    <a:masterClrMapping/>
+  </p:clrMapOvr>
+</p:sld>
+</file>
+
+<file path=ppt/slides/slide2.xml><?xml version="1.0" encoding="utf-8"?>
+<p:sld xmlns:a="http://schemas.openxmlformats.org/drawingml/2006/main" xmlns:r="http://schemas.openxmlformats.org/officeDocument/2006/relationships" xmlns:p="http://schemas.openxmlformats.org/presentationml/2006/main">
+  <p:cSld>
+    <p:spTree>
+      <p:nvGrpSpPr>
+        <p:cNvPr id="1" name=""/>
+        <p:cNvGrpSpPr/>
+        <p:nvPr/>
+      </p:nvGrpSpPr>
+      <p:grpSpPr>
+        <a:xfrm>
+          <a:off x="0" y="0"/>
+          <a:ext cx="0" cy="0"/>
+          <a:chOff x="0" y="0"/>
+          <a:chExt cx="0" cy="0"/>
+        </a:xfrm>
+      </p:grpSpPr>
+      <p:cxnSp>
+        <p:nvCxnSpPr>
+          <p:cNvPr id="3" name="Conector recto 2">
+            <a:extLst>
+              <a:ext uri="{FF2B5EF4-FFF2-40B4-BE49-F238E27FC236}">
+                <a16:creationId xmlns:a16="http://schemas.microsoft.com/office/drawing/2014/main" id="{F168ED02-5E52-4848-9981-F05A6FA49FEC}"/>
+              </a:ext>
+            </a:extLst>
+          </p:cNvPr>
+          <p:cNvCxnSpPr>
+            <a:cxnSpLocks/>
+          </p:cNvCxnSpPr>
+          <p:nvPr/>
+        </p:nvCxnSpPr>
+        <p:spPr>
+          <a:xfrm>
+            <a:off x="802333" y="2279905"/>
+            <a:ext cx="1203977" cy="0"/>
+          </a:xfrm>
+          <a:prstGeom prst="line">
+            <a:avLst/>
+          </a:prstGeom>
+          <a:ln w="28575"/>
+        </p:spPr>
+        <p:style>
+          <a:lnRef idx="1">
+            <a:schemeClr val="dk1"/>
+          </a:lnRef>
+          <a:fillRef idx="0">
+            <a:schemeClr val="dk1"/>
+          </a:fillRef>
+          <a:effectRef idx="0">
+            <a:schemeClr val="dk1"/>
+          </a:effectRef>
+          <a:fontRef idx="minor">
+            <a:schemeClr val="tx1"/>
+          </a:fontRef>
+        </p:style>
+      </p:cxnSp>
+      <p:cxnSp>
+        <p:nvCxnSpPr>
+          <p:cNvPr id="5" name="Conector recto 4">
+            <a:extLst>
+              <a:ext uri="{FF2B5EF4-FFF2-40B4-BE49-F238E27FC236}">
+                <a16:creationId xmlns:a16="http://schemas.microsoft.com/office/drawing/2014/main" id="{81C5E110-0A33-DABB-1BD7-913E2A2C448F}"/>
+              </a:ext>
+            </a:extLst>
+          </p:cNvPr>
+          <p:cNvCxnSpPr>
+            <a:cxnSpLocks/>
+          </p:cNvCxnSpPr>
+          <p:nvPr/>
+        </p:nvCxnSpPr>
+        <p:spPr>
+          <a:xfrm>
+            <a:off x="802332" y="2840687"/>
+            <a:ext cx="1203977" cy="0"/>
+          </a:xfrm>
+          <a:prstGeom prst="line">
+            <a:avLst/>
+          </a:prstGeom>
+          <a:ln w="28575"/>
+        </p:spPr>
+        <p:style>
+          <a:lnRef idx="1">
+            <a:schemeClr val="dk1"/>
+          </a:lnRef>
+          <a:fillRef idx="0">
+            <a:schemeClr val="dk1"/>
+          </a:fillRef>
+          <a:effectRef idx="0">
+            <a:schemeClr val="dk1"/>
+          </a:effectRef>
+          <a:fontRef idx="minor">
+            <a:schemeClr val="tx1"/>
+          </a:fontRef>
+        </p:style>
+      </p:cxnSp>
+      <p:cxnSp>
+        <p:nvCxnSpPr>
+          <p:cNvPr id="6" name="Conector recto 5">
+            <a:extLst>
+              <a:ext uri="{FF2B5EF4-FFF2-40B4-BE49-F238E27FC236}">
+                <a16:creationId xmlns:a16="http://schemas.microsoft.com/office/drawing/2014/main" id="{9EE6B3AC-87B2-348F-4DC2-EA0B624367DC}"/>
+              </a:ext>
+            </a:extLst>
+          </p:cNvPr>
+          <p:cNvCxnSpPr>
+            <a:cxnSpLocks/>
+          </p:cNvCxnSpPr>
+          <p:nvPr/>
+        </p:nvCxnSpPr>
+        <p:spPr>
+          <a:xfrm>
+            <a:off x="820245" y="3541761"/>
+            <a:ext cx="1203977" cy="0"/>
+          </a:xfrm>
+          <a:prstGeom prst="line">
+            <a:avLst/>
+          </a:prstGeom>
+          <a:ln w="28575"/>
+        </p:spPr>
+        <p:style>
+          <a:lnRef idx="1">
+            <a:schemeClr val="dk1"/>
+          </a:lnRef>
+          <a:fillRef idx="0">
+            <a:schemeClr val="dk1"/>
+          </a:fillRef>
+          <a:effectRef idx="0">
+            <a:schemeClr val="dk1"/>
+          </a:effectRef>
+          <a:fontRef idx="minor">
+            <a:schemeClr val="tx1"/>
+          </a:fontRef>
+        </p:style>
+      </p:cxnSp>
+      <p:sp>
+        <p:nvSpPr>
+          <p:cNvPr id="7" name="Rectángulo 6">
+            <a:extLst>
+              <a:ext uri="{FF2B5EF4-FFF2-40B4-BE49-F238E27FC236}">
+                <a16:creationId xmlns:a16="http://schemas.microsoft.com/office/drawing/2014/main" id="{CF4AF563-7B2B-00A3-AD66-37EBB1FEB50E}"/>
+              </a:ext>
+            </a:extLst>
+          </p:cNvPr>
+          <p:cNvSpPr/>
+          <p:nvPr/>
+        </p:nvSpPr>
+        <p:spPr>
+          <a:xfrm>
+            <a:off x="2011501" y="1742010"/>
+            <a:ext cx="3197088" cy="2985589"/>
+          </a:xfrm>
+          <a:prstGeom prst="rect">
+            <a:avLst/>
+          </a:prstGeom>
+          <a:noFill/>
+          <a:ln w="28575">
+            <a:solidFill>
+              <a:schemeClr val="tx1"/>
+            </a:solidFill>
+          </a:ln>
+        </p:spPr>
+        <p:style>
+          <a:lnRef idx="2">
+            <a:schemeClr val="accent1">
+              <a:shade val="50000"/>
+            </a:schemeClr>
+          </a:lnRef>
+          <a:fillRef idx="1">
+            <a:schemeClr val="accent1"/>
+          </a:fillRef>
+          <a:effectRef idx="0">
+            <a:schemeClr val="accent1"/>
+          </a:effectRef>
+          <a:fontRef idx="minor">
+            <a:schemeClr val="lt1"/>
+          </a:fontRef>
+        </p:style>
+        <p:txBody>
+          <a:bodyPr rtlCol="0" anchor="ctr"/>
+          <a:lstStyle/>
+          <a:p>
+            <a:pPr algn="ctr"/>
+            <a:endParaRPr lang="es-ES" dirty="0"/>
+          </a:p>
+        </p:txBody>
+      </p:sp>
+      <p:sp>
+        <p:nvSpPr>
+          <p:cNvPr id="8" name="CuadroTexto 7">
+            <a:extLst>
+              <a:ext uri="{FF2B5EF4-FFF2-40B4-BE49-F238E27FC236}">
+                <a16:creationId xmlns:a16="http://schemas.microsoft.com/office/drawing/2014/main" id="{261604E7-FDC0-0510-FDDC-E7721892D43B}"/>
+              </a:ext>
+            </a:extLst>
+          </p:cNvPr>
+          <p:cNvSpPr txBox="1"/>
+          <p:nvPr/>
+        </p:nvSpPr>
+        <p:spPr>
+          <a:xfrm>
+            <a:off x="2331516" y="1222769"/>
+            <a:ext cx="2557057" cy="523220"/>
+          </a:xfrm>
+          <a:prstGeom prst="rect">
+            <a:avLst/>
+          </a:prstGeom>
+          <a:noFill/>
+        </p:spPr>
+        <p:txBody>
+          <a:bodyPr wrap="square" rtlCol="0">
+            <a:spAutoFit/>
+          </a:bodyPr>
+          <a:lstStyle/>
+          <a:p>
+            <a:pPr algn="ctr"/>
+            <a:r>
+              <a:rPr lang="es-ES" sz="2800" dirty="0"/>
+              <a:t>estimador</a:t>
+            </a:r>
+            <a:endParaRPr lang="en-US" dirty="0"/>
+          </a:p>
+        </p:txBody>
+      </p:sp>
+      <p:sp>
+        <p:nvSpPr>
+          <p:cNvPr id="9" name="CuadroTexto 8">
+            <a:extLst>
+              <a:ext uri="{FF2B5EF4-FFF2-40B4-BE49-F238E27FC236}">
+                <a16:creationId xmlns:a16="http://schemas.microsoft.com/office/drawing/2014/main" id="{6F59D3A6-35DE-9C49-915A-7364F095B6CF}"/>
+              </a:ext>
+            </a:extLst>
+          </p:cNvPr>
+          <p:cNvSpPr txBox="1"/>
+          <p:nvPr/>
+        </p:nvSpPr>
+        <p:spPr>
+          <a:xfrm>
+            <a:off x="2006309" y="2095239"/>
+            <a:ext cx="1351470" cy="369332"/>
+          </a:xfrm>
+          <a:prstGeom prst="rect">
+            <a:avLst/>
+          </a:prstGeom>
+          <a:noFill/>
+        </p:spPr>
+        <p:txBody>
+          <a:bodyPr wrap="square" rtlCol="0">
+            <a:spAutoFit/>
+          </a:bodyPr>
+          <a:lstStyle/>
+          <a:p>
+            <a:pPr algn="r"/>
+            <a:r>
+              <a:rPr lang="es-ES" dirty="0"/>
+              <a:t>X_out_bias</a:t>
+            </a:r>
+            <a:endParaRPr lang="en-US" dirty="0"/>
+          </a:p>
+        </p:txBody>
+      </p:sp>
+      <p:sp>
+        <p:nvSpPr>
+          <p:cNvPr id="10" name="CuadroTexto 9">
+            <a:extLst>
+              <a:ext uri="{FF2B5EF4-FFF2-40B4-BE49-F238E27FC236}">
+                <a16:creationId xmlns:a16="http://schemas.microsoft.com/office/drawing/2014/main" id="{CDF08A14-C110-596F-C80A-D37980F9900D}"/>
+              </a:ext>
+            </a:extLst>
+          </p:cNvPr>
+          <p:cNvSpPr txBox="1"/>
+          <p:nvPr/>
+        </p:nvSpPr>
+        <p:spPr>
+          <a:xfrm>
+            <a:off x="1982127" y="2649237"/>
+            <a:ext cx="1351470" cy="369332"/>
+          </a:xfrm>
+          <a:prstGeom prst="rect">
+            <a:avLst/>
+          </a:prstGeom>
+          <a:noFill/>
+        </p:spPr>
+        <p:txBody>
+          <a:bodyPr wrap="square" rtlCol="0">
+            <a:spAutoFit/>
+          </a:bodyPr>
+          <a:lstStyle/>
+          <a:p>
+            <a:pPr algn="r"/>
+            <a:r>
+              <a:rPr lang="es-ES" dirty="0"/>
+              <a:t>Y_out_bias</a:t>
+            </a:r>
+            <a:endParaRPr lang="en-US" dirty="0"/>
+          </a:p>
+        </p:txBody>
+      </p:sp>
+      <p:sp>
+        <p:nvSpPr>
+          <p:cNvPr id="11" name="CuadroTexto 10">
+            <a:extLst>
+              <a:ext uri="{FF2B5EF4-FFF2-40B4-BE49-F238E27FC236}">
+                <a16:creationId xmlns:a16="http://schemas.microsoft.com/office/drawing/2014/main" id="{03CAD417-E763-9AC7-E49A-7411C54EC09C}"/>
+              </a:ext>
+            </a:extLst>
+          </p:cNvPr>
+          <p:cNvSpPr txBox="1"/>
+          <p:nvPr/>
+        </p:nvSpPr>
+        <p:spPr>
+          <a:xfrm>
+            <a:off x="1952615" y="3307946"/>
+            <a:ext cx="1938539" cy="369332"/>
+          </a:xfrm>
+          <a:prstGeom prst="rect">
+            <a:avLst/>
+          </a:prstGeom>
+          <a:noFill/>
+        </p:spPr>
+        <p:txBody>
+          <a:bodyPr wrap="square" rtlCol="0">
+            <a:spAutoFit/>
+          </a:bodyPr>
+          <a:lstStyle/>
+          <a:p>
+            <a:pPr algn="r"/>
+            <a:r>
+              <a:rPr lang="es-ES" dirty="0"/>
+              <a:t>muestra_bias_rdy</a:t>
+            </a:r>
+            <a:endParaRPr lang="en-US" dirty="0"/>
+          </a:p>
+        </p:txBody>
+      </p:sp>
+      <p:cxnSp>
+        <p:nvCxnSpPr>
+          <p:cNvPr id="12" name="Conector recto 11">
+            <a:extLst>
+              <a:ext uri="{FF2B5EF4-FFF2-40B4-BE49-F238E27FC236}">
+                <a16:creationId xmlns:a16="http://schemas.microsoft.com/office/drawing/2014/main" id="{8FCE1354-2EAE-AD6B-E600-F35A25C3EC54}"/>
+              </a:ext>
+            </a:extLst>
+          </p:cNvPr>
+          <p:cNvCxnSpPr>
+            <a:cxnSpLocks/>
+          </p:cNvCxnSpPr>
+          <p:nvPr/>
+        </p:nvCxnSpPr>
+        <p:spPr>
+          <a:xfrm>
+            <a:off x="3274803" y="4764779"/>
+            <a:ext cx="0" cy="438163"/>
+          </a:xfrm>
+          <a:prstGeom prst="line">
+            <a:avLst/>
+          </a:prstGeom>
+          <a:ln w="28575"/>
+        </p:spPr>
+        <p:style>
+          <a:lnRef idx="1">
+            <a:schemeClr val="dk1"/>
+          </a:lnRef>
+          <a:fillRef idx="0">
+            <a:schemeClr val="dk1"/>
+          </a:fillRef>
+          <a:effectRef idx="0">
+            <a:schemeClr val="dk1"/>
+          </a:effectRef>
+          <a:fontRef idx="minor">
+            <a:schemeClr val="tx1"/>
+          </a:fontRef>
+        </p:style>
+      </p:cxnSp>
+      <p:cxnSp>
+        <p:nvCxnSpPr>
+          <p:cNvPr id="13" name="Conector recto 12">
+            <a:extLst>
+              <a:ext uri="{FF2B5EF4-FFF2-40B4-BE49-F238E27FC236}">
+                <a16:creationId xmlns:a16="http://schemas.microsoft.com/office/drawing/2014/main" id="{BD650ABD-C714-030C-6AEC-4FFD3910A523}"/>
+              </a:ext>
+            </a:extLst>
+          </p:cNvPr>
+          <p:cNvCxnSpPr>
+            <a:cxnSpLocks/>
+          </p:cNvCxnSpPr>
+          <p:nvPr/>
+        </p:nvCxnSpPr>
+        <p:spPr>
+          <a:xfrm flipH="1">
+            <a:off x="2839272" y="5188834"/>
+            <a:ext cx="453442" cy="0"/>
+          </a:xfrm>
+          <a:prstGeom prst="line">
+            <a:avLst/>
+          </a:prstGeom>
+          <a:ln w="28575"/>
+        </p:spPr>
+        <p:style>
+          <a:lnRef idx="1">
+            <a:schemeClr val="dk1"/>
+          </a:lnRef>
+          <a:fillRef idx="0">
+            <a:schemeClr val="dk1"/>
+          </a:fillRef>
+          <a:effectRef idx="0">
+            <a:schemeClr val="dk1"/>
+          </a:effectRef>
+          <a:fontRef idx="minor">
+            <a:schemeClr val="tx1"/>
+          </a:fontRef>
+        </p:style>
+      </p:cxnSp>
+      <p:sp>
+        <p:nvSpPr>
+          <p:cNvPr id="14" name="CuadroTexto 13">
+            <a:extLst>
+              <a:ext uri="{FF2B5EF4-FFF2-40B4-BE49-F238E27FC236}">
+                <a16:creationId xmlns:a16="http://schemas.microsoft.com/office/drawing/2014/main" id="{0A81A813-C8A3-C053-EFE1-2D8053C4F628}"/>
+              </a:ext>
+            </a:extLst>
+          </p:cNvPr>
+          <p:cNvSpPr txBox="1"/>
+          <p:nvPr/>
+        </p:nvSpPr>
+        <p:spPr>
+          <a:xfrm>
+            <a:off x="2014184" y="4830712"/>
+            <a:ext cx="1196760" cy="306298"/>
+          </a:xfrm>
+          <a:prstGeom prst="rect">
+            <a:avLst/>
+          </a:prstGeom>
+          <a:noFill/>
+        </p:spPr>
+        <p:txBody>
+          <a:bodyPr wrap="square" rtlCol="0">
+            <a:spAutoFit/>
+          </a:bodyPr>
+          <a:lstStyle/>
+          <a:p>
+            <a:pPr algn="r"/>
+            <a:r>
+              <a:rPr lang="es-ES" dirty="0"/>
+              <a:t>nRst</a:t>
+            </a:r>
+            <a:endParaRPr lang="en-US" dirty="0"/>
+          </a:p>
+        </p:txBody>
+      </p:sp>
+      <p:cxnSp>
+        <p:nvCxnSpPr>
+          <p:cNvPr id="15" name="Conector recto 14">
+            <a:extLst>
+              <a:ext uri="{FF2B5EF4-FFF2-40B4-BE49-F238E27FC236}">
+                <a16:creationId xmlns:a16="http://schemas.microsoft.com/office/drawing/2014/main" id="{D02AF21A-7860-033E-C32C-000D818DF27C}"/>
+              </a:ext>
+            </a:extLst>
+          </p:cNvPr>
+          <p:cNvCxnSpPr>
+            <a:cxnSpLocks/>
+          </p:cNvCxnSpPr>
+          <p:nvPr/>
+        </p:nvCxnSpPr>
+        <p:spPr>
+          <a:xfrm>
+            <a:off x="5208589" y="3732255"/>
+            <a:ext cx="1428665" cy="0"/>
+          </a:xfrm>
+          <a:prstGeom prst="line">
+            <a:avLst/>
+          </a:prstGeom>
+          <a:ln w="28575"/>
+        </p:spPr>
+        <p:style>
+          <a:lnRef idx="1">
+            <a:schemeClr val="dk1"/>
+          </a:lnRef>
+          <a:fillRef idx="0">
+            <a:schemeClr val="dk1"/>
+          </a:fillRef>
+          <a:effectRef idx="0">
+            <a:schemeClr val="dk1"/>
+          </a:effectRef>
+          <a:fontRef idx="minor">
+            <a:schemeClr val="tx1"/>
+          </a:fontRef>
+        </p:style>
+      </p:cxnSp>
+      <p:cxnSp>
+        <p:nvCxnSpPr>
+          <p:cNvPr id="16" name="Conector recto 15">
+            <a:extLst>
+              <a:ext uri="{FF2B5EF4-FFF2-40B4-BE49-F238E27FC236}">
+                <a16:creationId xmlns:a16="http://schemas.microsoft.com/office/drawing/2014/main" id="{42395587-A0DB-F8BB-88D9-7AACA6C0A087}"/>
+              </a:ext>
+            </a:extLst>
+          </p:cNvPr>
+          <p:cNvCxnSpPr>
+            <a:cxnSpLocks/>
+          </p:cNvCxnSpPr>
+          <p:nvPr/>
+        </p:nvCxnSpPr>
+        <p:spPr>
+          <a:xfrm>
+            <a:off x="5208589" y="3034343"/>
+            <a:ext cx="1428665" cy="0"/>
+          </a:xfrm>
+          <a:prstGeom prst="line">
+            <a:avLst/>
+          </a:prstGeom>
+          <a:ln w="28575"/>
+        </p:spPr>
+        <p:style>
+          <a:lnRef idx="1">
+            <a:schemeClr val="dk1"/>
+          </a:lnRef>
+          <a:fillRef idx="0">
+            <a:schemeClr val="dk1"/>
+          </a:fillRef>
+          <a:effectRef idx="0">
+            <a:schemeClr val="dk1"/>
+          </a:effectRef>
+          <a:fontRef idx="minor">
+            <a:schemeClr val="tx1"/>
+          </a:fontRef>
+        </p:style>
+      </p:cxnSp>
+      <p:sp>
+        <p:nvSpPr>
+          <p:cNvPr id="17" name="CuadroTexto 16">
+            <a:extLst>
+              <a:ext uri="{FF2B5EF4-FFF2-40B4-BE49-F238E27FC236}">
+                <a16:creationId xmlns:a16="http://schemas.microsoft.com/office/drawing/2014/main" id="{2C1D7BD7-79A7-ACD8-76FD-52F134AA8B56}"/>
+              </a:ext>
+            </a:extLst>
+          </p:cNvPr>
+          <p:cNvSpPr txBox="1"/>
+          <p:nvPr/>
+        </p:nvSpPr>
+        <p:spPr>
+          <a:xfrm>
+            <a:off x="3758595" y="3362923"/>
+            <a:ext cx="1351470" cy="369332"/>
+          </a:xfrm>
+          <a:prstGeom prst="rect">
+            <a:avLst/>
+          </a:prstGeom>
+          <a:noFill/>
+        </p:spPr>
+        <p:txBody>
+          <a:bodyPr wrap="square" rtlCol="0">
+            <a:spAutoFit/>
+          </a:bodyPr>
+          <a:lstStyle/>
+          <a:p>
+            <a:pPr algn="r"/>
+            <a:r>
+              <a:rPr lang="es-ES" dirty="0"/>
+              <a:t>Y_media</a:t>
+            </a:r>
+          </a:p>
+        </p:txBody>
+      </p:sp>
+      <p:sp>
+        <p:nvSpPr>
+          <p:cNvPr id="18" name="CuadroTexto 17">
+            <a:extLst>
+              <a:ext uri="{FF2B5EF4-FFF2-40B4-BE49-F238E27FC236}">
+                <a16:creationId xmlns:a16="http://schemas.microsoft.com/office/drawing/2014/main" id="{7233FC86-B7E0-78E9-2B5B-2824ACB8B317}"/>
+              </a:ext>
+            </a:extLst>
+          </p:cNvPr>
+          <p:cNvSpPr txBox="1"/>
+          <p:nvPr/>
+        </p:nvSpPr>
+        <p:spPr>
+          <a:xfrm>
+            <a:off x="3770432" y="2798516"/>
+            <a:ext cx="1351470" cy="369332"/>
+          </a:xfrm>
+          <a:prstGeom prst="rect">
+            <a:avLst/>
+          </a:prstGeom>
+          <a:noFill/>
+        </p:spPr>
+        <p:txBody>
+          <a:bodyPr wrap="square" rtlCol="0">
+            <a:spAutoFit/>
+          </a:bodyPr>
+          <a:lstStyle/>
+          <a:p>
+            <a:pPr algn="r"/>
+            <a:r>
+              <a:rPr lang="es-ES" dirty="0"/>
+              <a:t>X_media</a:t>
+            </a:r>
+            <a:endParaRPr lang="en-US" dirty="0"/>
+          </a:p>
+        </p:txBody>
+      </p:sp>
+      <p:sp>
+        <p:nvSpPr>
+          <p:cNvPr id="22" name="Rectángulo 21">
+            <a:extLst>
+              <a:ext uri="{FF2B5EF4-FFF2-40B4-BE49-F238E27FC236}">
+                <a16:creationId xmlns:a16="http://schemas.microsoft.com/office/drawing/2014/main" id="{A0E5B6D9-EB90-FF09-0A6A-887EB136131F}"/>
+              </a:ext>
+            </a:extLst>
+          </p:cNvPr>
+          <p:cNvSpPr/>
+          <p:nvPr/>
+        </p:nvSpPr>
+        <p:spPr>
+          <a:xfrm>
+            <a:off x="6642446" y="1742010"/>
+            <a:ext cx="2638551" cy="2985589"/>
+          </a:xfrm>
+          <a:prstGeom prst="rect">
+            <a:avLst/>
+          </a:prstGeom>
+          <a:noFill/>
+          <a:ln w="28575">
+            <a:solidFill>
+              <a:schemeClr val="tx1"/>
+            </a:solidFill>
+          </a:ln>
+        </p:spPr>
+        <p:style>
+          <a:lnRef idx="2">
+            <a:schemeClr val="accent1">
+              <a:shade val="50000"/>
+            </a:schemeClr>
+          </a:lnRef>
+          <a:fillRef idx="1">
+            <a:schemeClr val="accent1"/>
+          </a:fillRef>
+          <a:effectRef idx="0">
+            <a:schemeClr val="accent1"/>
+          </a:effectRef>
+          <a:fontRef idx="minor">
+            <a:schemeClr val="lt1"/>
+          </a:fontRef>
+        </p:style>
+        <p:txBody>
+          <a:bodyPr rtlCol="0" anchor="ctr"/>
+          <a:lstStyle/>
+          <a:p>
+            <a:pPr algn="ctr"/>
+            <a:endParaRPr lang="es-ES" dirty="0"/>
+          </a:p>
+        </p:txBody>
+      </p:sp>
+      <p:sp>
+        <p:nvSpPr>
+          <p:cNvPr id="23" name="CuadroTexto 22">
+            <a:extLst>
+              <a:ext uri="{FF2B5EF4-FFF2-40B4-BE49-F238E27FC236}">
+                <a16:creationId xmlns:a16="http://schemas.microsoft.com/office/drawing/2014/main" id="{B61B91F7-C6F9-7461-705E-7315EB63FF86}"/>
+              </a:ext>
+            </a:extLst>
+          </p:cNvPr>
+          <p:cNvSpPr txBox="1"/>
+          <p:nvPr/>
+        </p:nvSpPr>
+        <p:spPr>
+          <a:xfrm>
+            <a:off x="6723941" y="1214477"/>
+            <a:ext cx="2557057" cy="523220"/>
+          </a:xfrm>
+          <a:prstGeom prst="rect">
+            <a:avLst/>
+          </a:prstGeom>
+          <a:noFill/>
+        </p:spPr>
+        <p:txBody>
+          <a:bodyPr wrap="square" rtlCol="0">
+            <a:spAutoFit/>
+          </a:bodyPr>
+          <a:lstStyle/>
+          <a:p>
+            <a:pPr algn="ctr"/>
+            <a:r>
+              <a:rPr lang="es-ES" sz="2800" dirty="0"/>
+              <a:t>cuantificador</a:t>
+            </a:r>
+            <a:endParaRPr lang="en-US" dirty="0"/>
+          </a:p>
+        </p:txBody>
+      </p:sp>
+      <p:cxnSp>
+        <p:nvCxnSpPr>
+          <p:cNvPr id="27" name="Conector recto 26">
+            <a:extLst>
+              <a:ext uri="{FF2B5EF4-FFF2-40B4-BE49-F238E27FC236}">
+                <a16:creationId xmlns:a16="http://schemas.microsoft.com/office/drawing/2014/main" id="{7E2BB5F5-DF59-D3E3-102F-BA00D6EF3D53}"/>
+              </a:ext>
+            </a:extLst>
+          </p:cNvPr>
+          <p:cNvCxnSpPr>
+            <a:cxnSpLocks/>
+          </p:cNvCxnSpPr>
+          <p:nvPr/>
+        </p:nvCxnSpPr>
+        <p:spPr>
+          <a:xfrm>
+            <a:off x="7905748" y="4764779"/>
+            <a:ext cx="0" cy="438163"/>
+          </a:xfrm>
+          <a:prstGeom prst="line">
+            <a:avLst/>
+          </a:prstGeom>
+          <a:ln w="28575"/>
+        </p:spPr>
+        <p:style>
+          <a:lnRef idx="1">
+            <a:schemeClr val="dk1"/>
+          </a:lnRef>
+          <a:fillRef idx="0">
+            <a:schemeClr val="dk1"/>
+          </a:fillRef>
+          <a:effectRef idx="0">
+            <a:schemeClr val="dk1"/>
+          </a:effectRef>
+          <a:fontRef idx="minor">
+            <a:schemeClr val="tx1"/>
+          </a:fontRef>
+        </p:style>
+      </p:cxnSp>
+      <p:cxnSp>
+        <p:nvCxnSpPr>
+          <p:cNvPr id="28" name="Conector recto 27">
+            <a:extLst>
+              <a:ext uri="{FF2B5EF4-FFF2-40B4-BE49-F238E27FC236}">
+                <a16:creationId xmlns:a16="http://schemas.microsoft.com/office/drawing/2014/main" id="{3EA683F6-B788-78B6-5848-86554164059C}"/>
+              </a:ext>
+            </a:extLst>
+          </p:cNvPr>
+          <p:cNvCxnSpPr>
+            <a:cxnSpLocks/>
+          </p:cNvCxnSpPr>
+          <p:nvPr/>
+        </p:nvCxnSpPr>
+        <p:spPr>
+          <a:xfrm flipH="1">
+            <a:off x="7470217" y="5188834"/>
+            <a:ext cx="453442" cy="0"/>
+          </a:xfrm>
+          <a:prstGeom prst="line">
+            <a:avLst/>
+          </a:prstGeom>
+          <a:ln w="28575"/>
+        </p:spPr>
+        <p:style>
+          <a:lnRef idx="1">
+            <a:schemeClr val="dk1"/>
+          </a:lnRef>
+          <a:fillRef idx="0">
+            <a:schemeClr val="dk1"/>
+          </a:fillRef>
+          <a:effectRef idx="0">
+            <a:schemeClr val="dk1"/>
+          </a:effectRef>
+          <a:fontRef idx="minor">
+            <a:schemeClr val="tx1"/>
+          </a:fontRef>
+        </p:style>
+      </p:cxnSp>
+      <p:sp>
+        <p:nvSpPr>
+          <p:cNvPr id="29" name="CuadroTexto 28">
+            <a:extLst>
+              <a:ext uri="{FF2B5EF4-FFF2-40B4-BE49-F238E27FC236}">
+                <a16:creationId xmlns:a16="http://schemas.microsoft.com/office/drawing/2014/main" id="{4E49667A-18A2-E6D0-660C-7CAD4311B2D2}"/>
+              </a:ext>
+            </a:extLst>
+          </p:cNvPr>
+          <p:cNvSpPr txBox="1"/>
+          <p:nvPr/>
+        </p:nvSpPr>
+        <p:spPr>
+          <a:xfrm>
+            <a:off x="6645129" y="4830712"/>
+            <a:ext cx="1196760" cy="306298"/>
+          </a:xfrm>
+          <a:prstGeom prst="rect">
+            <a:avLst/>
+          </a:prstGeom>
+          <a:noFill/>
+        </p:spPr>
+        <p:txBody>
+          <a:bodyPr wrap="square" rtlCol="0">
+            <a:spAutoFit/>
+          </a:bodyPr>
+          <a:lstStyle/>
+          <a:p>
+            <a:pPr algn="r"/>
+            <a:r>
+              <a:rPr lang="es-ES" dirty="0"/>
+              <a:t>nRst</a:t>
+            </a:r>
+            <a:endParaRPr lang="en-US" dirty="0"/>
+          </a:p>
+        </p:txBody>
+      </p:sp>
+      <p:sp>
+        <p:nvSpPr>
+          <p:cNvPr id="32" name="CuadroTexto 31">
+            <a:extLst>
+              <a:ext uri="{FF2B5EF4-FFF2-40B4-BE49-F238E27FC236}">
+                <a16:creationId xmlns:a16="http://schemas.microsoft.com/office/drawing/2014/main" id="{D1234360-612D-19A7-EB63-814EF27D06B0}"/>
+              </a:ext>
+            </a:extLst>
+          </p:cNvPr>
+          <p:cNvSpPr txBox="1"/>
+          <p:nvPr/>
+        </p:nvSpPr>
+        <p:spPr>
+          <a:xfrm>
+            <a:off x="6385107" y="3390895"/>
+            <a:ext cx="1351470" cy="369332"/>
+          </a:xfrm>
+          <a:prstGeom prst="rect">
+            <a:avLst/>
+          </a:prstGeom>
+          <a:noFill/>
+        </p:spPr>
+        <p:txBody>
+          <a:bodyPr wrap="square" rtlCol="0">
+            <a:spAutoFit/>
+          </a:bodyPr>
+          <a:lstStyle/>
+          <a:p>
+            <a:pPr algn="r"/>
+            <a:r>
+              <a:rPr lang="es-ES" dirty="0"/>
+              <a:t>Y_media</a:t>
+            </a:r>
+          </a:p>
+        </p:txBody>
+      </p:sp>
+      <p:sp>
+        <p:nvSpPr>
+          <p:cNvPr id="33" name="CuadroTexto 32">
+            <a:extLst>
+              <a:ext uri="{FF2B5EF4-FFF2-40B4-BE49-F238E27FC236}">
+                <a16:creationId xmlns:a16="http://schemas.microsoft.com/office/drawing/2014/main" id="{ED3FC631-C419-1D77-66CF-3FDDDDCBEACB}"/>
+              </a:ext>
+            </a:extLst>
+          </p:cNvPr>
+          <p:cNvSpPr txBox="1"/>
+          <p:nvPr/>
+        </p:nvSpPr>
+        <p:spPr>
+          <a:xfrm>
+            <a:off x="6378008" y="2810985"/>
+            <a:ext cx="1351470" cy="369332"/>
+          </a:xfrm>
+          <a:prstGeom prst="rect">
+            <a:avLst/>
+          </a:prstGeom>
+          <a:noFill/>
+        </p:spPr>
+        <p:txBody>
+          <a:bodyPr wrap="square" rtlCol="0">
+            <a:spAutoFit/>
+          </a:bodyPr>
+          <a:lstStyle/>
+          <a:p>
+            <a:pPr algn="r"/>
+            <a:r>
+              <a:rPr lang="es-ES" dirty="0"/>
+              <a:t>X_media</a:t>
+            </a:r>
+            <a:endParaRPr lang="en-US" dirty="0"/>
+          </a:p>
+        </p:txBody>
+      </p:sp>
+      <p:cxnSp>
+        <p:nvCxnSpPr>
+          <p:cNvPr id="35" name="Conector recto 34">
+            <a:extLst>
+              <a:ext uri="{FF2B5EF4-FFF2-40B4-BE49-F238E27FC236}">
+                <a16:creationId xmlns:a16="http://schemas.microsoft.com/office/drawing/2014/main" id="{72F44A96-278B-2CB2-9988-937567E57694}"/>
+              </a:ext>
+            </a:extLst>
+          </p:cNvPr>
+          <p:cNvCxnSpPr>
+            <a:cxnSpLocks/>
+          </p:cNvCxnSpPr>
+          <p:nvPr/>
+        </p:nvCxnSpPr>
+        <p:spPr>
+          <a:xfrm>
+            <a:off x="9272530" y="2658078"/>
+            <a:ext cx="1695040" cy="0"/>
+          </a:xfrm>
+          <a:prstGeom prst="line">
+            <a:avLst/>
+          </a:prstGeom>
+          <a:ln w="28575"/>
+        </p:spPr>
+        <p:style>
+          <a:lnRef idx="1">
+            <a:schemeClr val="dk1"/>
+          </a:lnRef>
+          <a:fillRef idx="0">
+            <a:schemeClr val="dk1"/>
+          </a:fillRef>
+          <a:effectRef idx="0">
+            <a:schemeClr val="dk1"/>
+          </a:effectRef>
+          <a:fontRef idx="minor">
+            <a:schemeClr val="tx1"/>
+          </a:fontRef>
+        </p:style>
+      </p:cxnSp>
+      <p:cxnSp>
+        <p:nvCxnSpPr>
+          <p:cNvPr id="37" name="Conector recto 36">
+            <a:extLst>
+              <a:ext uri="{FF2B5EF4-FFF2-40B4-BE49-F238E27FC236}">
+                <a16:creationId xmlns:a16="http://schemas.microsoft.com/office/drawing/2014/main" id="{F0E8C429-435B-41C4-121F-3FAD1CCB143A}"/>
+              </a:ext>
+            </a:extLst>
+          </p:cNvPr>
+          <p:cNvCxnSpPr>
+            <a:cxnSpLocks/>
+          </p:cNvCxnSpPr>
+          <p:nvPr/>
+        </p:nvCxnSpPr>
+        <p:spPr>
+          <a:xfrm>
+            <a:off x="9272530" y="3137278"/>
+            <a:ext cx="1695040" cy="0"/>
+          </a:xfrm>
+          <a:prstGeom prst="line">
+            <a:avLst/>
+          </a:prstGeom>
+          <a:ln w="28575"/>
+        </p:spPr>
+        <p:style>
+          <a:lnRef idx="1">
+            <a:schemeClr val="dk1"/>
+          </a:lnRef>
+          <a:fillRef idx="0">
+            <a:schemeClr val="dk1"/>
+          </a:fillRef>
+          <a:effectRef idx="0">
+            <a:schemeClr val="dk1"/>
+          </a:effectRef>
+          <a:fontRef idx="minor">
+            <a:schemeClr val="tx1"/>
+          </a:fontRef>
+        </p:style>
+      </p:cxnSp>
+      <p:cxnSp>
+        <p:nvCxnSpPr>
+          <p:cNvPr id="38" name="Conector recto 37">
+            <a:extLst>
+              <a:ext uri="{FF2B5EF4-FFF2-40B4-BE49-F238E27FC236}">
+                <a16:creationId xmlns:a16="http://schemas.microsoft.com/office/drawing/2014/main" id="{334364D4-1B5F-C8A1-D992-D95F068CA37F}"/>
+              </a:ext>
+            </a:extLst>
+          </p:cNvPr>
+          <p:cNvCxnSpPr>
+            <a:cxnSpLocks/>
+          </p:cNvCxnSpPr>
+          <p:nvPr/>
+        </p:nvCxnSpPr>
+        <p:spPr>
+          <a:xfrm>
+            <a:off x="9262370" y="3616478"/>
+            <a:ext cx="1695040" cy="0"/>
+          </a:xfrm>
+          <a:prstGeom prst="line">
+            <a:avLst/>
+          </a:prstGeom>
+          <a:ln w="28575"/>
+        </p:spPr>
+        <p:style>
+          <a:lnRef idx="1">
+            <a:schemeClr val="dk1"/>
+          </a:lnRef>
+          <a:fillRef idx="0">
+            <a:schemeClr val="dk1"/>
+          </a:fillRef>
+          <a:effectRef idx="0">
+            <a:schemeClr val="dk1"/>
+          </a:effectRef>
+          <a:fontRef idx="minor">
+            <a:schemeClr val="tx1"/>
+          </a:fontRef>
+        </p:style>
+      </p:cxnSp>
+      <p:sp>
+        <p:nvSpPr>
+          <p:cNvPr id="39" name="CuadroTexto 38">
+            <a:extLst>
+              <a:ext uri="{FF2B5EF4-FFF2-40B4-BE49-F238E27FC236}">
+                <a16:creationId xmlns:a16="http://schemas.microsoft.com/office/drawing/2014/main" id="{D9FF437F-BFB2-425E-43B1-102B32540D0F}"/>
+              </a:ext>
+            </a:extLst>
+          </p:cNvPr>
+          <p:cNvSpPr txBox="1"/>
+          <p:nvPr/>
+        </p:nvSpPr>
+        <p:spPr>
+          <a:xfrm>
+            <a:off x="9280997" y="2295679"/>
+            <a:ext cx="1684880" cy="369332"/>
+          </a:xfrm>
+          <a:prstGeom prst="rect">
+            <a:avLst/>
+          </a:prstGeom>
+          <a:noFill/>
+        </p:spPr>
+        <p:txBody>
+          <a:bodyPr wrap="square" rtlCol="0">
+            <a:spAutoFit/>
+          </a:bodyPr>
+          <a:lstStyle/>
+          <a:p>
+            <a:pPr algn="r"/>
+            <a:r>
+              <a:rPr lang="es-ES" dirty="0"/>
+              <a:t>mux_disp</a:t>
+            </a:r>
+            <a:endParaRPr lang="en-US" dirty="0"/>
+          </a:p>
+        </p:txBody>
+      </p:sp>
+      <p:sp>
+        <p:nvSpPr>
+          <p:cNvPr id="40" name="CuadroTexto 39">
+            <a:extLst>
+              <a:ext uri="{FF2B5EF4-FFF2-40B4-BE49-F238E27FC236}">
+                <a16:creationId xmlns:a16="http://schemas.microsoft.com/office/drawing/2014/main" id="{EC8A1B1D-8026-92E1-037E-42CDD06E8EC7}"/>
+              </a:ext>
+            </a:extLst>
+          </p:cNvPr>
+          <p:cNvSpPr txBox="1"/>
+          <p:nvPr/>
+        </p:nvSpPr>
+        <p:spPr>
+          <a:xfrm>
+            <a:off x="9277610" y="2774878"/>
+            <a:ext cx="1684880" cy="369332"/>
+          </a:xfrm>
+          <a:prstGeom prst="rect">
+            <a:avLst/>
+          </a:prstGeom>
+          <a:noFill/>
+        </p:spPr>
+        <p:txBody>
+          <a:bodyPr wrap="square" rtlCol="0">
+            <a:spAutoFit/>
+          </a:bodyPr>
+          <a:lstStyle/>
+          <a:p>
+            <a:pPr algn="r"/>
+            <a:r>
+              <a:rPr lang="es-ES" dirty="0"/>
+              <a:t>disp</a:t>
+            </a:r>
+            <a:endParaRPr lang="en-US" dirty="0"/>
+          </a:p>
+        </p:txBody>
+      </p:sp>
+      <p:sp>
+        <p:nvSpPr>
+          <p:cNvPr id="41" name="CuadroTexto 40">
+            <a:extLst>
+              <a:ext uri="{FF2B5EF4-FFF2-40B4-BE49-F238E27FC236}">
+                <a16:creationId xmlns:a16="http://schemas.microsoft.com/office/drawing/2014/main" id="{92483993-C092-E22A-0C36-71D117DAF4DB}"/>
+              </a:ext>
+            </a:extLst>
+          </p:cNvPr>
+          <p:cNvSpPr txBox="1"/>
+          <p:nvPr/>
+        </p:nvSpPr>
+        <p:spPr>
+          <a:xfrm>
+            <a:off x="9280997" y="3240214"/>
+            <a:ext cx="1684880" cy="369332"/>
+          </a:xfrm>
+          <a:prstGeom prst="rect">
+            <a:avLst/>
+          </a:prstGeom>
+          <a:noFill/>
+        </p:spPr>
+        <p:txBody>
+          <a:bodyPr wrap="square" rtlCol="0">
+            <a:spAutoFit/>
+          </a:bodyPr>
+          <a:lstStyle/>
+          <a:p>
+            <a:pPr algn="r"/>
+            <a:r>
+              <a:rPr lang="es-ES" dirty="0"/>
+              <a:t>leds</a:t>
+            </a:r>
+            <a:endParaRPr lang="en-US" dirty="0"/>
+          </a:p>
+        </p:txBody>
+      </p:sp>
+      <p:sp>
+        <p:nvSpPr>
+          <p:cNvPr id="42" name="CuadroTexto 41">
+            <a:extLst>
+              <a:ext uri="{FF2B5EF4-FFF2-40B4-BE49-F238E27FC236}">
+                <a16:creationId xmlns:a16="http://schemas.microsoft.com/office/drawing/2014/main" id="{4637FB3F-DF7D-853A-D1BF-F92443505483}"/>
+              </a:ext>
+            </a:extLst>
+          </p:cNvPr>
+          <p:cNvSpPr txBox="1"/>
+          <p:nvPr/>
+        </p:nvSpPr>
+        <p:spPr>
+          <a:xfrm>
+            <a:off x="7572941" y="2480345"/>
+            <a:ext cx="1684880" cy="369332"/>
+          </a:xfrm>
+          <a:prstGeom prst="rect">
+            <a:avLst/>
+          </a:prstGeom>
+          <a:noFill/>
+        </p:spPr>
+        <p:txBody>
+          <a:bodyPr wrap="square" rtlCol="0">
+            <a:spAutoFit/>
+          </a:bodyPr>
+          <a:lstStyle/>
+          <a:p>
+            <a:pPr algn="r"/>
+            <a:r>
+              <a:rPr lang="es-ES" dirty="0"/>
+              <a:t>mux_disp</a:t>
+            </a:r>
+            <a:endParaRPr lang="en-US" dirty="0"/>
+          </a:p>
+        </p:txBody>
+      </p:sp>
+      <p:sp>
+        <p:nvSpPr>
+          <p:cNvPr id="43" name="CuadroTexto 42">
+            <a:extLst>
+              <a:ext uri="{FF2B5EF4-FFF2-40B4-BE49-F238E27FC236}">
+                <a16:creationId xmlns:a16="http://schemas.microsoft.com/office/drawing/2014/main" id="{88FD2756-F9A0-BE36-3384-888B4D7EE89F}"/>
+              </a:ext>
+            </a:extLst>
+          </p:cNvPr>
+          <p:cNvSpPr txBox="1"/>
+          <p:nvPr/>
+        </p:nvSpPr>
+        <p:spPr>
+          <a:xfrm>
+            <a:off x="7569554" y="2959544"/>
+            <a:ext cx="1684880" cy="369332"/>
+          </a:xfrm>
+          <a:prstGeom prst="rect">
+            <a:avLst/>
+          </a:prstGeom>
+          <a:noFill/>
+        </p:spPr>
+        <p:txBody>
+          <a:bodyPr wrap="square" rtlCol="0">
+            <a:spAutoFit/>
+          </a:bodyPr>
+          <a:lstStyle/>
+          <a:p>
+            <a:pPr algn="r"/>
+            <a:r>
+              <a:rPr lang="es-ES" dirty="0"/>
+              <a:t>disp</a:t>
+            </a:r>
+            <a:endParaRPr lang="en-US" dirty="0"/>
+          </a:p>
+        </p:txBody>
+      </p:sp>
+      <p:sp>
+        <p:nvSpPr>
+          <p:cNvPr id="44" name="CuadroTexto 43">
+            <a:extLst>
+              <a:ext uri="{FF2B5EF4-FFF2-40B4-BE49-F238E27FC236}">
+                <a16:creationId xmlns:a16="http://schemas.microsoft.com/office/drawing/2014/main" id="{35D07CDE-E8F1-3464-AE3B-F13982813190}"/>
+              </a:ext>
+            </a:extLst>
+          </p:cNvPr>
+          <p:cNvSpPr txBox="1"/>
+          <p:nvPr/>
+        </p:nvSpPr>
+        <p:spPr>
+          <a:xfrm>
+            <a:off x="7544950" y="3424880"/>
+            <a:ext cx="1684880" cy="369332"/>
+          </a:xfrm>
+          <a:prstGeom prst="rect">
+            <a:avLst/>
+          </a:prstGeom>
+          <a:noFill/>
+        </p:spPr>
+        <p:txBody>
+          <a:bodyPr wrap="square" rtlCol="0">
+            <a:spAutoFit/>
+          </a:bodyPr>
+          <a:lstStyle/>
+          <a:p>
+            <a:pPr algn="r"/>
+            <a:r>
+              <a:rPr lang="es-ES" dirty="0"/>
+              <a:t>leds</a:t>
+            </a:r>
+            <a:endParaRPr lang="en-US" dirty="0"/>
+          </a:p>
+        </p:txBody>
+      </p:sp>
+      <p:sp>
+        <p:nvSpPr>
+          <p:cNvPr id="45" name="CuadroTexto 44">
+            <a:extLst>
+              <a:ext uri="{FF2B5EF4-FFF2-40B4-BE49-F238E27FC236}">
+                <a16:creationId xmlns:a16="http://schemas.microsoft.com/office/drawing/2014/main" id="{D5D1F7DA-3B5B-BA91-1022-790314FBA560}"/>
+              </a:ext>
+            </a:extLst>
+          </p:cNvPr>
+          <p:cNvSpPr txBox="1"/>
+          <p:nvPr/>
+        </p:nvSpPr>
+        <p:spPr>
+          <a:xfrm>
+            <a:off x="6031849" y="2281572"/>
+            <a:ext cx="1684880" cy="369332"/>
+          </a:xfrm>
+          <a:prstGeom prst="rect">
+            <a:avLst/>
+          </a:prstGeom>
+          <a:noFill/>
+        </p:spPr>
+        <p:txBody>
+          <a:bodyPr wrap="square" rtlCol="0">
+            <a:spAutoFit/>
+          </a:bodyPr>
+          <a:lstStyle/>
+          <a:p>
+            <a:pPr algn="r"/>
+            <a:r>
+              <a:rPr lang="es-ES" dirty="0"/>
+              <a:t>ena_1ms</a:t>
+            </a:r>
+            <a:endParaRPr lang="en-US" dirty="0"/>
+          </a:p>
+        </p:txBody>
+      </p:sp>
+      <p:cxnSp>
+        <p:nvCxnSpPr>
+          <p:cNvPr id="46" name="Conector recto 45">
+            <a:extLst>
+              <a:ext uri="{FF2B5EF4-FFF2-40B4-BE49-F238E27FC236}">
+                <a16:creationId xmlns:a16="http://schemas.microsoft.com/office/drawing/2014/main" id="{66149E05-4E66-296E-8632-7D2A7BFA4136}"/>
+              </a:ext>
+            </a:extLst>
+          </p:cNvPr>
+          <p:cNvCxnSpPr>
+            <a:cxnSpLocks/>
+          </p:cNvCxnSpPr>
+          <p:nvPr/>
+        </p:nvCxnSpPr>
+        <p:spPr>
+          <a:xfrm>
+            <a:off x="6031849" y="2480345"/>
+            <a:ext cx="610597" cy="0"/>
+          </a:xfrm>
+          <a:prstGeom prst="line">
+            <a:avLst/>
+          </a:prstGeom>
+          <a:ln w="28575"/>
+        </p:spPr>
+        <p:style>
+          <a:lnRef idx="1">
+            <a:schemeClr val="dk1"/>
+          </a:lnRef>
+          <a:fillRef idx="0">
+            <a:schemeClr val="dk1"/>
+          </a:fillRef>
+          <a:effectRef idx="0">
+            <a:schemeClr val="dk1"/>
+          </a:effectRef>
+          <a:fontRef idx="minor">
+            <a:schemeClr val="tx1"/>
+          </a:fontRef>
+        </p:style>
+      </p:cxnSp>
+      <p:sp>
+        <p:nvSpPr>
+          <p:cNvPr id="47" name="Triángulo isósceles 46">
+            <a:extLst>
+              <a:ext uri="{FF2B5EF4-FFF2-40B4-BE49-F238E27FC236}">
+                <a16:creationId xmlns:a16="http://schemas.microsoft.com/office/drawing/2014/main" id="{8AC43C3D-AA7E-63D1-71F6-A90A8841592D}"/>
+              </a:ext>
+            </a:extLst>
+          </p:cNvPr>
+          <p:cNvSpPr/>
+          <p:nvPr/>
+        </p:nvSpPr>
+        <p:spPr>
+          <a:xfrm rot="5400000">
+            <a:off x="1993724" y="4135462"/>
+            <a:ext cx="279400" cy="237066"/>
+          </a:xfrm>
+          <a:prstGeom prst="triangle">
+            <a:avLst/>
+          </a:prstGeom>
+          <a:ln w="28575"/>
+        </p:spPr>
+        <p:style>
+          <a:lnRef idx="2">
+            <a:schemeClr val="dk1"/>
+          </a:lnRef>
+          <a:fillRef idx="1">
+            <a:schemeClr val="lt1"/>
+          </a:fillRef>
+          <a:effectRef idx="0">
+            <a:schemeClr val="dk1"/>
+          </a:effectRef>
+          <a:fontRef idx="minor">
+            <a:schemeClr val="dk1"/>
+          </a:fontRef>
+        </p:style>
+        <p:txBody>
+          <a:bodyPr rtlCol="0" anchor="ctr"/>
+          <a:lstStyle/>
+          <a:p>
+            <a:pPr algn="ctr"/>
+            <a:endParaRPr lang="en-US" dirty="0"/>
+          </a:p>
+        </p:txBody>
+      </p:sp>
+      <p:sp>
+        <p:nvSpPr>
+          <p:cNvPr id="48" name="Triángulo isósceles 47">
+            <a:extLst>
+              <a:ext uri="{FF2B5EF4-FFF2-40B4-BE49-F238E27FC236}">
+                <a16:creationId xmlns:a16="http://schemas.microsoft.com/office/drawing/2014/main" id="{3569DAEE-5670-B4F7-5CDC-1AE756B5DE96}"/>
+              </a:ext>
+            </a:extLst>
+          </p:cNvPr>
+          <p:cNvSpPr/>
+          <p:nvPr/>
+        </p:nvSpPr>
+        <p:spPr>
+          <a:xfrm rot="5400000">
+            <a:off x="6620813" y="4125380"/>
+            <a:ext cx="279400" cy="237066"/>
+          </a:xfrm>
+          <a:prstGeom prst="triangle">
+            <a:avLst/>
+          </a:prstGeom>
+          <a:ln w="28575"/>
+        </p:spPr>
+        <p:style>
+          <a:lnRef idx="2">
+            <a:schemeClr val="dk1"/>
+          </a:lnRef>
+          <a:fillRef idx="1">
+            <a:schemeClr val="lt1"/>
+          </a:fillRef>
+          <a:effectRef idx="0">
+            <a:schemeClr val="dk1"/>
+          </a:effectRef>
+          <a:fontRef idx="minor">
+            <a:schemeClr val="dk1"/>
+          </a:fontRef>
+        </p:style>
+        <p:txBody>
+          <a:bodyPr rtlCol="0" anchor="ctr"/>
+          <a:lstStyle/>
+          <a:p>
+            <a:pPr algn="ctr"/>
+            <a:endParaRPr lang="en-US" dirty="0"/>
+          </a:p>
+        </p:txBody>
+      </p:sp>
+    </p:spTree>
+    <p:extLst>
+      <p:ext uri="{BB962C8B-B14F-4D97-AF65-F5344CB8AC3E}">
+        <p14:creationId xmlns:p14="http://schemas.microsoft.com/office/powerpoint/2010/main" val="906751862"/>
       </p:ext>
     </p:extLst>
   </p:cSld>
@@ -7043,8 +7526,8 @@
         </p:nvSpPr>
         <p:spPr>
           <a:xfrm>
-            <a:off x="4296000" y="1629000"/>
-            <a:ext cx="3600000" cy="3600000"/>
+            <a:off x="4899394" y="2235489"/>
+            <a:ext cx="2245175" cy="1823324"/>
           </a:xfrm>
           <a:prstGeom prst="rect">
             <a:avLst/>
@@ -7077,14 +7560,437 @@
           <a:lstStyle/>
           <a:p>
             <a:pPr algn="ctr"/>
-            <a:endParaRPr lang="es-ES"/>
+            <a:endParaRPr lang="es-ES" dirty="0"/>
+          </a:p>
+        </p:txBody>
+      </p:sp>
+      <p:sp>
+        <p:nvSpPr>
+          <p:cNvPr id="2" name="CuadroTexto 1">
+            <a:extLst>
+              <a:ext uri="{FF2B5EF4-FFF2-40B4-BE49-F238E27FC236}">
+                <a16:creationId xmlns:a16="http://schemas.microsoft.com/office/drawing/2014/main" id="{7DA29224-C8AA-DDBF-9424-6F6E725BD532}"/>
+              </a:ext>
+            </a:extLst>
+          </p:cNvPr>
+          <p:cNvSpPr txBox="1"/>
+          <p:nvPr/>
+        </p:nvSpPr>
+        <p:spPr>
+          <a:xfrm>
+            <a:off x="5607725" y="1712268"/>
+            <a:ext cx="976549" cy="523220"/>
+          </a:xfrm>
+          <a:prstGeom prst="rect">
+            <a:avLst/>
+          </a:prstGeom>
+          <a:noFill/>
+        </p:spPr>
+        <p:txBody>
+          <a:bodyPr wrap="none" rtlCol="0">
+            <a:spAutoFit/>
+          </a:bodyPr>
+          <a:lstStyle/>
+          <a:p>
+            <a:r>
+              <a:rPr lang="es-ES" sz="2800" dirty="0"/>
+              <a:t>timer</a:t>
+            </a:r>
+            <a:endParaRPr lang="en-US" dirty="0"/>
+          </a:p>
+        </p:txBody>
+      </p:sp>
+      <p:cxnSp>
+        <p:nvCxnSpPr>
+          <p:cNvPr id="16" name="Conector recto 15">
+            <a:extLst>
+              <a:ext uri="{FF2B5EF4-FFF2-40B4-BE49-F238E27FC236}">
+                <a16:creationId xmlns:a16="http://schemas.microsoft.com/office/drawing/2014/main" id="{9A5F0A0D-4624-72FB-ED66-17D36BB0586C}"/>
+              </a:ext>
+            </a:extLst>
+          </p:cNvPr>
+          <p:cNvCxnSpPr>
+            <a:cxnSpLocks/>
+          </p:cNvCxnSpPr>
+          <p:nvPr/>
+        </p:nvCxnSpPr>
+        <p:spPr>
+          <a:xfrm>
+            <a:off x="7152685" y="2708585"/>
+            <a:ext cx="1695040" cy="0"/>
+          </a:xfrm>
+          <a:prstGeom prst="line">
+            <a:avLst/>
+          </a:prstGeom>
+          <a:ln w="28575"/>
+        </p:spPr>
+        <p:style>
+          <a:lnRef idx="1">
+            <a:schemeClr val="dk1"/>
+          </a:lnRef>
+          <a:fillRef idx="0">
+            <a:schemeClr val="dk1"/>
+          </a:fillRef>
+          <a:effectRef idx="0">
+            <a:schemeClr val="dk1"/>
+          </a:effectRef>
+          <a:fontRef idx="minor">
+            <a:schemeClr val="tx1"/>
+          </a:fontRef>
+        </p:style>
+      </p:cxnSp>
+      <p:cxnSp>
+        <p:nvCxnSpPr>
+          <p:cNvPr id="18" name="Conector recto 17">
+            <a:extLst>
+              <a:ext uri="{FF2B5EF4-FFF2-40B4-BE49-F238E27FC236}">
+                <a16:creationId xmlns:a16="http://schemas.microsoft.com/office/drawing/2014/main" id="{3654967B-F8A6-5FA9-5E4C-36B97701E122}"/>
+              </a:ext>
+            </a:extLst>
+          </p:cNvPr>
+          <p:cNvCxnSpPr>
+            <a:cxnSpLocks/>
+          </p:cNvCxnSpPr>
+          <p:nvPr/>
+        </p:nvCxnSpPr>
+        <p:spPr>
+          <a:xfrm>
+            <a:off x="7152685" y="3368542"/>
+            <a:ext cx="1695040" cy="0"/>
+          </a:xfrm>
+          <a:prstGeom prst="line">
+            <a:avLst/>
+          </a:prstGeom>
+          <a:ln w="28575"/>
+        </p:spPr>
+        <p:style>
+          <a:lnRef idx="1">
+            <a:schemeClr val="dk1"/>
+          </a:lnRef>
+          <a:fillRef idx="0">
+            <a:schemeClr val="dk1"/>
+          </a:fillRef>
+          <a:effectRef idx="0">
+            <a:schemeClr val="dk1"/>
+          </a:effectRef>
+          <a:fontRef idx="minor">
+            <a:schemeClr val="tx1"/>
+          </a:fontRef>
+        </p:style>
+      </p:cxnSp>
+      <p:sp>
+        <p:nvSpPr>
+          <p:cNvPr id="31" name="CuadroTexto 30">
+            <a:extLst>
+              <a:ext uri="{FF2B5EF4-FFF2-40B4-BE49-F238E27FC236}">
+                <a16:creationId xmlns:a16="http://schemas.microsoft.com/office/drawing/2014/main" id="{7AF41ACE-A037-B4EB-C9AC-37D688FA12FF}"/>
+              </a:ext>
+            </a:extLst>
+          </p:cNvPr>
+          <p:cNvSpPr txBox="1"/>
+          <p:nvPr/>
+        </p:nvSpPr>
+        <p:spPr>
+          <a:xfrm>
+            <a:off x="5365117" y="2541787"/>
+            <a:ext cx="1684880" cy="369332"/>
+          </a:xfrm>
+          <a:prstGeom prst="rect">
+            <a:avLst/>
+          </a:prstGeom>
+          <a:noFill/>
+        </p:spPr>
+        <p:txBody>
+          <a:bodyPr wrap="square" rtlCol="0">
+            <a:spAutoFit/>
+          </a:bodyPr>
+          <a:lstStyle/>
+          <a:p>
+            <a:pPr algn="r"/>
+            <a:r>
+              <a:rPr lang="es-ES" dirty="0"/>
+              <a:t>ena_1ms</a:t>
+            </a:r>
+            <a:endParaRPr lang="en-US" dirty="0"/>
+          </a:p>
+        </p:txBody>
+      </p:sp>
+      <p:sp>
+        <p:nvSpPr>
+          <p:cNvPr id="32" name="CuadroTexto 31">
+            <a:extLst>
+              <a:ext uri="{FF2B5EF4-FFF2-40B4-BE49-F238E27FC236}">
+                <a16:creationId xmlns:a16="http://schemas.microsoft.com/office/drawing/2014/main" id="{24691759-B757-DB12-823C-1C4BB33B3CDC}"/>
+              </a:ext>
+            </a:extLst>
+          </p:cNvPr>
+          <p:cNvSpPr txBox="1"/>
+          <p:nvPr/>
+        </p:nvSpPr>
+        <p:spPr>
+          <a:xfrm>
+            <a:off x="5393298" y="3176944"/>
+            <a:ext cx="1684880" cy="369332"/>
+          </a:xfrm>
+          <a:prstGeom prst="rect">
+            <a:avLst/>
+          </a:prstGeom>
+          <a:noFill/>
+        </p:spPr>
+        <p:txBody>
+          <a:bodyPr wrap="square" rtlCol="0">
+            <a:spAutoFit/>
+          </a:bodyPr>
+          <a:lstStyle/>
+          <a:p>
+            <a:pPr algn="r"/>
+            <a:r>
+              <a:rPr lang="es-ES" dirty="0"/>
+              <a:t>ena_5ms</a:t>
+            </a:r>
+            <a:endParaRPr lang="en-US" dirty="0"/>
+          </a:p>
+        </p:txBody>
+      </p:sp>
+      <p:sp>
+        <p:nvSpPr>
+          <p:cNvPr id="33" name="Triángulo isósceles 32">
+            <a:extLst>
+              <a:ext uri="{FF2B5EF4-FFF2-40B4-BE49-F238E27FC236}">
+                <a16:creationId xmlns:a16="http://schemas.microsoft.com/office/drawing/2014/main" id="{A7A9BF8B-BD61-640A-E56D-1D2F08DC2860}"/>
+              </a:ext>
+            </a:extLst>
+          </p:cNvPr>
+          <p:cNvSpPr/>
+          <p:nvPr/>
+        </p:nvSpPr>
+        <p:spPr>
+          <a:xfrm rot="5400000">
+            <a:off x="4873887" y="3512292"/>
+            <a:ext cx="279400" cy="237066"/>
+          </a:xfrm>
+          <a:prstGeom prst="triangle">
+            <a:avLst/>
+          </a:prstGeom>
+          <a:ln w="28575"/>
+        </p:spPr>
+        <p:style>
+          <a:lnRef idx="2">
+            <a:schemeClr val="dk1"/>
+          </a:lnRef>
+          <a:fillRef idx="1">
+            <a:schemeClr val="lt1"/>
+          </a:fillRef>
+          <a:effectRef idx="0">
+            <a:schemeClr val="dk1"/>
+          </a:effectRef>
+          <a:fontRef idx="minor">
+            <a:schemeClr val="dk1"/>
+          </a:fontRef>
+        </p:style>
+        <p:txBody>
+          <a:bodyPr rtlCol="0" anchor="ctr"/>
+          <a:lstStyle/>
+          <a:p>
+            <a:pPr algn="ctr"/>
+            <a:endParaRPr lang="en-US" dirty="0"/>
+          </a:p>
+        </p:txBody>
+      </p:sp>
+      <p:cxnSp>
+        <p:nvCxnSpPr>
+          <p:cNvPr id="35" name="Conector recto 34">
+            <a:extLst>
+              <a:ext uri="{FF2B5EF4-FFF2-40B4-BE49-F238E27FC236}">
+                <a16:creationId xmlns:a16="http://schemas.microsoft.com/office/drawing/2014/main" id="{721638C2-EAD3-5A9B-F967-A1B25523B376}"/>
+              </a:ext>
+            </a:extLst>
+          </p:cNvPr>
+          <p:cNvCxnSpPr>
+            <a:cxnSpLocks/>
+            <a:stCxn id="4" idx="2"/>
+          </p:cNvCxnSpPr>
+          <p:nvPr/>
+        </p:nvCxnSpPr>
+        <p:spPr>
+          <a:xfrm>
+            <a:off x="6021982" y="4058813"/>
+            <a:ext cx="0" cy="469578"/>
+          </a:xfrm>
+          <a:prstGeom prst="line">
+            <a:avLst/>
+          </a:prstGeom>
+          <a:ln w="28575"/>
+        </p:spPr>
+        <p:style>
+          <a:lnRef idx="1">
+            <a:schemeClr val="dk1"/>
+          </a:lnRef>
+          <a:fillRef idx="0">
+            <a:schemeClr val="dk1"/>
+          </a:fillRef>
+          <a:effectRef idx="0">
+            <a:schemeClr val="dk1"/>
+          </a:effectRef>
+          <a:fontRef idx="minor">
+            <a:schemeClr val="tx1"/>
+          </a:fontRef>
+        </p:style>
+      </p:cxnSp>
+      <p:cxnSp>
+        <p:nvCxnSpPr>
+          <p:cNvPr id="36" name="Conector recto 35">
+            <a:extLst>
+              <a:ext uri="{FF2B5EF4-FFF2-40B4-BE49-F238E27FC236}">
+                <a16:creationId xmlns:a16="http://schemas.microsoft.com/office/drawing/2014/main" id="{4C559E6F-AA47-6331-2E92-D6BFE97C3FE5}"/>
+              </a:ext>
+            </a:extLst>
+          </p:cNvPr>
+          <p:cNvCxnSpPr>
+            <a:cxnSpLocks/>
+          </p:cNvCxnSpPr>
+          <p:nvPr/>
+        </p:nvCxnSpPr>
+        <p:spPr>
+          <a:xfrm flipH="1">
+            <a:off x="5382178" y="4528391"/>
+            <a:ext cx="638387" cy="0"/>
+          </a:xfrm>
+          <a:prstGeom prst="line">
+            <a:avLst/>
+          </a:prstGeom>
+          <a:ln w="28575"/>
+        </p:spPr>
+        <p:style>
+          <a:lnRef idx="1">
+            <a:schemeClr val="dk1"/>
+          </a:lnRef>
+          <a:fillRef idx="0">
+            <a:schemeClr val="dk1"/>
+          </a:fillRef>
+          <a:effectRef idx="0">
+            <a:schemeClr val="dk1"/>
+          </a:effectRef>
+          <a:fontRef idx="minor">
+            <a:schemeClr val="tx1"/>
+          </a:fontRef>
+        </p:style>
+      </p:cxnSp>
+      <p:sp>
+        <p:nvSpPr>
+          <p:cNvPr id="39" name="CuadroTexto 38">
+            <a:extLst>
+              <a:ext uri="{FF2B5EF4-FFF2-40B4-BE49-F238E27FC236}">
+                <a16:creationId xmlns:a16="http://schemas.microsoft.com/office/drawing/2014/main" id="{1E7D3BBA-1A58-80E3-350A-D4848D863D38}"/>
+              </a:ext>
+            </a:extLst>
+          </p:cNvPr>
+          <p:cNvSpPr txBox="1"/>
+          <p:nvPr/>
+        </p:nvSpPr>
+        <p:spPr>
+          <a:xfrm>
+            <a:off x="4220565" y="4239960"/>
+            <a:ext cx="1684880" cy="369332"/>
+          </a:xfrm>
+          <a:prstGeom prst="rect">
+            <a:avLst/>
+          </a:prstGeom>
+          <a:noFill/>
+        </p:spPr>
+        <p:txBody>
+          <a:bodyPr wrap="square" rtlCol="0">
+            <a:spAutoFit/>
+          </a:bodyPr>
+          <a:lstStyle/>
+          <a:p>
+            <a:pPr algn="r"/>
+            <a:r>
+              <a:rPr lang="es-ES" dirty="0"/>
+              <a:t>nRst</a:t>
+            </a:r>
+            <a:endParaRPr lang="en-US" dirty="0"/>
+          </a:p>
+        </p:txBody>
+      </p:sp>
+      <p:sp>
+        <p:nvSpPr>
+          <p:cNvPr id="38" name="CuadroTexto 37">
+            <a:extLst>
+              <a:ext uri="{FF2B5EF4-FFF2-40B4-BE49-F238E27FC236}">
+                <a16:creationId xmlns:a16="http://schemas.microsoft.com/office/drawing/2014/main" id="{81ABA80E-5E9E-C031-1997-1E53D61C8EBE}"/>
+              </a:ext>
+            </a:extLst>
+          </p:cNvPr>
+          <p:cNvSpPr txBox="1"/>
+          <p:nvPr/>
+        </p:nvSpPr>
+        <p:spPr>
+          <a:xfrm>
+            <a:off x="7236265" y="2339253"/>
+            <a:ext cx="1684880" cy="369332"/>
+          </a:xfrm>
+          <a:prstGeom prst="rect">
+            <a:avLst/>
+          </a:prstGeom>
+          <a:noFill/>
+        </p:spPr>
+        <p:txBody>
+          <a:bodyPr wrap="square" rtlCol="0">
+            <a:spAutoFit/>
+          </a:bodyPr>
+          <a:lstStyle/>
+          <a:p>
+            <a:pPr algn="r"/>
+            <a:r>
+              <a:rPr lang="es-ES" dirty="0"/>
+              <a:t>ena_1ms</a:t>
+            </a:r>
+            <a:endParaRPr lang="en-US" dirty="0"/>
+          </a:p>
+        </p:txBody>
+      </p:sp>
+      <p:sp>
+        <p:nvSpPr>
+          <p:cNvPr id="41" name="CuadroTexto 40">
+            <a:extLst>
+              <a:ext uri="{FF2B5EF4-FFF2-40B4-BE49-F238E27FC236}">
+                <a16:creationId xmlns:a16="http://schemas.microsoft.com/office/drawing/2014/main" id="{DF55CE94-CE2E-9FB0-6135-1185C206364B}"/>
+              </a:ext>
+            </a:extLst>
+          </p:cNvPr>
+          <p:cNvSpPr txBox="1"/>
+          <p:nvPr/>
+        </p:nvSpPr>
+        <p:spPr>
+          <a:xfrm>
+            <a:off x="7264418" y="3003705"/>
+            <a:ext cx="1684880" cy="369332"/>
+          </a:xfrm>
+          <a:prstGeom prst="rect">
+            <a:avLst/>
+          </a:prstGeom>
+          <a:noFill/>
+        </p:spPr>
+        <p:txBody>
+          <a:bodyPr wrap="square" rtlCol="0">
+            <a:spAutoFit/>
+          </a:bodyPr>
+          <a:lstStyle/>
+          <a:p>
+            <a:pPr algn="r"/>
+            <a:r>
+              <a:rPr lang="es-ES" dirty="0"/>
+              <a:t>ena_5ms</a:t>
+            </a:r>
+            <a:endParaRPr lang="en-US" dirty="0"/>
           </a:p>
         </p:txBody>
       </p:sp>
     </p:spTree>
     <p:extLst>
       <p:ext uri="{BB962C8B-B14F-4D97-AF65-F5344CB8AC3E}">
-        <p14:creationId xmlns:p14="http://schemas.microsoft.com/office/powerpoint/2010/main" val="1945450998"/>
+        <p14:creationId xmlns:p14="http://schemas.microsoft.com/office/powerpoint/2010/main" val="726956861"/>
       </p:ext>
     </p:extLst>
   </p:cSld>
@@ -7125,7 +8031,7 @@
         </p:nvSpPr>
         <p:spPr>
           <a:xfrm>
-            <a:off x="4296000" y="1629000"/>
+            <a:off x="4090311" y="1517032"/>
             <a:ext cx="3600000" cy="3600000"/>
           </a:xfrm>
           <a:prstGeom prst="rect">
@@ -7159,260 +8065,1000 @@
           <a:lstStyle/>
           <a:p>
             <a:pPr algn="ctr"/>
-            <a:endParaRPr lang="es-ES"/>
+            <a:endParaRPr lang="es-ES" dirty="0"/>
+          </a:p>
+        </p:txBody>
+      </p:sp>
+      <p:sp>
+        <p:nvSpPr>
+          <p:cNvPr id="2" name="CuadroTexto 1">
+            <a:extLst>
+              <a:ext uri="{FF2B5EF4-FFF2-40B4-BE49-F238E27FC236}">
+                <a16:creationId xmlns:a16="http://schemas.microsoft.com/office/drawing/2014/main" id="{7DA29224-C8AA-DDBF-9424-6F6E725BD532}"/>
+              </a:ext>
+            </a:extLst>
+          </p:cNvPr>
+          <p:cNvSpPr txBox="1"/>
+          <p:nvPr/>
+        </p:nvSpPr>
+        <p:spPr>
+          <a:xfrm>
+            <a:off x="5431852" y="993812"/>
+            <a:ext cx="916918" cy="523220"/>
+          </a:xfrm>
+          <a:prstGeom prst="rect">
+            <a:avLst/>
+          </a:prstGeom>
+          <a:noFill/>
+        </p:spPr>
+        <p:txBody>
+          <a:bodyPr wrap="none" rtlCol="0">
+            <a:spAutoFit/>
+          </a:bodyPr>
+          <a:lstStyle/>
+          <a:p>
+            <a:r>
+              <a:rPr lang="es-ES" sz="2800" dirty="0"/>
+              <a:t>Nivel</a:t>
+            </a:r>
+            <a:endParaRPr lang="en-US" dirty="0"/>
+          </a:p>
+        </p:txBody>
+      </p:sp>
+      <p:cxnSp>
+        <p:nvCxnSpPr>
+          <p:cNvPr id="5" name="Conector recto 4">
+            <a:extLst>
+              <a:ext uri="{FF2B5EF4-FFF2-40B4-BE49-F238E27FC236}">
+                <a16:creationId xmlns:a16="http://schemas.microsoft.com/office/drawing/2014/main" id="{EA4CEEFB-1AD0-1055-8311-7A10E513B0CF}"/>
+              </a:ext>
+            </a:extLst>
+          </p:cNvPr>
+          <p:cNvCxnSpPr>
+            <a:cxnSpLocks/>
+          </p:cNvCxnSpPr>
+          <p:nvPr/>
+        </p:nvCxnSpPr>
+        <p:spPr>
+          <a:xfrm>
+            <a:off x="7683566" y="2585500"/>
+            <a:ext cx="1695040" cy="0"/>
+          </a:xfrm>
+          <a:prstGeom prst="line">
+            <a:avLst/>
+          </a:prstGeom>
+          <a:ln w="28575"/>
+        </p:spPr>
+        <p:style>
+          <a:lnRef idx="1">
+            <a:schemeClr val="dk1"/>
+          </a:lnRef>
+          <a:fillRef idx="0">
+            <a:schemeClr val="dk1"/>
+          </a:fillRef>
+          <a:effectRef idx="0">
+            <a:schemeClr val="dk1"/>
+          </a:effectRef>
+          <a:fontRef idx="minor">
+            <a:schemeClr val="tx1"/>
+          </a:fontRef>
+        </p:style>
+      </p:cxnSp>
+      <p:cxnSp>
+        <p:nvCxnSpPr>
+          <p:cNvPr id="7" name="Conector recto 6">
+            <a:extLst>
+              <a:ext uri="{FF2B5EF4-FFF2-40B4-BE49-F238E27FC236}">
+                <a16:creationId xmlns:a16="http://schemas.microsoft.com/office/drawing/2014/main" id="{71DAF938-BC8A-1F7F-0951-08D5820D3E73}"/>
+              </a:ext>
+            </a:extLst>
+          </p:cNvPr>
+          <p:cNvCxnSpPr>
+            <a:cxnSpLocks/>
+          </p:cNvCxnSpPr>
+          <p:nvPr/>
+        </p:nvCxnSpPr>
+        <p:spPr>
+          <a:xfrm>
+            <a:off x="3329991" y="2834300"/>
+            <a:ext cx="760320" cy="0"/>
+          </a:xfrm>
+          <a:prstGeom prst="line">
+            <a:avLst/>
+          </a:prstGeom>
+          <a:ln w="28575"/>
+        </p:spPr>
+        <p:style>
+          <a:lnRef idx="1">
+            <a:schemeClr val="dk1"/>
+          </a:lnRef>
+          <a:fillRef idx="0">
+            <a:schemeClr val="dk1"/>
+          </a:fillRef>
+          <a:effectRef idx="0">
+            <a:schemeClr val="dk1"/>
+          </a:effectRef>
+          <a:fontRef idx="minor">
+            <a:schemeClr val="tx1"/>
+          </a:fontRef>
+        </p:style>
+      </p:cxnSp>
+      <p:cxnSp>
+        <p:nvCxnSpPr>
+          <p:cNvPr id="8" name="Conector recto 7">
+            <a:extLst>
+              <a:ext uri="{FF2B5EF4-FFF2-40B4-BE49-F238E27FC236}">
+                <a16:creationId xmlns:a16="http://schemas.microsoft.com/office/drawing/2014/main" id="{10765BAE-0BBB-8A7E-9C41-0042199A3F99}"/>
+              </a:ext>
+            </a:extLst>
+          </p:cNvPr>
+          <p:cNvCxnSpPr>
+            <a:cxnSpLocks/>
+          </p:cNvCxnSpPr>
+          <p:nvPr/>
+        </p:nvCxnSpPr>
+        <p:spPr>
+          <a:xfrm>
+            <a:off x="7686952" y="3542232"/>
+            <a:ext cx="1695040" cy="0"/>
+          </a:xfrm>
+          <a:prstGeom prst="line">
+            <a:avLst/>
+          </a:prstGeom>
+          <a:ln w="28575"/>
+        </p:spPr>
+        <p:style>
+          <a:lnRef idx="1">
+            <a:schemeClr val="dk1"/>
+          </a:lnRef>
+          <a:fillRef idx="0">
+            <a:schemeClr val="dk1"/>
+          </a:fillRef>
+          <a:effectRef idx="0">
+            <a:schemeClr val="dk1"/>
+          </a:effectRef>
+          <a:fontRef idx="minor">
+            <a:schemeClr val="tx1"/>
+          </a:fontRef>
+        </p:style>
+      </p:cxnSp>
+      <p:cxnSp>
+        <p:nvCxnSpPr>
+          <p:cNvPr id="9" name="Conector recto 8">
+            <a:extLst>
+              <a:ext uri="{FF2B5EF4-FFF2-40B4-BE49-F238E27FC236}">
+                <a16:creationId xmlns:a16="http://schemas.microsoft.com/office/drawing/2014/main" id="{6840613F-04BE-4E85-13FC-1440EE6425E9}"/>
+              </a:ext>
+            </a:extLst>
+          </p:cNvPr>
+          <p:cNvCxnSpPr>
+            <a:cxnSpLocks/>
+          </p:cNvCxnSpPr>
+          <p:nvPr/>
+        </p:nvCxnSpPr>
+        <p:spPr>
+          <a:xfrm>
+            <a:off x="7676792" y="3063032"/>
+            <a:ext cx="1695040" cy="0"/>
+          </a:xfrm>
+          <a:prstGeom prst="line">
+            <a:avLst/>
+          </a:prstGeom>
+          <a:ln w="28575"/>
+        </p:spPr>
+        <p:style>
+          <a:lnRef idx="1">
+            <a:schemeClr val="dk1"/>
+          </a:lnRef>
+          <a:fillRef idx="0">
+            <a:schemeClr val="dk1"/>
+          </a:fillRef>
+          <a:effectRef idx="0">
+            <a:schemeClr val="dk1"/>
+          </a:effectRef>
+          <a:fontRef idx="minor">
+            <a:schemeClr val="tx1"/>
+          </a:fontRef>
+        </p:style>
+      </p:cxnSp>
+      <p:cxnSp>
+        <p:nvCxnSpPr>
+          <p:cNvPr id="14" name="Conector recto 13">
+            <a:extLst>
+              <a:ext uri="{FF2B5EF4-FFF2-40B4-BE49-F238E27FC236}">
+                <a16:creationId xmlns:a16="http://schemas.microsoft.com/office/drawing/2014/main" id="{2FACDADA-1821-2482-F1A9-71995D2763B0}"/>
+              </a:ext>
+            </a:extLst>
+          </p:cNvPr>
+          <p:cNvCxnSpPr>
+            <a:cxnSpLocks/>
+          </p:cNvCxnSpPr>
+          <p:nvPr/>
+        </p:nvCxnSpPr>
+        <p:spPr>
+          <a:xfrm>
+            <a:off x="7685259" y="2106300"/>
+            <a:ext cx="1695040" cy="0"/>
+          </a:xfrm>
+          <a:prstGeom prst="line">
+            <a:avLst/>
+          </a:prstGeom>
+          <a:ln w="28575"/>
+        </p:spPr>
+        <p:style>
+          <a:lnRef idx="1">
+            <a:schemeClr val="dk1"/>
+          </a:lnRef>
+          <a:fillRef idx="0">
+            <a:schemeClr val="dk1"/>
+          </a:fillRef>
+          <a:effectRef idx="0">
+            <a:schemeClr val="dk1"/>
+          </a:effectRef>
+          <a:fontRef idx="minor">
+            <a:schemeClr val="tx1"/>
+          </a:fontRef>
+        </p:style>
+      </p:cxnSp>
+      <p:cxnSp>
+        <p:nvCxnSpPr>
+          <p:cNvPr id="16" name="Conector recto 15">
+            <a:extLst>
+              <a:ext uri="{FF2B5EF4-FFF2-40B4-BE49-F238E27FC236}">
+                <a16:creationId xmlns:a16="http://schemas.microsoft.com/office/drawing/2014/main" id="{9A5F0A0D-4624-72FB-ED66-17D36BB0586C}"/>
+              </a:ext>
+            </a:extLst>
+          </p:cNvPr>
+          <p:cNvCxnSpPr>
+            <a:cxnSpLocks/>
+          </p:cNvCxnSpPr>
+          <p:nvPr/>
+        </p:nvCxnSpPr>
+        <p:spPr>
+          <a:xfrm>
+            <a:off x="7686952" y="4021432"/>
+            <a:ext cx="1695040" cy="0"/>
+          </a:xfrm>
+          <a:prstGeom prst="line">
+            <a:avLst/>
+          </a:prstGeom>
+          <a:ln w="28575"/>
+        </p:spPr>
+        <p:style>
+          <a:lnRef idx="1">
+            <a:schemeClr val="dk1"/>
+          </a:lnRef>
+          <a:fillRef idx="0">
+            <a:schemeClr val="dk1"/>
+          </a:fillRef>
+          <a:effectRef idx="0">
+            <a:schemeClr val="dk1"/>
+          </a:effectRef>
+          <a:fontRef idx="minor">
+            <a:schemeClr val="tx1"/>
+          </a:fontRef>
+        </p:style>
+      </p:cxnSp>
+      <p:cxnSp>
+        <p:nvCxnSpPr>
+          <p:cNvPr id="18" name="Conector recto 17">
+            <a:extLst>
+              <a:ext uri="{FF2B5EF4-FFF2-40B4-BE49-F238E27FC236}">
+                <a16:creationId xmlns:a16="http://schemas.microsoft.com/office/drawing/2014/main" id="{3654967B-F8A6-5FA9-5E4C-36B97701E122}"/>
+              </a:ext>
+            </a:extLst>
+          </p:cNvPr>
+          <p:cNvCxnSpPr>
+            <a:cxnSpLocks/>
+          </p:cNvCxnSpPr>
+          <p:nvPr/>
+        </p:nvCxnSpPr>
+        <p:spPr>
+          <a:xfrm>
+            <a:off x="7676792" y="4500632"/>
+            <a:ext cx="1695040" cy="0"/>
+          </a:xfrm>
+          <a:prstGeom prst="line">
+            <a:avLst/>
+          </a:prstGeom>
+          <a:ln w="28575"/>
+        </p:spPr>
+        <p:style>
+          <a:lnRef idx="1">
+            <a:schemeClr val="dk1"/>
+          </a:lnRef>
+          <a:fillRef idx="0">
+            <a:schemeClr val="dk1"/>
+          </a:fillRef>
+          <a:effectRef idx="0">
+            <a:schemeClr val="dk1"/>
+          </a:effectRef>
+          <a:fontRef idx="minor">
+            <a:schemeClr val="tx1"/>
+          </a:fontRef>
+        </p:style>
+      </p:cxnSp>
+      <p:sp>
+        <p:nvSpPr>
+          <p:cNvPr id="19" name="CuadroTexto 18">
+            <a:extLst>
+              <a:ext uri="{FF2B5EF4-FFF2-40B4-BE49-F238E27FC236}">
+                <a16:creationId xmlns:a16="http://schemas.microsoft.com/office/drawing/2014/main" id="{71C17250-57E4-B73A-FDB8-BEEC79CD11C7}"/>
+              </a:ext>
+            </a:extLst>
+          </p:cNvPr>
+          <p:cNvSpPr txBox="1"/>
+          <p:nvPr/>
+        </p:nvSpPr>
+        <p:spPr>
+          <a:xfrm>
+            <a:off x="7685259" y="1743900"/>
+            <a:ext cx="1684880" cy="369332"/>
+          </a:xfrm>
+          <a:prstGeom prst="rect">
+            <a:avLst/>
+          </a:prstGeom>
+          <a:noFill/>
+        </p:spPr>
+        <p:txBody>
+          <a:bodyPr wrap="square" rtlCol="0">
+            <a:spAutoFit/>
+          </a:bodyPr>
+          <a:lstStyle/>
+          <a:p>
+            <a:pPr algn="r"/>
+            <a:r>
+              <a:rPr lang="es-ES" dirty="0"/>
+              <a:t>nCS</a:t>
+            </a:r>
+            <a:endParaRPr lang="en-US" dirty="0"/>
+          </a:p>
+        </p:txBody>
+      </p:sp>
+      <p:sp>
+        <p:nvSpPr>
+          <p:cNvPr id="20" name="CuadroTexto 19">
+            <a:extLst>
+              <a:ext uri="{FF2B5EF4-FFF2-40B4-BE49-F238E27FC236}">
+                <a16:creationId xmlns:a16="http://schemas.microsoft.com/office/drawing/2014/main" id="{108016AB-A327-3869-6072-DA3A9EF73CF9}"/>
+              </a:ext>
+            </a:extLst>
+          </p:cNvPr>
+          <p:cNvSpPr txBox="1"/>
+          <p:nvPr/>
+        </p:nvSpPr>
+        <p:spPr>
+          <a:xfrm>
+            <a:off x="7695419" y="2216168"/>
+            <a:ext cx="1684880" cy="369332"/>
+          </a:xfrm>
+          <a:prstGeom prst="rect">
+            <a:avLst/>
+          </a:prstGeom>
+          <a:noFill/>
+        </p:spPr>
+        <p:txBody>
+          <a:bodyPr wrap="square" rtlCol="0">
+            <a:spAutoFit/>
+          </a:bodyPr>
+          <a:lstStyle/>
+          <a:p>
+            <a:pPr algn="r"/>
+            <a:r>
+              <a:rPr lang="es-ES" dirty="0"/>
+              <a:t>SDI</a:t>
+            </a:r>
+            <a:endParaRPr lang="en-US" dirty="0"/>
+          </a:p>
+        </p:txBody>
+      </p:sp>
+      <p:sp>
+        <p:nvSpPr>
+          <p:cNvPr id="21" name="CuadroTexto 20">
+            <a:extLst>
+              <a:ext uri="{FF2B5EF4-FFF2-40B4-BE49-F238E27FC236}">
+                <a16:creationId xmlns:a16="http://schemas.microsoft.com/office/drawing/2014/main" id="{6B03CC45-ED50-5E87-865E-B31BB0616F8A}"/>
+              </a:ext>
+            </a:extLst>
+          </p:cNvPr>
+          <p:cNvSpPr txBox="1"/>
+          <p:nvPr/>
+        </p:nvSpPr>
+        <p:spPr>
+          <a:xfrm>
+            <a:off x="2326718" y="2478634"/>
+            <a:ext cx="1684880" cy="369332"/>
+          </a:xfrm>
+          <a:prstGeom prst="rect">
+            <a:avLst/>
+          </a:prstGeom>
+          <a:noFill/>
+        </p:spPr>
+        <p:txBody>
+          <a:bodyPr wrap="square" rtlCol="0">
+            <a:spAutoFit/>
+          </a:bodyPr>
+          <a:lstStyle/>
+          <a:p>
+            <a:pPr algn="r"/>
+            <a:r>
+              <a:rPr lang="es-ES" dirty="0"/>
+              <a:t>SDO</a:t>
+            </a:r>
+            <a:endParaRPr lang="en-US" dirty="0"/>
+          </a:p>
+        </p:txBody>
+      </p:sp>
+      <p:sp>
+        <p:nvSpPr>
+          <p:cNvPr id="22" name="CuadroTexto 21">
+            <a:extLst>
+              <a:ext uri="{FF2B5EF4-FFF2-40B4-BE49-F238E27FC236}">
+                <a16:creationId xmlns:a16="http://schemas.microsoft.com/office/drawing/2014/main" id="{160CD832-5851-3B4F-BF80-CD3595A576C2}"/>
+              </a:ext>
+            </a:extLst>
+          </p:cNvPr>
+          <p:cNvSpPr txBox="1"/>
+          <p:nvPr/>
+        </p:nvSpPr>
+        <p:spPr>
+          <a:xfrm>
+            <a:off x="7695419" y="2693700"/>
+            <a:ext cx="1684880" cy="369332"/>
+          </a:xfrm>
+          <a:prstGeom prst="rect">
+            <a:avLst/>
+          </a:prstGeom>
+          <a:noFill/>
+        </p:spPr>
+        <p:txBody>
+          <a:bodyPr wrap="square" rtlCol="0">
+            <a:spAutoFit/>
+          </a:bodyPr>
+          <a:lstStyle/>
+          <a:p>
+            <a:pPr algn="r"/>
+            <a:r>
+              <a:rPr lang="es-ES" dirty="0"/>
+              <a:t>SPC</a:t>
+            </a:r>
+            <a:endParaRPr lang="en-US" dirty="0"/>
+          </a:p>
+        </p:txBody>
+      </p:sp>
+      <p:sp>
+        <p:nvSpPr>
+          <p:cNvPr id="23" name="CuadroTexto 22">
+            <a:extLst>
+              <a:ext uri="{FF2B5EF4-FFF2-40B4-BE49-F238E27FC236}">
+                <a16:creationId xmlns:a16="http://schemas.microsoft.com/office/drawing/2014/main" id="{38B88A25-CC2E-7934-8E81-048796957743}"/>
+              </a:ext>
+            </a:extLst>
+          </p:cNvPr>
+          <p:cNvSpPr txBox="1"/>
+          <p:nvPr/>
+        </p:nvSpPr>
+        <p:spPr>
+          <a:xfrm>
+            <a:off x="7695419" y="3179833"/>
+            <a:ext cx="1684880" cy="369332"/>
+          </a:xfrm>
+          <a:prstGeom prst="rect">
+            <a:avLst/>
+          </a:prstGeom>
+          <a:noFill/>
+        </p:spPr>
+        <p:txBody>
+          <a:bodyPr wrap="square" rtlCol="0">
+            <a:spAutoFit/>
+          </a:bodyPr>
+          <a:lstStyle/>
+          <a:p>
+            <a:pPr algn="r"/>
+            <a:r>
+              <a:rPr lang="es-ES" dirty="0"/>
+              <a:t>mux_disp</a:t>
+            </a:r>
+            <a:endParaRPr lang="en-US" dirty="0"/>
+          </a:p>
+        </p:txBody>
+      </p:sp>
+      <p:sp>
+        <p:nvSpPr>
+          <p:cNvPr id="24" name="CuadroTexto 23">
+            <a:extLst>
+              <a:ext uri="{FF2B5EF4-FFF2-40B4-BE49-F238E27FC236}">
+                <a16:creationId xmlns:a16="http://schemas.microsoft.com/office/drawing/2014/main" id="{8E1FF246-8613-343C-463F-356A82C9B634}"/>
+              </a:ext>
+            </a:extLst>
+          </p:cNvPr>
+          <p:cNvSpPr txBox="1"/>
+          <p:nvPr/>
+        </p:nvSpPr>
+        <p:spPr>
+          <a:xfrm>
+            <a:off x="7692032" y="3659032"/>
+            <a:ext cx="1684880" cy="369332"/>
+          </a:xfrm>
+          <a:prstGeom prst="rect">
+            <a:avLst/>
+          </a:prstGeom>
+          <a:noFill/>
+        </p:spPr>
+        <p:txBody>
+          <a:bodyPr wrap="square" rtlCol="0">
+            <a:spAutoFit/>
+          </a:bodyPr>
+          <a:lstStyle/>
+          <a:p>
+            <a:pPr algn="r"/>
+            <a:r>
+              <a:rPr lang="es-ES" dirty="0"/>
+              <a:t>disp</a:t>
+            </a:r>
+            <a:endParaRPr lang="en-US" dirty="0"/>
+          </a:p>
+        </p:txBody>
+      </p:sp>
+      <p:sp>
+        <p:nvSpPr>
+          <p:cNvPr id="25" name="CuadroTexto 24">
+            <a:extLst>
+              <a:ext uri="{FF2B5EF4-FFF2-40B4-BE49-F238E27FC236}">
+                <a16:creationId xmlns:a16="http://schemas.microsoft.com/office/drawing/2014/main" id="{C1C5D2C1-78F5-3AB0-A5A4-99386B3B8450}"/>
+              </a:ext>
+            </a:extLst>
+          </p:cNvPr>
+          <p:cNvSpPr txBox="1"/>
+          <p:nvPr/>
+        </p:nvSpPr>
+        <p:spPr>
+          <a:xfrm>
+            <a:off x="7695419" y="4124368"/>
+            <a:ext cx="1684880" cy="369332"/>
+          </a:xfrm>
+          <a:prstGeom prst="rect">
+            <a:avLst/>
+          </a:prstGeom>
+          <a:noFill/>
+        </p:spPr>
+        <p:txBody>
+          <a:bodyPr wrap="square" rtlCol="0">
+            <a:spAutoFit/>
+          </a:bodyPr>
+          <a:lstStyle/>
+          <a:p>
+            <a:pPr algn="r"/>
+            <a:r>
+              <a:rPr lang="es-ES" dirty="0"/>
+              <a:t>leds</a:t>
+            </a:r>
+            <a:endParaRPr lang="en-US" dirty="0"/>
+          </a:p>
+        </p:txBody>
+      </p:sp>
+      <p:sp>
+        <p:nvSpPr>
+          <p:cNvPr id="26" name="CuadroTexto 25">
+            <a:extLst>
+              <a:ext uri="{FF2B5EF4-FFF2-40B4-BE49-F238E27FC236}">
+                <a16:creationId xmlns:a16="http://schemas.microsoft.com/office/drawing/2014/main" id="{4CD7C552-73D9-46BA-6AB1-133F42600B67}"/>
+              </a:ext>
+            </a:extLst>
+          </p:cNvPr>
+          <p:cNvSpPr txBox="1"/>
+          <p:nvPr/>
+        </p:nvSpPr>
+        <p:spPr>
+          <a:xfrm>
+            <a:off x="5907245" y="1928566"/>
+            <a:ext cx="1684880" cy="369332"/>
+          </a:xfrm>
+          <a:prstGeom prst="rect">
+            <a:avLst/>
+          </a:prstGeom>
+          <a:noFill/>
+        </p:spPr>
+        <p:txBody>
+          <a:bodyPr wrap="square" rtlCol="0">
+            <a:spAutoFit/>
+          </a:bodyPr>
+          <a:lstStyle/>
+          <a:p>
+            <a:pPr algn="r"/>
+            <a:r>
+              <a:rPr lang="es-ES" dirty="0"/>
+              <a:t>nCS</a:t>
+            </a:r>
+            <a:endParaRPr lang="en-US" dirty="0"/>
+          </a:p>
+        </p:txBody>
+      </p:sp>
+      <p:sp>
+        <p:nvSpPr>
+          <p:cNvPr id="27" name="CuadroTexto 26">
+            <a:extLst>
+              <a:ext uri="{FF2B5EF4-FFF2-40B4-BE49-F238E27FC236}">
+                <a16:creationId xmlns:a16="http://schemas.microsoft.com/office/drawing/2014/main" id="{E2C1F5D6-6885-7102-D3E7-185AF58A4195}"/>
+              </a:ext>
+            </a:extLst>
+          </p:cNvPr>
+          <p:cNvSpPr txBox="1"/>
+          <p:nvPr/>
+        </p:nvSpPr>
+        <p:spPr>
+          <a:xfrm>
+            <a:off x="5917405" y="2400834"/>
+            <a:ext cx="1684880" cy="369332"/>
+          </a:xfrm>
+          <a:prstGeom prst="rect">
+            <a:avLst/>
+          </a:prstGeom>
+          <a:noFill/>
+        </p:spPr>
+        <p:txBody>
+          <a:bodyPr wrap="square" rtlCol="0">
+            <a:spAutoFit/>
+          </a:bodyPr>
+          <a:lstStyle/>
+          <a:p>
+            <a:pPr algn="r"/>
+            <a:r>
+              <a:rPr lang="es-ES" dirty="0"/>
+              <a:t>SDI</a:t>
+            </a:r>
+            <a:endParaRPr lang="en-US" dirty="0"/>
+          </a:p>
+        </p:txBody>
+      </p:sp>
+      <p:sp>
+        <p:nvSpPr>
+          <p:cNvPr id="28" name="CuadroTexto 27">
+            <a:extLst>
+              <a:ext uri="{FF2B5EF4-FFF2-40B4-BE49-F238E27FC236}">
+                <a16:creationId xmlns:a16="http://schemas.microsoft.com/office/drawing/2014/main" id="{AD21B7DD-C89E-174A-B276-373440ACD7F5}"/>
+              </a:ext>
+            </a:extLst>
+          </p:cNvPr>
+          <p:cNvSpPr txBox="1"/>
+          <p:nvPr/>
+        </p:nvSpPr>
+        <p:spPr>
+          <a:xfrm>
+            <a:off x="4090311" y="2622699"/>
+            <a:ext cx="1684880" cy="369332"/>
+          </a:xfrm>
+          <a:prstGeom prst="rect">
+            <a:avLst/>
+          </a:prstGeom>
+          <a:noFill/>
+        </p:spPr>
+        <p:txBody>
+          <a:bodyPr wrap="square" rtlCol="0">
+            <a:spAutoFit/>
+          </a:bodyPr>
+          <a:lstStyle/>
+          <a:p>
+            <a:r>
+              <a:rPr lang="es-ES" dirty="0"/>
+              <a:t>SDO</a:t>
+            </a:r>
+            <a:endParaRPr lang="en-US" dirty="0"/>
+          </a:p>
+        </p:txBody>
+      </p:sp>
+      <p:sp>
+        <p:nvSpPr>
+          <p:cNvPr id="29" name="CuadroTexto 28">
+            <a:extLst>
+              <a:ext uri="{FF2B5EF4-FFF2-40B4-BE49-F238E27FC236}">
+                <a16:creationId xmlns:a16="http://schemas.microsoft.com/office/drawing/2014/main" id="{17AED7C0-0414-B609-6C78-5632B2807930}"/>
+              </a:ext>
+            </a:extLst>
+          </p:cNvPr>
+          <p:cNvSpPr txBox="1"/>
+          <p:nvPr/>
+        </p:nvSpPr>
+        <p:spPr>
+          <a:xfrm>
+            <a:off x="5917405" y="2878366"/>
+            <a:ext cx="1684880" cy="369332"/>
+          </a:xfrm>
+          <a:prstGeom prst="rect">
+            <a:avLst/>
+          </a:prstGeom>
+          <a:noFill/>
+        </p:spPr>
+        <p:txBody>
+          <a:bodyPr wrap="square" rtlCol="0">
+            <a:spAutoFit/>
+          </a:bodyPr>
+          <a:lstStyle/>
+          <a:p>
+            <a:pPr algn="r"/>
+            <a:r>
+              <a:rPr lang="es-ES" dirty="0"/>
+              <a:t>SPC</a:t>
+            </a:r>
+            <a:endParaRPr lang="en-US" dirty="0"/>
+          </a:p>
+        </p:txBody>
+      </p:sp>
+      <p:sp>
+        <p:nvSpPr>
+          <p:cNvPr id="30" name="CuadroTexto 29">
+            <a:extLst>
+              <a:ext uri="{FF2B5EF4-FFF2-40B4-BE49-F238E27FC236}">
+                <a16:creationId xmlns:a16="http://schemas.microsoft.com/office/drawing/2014/main" id="{164198AB-7EA3-CEEC-6467-E6CB561A19AF}"/>
+              </a:ext>
+            </a:extLst>
+          </p:cNvPr>
+          <p:cNvSpPr txBox="1"/>
+          <p:nvPr/>
+        </p:nvSpPr>
+        <p:spPr>
+          <a:xfrm>
+            <a:off x="5917405" y="3364499"/>
+            <a:ext cx="1684880" cy="369332"/>
+          </a:xfrm>
+          <a:prstGeom prst="rect">
+            <a:avLst/>
+          </a:prstGeom>
+          <a:noFill/>
+        </p:spPr>
+        <p:txBody>
+          <a:bodyPr wrap="square" rtlCol="0">
+            <a:spAutoFit/>
+          </a:bodyPr>
+          <a:lstStyle/>
+          <a:p>
+            <a:pPr algn="r"/>
+            <a:r>
+              <a:rPr lang="es-ES" dirty="0"/>
+              <a:t>mux_disp</a:t>
+            </a:r>
+            <a:endParaRPr lang="en-US" dirty="0"/>
+          </a:p>
+        </p:txBody>
+      </p:sp>
+      <p:sp>
+        <p:nvSpPr>
+          <p:cNvPr id="31" name="CuadroTexto 30">
+            <a:extLst>
+              <a:ext uri="{FF2B5EF4-FFF2-40B4-BE49-F238E27FC236}">
+                <a16:creationId xmlns:a16="http://schemas.microsoft.com/office/drawing/2014/main" id="{7AF41ACE-A037-B4EB-C9AC-37D688FA12FF}"/>
+              </a:ext>
+            </a:extLst>
+          </p:cNvPr>
+          <p:cNvSpPr txBox="1"/>
+          <p:nvPr/>
+        </p:nvSpPr>
+        <p:spPr>
+          <a:xfrm>
+            <a:off x="5914018" y="3843698"/>
+            <a:ext cx="1684880" cy="369332"/>
+          </a:xfrm>
+          <a:prstGeom prst="rect">
+            <a:avLst/>
+          </a:prstGeom>
+          <a:noFill/>
+        </p:spPr>
+        <p:txBody>
+          <a:bodyPr wrap="square" rtlCol="0">
+            <a:spAutoFit/>
+          </a:bodyPr>
+          <a:lstStyle/>
+          <a:p>
+            <a:pPr algn="r"/>
+            <a:r>
+              <a:rPr lang="es-ES" dirty="0"/>
+              <a:t>disp</a:t>
+            </a:r>
+            <a:endParaRPr lang="en-US" dirty="0"/>
+          </a:p>
+        </p:txBody>
+      </p:sp>
+      <p:sp>
+        <p:nvSpPr>
+          <p:cNvPr id="32" name="CuadroTexto 31">
+            <a:extLst>
+              <a:ext uri="{FF2B5EF4-FFF2-40B4-BE49-F238E27FC236}">
+                <a16:creationId xmlns:a16="http://schemas.microsoft.com/office/drawing/2014/main" id="{24691759-B757-DB12-823C-1C4BB33B3CDC}"/>
+              </a:ext>
+            </a:extLst>
+          </p:cNvPr>
+          <p:cNvSpPr txBox="1"/>
+          <p:nvPr/>
+        </p:nvSpPr>
+        <p:spPr>
+          <a:xfrm>
+            <a:off x="5917405" y="4309034"/>
+            <a:ext cx="1684880" cy="369332"/>
+          </a:xfrm>
+          <a:prstGeom prst="rect">
+            <a:avLst/>
+          </a:prstGeom>
+          <a:noFill/>
+        </p:spPr>
+        <p:txBody>
+          <a:bodyPr wrap="square" rtlCol="0">
+            <a:spAutoFit/>
+          </a:bodyPr>
+          <a:lstStyle/>
+          <a:p>
+            <a:pPr algn="r"/>
+            <a:r>
+              <a:rPr lang="es-ES" dirty="0"/>
+              <a:t>leds</a:t>
+            </a:r>
+            <a:endParaRPr lang="en-US" dirty="0"/>
+          </a:p>
+        </p:txBody>
+      </p:sp>
+      <p:sp>
+        <p:nvSpPr>
+          <p:cNvPr id="33" name="Triángulo isósceles 32">
+            <a:extLst>
+              <a:ext uri="{FF2B5EF4-FFF2-40B4-BE49-F238E27FC236}">
+                <a16:creationId xmlns:a16="http://schemas.microsoft.com/office/drawing/2014/main" id="{A7A9BF8B-BD61-640A-E56D-1D2F08DC2860}"/>
+              </a:ext>
+            </a:extLst>
+          </p:cNvPr>
+          <p:cNvSpPr/>
+          <p:nvPr/>
+        </p:nvSpPr>
+        <p:spPr>
+          <a:xfrm rot="5400000">
+            <a:off x="4069144" y="4348497"/>
+            <a:ext cx="279400" cy="237066"/>
+          </a:xfrm>
+          <a:prstGeom prst="triangle">
+            <a:avLst/>
+          </a:prstGeom>
+          <a:ln w="28575"/>
+        </p:spPr>
+        <p:style>
+          <a:lnRef idx="2">
+            <a:schemeClr val="dk1"/>
+          </a:lnRef>
+          <a:fillRef idx="1">
+            <a:schemeClr val="lt1"/>
+          </a:fillRef>
+          <a:effectRef idx="0">
+            <a:schemeClr val="dk1"/>
+          </a:effectRef>
+          <a:fontRef idx="minor">
+            <a:schemeClr val="dk1"/>
+          </a:fontRef>
+        </p:style>
+        <p:txBody>
+          <a:bodyPr rtlCol="0" anchor="ctr"/>
+          <a:lstStyle/>
+          <a:p>
+            <a:pPr algn="ctr"/>
+            <a:endParaRPr lang="en-US" dirty="0"/>
+          </a:p>
+        </p:txBody>
+      </p:sp>
+      <p:cxnSp>
+        <p:nvCxnSpPr>
+          <p:cNvPr id="35" name="Conector recto 34">
+            <a:extLst>
+              <a:ext uri="{FF2B5EF4-FFF2-40B4-BE49-F238E27FC236}">
+                <a16:creationId xmlns:a16="http://schemas.microsoft.com/office/drawing/2014/main" id="{721638C2-EAD3-5A9B-F967-A1B25523B376}"/>
+              </a:ext>
+            </a:extLst>
+          </p:cNvPr>
+          <p:cNvCxnSpPr>
+            <a:stCxn id="4" idx="2"/>
+          </p:cNvCxnSpPr>
+          <p:nvPr/>
+        </p:nvCxnSpPr>
+        <p:spPr>
+          <a:xfrm>
+            <a:off x="5890311" y="5117032"/>
+            <a:ext cx="0" cy="528333"/>
+          </a:xfrm>
+          <a:prstGeom prst="line">
+            <a:avLst/>
+          </a:prstGeom>
+          <a:ln w="28575"/>
+        </p:spPr>
+        <p:style>
+          <a:lnRef idx="1">
+            <a:schemeClr val="dk1"/>
+          </a:lnRef>
+          <a:fillRef idx="0">
+            <a:schemeClr val="dk1"/>
+          </a:fillRef>
+          <a:effectRef idx="0">
+            <a:schemeClr val="dk1"/>
+          </a:effectRef>
+          <a:fontRef idx="minor">
+            <a:schemeClr val="tx1"/>
+          </a:fontRef>
+        </p:style>
+      </p:cxnSp>
+      <p:cxnSp>
+        <p:nvCxnSpPr>
+          <p:cNvPr id="36" name="Conector recto 35">
+            <a:extLst>
+              <a:ext uri="{FF2B5EF4-FFF2-40B4-BE49-F238E27FC236}">
+                <a16:creationId xmlns:a16="http://schemas.microsoft.com/office/drawing/2014/main" id="{4C559E6F-AA47-6331-2E92-D6BFE97C3FE5}"/>
+              </a:ext>
+            </a:extLst>
+          </p:cNvPr>
+          <p:cNvCxnSpPr>
+            <a:cxnSpLocks/>
+          </p:cNvCxnSpPr>
+          <p:nvPr/>
+        </p:nvCxnSpPr>
+        <p:spPr>
+          <a:xfrm flipH="1">
+            <a:off x="5251924" y="5645365"/>
+            <a:ext cx="638387" cy="0"/>
+          </a:xfrm>
+          <a:prstGeom prst="line">
+            <a:avLst/>
+          </a:prstGeom>
+          <a:ln w="28575"/>
+        </p:spPr>
+        <p:style>
+          <a:lnRef idx="1">
+            <a:schemeClr val="dk1"/>
+          </a:lnRef>
+          <a:fillRef idx="0">
+            <a:schemeClr val="dk1"/>
+          </a:fillRef>
+          <a:effectRef idx="0">
+            <a:schemeClr val="dk1"/>
+          </a:effectRef>
+          <a:fontRef idx="minor">
+            <a:schemeClr val="tx1"/>
+          </a:fontRef>
+        </p:style>
+      </p:cxnSp>
+      <p:sp>
+        <p:nvSpPr>
+          <p:cNvPr id="39" name="CuadroTexto 38">
+            <a:extLst>
+              <a:ext uri="{FF2B5EF4-FFF2-40B4-BE49-F238E27FC236}">
+                <a16:creationId xmlns:a16="http://schemas.microsoft.com/office/drawing/2014/main" id="{1E7D3BBA-1A58-80E3-350A-D4848D863D38}"/>
+              </a:ext>
+            </a:extLst>
+          </p:cNvPr>
+          <p:cNvSpPr txBox="1"/>
+          <p:nvPr/>
+        </p:nvSpPr>
+        <p:spPr>
+          <a:xfrm>
+            <a:off x="4090311" y="5356934"/>
+            <a:ext cx="1684880" cy="369332"/>
+          </a:xfrm>
+          <a:prstGeom prst="rect">
+            <a:avLst/>
+          </a:prstGeom>
+          <a:noFill/>
+        </p:spPr>
+        <p:txBody>
+          <a:bodyPr wrap="square" rtlCol="0">
+            <a:spAutoFit/>
+          </a:bodyPr>
+          <a:lstStyle/>
+          <a:p>
+            <a:pPr algn="r"/>
+            <a:r>
+              <a:rPr lang="es-ES" dirty="0"/>
+              <a:t>nRst</a:t>
+            </a:r>
+            <a:endParaRPr lang="en-US" dirty="0"/>
           </a:p>
         </p:txBody>
       </p:sp>
     </p:spTree>
     <p:extLst>
       <p:ext uri="{BB962C8B-B14F-4D97-AF65-F5344CB8AC3E}">
-        <p14:creationId xmlns:p14="http://schemas.microsoft.com/office/powerpoint/2010/main" val="906751862"/>
-      </p:ext>
-    </p:extLst>
-  </p:cSld>
-  <p:clrMapOvr>
-    <a:masterClrMapping/>
-  </p:clrMapOvr>
-</p:sld>
-</file>
-
-<file path=ppt/slides/slide5.xml><?xml version="1.0" encoding="utf-8"?>
-<p:sld xmlns:a="http://schemas.openxmlformats.org/drawingml/2006/main" xmlns:r="http://schemas.openxmlformats.org/officeDocument/2006/relationships" xmlns:p="http://schemas.openxmlformats.org/presentationml/2006/main">
-  <p:cSld>
-    <p:spTree>
-      <p:nvGrpSpPr>
-        <p:cNvPr id="1" name=""/>
-        <p:cNvGrpSpPr/>
-        <p:nvPr/>
-      </p:nvGrpSpPr>
-      <p:grpSpPr>
-        <a:xfrm>
-          <a:off x="0" y="0"/>
-          <a:ext cx="0" cy="0"/>
-          <a:chOff x="0" y="0"/>
-          <a:chExt cx="0" cy="0"/>
-        </a:xfrm>
-      </p:grpSpPr>
-      <p:sp>
-        <p:nvSpPr>
-          <p:cNvPr id="4" name="Rectángulo 3">
-            <a:extLst>
-              <a:ext uri="{FF2B5EF4-FFF2-40B4-BE49-F238E27FC236}">
-                <a16:creationId xmlns:a16="http://schemas.microsoft.com/office/drawing/2014/main" id="{EB4F9071-FF12-F329-7121-ED866C6992F4}"/>
-              </a:ext>
-            </a:extLst>
-          </p:cNvPr>
-          <p:cNvSpPr/>
-          <p:nvPr/>
-        </p:nvSpPr>
-        <p:spPr>
-          <a:xfrm>
-            <a:off x="4296000" y="1629000"/>
-            <a:ext cx="3600000" cy="3600000"/>
-          </a:xfrm>
-          <a:prstGeom prst="rect">
-            <a:avLst/>
-          </a:prstGeom>
-          <a:noFill/>
-          <a:ln w="28575">
-            <a:solidFill>
-              <a:schemeClr val="tx1"/>
-            </a:solidFill>
-          </a:ln>
-        </p:spPr>
-        <p:style>
-          <a:lnRef idx="2">
-            <a:schemeClr val="accent1">
-              <a:shade val="50000"/>
-            </a:schemeClr>
-          </a:lnRef>
-          <a:fillRef idx="1">
-            <a:schemeClr val="accent1"/>
-          </a:fillRef>
-          <a:effectRef idx="0">
-            <a:schemeClr val="accent1"/>
-          </a:effectRef>
-          <a:fontRef idx="minor">
-            <a:schemeClr val="lt1"/>
-          </a:fontRef>
-        </p:style>
-        <p:txBody>
-          <a:bodyPr rtlCol="0" anchor="ctr"/>
-          <a:lstStyle/>
-          <a:p>
-            <a:pPr algn="ctr"/>
-            <a:endParaRPr lang="es-ES"/>
-          </a:p>
-        </p:txBody>
-      </p:sp>
-    </p:spTree>
-    <p:extLst>
-      <p:ext uri="{BB962C8B-B14F-4D97-AF65-F5344CB8AC3E}">
-        <p14:creationId xmlns:p14="http://schemas.microsoft.com/office/powerpoint/2010/main" val="2311842528"/>
-      </p:ext>
-    </p:extLst>
-  </p:cSld>
-  <p:clrMapOvr>
-    <a:masterClrMapping/>
-  </p:clrMapOvr>
-</p:sld>
-</file>
-
-<file path=ppt/slides/slide6.xml><?xml version="1.0" encoding="utf-8"?>
-<p:sld xmlns:a="http://schemas.openxmlformats.org/drawingml/2006/main" xmlns:r="http://schemas.openxmlformats.org/officeDocument/2006/relationships" xmlns:p="http://schemas.openxmlformats.org/presentationml/2006/main">
-  <p:cSld>
-    <p:spTree>
-      <p:nvGrpSpPr>
-        <p:cNvPr id="1" name=""/>
-        <p:cNvGrpSpPr/>
-        <p:nvPr/>
-      </p:nvGrpSpPr>
-      <p:grpSpPr>
-        <a:xfrm>
-          <a:off x="0" y="0"/>
-          <a:ext cx="0" cy="0"/>
-          <a:chOff x="0" y="0"/>
-          <a:chExt cx="0" cy="0"/>
-        </a:xfrm>
-      </p:grpSpPr>
-      <p:sp>
-        <p:nvSpPr>
-          <p:cNvPr id="4" name="Rectángulo 3">
-            <a:extLst>
-              <a:ext uri="{FF2B5EF4-FFF2-40B4-BE49-F238E27FC236}">
-                <a16:creationId xmlns:a16="http://schemas.microsoft.com/office/drawing/2014/main" id="{EB4F9071-FF12-F329-7121-ED866C6992F4}"/>
-              </a:ext>
-            </a:extLst>
-          </p:cNvPr>
-          <p:cNvSpPr/>
-          <p:nvPr/>
-        </p:nvSpPr>
-        <p:spPr>
-          <a:xfrm>
-            <a:off x="4296000" y="1629000"/>
-            <a:ext cx="3600000" cy="3600000"/>
-          </a:xfrm>
-          <a:prstGeom prst="rect">
-            <a:avLst/>
-          </a:prstGeom>
-          <a:noFill/>
-          <a:ln w="28575">
-            <a:solidFill>
-              <a:schemeClr val="tx1"/>
-            </a:solidFill>
-          </a:ln>
-        </p:spPr>
-        <p:style>
-          <a:lnRef idx="2">
-            <a:schemeClr val="accent1">
-              <a:shade val="50000"/>
-            </a:schemeClr>
-          </a:lnRef>
-          <a:fillRef idx="1">
-            <a:schemeClr val="accent1"/>
-          </a:fillRef>
-          <a:effectRef idx="0">
-            <a:schemeClr val="accent1"/>
-          </a:effectRef>
-          <a:fontRef idx="minor">
-            <a:schemeClr val="lt1"/>
-          </a:fontRef>
-        </p:style>
-        <p:txBody>
-          <a:bodyPr rtlCol="0" anchor="ctr"/>
-          <a:lstStyle/>
-          <a:p>
-            <a:pPr algn="ctr"/>
-            <a:endParaRPr lang="es-ES"/>
-          </a:p>
-        </p:txBody>
-      </p:sp>
-    </p:spTree>
-    <p:extLst>
-      <p:ext uri="{BB962C8B-B14F-4D97-AF65-F5344CB8AC3E}">
-        <p14:creationId xmlns:p14="http://schemas.microsoft.com/office/powerpoint/2010/main" val="1686611897"/>
-      </p:ext>
-    </p:extLst>
-  </p:cSld>
-  <p:clrMapOvr>
-    <a:masterClrMapping/>
-  </p:clrMapOvr>
-</p:sld>
-</file>
-
-<file path=ppt/slides/slide7.xml><?xml version="1.0" encoding="utf-8"?>
-<p:sld xmlns:a="http://schemas.openxmlformats.org/drawingml/2006/main" xmlns:r="http://schemas.openxmlformats.org/officeDocument/2006/relationships" xmlns:p="http://schemas.openxmlformats.org/presentationml/2006/main">
-  <p:cSld>
-    <p:spTree>
-      <p:nvGrpSpPr>
-        <p:cNvPr id="1" name=""/>
-        <p:cNvGrpSpPr/>
-        <p:nvPr/>
-      </p:nvGrpSpPr>
-      <p:grpSpPr>
-        <a:xfrm>
-          <a:off x="0" y="0"/>
-          <a:ext cx="0" cy="0"/>
-          <a:chOff x="0" y="0"/>
-          <a:chExt cx="0" cy="0"/>
-        </a:xfrm>
-      </p:grpSpPr>
-      <p:sp>
-        <p:nvSpPr>
-          <p:cNvPr id="4" name="Rectángulo 3">
-            <a:extLst>
-              <a:ext uri="{FF2B5EF4-FFF2-40B4-BE49-F238E27FC236}">
-                <a16:creationId xmlns:a16="http://schemas.microsoft.com/office/drawing/2014/main" id="{EB4F9071-FF12-F329-7121-ED866C6992F4}"/>
-              </a:ext>
-            </a:extLst>
-          </p:cNvPr>
-          <p:cNvSpPr/>
-          <p:nvPr/>
-        </p:nvSpPr>
-        <p:spPr>
-          <a:xfrm>
-            <a:off x="4296000" y="1629000"/>
-            <a:ext cx="3600000" cy="3600000"/>
-          </a:xfrm>
-          <a:prstGeom prst="rect">
-            <a:avLst/>
-          </a:prstGeom>
-          <a:noFill/>
-          <a:ln w="28575">
-            <a:solidFill>
-              <a:schemeClr val="tx1"/>
-            </a:solidFill>
-          </a:ln>
-        </p:spPr>
-        <p:style>
-          <a:lnRef idx="2">
-            <a:schemeClr val="accent1">
-              <a:shade val="50000"/>
-            </a:schemeClr>
-          </a:lnRef>
-          <a:fillRef idx="1">
-            <a:schemeClr val="accent1"/>
-          </a:fillRef>
-          <a:effectRef idx="0">
-            <a:schemeClr val="accent1"/>
-          </a:effectRef>
-          <a:fontRef idx="minor">
-            <a:schemeClr val="lt1"/>
-          </a:fontRef>
-        </p:style>
-        <p:txBody>
-          <a:bodyPr rtlCol="0" anchor="ctr"/>
-          <a:lstStyle/>
-          <a:p>
-            <a:pPr algn="ctr"/>
-            <a:endParaRPr lang="es-ES"/>
-          </a:p>
-        </p:txBody>
-      </p:sp>
-    </p:spTree>
-    <p:extLst>
-      <p:ext uri="{BB962C8B-B14F-4D97-AF65-F5344CB8AC3E}">
-        <p14:creationId xmlns:p14="http://schemas.microsoft.com/office/powerpoint/2010/main" val="2167965039"/>
+        <p14:creationId xmlns:p14="http://schemas.microsoft.com/office/powerpoint/2010/main" val="1487909969"/>
       </p:ext>
     </p:extLst>
   </p:cSld>
